--- a/docs/[PPTX] ごみ分別人工知能スマホアプリ作成手順.pptx
+++ b/docs/[PPTX] ごみ分別人工知能スマホアプリ作成手順.pptx
@@ -212,7 +212,7 @@
           <a:p>
             <a:fld id="{A560109E-9573-4964-BD4D-35F4A70CE03B}" type="datetimeFigureOut">
               <a:rPr kumimoji="1" lang="ja-JP" altLang="en-US" smtClean="0"/>
-              <a:t>2018/10/23</a:t>
+              <a:t>2018/10/26</a:t>
             </a:fld>
             <a:endParaRPr kumimoji="1" lang="ja-JP" altLang="en-US"/>
           </a:p>
@@ -693,7 +693,7 @@
           <a:p>
             <a:fld id="{C8A6823F-7AC1-42EE-9E14-A8AC16C3F588}" type="datetime1">
               <a:rPr kumimoji="1" lang="ja-JP" altLang="en-US" smtClean="0"/>
-              <a:t>2018/10/23</a:t>
+              <a:t>2018/10/26</a:t>
             </a:fld>
             <a:endParaRPr kumimoji="1" lang="ja-JP" altLang="en-US"/>
           </a:p>
@@ -895,7 +895,7 @@
           <a:p>
             <a:fld id="{09384C4B-92C4-4496-AE1E-FAB18A8BE9D0}" type="datetime1">
               <a:rPr kumimoji="1" lang="ja-JP" altLang="en-US" smtClean="0"/>
-              <a:t>2018/10/23</a:t>
+              <a:t>2018/10/26</a:t>
             </a:fld>
             <a:endParaRPr kumimoji="1" lang="ja-JP" altLang="en-US"/>
           </a:p>
@@ -1107,7 +1107,7 @@
           <a:p>
             <a:fld id="{7AE3A790-0AB6-4433-8B48-8CB71B78DE6C}" type="datetime1">
               <a:rPr kumimoji="1" lang="ja-JP" altLang="en-US" smtClean="0"/>
-              <a:t>2018/10/23</a:t>
+              <a:t>2018/10/26</a:t>
             </a:fld>
             <a:endParaRPr kumimoji="1" lang="ja-JP" altLang="en-US"/>
           </a:p>
@@ -1309,7 +1309,7 @@
           <a:p>
             <a:fld id="{8042D8B2-25EC-4778-B934-53222664F608}" type="datetime1">
               <a:rPr kumimoji="1" lang="ja-JP" altLang="en-US" smtClean="0"/>
-              <a:t>2018/10/23</a:t>
+              <a:t>2018/10/26</a:t>
             </a:fld>
             <a:endParaRPr kumimoji="1" lang="ja-JP" altLang="en-US"/>
           </a:p>
@@ -1555,7 +1555,7 @@
           <a:p>
             <a:fld id="{A3584613-286D-4556-9046-CD792279FAC6}" type="datetime1">
               <a:rPr kumimoji="1" lang="ja-JP" altLang="en-US" smtClean="0"/>
-              <a:t>2018/10/23</a:t>
+              <a:t>2018/10/26</a:t>
             </a:fld>
             <a:endParaRPr kumimoji="1" lang="ja-JP" altLang="en-US"/>
           </a:p>
@@ -1907,7 +1907,7 @@
           <a:p>
             <a:fld id="{363FBF66-C15F-4F3C-AB46-431F821B35DA}" type="datetime1">
               <a:rPr kumimoji="1" lang="ja-JP" altLang="en-US" smtClean="0"/>
-              <a:t>2018/10/23</a:t>
+              <a:t>2018/10/26</a:t>
             </a:fld>
             <a:endParaRPr kumimoji="1" lang="ja-JP" altLang="en-US"/>
           </a:p>
@@ -2393,7 +2393,7 @@
           <a:p>
             <a:fld id="{AE94FF66-1221-4426-ADD8-B72085966CA8}" type="datetime1">
               <a:rPr kumimoji="1" lang="ja-JP" altLang="en-US" smtClean="0"/>
-              <a:t>2018/10/23</a:t>
+              <a:t>2018/10/26</a:t>
             </a:fld>
             <a:endParaRPr kumimoji="1" lang="ja-JP" altLang="en-US"/>
           </a:p>
@@ -2511,7 +2511,7 @@
           <a:p>
             <a:fld id="{F5D18D72-EB63-4A43-A2E4-6CB2530AB54A}" type="datetime1">
               <a:rPr kumimoji="1" lang="ja-JP" altLang="en-US" smtClean="0"/>
-              <a:t>2018/10/23</a:t>
+              <a:t>2018/10/26</a:t>
             </a:fld>
             <a:endParaRPr kumimoji="1" lang="ja-JP" altLang="en-US"/>
           </a:p>
@@ -2606,7 +2606,7 @@
           <a:p>
             <a:fld id="{60ED58BB-BC86-4F4F-8DA7-96DD292FA369}" type="datetime1">
               <a:rPr kumimoji="1" lang="ja-JP" altLang="en-US" smtClean="0"/>
-              <a:t>2018/10/23</a:t>
+              <a:t>2018/10/26</a:t>
             </a:fld>
             <a:endParaRPr kumimoji="1" lang="ja-JP" altLang="en-US"/>
           </a:p>
@@ -2915,7 +2915,7 @@
           <a:p>
             <a:fld id="{1B1937B1-B946-43A7-9943-4D25E43E16E0}" type="datetime1">
               <a:rPr kumimoji="1" lang="ja-JP" altLang="en-US" smtClean="0"/>
-              <a:t>2018/10/23</a:t>
+              <a:t>2018/10/26</a:t>
             </a:fld>
             <a:endParaRPr kumimoji="1" lang="ja-JP" altLang="en-US"/>
           </a:p>
@@ -3168,7 +3168,7 @@
           <a:p>
             <a:fld id="{9D43DE7E-24B1-4370-AC8A-5C281695CEE7}" type="datetime1">
               <a:rPr kumimoji="1" lang="ja-JP" altLang="en-US" smtClean="0"/>
-              <a:t>2018/10/23</a:t>
+              <a:t>2018/10/26</a:t>
             </a:fld>
             <a:endParaRPr kumimoji="1" lang="ja-JP" altLang="en-US"/>
           </a:p>
@@ -3413,7 +3413,7 @@
           <a:p>
             <a:fld id="{B2C6AC98-F4B7-48AC-9720-0E2DD4CDCD46}" type="datetime1">
               <a:rPr kumimoji="1" lang="ja-JP" altLang="en-US" smtClean="0"/>
-              <a:t>2018/10/23</a:t>
+              <a:t>2018/10/26</a:t>
             </a:fld>
             <a:endParaRPr kumimoji="1" lang="ja-JP" altLang="en-US"/>
           </a:p>
@@ -3857,16 +3857,11 @@
           <a:lstStyle/>
           <a:p>
             <a:r>
-              <a:rPr kumimoji="1" lang="en-US" altLang="ja-JP" smtClean="0"/>
-              <a:t>2018/10/23</a:t>
-            </a:r>
-            <a:endParaRPr kumimoji="1" lang="en-US" altLang="ja-JP" dirty="0" smtClean="0"/>
-          </a:p>
-          <a:p>
-            <a:r>
-              <a:rPr lang="ja-JP" altLang="en-US" dirty="0"/>
-              <a:t>嶋谷</a:t>
-            </a:r>
+              <a:rPr kumimoji="1" lang="en-US" altLang="ja-JP" dirty="0" smtClean="0"/>
+              <a:t>2018/10/26</a:t>
+            </a:r>
+          </a:p>
+          <a:p>
             <a:endParaRPr kumimoji="1" lang="ja-JP" altLang="en-US" dirty="0"/>
           </a:p>
         </p:txBody>
@@ -3943,7 +3938,7 @@
         </p:nvSpPr>
         <p:spPr>
           <a:xfrm>
-            <a:off x="467544" y="274638"/>
+            <a:off x="467544" y="188640"/>
             <a:ext cx="8219256" cy="1143000"/>
           </a:xfrm>
         </p:spPr>
@@ -3954,25 +3949,21 @@
           <a:lstStyle/>
           <a:p>
             <a:r>
-              <a:rPr kumimoji="1" lang="en-US" altLang="ja-JP" sz="3200" dirty="0" smtClean="0"/>
+              <a:rPr kumimoji="1" lang="en-US" altLang="ja-JP" sz="2800" dirty="0" smtClean="0"/>
               <a:t>Loss</a:t>
             </a:r>
             <a:r>
-              <a:rPr kumimoji="1" lang="ja-JP" altLang="en-US" sz="3200" dirty="0" smtClean="0"/>
-              <a:t>（損失）の</a:t>
-            </a:r>
-            <a:r>
-              <a:rPr kumimoji="1" lang="ja-JP" altLang="en-US" sz="3200" dirty="0" smtClean="0"/>
-              <a:t>収集</a:t>
-            </a:r>
-            <a:r>
-              <a:rPr kumimoji="1" lang="en-US" altLang="ja-JP" sz="3200" dirty="0" smtClean="0"/>
+              <a:rPr kumimoji="1" lang="ja-JP" altLang="en-US" sz="2800" dirty="0" smtClean="0"/>
+              <a:t>（損失）の収集</a:t>
+            </a:r>
+            <a:r>
+              <a:rPr kumimoji="1" lang="en-US" altLang="ja-JP" sz="2800" dirty="0" smtClean="0"/>
               <a:t/>
             </a:r>
             <a:br>
-              <a:rPr kumimoji="1" lang="en-US" altLang="ja-JP" sz="3200" dirty="0" smtClean="0"/>
+              <a:rPr kumimoji="1" lang="en-US" altLang="ja-JP" sz="2800" dirty="0" smtClean="0"/>
             </a:br>
-            <a:endParaRPr kumimoji="1" lang="ja-JP" altLang="en-US" sz="3200" dirty="0"/>
+            <a:endParaRPr kumimoji="1" lang="ja-JP" altLang="en-US" sz="2800" dirty="0"/>
           </a:p>
         </p:txBody>
       </p:sp>
@@ -4015,19 +4006,7 @@
           <a:p>
             <a:r>
               <a:rPr lang="ja-JP" altLang="en-US" sz="2000" dirty="0" smtClean="0"/>
-              <a:t>下記</a:t>
-            </a:r>
-            <a:r>
-              <a:rPr lang="ja-JP" altLang="en-US" sz="2000" dirty="0" smtClean="0"/>
-              <a:t>コマンドで、ログをファイルに落とすと画面がスクロール</a:t>
-            </a:r>
-            <a:r>
-              <a:rPr lang="ja-JP" altLang="en-US" sz="2000" dirty="0" smtClean="0"/>
-              <a:t>しなくなるので</a:t>
-            </a:r>
-            <a:r>
-              <a:rPr lang="ja-JP" altLang="en-US" sz="2000" dirty="0" smtClean="0"/>
-              <a:t>、ターミナルをもう一つ開いて、</a:t>
+              <a:t>下記コマンドで、ログをファイルに落とすと画面がスクロールしなくなるので、ターミナルをもう一つ開いて、</a:t>
             </a:r>
             <a:r>
               <a:rPr lang="en-US" altLang="ja-JP" sz="2000" dirty="0" smtClean="0"/>
@@ -4035,11 +4014,7 @@
             </a:r>
             <a:r>
               <a:rPr lang="ja-JP" altLang="en-US" sz="2000" dirty="0" smtClean="0"/>
-              <a:t> コマンドで表示</a:t>
-            </a:r>
-            <a:r>
-              <a:rPr lang="ja-JP" altLang="en-US" sz="2000" dirty="0" smtClean="0"/>
-              <a:t>する</a:t>
+              <a:t> コマンドで表示する</a:t>
             </a:r>
             <a:endParaRPr lang="en-US" altLang="ja-JP" sz="2000" dirty="0" smtClean="0"/>
           </a:p>
@@ -4143,7 +4118,7 @@
             <a:pPr algn="ctr"/>
             <a:r>
               <a:rPr kumimoji="1" lang="ja-JP" altLang="en-US" dirty="0" smtClean="0"/>
-              <a:t>学習</a:t>
+              <a:t>モデル検証</a:t>
             </a:r>
             <a:endParaRPr kumimoji="1" lang="ja-JP" altLang="en-US" dirty="0"/>
           </a:p>
@@ -4318,7 +4293,7 @@
         </p:nvSpPr>
         <p:spPr>
           <a:xfrm>
-            <a:off x="467544" y="274638"/>
+            <a:off x="467544" y="188640"/>
             <a:ext cx="8219256" cy="1143000"/>
           </a:xfrm>
         </p:spPr>
@@ -4389,8 +4364,20 @@
           <a:p>
             <a:pPr lvl="1"/>
             <a:r>
+              <a:rPr lang="ja-JP" altLang="en-US" sz="2000" dirty="0" smtClean="0"/>
+              <a:t>エクセル</a:t>
+            </a:r>
+            <a:r>
+              <a:rPr lang="ja-JP" altLang="en-US" sz="2000" dirty="0" smtClean="0"/>
+              <a:t>でのグラフ化を容易にする</a:t>
+            </a:r>
+            <a:r>
+              <a:rPr lang="ja-JP" altLang="en-US" sz="2000" dirty="0" smtClean="0"/>
+              <a:t>ために、</a:t>
+            </a:r>
+            <a:r>
               <a:rPr lang="en-US" altLang="ja-JP" sz="2000" dirty="0" smtClean="0"/>
-              <a:t>Log</a:t>
+              <a:t>log</a:t>
             </a:r>
             <a:r>
               <a:rPr lang="ja-JP" altLang="en-US" sz="2000" dirty="0" smtClean="0"/>
@@ -4402,15 +4389,7 @@
             </a:r>
             <a:r>
               <a:rPr lang="ja-JP" altLang="en-US" sz="2000" dirty="0" smtClean="0"/>
-              <a:t> を含む行</a:t>
-            </a:r>
-            <a:r>
-              <a:rPr lang="ja-JP" altLang="en-US" sz="2000" dirty="0" smtClean="0"/>
-              <a:t>を</a:t>
-            </a:r>
-            <a:r>
-              <a:rPr lang="ja-JP" altLang="en-US" sz="2000" dirty="0" smtClean="0"/>
-              <a:t>抜き出す</a:t>
+              <a:t> を含む行だけを抜き出したテキストファイルを作成する</a:t>
             </a:r>
             <a:endParaRPr lang="en-US" altLang="ja-JP" sz="2000" dirty="0" smtClean="0"/>
           </a:p>
@@ -4441,11 +4420,7 @@
             </a:r>
             <a:r>
               <a:rPr lang="ja-JP" altLang="en-US" sz="1800" dirty="0" smtClean="0"/>
-              <a:t>保存</a:t>
-            </a:r>
-            <a:r>
-              <a:rPr lang="ja-JP" altLang="en-US" sz="1800" dirty="0" smtClean="0"/>
-              <a:t>フォルダ名</a:t>
+              <a:t>保存フォルダ名</a:t>
             </a:r>
             <a:r>
               <a:rPr lang="en-US" altLang="ja-JP" sz="1800" dirty="0" smtClean="0"/>
@@ -4498,11 +4473,7 @@
             </a:r>
             <a:r>
               <a:rPr lang="ja-JP" altLang="en-US" sz="2000" dirty="0" smtClean="0"/>
-              <a:t> </a:t>
-            </a:r>
-            <a:r>
-              <a:rPr lang="ja-JP" altLang="en-US" sz="2000" dirty="0" smtClean="0"/>
-              <a:t>を開き、</a:t>
+              <a:t> を開き、</a:t>
             </a:r>
             <a:r>
               <a:rPr lang="en-US" altLang="ja-JP" sz="2000" dirty="0" smtClean="0"/>
@@ -4633,7 +4604,12 @@
             <p:ph type="title"/>
           </p:nvPr>
         </p:nvSpPr>
-        <p:spPr/>
+        <p:spPr>
+          <a:xfrm>
+            <a:off x="457200" y="188640"/>
+            <a:ext cx="8229600" cy="1143000"/>
+          </a:xfrm>
+        </p:spPr>
         <p:txBody>
           <a:bodyPr>
             <a:noAutofit/>
@@ -4641,21 +4617,25 @@
           <a:lstStyle/>
           <a:p>
             <a:r>
-              <a:rPr kumimoji="1" lang="en-US" altLang="ja-JP" sz="3200" dirty="0" smtClean="0"/>
+              <a:rPr lang="en-US" altLang="ja-JP" sz="2800" dirty="0"/>
               <a:t>Loss</a:t>
             </a:r>
             <a:r>
-              <a:rPr kumimoji="1" lang="ja-JP" altLang="en-US" sz="3200" dirty="0" smtClean="0"/>
-              <a:t>グラフ作成</a:t>
-            </a:r>
-            <a:r>
-              <a:rPr kumimoji="1" lang="en-US" altLang="ja-JP" sz="3200" dirty="0" smtClean="0"/>
+              <a:rPr lang="ja-JP" altLang="en-US" sz="2800" dirty="0"/>
+              <a:t>の収集～グラフ作成</a:t>
+            </a:r>
+            <a:r>
+              <a:rPr kumimoji="1" lang="en-US" altLang="ja-JP" sz="2800" dirty="0" smtClean="0"/>
               <a:t/>
             </a:r>
             <a:br>
-              <a:rPr kumimoji="1" lang="en-US" altLang="ja-JP" sz="3200" dirty="0" smtClean="0"/>
+              <a:rPr kumimoji="1" lang="en-US" altLang="ja-JP" sz="2800" dirty="0" smtClean="0"/>
             </a:br>
-            <a:endParaRPr kumimoji="1" lang="ja-JP" altLang="en-US" sz="3200" dirty="0"/>
+            <a:r>
+              <a:rPr kumimoji="1" lang="ja-JP" altLang="en-US" sz="2800" dirty="0" smtClean="0"/>
+              <a:t>手作業</a:t>
+            </a:r>
+            <a:endParaRPr kumimoji="1" lang="ja-JP" altLang="en-US" sz="2800" dirty="0"/>
           </a:p>
         </p:txBody>
       </p:sp>
@@ -4689,6 +4669,10 @@
           <a:p>
             <a:pPr lvl="1"/>
             <a:r>
+              <a:rPr lang="ja-JP" altLang="en-US" sz="2000" dirty="0" smtClean="0"/>
+              <a:t>エクセルを使い、</a:t>
+            </a:r>
+            <a:r>
               <a:rPr lang="en-US" altLang="ja-JP" sz="2000" dirty="0" smtClean="0"/>
               <a:t>loss</a:t>
             </a:r>
@@ -4699,19 +4683,10 @@
             <a:endParaRPr lang="en-US" altLang="ja-JP" sz="2000" dirty="0"/>
           </a:p>
           <a:p>
-            <a:pPr lvl="1"/>
-            <a:r>
-              <a:rPr lang="ja-JP" altLang="en-US" sz="2000" dirty="0" smtClean="0"/>
-              <a:t>エクセルでグラフ化する</a:t>
-            </a:r>
-            <a:endParaRPr lang="en-US" altLang="ja-JP" sz="2000" dirty="0"/>
-          </a:p>
-          <a:p>
             <a:r>
               <a:rPr lang="en-US" altLang="ja-JP" sz="2400" dirty="0" smtClean="0"/>
               <a:t>Process:</a:t>
             </a:r>
-            <a:endParaRPr lang="en-US" altLang="ja-JP" sz="2400" dirty="0" smtClean="0"/>
           </a:p>
           <a:p>
             <a:pPr lvl="1"/>
@@ -4961,7 +4936,12 @@
             <p:ph type="title"/>
           </p:nvPr>
         </p:nvSpPr>
-        <p:spPr/>
+        <p:spPr>
+          <a:xfrm>
+            <a:off x="457200" y="188640"/>
+            <a:ext cx="8229600" cy="1143000"/>
+          </a:xfrm>
+        </p:spPr>
         <p:txBody>
           <a:bodyPr>
             <a:noAutofit/>
@@ -4969,29 +4949,29 @@
           <a:lstStyle/>
           <a:p>
             <a:r>
-              <a:rPr kumimoji="1" lang="en-US" altLang="ja-JP" sz="3200" dirty="0" smtClean="0"/>
+              <a:rPr kumimoji="1" lang="en-US" altLang="ja-JP" sz="2800" dirty="0" smtClean="0"/>
               <a:t>mAP</a:t>
             </a:r>
             <a:r>
-              <a:rPr kumimoji="1" lang="ja-JP" altLang="en-US" sz="3200" dirty="0" smtClean="0"/>
+              <a:rPr kumimoji="1" lang="ja-JP" altLang="en-US" sz="2800" dirty="0" smtClean="0"/>
               <a:t> 計測</a:t>
             </a:r>
             <a:r>
-              <a:rPr kumimoji="1" lang="en-US" altLang="ja-JP" sz="3200" dirty="0" smtClean="0"/>
+              <a:rPr kumimoji="1" lang="en-US" altLang="ja-JP" sz="2800" dirty="0" smtClean="0"/>
               <a:t/>
             </a:r>
             <a:br>
-              <a:rPr kumimoji="1" lang="en-US" altLang="ja-JP" sz="3200" dirty="0" smtClean="0"/>
+              <a:rPr kumimoji="1" lang="en-US" altLang="ja-JP" sz="2800" dirty="0" smtClean="0"/>
             </a:br>
             <a:r>
-              <a:rPr lang="en-US" altLang="ja-JP" sz="3200" dirty="0" smtClean="0">
+              <a:rPr lang="en-US" altLang="ja-JP" sz="2800" dirty="0" smtClean="0">
                 <a:solidFill>
                   <a:srgbClr val="C00000"/>
                 </a:solidFill>
               </a:rPr>
               <a:t>darknet-map.sh</a:t>
             </a:r>
-            <a:endParaRPr kumimoji="1" lang="ja-JP" altLang="en-US" sz="3200" dirty="0">
+            <a:endParaRPr kumimoji="1" lang="ja-JP" altLang="en-US" sz="2800" dirty="0">
               <a:solidFill>
                 <a:srgbClr val="C00000"/>
               </a:solidFill>
@@ -5240,7 +5220,12 @@
             <p:ph type="title"/>
           </p:nvPr>
         </p:nvSpPr>
-        <p:spPr/>
+        <p:spPr>
+          <a:xfrm>
+            <a:off x="457200" y="188640"/>
+            <a:ext cx="8229600" cy="1143000"/>
+          </a:xfrm>
+        </p:spPr>
         <p:txBody>
           <a:bodyPr>
             <a:noAutofit/>
@@ -5248,29 +5233,29 @@
           <a:lstStyle/>
           <a:p>
             <a:r>
-              <a:rPr kumimoji="1" lang="en-US" altLang="ja-JP" sz="3200" dirty="0" smtClean="0"/>
+              <a:rPr kumimoji="1" lang="en-US" altLang="ja-JP" sz="2800" dirty="0" smtClean="0"/>
               <a:t>mAP</a:t>
             </a:r>
             <a:r>
-              <a:rPr kumimoji="1" lang="ja-JP" altLang="en-US" sz="3200" dirty="0" smtClean="0"/>
+              <a:rPr kumimoji="1" lang="ja-JP" altLang="en-US" sz="2800" dirty="0" smtClean="0"/>
               <a:t> 計測結果編集</a:t>
             </a:r>
             <a:r>
-              <a:rPr kumimoji="1" lang="en-US" altLang="ja-JP" sz="3200" dirty="0" smtClean="0"/>
+              <a:rPr kumimoji="1" lang="en-US" altLang="ja-JP" sz="2800" dirty="0" smtClean="0"/>
               <a:t/>
             </a:r>
             <a:br>
-              <a:rPr kumimoji="1" lang="en-US" altLang="ja-JP" sz="3200" dirty="0" smtClean="0"/>
+              <a:rPr kumimoji="1" lang="en-US" altLang="ja-JP" sz="2800" dirty="0" smtClean="0"/>
             </a:br>
             <a:r>
-              <a:rPr lang="en-US" altLang="ja-JP" sz="3200" dirty="0" smtClean="0">
+              <a:rPr lang="en-US" altLang="ja-JP" sz="2800" dirty="0" smtClean="0">
                 <a:solidFill>
                   <a:srgbClr val="C00000"/>
                 </a:solidFill>
               </a:rPr>
               <a:t>darknet-map_grep.sh</a:t>
             </a:r>
-            <a:endParaRPr kumimoji="1" lang="ja-JP" altLang="en-US" sz="3200" dirty="0">
+            <a:endParaRPr kumimoji="1" lang="ja-JP" altLang="en-US" sz="2800" dirty="0">
               <a:solidFill>
                 <a:srgbClr val="C00000"/>
               </a:solidFill>
@@ -5308,7 +5293,7 @@
             </a:r>
             <a:r>
               <a:rPr lang="ja-JP" altLang="en-US" sz="2000" dirty="0" smtClean="0"/>
-              <a:t>ファイルから必要な行だけを抜き出す</a:t>
+              <a:t>ファイルからグラフ表示に必要な行だけを抜き出す</a:t>
             </a:r>
             <a:endParaRPr lang="en-US" altLang="ja-JP" sz="2000" dirty="0" smtClean="0"/>
           </a:p>
@@ -5336,7 +5321,7 @@
             </a:r>
             <a:r>
               <a:rPr lang="ja-JP" altLang="en-US" sz="2000" dirty="0" smtClean="0"/>
-              <a:t>に置き換えている</a:t>
+              <a:t>に置き換える</a:t>
             </a:r>
             <a:endParaRPr lang="en-US" altLang="ja-JP" sz="2000" dirty="0" smtClean="0"/>
           </a:p>
@@ -5511,7 +5496,12 @@
             <p:ph type="title"/>
           </p:nvPr>
         </p:nvSpPr>
-        <p:spPr/>
+        <p:spPr>
+          <a:xfrm>
+            <a:off x="457200" y="188640"/>
+            <a:ext cx="8229600" cy="1143000"/>
+          </a:xfrm>
+        </p:spPr>
         <p:txBody>
           <a:bodyPr>
             <a:normAutofit/>
@@ -5519,25 +5509,25 @@
           <a:lstStyle/>
           <a:p>
             <a:r>
-              <a:rPr kumimoji="1" lang="en-US" altLang="ja-JP" sz="3200" dirty="0" smtClean="0"/>
+              <a:rPr kumimoji="1" lang="en-US" altLang="ja-JP" sz="2800" dirty="0" smtClean="0"/>
               <a:t>mAP</a:t>
             </a:r>
             <a:r>
-              <a:rPr kumimoji="1" lang="ja-JP" altLang="en-US" sz="3200" dirty="0" smtClean="0"/>
+              <a:rPr kumimoji="1" lang="ja-JP" altLang="en-US" sz="2800" dirty="0" smtClean="0"/>
               <a:t>グラフ作成　</a:t>
             </a:r>
             <a:r>
-              <a:rPr kumimoji="1" lang="en-US" altLang="ja-JP" sz="3200" dirty="0" smtClean="0"/>
+              <a:rPr kumimoji="1" lang="en-US" altLang="ja-JP" sz="2800" dirty="0" smtClean="0"/>
               <a:t>(1/2)</a:t>
             </a:r>
-            <a:r>
-              <a:rPr kumimoji="1" lang="en-US" altLang="ja-JP" sz="3200" dirty="0" smtClean="0"/>
-              <a:t/>
-            </a:r>
             <a:br>
-              <a:rPr kumimoji="1" lang="en-US" altLang="ja-JP" sz="3200" dirty="0" smtClean="0"/>
+              <a:rPr kumimoji="1" lang="en-US" altLang="ja-JP" sz="2800" dirty="0" smtClean="0"/>
             </a:br>
-            <a:endParaRPr kumimoji="1" lang="ja-JP" altLang="en-US" sz="3200" dirty="0"/>
+            <a:r>
+              <a:rPr kumimoji="1" lang="ja-JP" altLang="en-US" sz="2800" dirty="0" smtClean="0"/>
+              <a:t>手作業</a:t>
+            </a:r>
+            <a:endParaRPr kumimoji="1" lang="ja-JP" altLang="en-US" sz="2800" dirty="0"/>
           </a:p>
         </p:txBody>
       </p:sp>
@@ -5592,7 +5582,6 @@
               <a:rPr lang="en-US" altLang="ja-JP" sz="2400" dirty="0" smtClean="0"/>
               <a:t>Process:</a:t>
             </a:r>
-            <a:endParaRPr lang="en-US" altLang="ja-JP" sz="2400" dirty="0" smtClean="0"/>
           </a:p>
           <a:p>
             <a:pPr lvl="1"/>
@@ -5810,7 +5799,12 @@
             <p:ph type="title"/>
           </p:nvPr>
         </p:nvSpPr>
-        <p:spPr/>
+        <p:spPr>
+          <a:xfrm>
+            <a:off x="457200" y="188640"/>
+            <a:ext cx="8229600" cy="1143000"/>
+          </a:xfrm>
+        </p:spPr>
         <p:txBody>
           <a:bodyPr>
             <a:normAutofit/>
@@ -5818,29 +5812,33 @@
           <a:lstStyle/>
           <a:p>
             <a:r>
-              <a:rPr kumimoji="1" lang="en-US" altLang="ja-JP" sz="3200" dirty="0" smtClean="0"/>
+              <a:rPr kumimoji="1" lang="en-US" altLang="ja-JP" sz="2800" dirty="0" smtClean="0"/>
               <a:t>mAP</a:t>
             </a:r>
             <a:r>
-              <a:rPr lang="ja-JP" altLang="en-US" sz="3200" dirty="0"/>
+              <a:rPr lang="ja-JP" altLang="en-US" sz="2800" dirty="0"/>
               <a:t>グラフ作成　</a:t>
             </a:r>
             <a:r>
-              <a:rPr lang="en-US" altLang="ja-JP" sz="3200" dirty="0" smtClean="0"/>
+              <a:rPr lang="en-US" altLang="ja-JP" sz="2800" dirty="0" smtClean="0"/>
               <a:t>(2/2</a:t>
             </a:r>
             <a:r>
-              <a:rPr lang="en-US" altLang="ja-JP" sz="3200" dirty="0"/>
+              <a:rPr lang="en-US" altLang="ja-JP" sz="2800" dirty="0"/>
               <a:t>)</a:t>
             </a:r>
             <a:r>
-              <a:rPr kumimoji="1" lang="en-US" altLang="ja-JP" sz="3200" dirty="0" smtClean="0"/>
+              <a:rPr kumimoji="1" lang="en-US" altLang="ja-JP" sz="2800" dirty="0" smtClean="0"/>
               <a:t/>
             </a:r>
             <a:br>
-              <a:rPr kumimoji="1" lang="en-US" altLang="ja-JP" sz="3200" dirty="0" smtClean="0"/>
+              <a:rPr kumimoji="1" lang="en-US" altLang="ja-JP" sz="2800" dirty="0" smtClean="0"/>
             </a:br>
-            <a:endParaRPr kumimoji="1" lang="ja-JP" altLang="en-US" sz="3200" dirty="0"/>
+            <a:r>
+              <a:rPr kumimoji="1" lang="ja-JP" altLang="en-US" sz="2800" dirty="0" smtClean="0"/>
+              <a:t>手作業</a:t>
+            </a:r>
+            <a:endParaRPr kumimoji="1" lang="ja-JP" altLang="en-US" sz="2800" dirty="0"/>
           </a:p>
         </p:txBody>
       </p:sp>
@@ -5869,11 +5867,7 @@
             <a:pPr lvl="1"/>
             <a:r>
               <a:rPr lang="ja-JP" altLang="en-US" sz="2400" dirty="0" smtClean="0"/>
-              <a:t>ファイルを</a:t>
-            </a:r>
-            <a:r>
-              <a:rPr lang="ja-JP" altLang="en-US" sz="2400" dirty="0" smtClean="0"/>
-              <a:t>開く</a:t>
+              <a:t>ファイルを開く</a:t>
             </a:r>
             <a:endParaRPr lang="en-US" altLang="ja-JP" sz="2400" dirty="0" smtClean="0"/>
           </a:p>
@@ -5901,19 +5895,15 @@
             </a:r>
             <a:r>
               <a:rPr lang="ja-JP" altLang="en-US" sz="2000" dirty="0" smtClean="0"/>
-              <a:t>で</a:t>
-            </a:r>
-            <a:r>
-              <a:rPr lang="ja-JP" altLang="en-US" sz="2000" dirty="0" smtClean="0"/>
-              <a:t>フィルタリング</a:t>
+              <a:t>でフィルタリング</a:t>
             </a:r>
             <a:endParaRPr lang="en-US" altLang="ja-JP" sz="2000" dirty="0" smtClean="0"/>
           </a:p>
           <a:p>
             <a:pPr lvl="2"/>
             <a:r>
-              <a:rPr lang="en-US" altLang="ja-JP" sz="2000" dirty="0" smtClean="0"/>
-              <a:t>B</a:t>
+              <a:rPr lang="en-US" altLang="ja-JP" sz="2000" dirty="0"/>
+              <a:t>A</a:t>
             </a:r>
             <a:r>
               <a:rPr lang="ja-JP" altLang="en-US" sz="2000" dirty="0" smtClean="0"/>
@@ -6261,7 +6251,12 @@
             <p:ph type="title"/>
           </p:nvPr>
         </p:nvSpPr>
-        <p:spPr/>
+        <p:spPr>
+          <a:xfrm>
+            <a:off x="457200" y="188640"/>
+            <a:ext cx="8229600" cy="1143000"/>
+          </a:xfrm>
+        </p:spPr>
         <p:txBody>
           <a:bodyPr>
             <a:normAutofit/>
@@ -6269,33 +6264,41 @@
           <a:lstStyle/>
           <a:p>
             <a:r>
-              <a:rPr lang="en-US" altLang="ja-JP" sz="3200" dirty="0" err="1"/>
+              <a:rPr lang="en-US" altLang="ja-JP" sz="2800" dirty="0" err="1"/>
               <a:t>d</a:t>
             </a:r>
             <a:r>
-              <a:rPr lang="en-US" altLang="ja-JP" sz="3200" dirty="0" err="1" smtClean="0"/>
+              <a:rPr lang="en-US" altLang="ja-JP" sz="2800" dirty="0" err="1" smtClean="0"/>
               <a:t>arkflow</a:t>
             </a:r>
             <a:r>
-              <a:rPr lang="ja-JP" altLang="en-US" sz="3200" dirty="0" smtClean="0"/>
-              <a:t> モデル変換</a:t>
-            </a:r>
-            <a:r>
-              <a:rPr lang="en-US" altLang="ja-JP" sz="3200" dirty="0"/>
-              <a:t/>
+              <a:rPr lang="ja-JP" altLang="en-US" sz="2800" dirty="0" smtClean="0"/>
+              <a:t> モデル</a:t>
+            </a:r>
+            <a:r>
+              <a:rPr lang="ja-JP" altLang="en-US" sz="2800" dirty="0"/>
+              <a:t>変換　</a:t>
+            </a:r>
+            <a:r>
+              <a:rPr lang="en-US" altLang="ja-JP" sz="2800" dirty="0" smtClean="0"/>
+              <a:t>(1/2</a:t>
+            </a:r>
+            <a:r>
+              <a:rPr lang="en-US" altLang="ja-JP" sz="2800" dirty="0"/>
+              <a:t>)</a:t>
             </a:r>
             <a:br>
-              <a:rPr lang="en-US" altLang="ja-JP" sz="3200" dirty="0"/>
+              <a:rPr lang="en-US" altLang="ja-JP" sz="2800" dirty="0"/>
             </a:br>
             <a:r>
-              <a:rPr lang="en-US" altLang="ja-JP" sz="3200" dirty="0" smtClean="0">
+              <a:rPr lang="en-US" altLang="ja-JP" sz="2800" dirty="0" smtClean="0">
                 <a:solidFill>
                   <a:srgbClr val="C00000"/>
                 </a:solidFill>
               </a:rPr>
               <a:t>darkflow-flow.sh</a:t>
             </a:r>
-            <a:endParaRPr lang="ja-JP" altLang="en-US" sz="3200" dirty="0">
+            <a:endParaRPr lang="ja-JP" altLang="en-US" sz="2800" dirty="0">
               <a:solidFill>
                 <a:srgbClr val="C00000"/>
               </a:solidFill>
@@ -6316,7 +6319,7 @@
         <p:spPr>
           <a:xfrm>
             <a:off x="457200" y="1412776"/>
-            <a:ext cx="8229600" cy="4713387"/>
+            <a:ext cx="8229600" cy="4968552"/>
           </a:xfrm>
         </p:spPr>
         <p:txBody>
@@ -6334,19 +6337,11 @@
             <a:pPr lvl="1"/>
             <a:r>
               <a:rPr lang="en-US" altLang="ja-JP" sz="2000" dirty="0" smtClean="0"/>
-              <a:t>.</a:t>
-            </a:r>
-            <a:r>
-              <a:rPr lang="en-US" altLang="ja-JP" sz="2000" dirty="0" smtClean="0"/>
-              <a:t>weights</a:t>
-            </a:r>
-            <a:r>
-              <a:rPr lang="ja-JP" altLang="en-US" sz="2000" dirty="0" smtClean="0"/>
-              <a:t>ファイル</a:t>
-            </a:r>
-            <a:r>
-              <a:rPr lang="ja-JP" altLang="en-US" sz="2000" dirty="0" smtClean="0"/>
-              <a:t>を</a:t>
+              <a:t>.weights</a:t>
+            </a:r>
+            <a:r>
+              <a:rPr lang="ja-JP" altLang="en-US" sz="2000" dirty="0" smtClean="0"/>
+              <a:t>ファイルを</a:t>
             </a:r>
             <a:r>
               <a:rPr lang="en-US" altLang="ja-JP" sz="2000" dirty="0" smtClean="0"/>
@@ -6363,12 +6358,18 @@
             <a:endParaRPr lang="en-US" altLang="ja-JP" sz="2000" dirty="0" smtClean="0"/>
           </a:p>
           <a:p>
-            <a:r>
-              <a:rPr lang="en-US" altLang="ja-JP" sz="2800" dirty="0" smtClean="0"/>
+            <a:pPr marL="457200" lvl="1" indent="0">
+              <a:buNone/>
+            </a:pPr>
+            <a:endParaRPr lang="en-US" altLang="ja-JP" sz="2000" dirty="0" smtClean="0"/>
+          </a:p>
+          <a:p>
+            <a:r>
+              <a:rPr lang="en-US" altLang="ja-JP" sz="2400" dirty="0" smtClean="0"/>
               <a:t>Usage</a:t>
             </a:r>
             <a:r>
-              <a:rPr lang="en-US" altLang="ja-JP" sz="2800" dirty="0"/>
+              <a:rPr lang="en-US" altLang="ja-JP" sz="2400" dirty="0"/>
               <a:t>: </a:t>
             </a:r>
           </a:p>
@@ -6407,229 +6408,84 @@
           <a:p>
             <a:pPr lvl="1"/>
             <a:r>
+              <a:rPr lang="en-US" altLang="ja-JP" sz="2000" dirty="0" smtClean="0"/>
+              <a:t>$ cd ../</a:t>
+            </a:r>
+            <a:r>
+              <a:rPr lang="en-US" altLang="ja-JP" sz="2000" dirty="0" err="1" smtClean="0"/>
+              <a:t>darkflow</a:t>
+            </a:r>
+            <a:endParaRPr lang="en-US" altLang="ja-JP" sz="2000" dirty="0" smtClean="0"/>
+          </a:p>
+          <a:p>
+            <a:pPr lvl="1"/>
+            <a:r>
+              <a:rPr lang="en-US" altLang="ja-JP" sz="2000" dirty="0" smtClean="0"/>
+              <a:t>$ </a:t>
+            </a:r>
+            <a:r>
               <a:rPr lang="en-US" altLang="ja-JP" sz="2000" dirty="0"/>
-              <a:t>$ ./</a:t>
+              <a:t>./</a:t>
             </a:r>
             <a:r>
               <a:rPr lang="en-US" altLang="ja-JP" sz="2000" dirty="0" smtClean="0"/>
               <a:t>darkflow-flow.sh all2</a:t>
             </a:r>
+          </a:p>
+          <a:p>
+            <a:pPr lvl="1"/>
+            <a:endParaRPr lang="en-US" altLang="ja-JP" sz="2000" dirty="0" smtClean="0"/>
+          </a:p>
+          <a:p>
+            <a:r>
+              <a:rPr lang="en-US" altLang="ja-JP" sz="2400" dirty="0" smtClean="0"/>
+              <a:t>Post process:</a:t>
+            </a:r>
+            <a:endParaRPr lang="en-US" altLang="ja-JP" sz="2400" dirty="0"/>
+          </a:p>
+          <a:p>
+            <a:pPr lvl="1"/>
+            <a:r>
+              <a:rPr lang="en-US" altLang="ja-JP" sz="2000" smtClean="0"/>
+              <a:t>WinSCP</a:t>
+            </a:r>
+            <a:r>
+              <a:rPr lang="ja-JP" altLang="en-US" sz="2000" dirty="0"/>
+              <a:t>を使って、</a:t>
+            </a:r>
+            <a:r>
+              <a:rPr lang="en-US" altLang="ja-JP" sz="2000" dirty="0"/>
+              <a:t>tiny-</a:t>
+            </a:r>
+            <a:r>
+              <a:rPr lang="en-US" altLang="ja-JP" sz="2000" dirty="0" err="1"/>
+              <a:t>yolo</a:t>
+            </a:r>
+            <a:r>
+              <a:rPr lang="en-US" altLang="ja-JP" sz="2000" dirty="0"/>
+              <a:t>-</a:t>
+            </a:r>
+            <a:r>
+              <a:rPr lang="en-US" altLang="ja-JP" sz="2000" dirty="0" err="1"/>
+              <a:t>voc-graph.pb</a:t>
+            </a:r>
+            <a:r>
+              <a:rPr lang="ja-JP" altLang="en-US" sz="2000" dirty="0"/>
+              <a:t>モデルを、</a:t>
+            </a:r>
+            <a:r>
+              <a:rPr lang="en-US" altLang="ja-JP" sz="2000" dirty="0"/>
+              <a:t>G:\Android\Project\garbage\assets\tiny-yolo-voc-graph.pb </a:t>
+            </a:r>
+            <a:r>
+              <a:rPr lang="ja-JP" altLang="en-US" sz="2000" dirty="0"/>
+              <a:t>にダウンロード</a:t>
+            </a:r>
+            <a:r>
+              <a:rPr lang="ja-JP" altLang="en-US" sz="2000" dirty="0" smtClean="0"/>
+              <a:t>する</a:t>
+            </a:r>
             <a:endParaRPr lang="en-US" altLang="ja-JP" sz="2000" dirty="0"/>
-          </a:p>
-          <a:p>
-            <a:r>
-              <a:rPr lang="en-US" altLang="ja-JP" sz="2400" dirty="0" smtClean="0"/>
-              <a:t>Function:</a:t>
-            </a:r>
-            <a:endParaRPr lang="en-US" altLang="ja-JP" sz="2400" dirty="0" smtClean="0"/>
-          </a:p>
-          <a:p>
-            <a:pPr lvl="1"/>
-            <a:r>
-              <a:rPr lang="en-US" altLang="ja-JP" sz="1800" dirty="0" err="1"/>
-              <a:t>d</a:t>
-            </a:r>
-            <a:r>
-              <a:rPr lang="en-US" altLang="ja-JP" sz="1800" dirty="0" err="1" smtClean="0"/>
-              <a:t>arkflow</a:t>
-            </a:r>
-            <a:r>
-              <a:rPr lang="ja-JP" altLang="en-US" sz="1800" dirty="0" smtClean="0"/>
-              <a:t>フォルダにプロジェクトフォルダを作成</a:t>
-            </a:r>
-            <a:endParaRPr lang="en-US" altLang="ja-JP" sz="1800" dirty="0" smtClean="0"/>
-          </a:p>
-          <a:p>
-            <a:pPr lvl="1"/>
-            <a:r>
-              <a:rPr lang="en-US" altLang="ja-JP" sz="1800" dirty="0"/>
-              <a:t>*</a:t>
-            </a:r>
-            <a:r>
-              <a:rPr lang="en-US" altLang="ja-JP" sz="1800" dirty="0" smtClean="0"/>
-              <a:t>_</a:t>
-            </a:r>
-            <a:r>
-              <a:rPr lang="en-US" altLang="ja-JP" sz="1800" dirty="0" err="1" smtClean="0"/>
-              <a:t>final.weights</a:t>
-            </a:r>
-            <a:r>
-              <a:rPr lang="ja-JP" altLang="en-US" sz="1800" dirty="0" smtClean="0"/>
-              <a:t> </a:t>
-            </a:r>
-            <a:r>
-              <a:rPr lang="ja-JP" altLang="en-US" sz="1800" dirty="0"/>
-              <a:t>ファイルを、</a:t>
-            </a:r>
-            <a:r>
-              <a:rPr lang="en-US" altLang="ja-JP" sz="1800" dirty="0" err="1"/>
-              <a:t>darkflow</a:t>
-            </a:r>
-            <a:r>
-              <a:rPr lang="en-US" altLang="ja-JP" sz="1800" dirty="0"/>
-              <a:t>/bin</a:t>
-            </a:r>
-            <a:r>
-              <a:rPr lang="ja-JP" altLang="en-US" sz="1800" dirty="0"/>
-              <a:t>フォルダに</a:t>
-            </a:r>
-            <a:r>
-              <a:rPr lang="ja-JP" altLang="en-US" sz="1800" dirty="0" smtClean="0"/>
-              <a:t>コピー</a:t>
-            </a:r>
-            <a:endParaRPr lang="en-US" altLang="ja-JP" sz="1800" dirty="0"/>
-          </a:p>
-          <a:p>
-            <a:pPr lvl="1"/>
-            <a:r>
-              <a:rPr lang="ja-JP" altLang="en-US" sz="1800" dirty="0" smtClean="0"/>
-              <a:t>ファイル名を、</a:t>
-            </a:r>
-            <a:r>
-              <a:rPr lang="en-US" altLang="ja-JP" sz="1800" dirty="0" smtClean="0"/>
-              <a:t>yolov2-tiny-voc.weights</a:t>
-            </a:r>
-            <a:r>
-              <a:rPr lang="ja-JP" altLang="en-US" sz="1800" dirty="0" smtClean="0"/>
-              <a:t> に変更</a:t>
-            </a:r>
-            <a:endParaRPr lang="en-US" altLang="ja-JP" sz="1800" dirty="0" smtClean="0"/>
-          </a:p>
-          <a:p>
-            <a:pPr lvl="1"/>
-            <a:r>
-              <a:rPr lang="en-US" altLang="ja-JP" sz="1800" dirty="0" err="1" smtClean="0"/>
-              <a:t>darknet</a:t>
-            </a:r>
-            <a:r>
-              <a:rPr lang="ja-JP" altLang="en-US" sz="1800" dirty="0" smtClean="0"/>
-              <a:t>の</a:t>
-            </a:r>
-            <a:r>
-              <a:rPr lang="en-US" altLang="ja-JP" sz="1800" dirty="0" smtClean="0"/>
-              <a:t>.</a:t>
-            </a:r>
-            <a:r>
-              <a:rPr lang="en-US" altLang="ja-JP" sz="1800" dirty="0" err="1" smtClean="0"/>
-              <a:t>cfg</a:t>
-            </a:r>
-            <a:r>
-              <a:rPr lang="ja-JP" altLang="en-US" sz="1800" dirty="0"/>
-              <a:t>ファイル</a:t>
-            </a:r>
-            <a:r>
-              <a:rPr lang="ja-JP" altLang="en-US" sz="1800" dirty="0" smtClean="0"/>
-              <a:t>を</a:t>
-            </a:r>
-            <a:r>
-              <a:rPr lang="en-US" altLang="ja-JP" sz="1800" dirty="0" err="1" smtClean="0"/>
-              <a:t>darkflow</a:t>
-            </a:r>
-            <a:r>
-              <a:rPr lang="ja-JP" altLang="en-US" sz="1800" dirty="0" smtClean="0"/>
-              <a:t>にコピー</a:t>
-            </a:r>
-            <a:endParaRPr lang="en-US" altLang="ja-JP" sz="1800" dirty="0" smtClean="0"/>
-          </a:p>
-          <a:p>
-            <a:pPr lvl="1"/>
-            <a:r>
-              <a:rPr lang="en-US" altLang="ja-JP" sz="1800" dirty="0" err="1" smtClean="0"/>
-              <a:t>darknet</a:t>
-            </a:r>
-            <a:r>
-              <a:rPr lang="ja-JP" altLang="en-US" sz="1800" dirty="0" smtClean="0"/>
-              <a:t>の</a:t>
-            </a:r>
-            <a:r>
-              <a:rPr lang="en-US" altLang="ja-JP" sz="1800" dirty="0" smtClean="0"/>
-              <a:t>.names</a:t>
-            </a:r>
-            <a:r>
-              <a:rPr lang="ja-JP" altLang="en-US" sz="1800" dirty="0" smtClean="0"/>
-              <a:t>ファイルを</a:t>
-            </a:r>
-            <a:r>
-              <a:rPr lang="en-US" altLang="ja-JP" sz="1800" dirty="0" err="1" smtClean="0"/>
-              <a:t>darkflow</a:t>
-            </a:r>
-            <a:r>
-              <a:rPr lang="ja-JP" altLang="en-US" sz="1800" dirty="0" smtClean="0"/>
-              <a:t>の</a:t>
-            </a:r>
-            <a:r>
-              <a:rPr lang="en-US" altLang="ja-JP" sz="1800" dirty="0" smtClean="0"/>
-              <a:t>labels.txt</a:t>
-            </a:r>
-            <a:r>
-              <a:rPr lang="ja-JP" altLang="en-US" sz="1800" dirty="0" smtClean="0"/>
-              <a:t>にコピー</a:t>
-            </a:r>
-            <a:endParaRPr lang="en-US" altLang="ja-JP" sz="1800" dirty="0" smtClean="0"/>
-          </a:p>
-          <a:p>
-            <a:pPr lvl="1"/>
-            <a:r>
-              <a:rPr lang="en-US" altLang="ja-JP" sz="1800" dirty="0"/>
-              <a:t>.</a:t>
-            </a:r>
-            <a:r>
-              <a:rPr lang="en-US" altLang="ja-JP" sz="1800" dirty="0" smtClean="0"/>
-              <a:t>weights</a:t>
-            </a:r>
-            <a:r>
-              <a:rPr lang="ja-JP" altLang="en-US" sz="1800" dirty="0" smtClean="0"/>
-              <a:t>モデルを</a:t>
-            </a:r>
-            <a:r>
-              <a:rPr lang="en-US" altLang="ja-JP" sz="1800" dirty="0" smtClean="0"/>
-              <a:t>.</a:t>
-            </a:r>
-            <a:r>
-              <a:rPr lang="en-US" altLang="ja-JP" sz="1800" dirty="0" err="1" smtClean="0"/>
-              <a:t>pb</a:t>
-            </a:r>
-            <a:r>
-              <a:rPr lang="ja-JP" altLang="en-US" sz="1800" dirty="0" smtClean="0"/>
-              <a:t>形式に変換</a:t>
-            </a:r>
-            <a:endParaRPr lang="en-US" altLang="ja-JP" sz="1800" dirty="0" smtClean="0"/>
-          </a:p>
-          <a:p>
-            <a:pPr lvl="1"/>
-            <a:r>
-              <a:rPr lang="ja-JP" altLang="en-US" sz="1800" dirty="0"/>
-              <a:t>ファイル名</a:t>
-            </a:r>
-            <a:r>
-              <a:rPr lang="ja-JP" altLang="en-US" sz="1800" dirty="0" smtClean="0"/>
-              <a:t>を、</a:t>
-            </a:r>
-            <a:r>
-              <a:rPr lang="en-US" altLang="ja-JP" sz="1800" dirty="0" smtClean="0"/>
-              <a:t>tiny-</a:t>
-            </a:r>
-            <a:r>
-              <a:rPr lang="en-US" altLang="ja-JP" sz="1800" dirty="0" err="1" smtClean="0"/>
-              <a:t>yolo</a:t>
-            </a:r>
-            <a:r>
-              <a:rPr lang="en-US" altLang="ja-JP" sz="1800" dirty="0" smtClean="0"/>
-              <a:t>-</a:t>
-            </a:r>
-            <a:r>
-              <a:rPr lang="en-US" altLang="ja-JP" sz="1800" dirty="0" err="1" smtClean="0"/>
-              <a:t>voc-graph.pb</a:t>
-            </a:r>
-            <a:r>
-              <a:rPr lang="ja-JP" altLang="en-US" sz="1800" dirty="0" smtClean="0"/>
-              <a:t>に変更</a:t>
-            </a:r>
-            <a:endParaRPr lang="en-US" altLang="ja-JP" sz="1800" dirty="0" smtClean="0"/>
-          </a:p>
-          <a:p>
-            <a:pPr lvl="1"/>
-            <a:endParaRPr lang="en-US" altLang="ja-JP" sz="1800" dirty="0" smtClean="0"/>
           </a:p>
         </p:txBody>
       </p:sp>
@@ -6747,7 +6603,12 @@
             <p:ph type="title"/>
           </p:nvPr>
         </p:nvSpPr>
-        <p:spPr/>
+        <p:spPr>
+          <a:xfrm>
+            <a:off x="457200" y="188640"/>
+            <a:ext cx="8229600" cy="1143000"/>
+          </a:xfrm>
+        </p:spPr>
         <p:txBody>
           <a:bodyPr>
             <a:normAutofit/>
@@ -6755,33 +6616,37 @@
           <a:lstStyle/>
           <a:p>
             <a:r>
-              <a:rPr lang="en-US" altLang="ja-JP" sz="3200" dirty="0" err="1"/>
+              <a:rPr lang="en-US" altLang="ja-JP" sz="2800" dirty="0" err="1"/>
               <a:t>d</a:t>
             </a:r>
             <a:r>
-              <a:rPr lang="en-US" altLang="ja-JP" sz="3200" dirty="0" err="1" smtClean="0"/>
+              <a:rPr lang="en-US" altLang="ja-JP" sz="2800" dirty="0" err="1" smtClean="0"/>
               <a:t>arkflow</a:t>
             </a:r>
             <a:r>
-              <a:rPr lang="ja-JP" altLang="en-US" sz="3200" dirty="0" smtClean="0"/>
-              <a:t> モデル変換</a:t>
-            </a:r>
-            <a:r>
-              <a:rPr lang="en-US" altLang="ja-JP" sz="3200" dirty="0"/>
-              <a:t/>
+              <a:rPr lang="ja-JP" altLang="en-US" sz="2800" dirty="0" smtClean="0"/>
+              <a:t> モデル</a:t>
+            </a:r>
+            <a:r>
+              <a:rPr lang="ja-JP" altLang="en-US" sz="2800" dirty="0"/>
+              <a:t>変換　</a:t>
+            </a:r>
+            <a:r>
+              <a:rPr lang="en-US" altLang="ja-JP" sz="2800" dirty="0"/>
+              <a:t>(2/2)</a:t>
             </a:r>
             <a:br>
-              <a:rPr lang="en-US" altLang="ja-JP" sz="3200" dirty="0"/>
+              <a:rPr lang="en-US" altLang="ja-JP" sz="2800" dirty="0"/>
             </a:br>
             <a:r>
-              <a:rPr lang="en-US" altLang="ja-JP" sz="3200" dirty="0" smtClean="0">
+              <a:rPr lang="en-US" altLang="ja-JP" sz="2800" dirty="0" smtClean="0">
                 <a:solidFill>
                   <a:srgbClr val="C00000"/>
                 </a:solidFill>
               </a:rPr>
               <a:t>darkflow-flow.sh</a:t>
             </a:r>
-            <a:endParaRPr lang="ja-JP" altLang="en-US" sz="3200" dirty="0">
+            <a:endParaRPr lang="ja-JP" altLang="en-US" sz="2800" dirty="0">
               <a:solidFill>
                 <a:srgbClr val="C00000"/>
               </a:solidFill>
@@ -6801,7 +6666,7 @@
         </p:nvSpPr>
         <p:spPr>
           <a:xfrm>
-            <a:off x="457200" y="1412776"/>
+            <a:off x="457200" y="1340768"/>
             <a:ext cx="8229600" cy="4713387"/>
           </a:xfrm>
         </p:spPr>
@@ -6811,12 +6676,302 @@
           </a:bodyPr>
           <a:lstStyle/>
           <a:p>
+            <a:r>
+              <a:rPr lang="en-US" altLang="ja-JP" sz="2400" dirty="0"/>
+              <a:t>Function:</a:t>
+            </a:r>
+          </a:p>
+          <a:p>
             <a:pPr lvl="1"/>
+            <a:r>
+              <a:rPr lang="en-US" altLang="ja-JP" sz="1800" dirty="0" smtClean="0"/>
+              <a:t>(1/9) </a:t>
+            </a:r>
+            <a:r>
+              <a:rPr lang="ja-JP" altLang="en-US" sz="1800" dirty="0" smtClean="0"/>
+              <a:t>カレントディレクトリを </a:t>
+            </a:r>
             <a:r>
               <a:rPr lang="en-US" altLang="ja-JP" sz="1800" dirty="0" err="1" smtClean="0"/>
               <a:t>darkflow</a:t>
             </a:r>
             <a:r>
+              <a:rPr lang="ja-JP" altLang="en-US" sz="1800" dirty="0" smtClean="0"/>
+              <a:t> に変更</a:t>
+            </a:r>
+            <a:endParaRPr lang="en-US" altLang="ja-JP" sz="1800" dirty="0"/>
+          </a:p>
+          <a:p>
+            <a:pPr lvl="1"/>
+            <a:r>
+              <a:rPr lang="en-US" altLang="ja-JP" sz="1800" dirty="0" smtClean="0"/>
+              <a:t>(2/9</a:t>
+            </a:r>
+            <a:r>
+              <a:rPr lang="en-US" altLang="ja-JP" sz="1800" dirty="0"/>
+              <a:t>) </a:t>
+            </a:r>
+            <a:r>
+              <a:rPr lang="en-US" altLang="ja-JP" sz="1800" dirty="0" err="1" smtClean="0"/>
+              <a:t>darkflow</a:t>
+            </a:r>
+            <a:r>
+              <a:rPr lang="ja-JP" altLang="en-US" sz="1800" dirty="0"/>
+              <a:t>フォルダにプロジェクトフォルダを作成</a:t>
+            </a:r>
+            <a:endParaRPr lang="en-US" altLang="ja-JP" sz="1800" dirty="0"/>
+          </a:p>
+          <a:p>
+            <a:pPr lvl="1"/>
+            <a:r>
+              <a:rPr lang="en-US" altLang="ja-JP" sz="1800" dirty="0" smtClean="0"/>
+              <a:t>(3/9</a:t>
+            </a:r>
+            <a:r>
+              <a:rPr lang="en-US" altLang="ja-JP" sz="1800" dirty="0"/>
+              <a:t>) </a:t>
+            </a:r>
+            <a:r>
+              <a:rPr lang="en-US" altLang="ja-JP" sz="1800" dirty="0" smtClean="0"/>
+              <a:t>*_</a:t>
+            </a:r>
+            <a:r>
+              <a:rPr lang="en-US" altLang="ja-JP" sz="1800" dirty="0" err="1"/>
+              <a:t>final.weights</a:t>
+            </a:r>
+            <a:r>
+              <a:rPr lang="ja-JP" altLang="en-US" sz="1800" dirty="0"/>
+              <a:t> ファイルを、</a:t>
+            </a:r>
+            <a:r>
+              <a:rPr lang="en-US" altLang="ja-JP" sz="1800" dirty="0" err="1"/>
+              <a:t>darkflow</a:t>
+            </a:r>
+            <a:r>
+              <a:rPr lang="en-US" altLang="ja-JP" sz="1800" dirty="0"/>
+              <a:t>/bin</a:t>
+            </a:r>
+            <a:r>
+              <a:rPr lang="ja-JP" altLang="en-US" sz="1800" dirty="0"/>
+              <a:t>フォルダにコピー</a:t>
+            </a:r>
+            <a:endParaRPr lang="en-US" altLang="ja-JP" sz="1800" dirty="0"/>
+          </a:p>
+          <a:p>
+            <a:pPr lvl="1"/>
+            <a:r>
+              <a:rPr lang="en-US" altLang="ja-JP" sz="1800" dirty="0" smtClean="0"/>
+              <a:t>(4/9</a:t>
+            </a:r>
+            <a:r>
+              <a:rPr lang="en-US" altLang="ja-JP" sz="1800" dirty="0"/>
+              <a:t>)</a:t>
+            </a:r>
+            <a:r>
+              <a:rPr lang="ja-JP" altLang="en-US" sz="1800" dirty="0" smtClean="0"/>
+              <a:t>ファイル名</a:t>
+            </a:r>
+            <a:r>
+              <a:rPr lang="ja-JP" altLang="en-US" sz="1800" dirty="0"/>
+              <a:t>を、</a:t>
+            </a:r>
+            <a:r>
+              <a:rPr lang="en-US" altLang="ja-JP" sz="1800" dirty="0"/>
+              <a:t>yolov2-tiny-voc.weights</a:t>
+            </a:r>
+            <a:r>
+              <a:rPr lang="ja-JP" altLang="en-US" sz="1800" dirty="0"/>
+              <a:t> に変更</a:t>
+            </a:r>
+            <a:endParaRPr lang="en-US" altLang="ja-JP" sz="1800" dirty="0"/>
+          </a:p>
+          <a:p>
+            <a:pPr lvl="1"/>
+            <a:r>
+              <a:rPr lang="en-US" altLang="ja-JP" sz="1800" dirty="0" smtClean="0"/>
+              <a:t>(5/9</a:t>
+            </a:r>
+            <a:r>
+              <a:rPr lang="en-US" altLang="ja-JP" sz="1800" dirty="0"/>
+              <a:t>) </a:t>
+            </a:r>
+            <a:r>
+              <a:rPr lang="en-US" altLang="ja-JP" sz="1800" dirty="0" err="1" smtClean="0"/>
+              <a:t>darknet</a:t>
+            </a:r>
+            <a:r>
+              <a:rPr lang="ja-JP" altLang="en-US" sz="1800" dirty="0"/>
+              <a:t>の</a:t>
+            </a:r>
+            <a:r>
+              <a:rPr lang="en-US" altLang="ja-JP" sz="1800" dirty="0"/>
+              <a:t>.</a:t>
+            </a:r>
+            <a:r>
+              <a:rPr lang="en-US" altLang="ja-JP" sz="1800" dirty="0" err="1"/>
+              <a:t>cfg</a:t>
+            </a:r>
+            <a:r>
+              <a:rPr lang="ja-JP" altLang="en-US" sz="1800" dirty="0"/>
+              <a:t>ファイルを</a:t>
+            </a:r>
+            <a:r>
+              <a:rPr lang="en-US" altLang="ja-JP" sz="1800" dirty="0" err="1"/>
+              <a:t>darkflow</a:t>
+            </a:r>
+            <a:r>
+              <a:rPr lang="ja-JP" altLang="en-US" sz="1800" dirty="0"/>
+              <a:t>にコピー</a:t>
+            </a:r>
+            <a:endParaRPr lang="en-US" altLang="ja-JP" sz="1800" dirty="0"/>
+          </a:p>
+          <a:p>
+            <a:pPr lvl="1"/>
+            <a:r>
+              <a:rPr lang="en-US" altLang="ja-JP" sz="1800" dirty="0" smtClean="0"/>
+              <a:t>(6/9</a:t>
+            </a:r>
+            <a:r>
+              <a:rPr lang="en-US" altLang="ja-JP" sz="1800" dirty="0"/>
+              <a:t>) </a:t>
+            </a:r>
+            <a:r>
+              <a:rPr lang="en-US" altLang="ja-JP" sz="1800" dirty="0" err="1" smtClean="0"/>
+              <a:t>darknet</a:t>
+            </a:r>
+            <a:r>
+              <a:rPr lang="ja-JP" altLang="en-US" sz="1800" dirty="0"/>
+              <a:t>の</a:t>
+            </a:r>
+            <a:r>
+              <a:rPr lang="en-US" altLang="ja-JP" sz="1800" dirty="0"/>
+              <a:t>.names</a:t>
+            </a:r>
+            <a:r>
+              <a:rPr lang="ja-JP" altLang="en-US" sz="1800" dirty="0"/>
+              <a:t>ファイルを</a:t>
+            </a:r>
+            <a:r>
+              <a:rPr lang="en-US" altLang="ja-JP" sz="1800" dirty="0" err="1"/>
+              <a:t>darkflow</a:t>
+            </a:r>
+            <a:r>
+              <a:rPr lang="ja-JP" altLang="en-US" sz="1800" dirty="0"/>
+              <a:t>の</a:t>
+            </a:r>
+            <a:r>
+              <a:rPr lang="en-US" altLang="ja-JP" sz="1800" dirty="0"/>
+              <a:t>labels.txt</a:t>
+            </a:r>
+            <a:r>
+              <a:rPr lang="ja-JP" altLang="en-US" sz="1800" dirty="0"/>
+              <a:t>にコピー</a:t>
+            </a:r>
+            <a:endParaRPr lang="en-US" altLang="ja-JP" sz="1800" dirty="0"/>
+          </a:p>
+          <a:p>
+            <a:pPr lvl="1"/>
+            <a:r>
+              <a:rPr lang="en-US" altLang="ja-JP" sz="1800" dirty="0" smtClean="0"/>
+              <a:t>(7/9</a:t>
+            </a:r>
+            <a:r>
+              <a:rPr lang="en-US" altLang="ja-JP" sz="1800" dirty="0"/>
+              <a:t>)</a:t>
+            </a:r>
+            <a:r>
+              <a:rPr lang="en-US" altLang="ja-JP" sz="1800" dirty="0" smtClean="0"/>
+              <a:t>.</a:t>
+            </a:r>
+            <a:r>
+              <a:rPr lang="en-US" altLang="ja-JP" sz="1800" dirty="0"/>
+              <a:t>weights</a:t>
+            </a:r>
+            <a:r>
+              <a:rPr lang="ja-JP" altLang="en-US" sz="1800" dirty="0"/>
+              <a:t>モデルを</a:t>
+            </a:r>
+            <a:r>
+              <a:rPr lang="en-US" altLang="ja-JP" sz="1800" dirty="0"/>
+              <a:t>.</a:t>
+            </a:r>
+            <a:r>
+              <a:rPr lang="en-US" altLang="ja-JP" sz="1800" dirty="0" err="1"/>
+              <a:t>pb</a:t>
+            </a:r>
+            <a:r>
+              <a:rPr lang="ja-JP" altLang="en-US" sz="1800" dirty="0"/>
+              <a:t>形式に変換</a:t>
+            </a:r>
+            <a:endParaRPr lang="en-US" altLang="ja-JP" sz="1800" dirty="0"/>
+          </a:p>
+          <a:p>
+            <a:pPr lvl="1"/>
+            <a:r>
+              <a:rPr lang="en-US" altLang="ja-JP" sz="1800" dirty="0" smtClean="0"/>
+              <a:t>(8/9</a:t>
+            </a:r>
+            <a:r>
+              <a:rPr lang="en-US" altLang="ja-JP" sz="1800" dirty="0"/>
+              <a:t>)</a:t>
+            </a:r>
+            <a:r>
+              <a:rPr lang="ja-JP" altLang="en-US" sz="1800" dirty="0" smtClean="0"/>
+              <a:t>ファイル名</a:t>
+            </a:r>
+            <a:r>
+              <a:rPr lang="ja-JP" altLang="en-US" sz="1800" dirty="0"/>
+              <a:t>を</a:t>
+            </a:r>
+            <a:r>
+              <a:rPr lang="ja-JP" altLang="en-US" sz="1800" dirty="0" smtClean="0"/>
+              <a:t>、</a:t>
+            </a:r>
+            <a:r>
+              <a:rPr lang="en-US" altLang="ja-JP" sz="1800" dirty="0" smtClean="0"/>
+              <a:t>yolo-v2-tiny-voc.pb </a:t>
+            </a:r>
+            <a:r>
+              <a:rPr lang="ja-JP" altLang="en-US" sz="1800" dirty="0" smtClean="0"/>
+              <a:t>から、</a:t>
+            </a:r>
+            <a:r>
+              <a:rPr lang="en-US" altLang="ja-JP" sz="1800" dirty="0" smtClean="0"/>
+              <a:t>tiny-</a:t>
+            </a:r>
+            <a:r>
+              <a:rPr lang="en-US" altLang="ja-JP" sz="1800" dirty="0" err="1" smtClean="0"/>
+              <a:t>yolo</a:t>
+            </a:r>
+            <a:r>
+              <a:rPr lang="en-US" altLang="ja-JP" sz="1800" dirty="0" smtClean="0"/>
+              <a:t>-</a:t>
+            </a:r>
+            <a:r>
+              <a:rPr lang="en-US" altLang="ja-JP" sz="1800" dirty="0" err="1" smtClean="0"/>
+              <a:t>voc-graph.pb</a:t>
+            </a:r>
+            <a:r>
+              <a:rPr lang="ja-JP" altLang="en-US" sz="1800" dirty="0"/>
+              <a:t>に変更</a:t>
+            </a:r>
+            <a:endParaRPr lang="en-US" altLang="ja-JP" sz="1800" dirty="0"/>
+          </a:p>
+          <a:p>
+            <a:pPr lvl="1"/>
+            <a:r>
+              <a:rPr lang="en-US" altLang="ja-JP" sz="1800" dirty="0" smtClean="0"/>
+              <a:t>(9/9</a:t>
+            </a:r>
+            <a:r>
+              <a:rPr lang="ja-JP" altLang="en-US" sz="1800" dirty="0" smtClean="0"/>
+              <a:t> </a:t>
+            </a:r>
+            <a:r>
+              <a:rPr lang="en-US" altLang="ja-JP" sz="1800" dirty="0" err="1" smtClean="0"/>
+              <a:t>darkflow</a:t>
+            </a:r>
+            <a:r>
               <a:rPr lang="en-US" altLang="ja-JP" sz="1800" dirty="0" smtClean="0"/>
               <a:t>/</a:t>
             </a:r>
@@ -6826,11 +6981,11 @@
             </a:r>
             <a:r>
               <a:rPr lang="en-US" altLang="ja-JP" sz="1800" dirty="0" smtClean="0"/>
-              <a:t>/all2</a:t>
+              <a:t>/</a:t>
             </a:r>
             <a:r>
               <a:rPr lang="ja-JP" altLang="en-US" sz="1800" dirty="0" smtClean="0"/>
-              <a:t>フォルダを作成し、</a:t>
+              <a:t>プロジェクト名 フォルダを作成し、</a:t>
             </a:r>
             <a:r>
               <a:rPr lang="en-US" altLang="ja-JP" sz="1800" dirty="0" err="1" smtClean="0"/>
@@ -6845,57 +7000,6 @@
           <a:p>
             <a:pPr lvl="1"/>
             <a:endParaRPr lang="en-US" altLang="ja-JP" sz="1800" dirty="0" smtClean="0"/>
-          </a:p>
-          <a:p>
-            <a:r>
-              <a:rPr lang="ja-JP" altLang="en-US" sz="2200" dirty="0"/>
-              <a:t>手作業</a:t>
-            </a:r>
-            <a:endParaRPr lang="en-US" altLang="ja-JP" sz="2200" dirty="0" smtClean="0"/>
-          </a:p>
-          <a:p>
-            <a:pPr lvl="1"/>
-            <a:r>
-              <a:rPr lang="en-US" altLang="ja-JP" sz="1800" dirty="0" err="1" smtClean="0"/>
-              <a:t>WinSP</a:t>
-            </a:r>
-            <a:r>
-              <a:rPr lang="ja-JP" altLang="en-US" sz="1800" dirty="0" smtClean="0"/>
-              <a:t>を使って、</a:t>
-            </a:r>
-            <a:r>
-              <a:rPr lang="en-US" altLang="ja-JP" sz="1800" dirty="0" smtClean="0"/>
-              <a:t>tiny-</a:t>
-            </a:r>
-            <a:r>
-              <a:rPr lang="en-US" altLang="ja-JP" sz="1800" dirty="0" err="1" smtClean="0"/>
-              <a:t>yolo</a:t>
-            </a:r>
-            <a:r>
-              <a:rPr lang="en-US" altLang="ja-JP" sz="1800" dirty="0" smtClean="0"/>
-              <a:t>-</a:t>
-            </a:r>
-            <a:r>
-              <a:rPr lang="en-US" altLang="ja-JP" sz="1800" dirty="0" err="1" smtClean="0"/>
-              <a:t>voc-graph.pb</a:t>
-            </a:r>
-            <a:r>
-              <a:rPr lang="ja-JP" altLang="en-US" sz="1800" dirty="0" smtClean="0"/>
-              <a:t>モデルを、</a:t>
-            </a:r>
-            <a:r>
-              <a:rPr lang="en-US" altLang="ja-JP" sz="1800" dirty="0" smtClean="0"/>
-              <a:t>G:\Android\Project\garbage\assets\tiny-yolo-voc-graph.pb </a:t>
-            </a:r>
-            <a:r>
-              <a:rPr lang="ja-JP" altLang="en-US" sz="1800" dirty="0" smtClean="0"/>
-              <a:t>にダウンロードする</a:t>
-            </a:r>
-            <a:endParaRPr lang="en-US" altLang="ja-JP" sz="1800" dirty="0" smtClean="0"/>
-          </a:p>
-          <a:p>
-            <a:pPr lvl="1"/>
-            <a:endParaRPr lang="en-US" altLang="ja-JP" sz="1800" dirty="0"/>
           </a:p>
           <a:p>
             <a:endParaRPr lang="en-US" altLang="ja-JP" sz="2200" dirty="0" smtClean="0"/>
@@ -7016,7 +7120,12 @@
             <p:ph type="title"/>
           </p:nvPr>
         </p:nvSpPr>
-        <p:spPr/>
+        <p:spPr>
+          <a:xfrm>
+            <a:off x="457200" y="188640"/>
+            <a:ext cx="8229600" cy="1143000"/>
+          </a:xfrm>
+        </p:spPr>
         <p:txBody>
           <a:bodyPr>
             <a:normAutofit/>
@@ -7096,19 +7205,11 @@
             </a:r>
             <a:r>
               <a:rPr lang="ja-JP" altLang="en-US" sz="2000" dirty="0" smtClean="0"/>
-              <a:t>回ごとに生成</a:t>
-            </a:r>
-            <a:r>
-              <a:rPr lang="ja-JP" altLang="en-US" sz="2000" dirty="0" smtClean="0"/>
-              <a:t>した </a:t>
+              <a:t>回ごとに生成した </a:t>
             </a:r>
             <a:r>
               <a:rPr lang="en-US" altLang="ja-JP" sz="2000" dirty="0" smtClean="0"/>
-              <a:t>.</a:t>
-            </a:r>
-            <a:r>
-              <a:rPr lang="en-US" altLang="ja-JP" sz="2000" dirty="0" smtClean="0"/>
-              <a:t>weights</a:t>
+              <a:t>.weights</a:t>
             </a:r>
             <a:r>
               <a:rPr lang="ja-JP" altLang="en-US" sz="2000" dirty="0" smtClean="0"/>
@@ -7132,11 +7233,7 @@
             </a:r>
             <a:r>
               <a:rPr lang="en-US" altLang="ja-JP" sz="2000" dirty="0" smtClean="0"/>
-              <a:t>.</a:t>
-            </a:r>
-            <a:r>
-              <a:rPr lang="en-US" altLang="ja-JP" sz="2000" dirty="0" smtClean="0"/>
-              <a:t>weights</a:t>
+              <a:t>.weights</a:t>
             </a:r>
             <a:r>
               <a:rPr lang="ja-JP" altLang="en-US" sz="2000" dirty="0" smtClean="0"/>
@@ -7181,8 +7278,24 @@
           <a:p>
             <a:pPr lvl="1"/>
             <a:r>
+              <a:rPr lang="en-US" altLang="ja-JP" sz="2000" dirty="0" smtClean="0"/>
+              <a:t>$ cd ../</a:t>
+            </a:r>
+            <a:r>
+              <a:rPr lang="en-US" altLang="ja-JP" sz="2000" dirty="0" err="1" smtClean="0"/>
+              <a:t>darknet</a:t>
+            </a:r>
+            <a:endParaRPr lang="en-US" altLang="ja-JP" sz="2000" dirty="0" smtClean="0"/>
+          </a:p>
+          <a:p>
+            <a:pPr lvl="1"/>
+            <a:r>
+              <a:rPr lang="en-US" altLang="ja-JP" sz="2000" dirty="0" smtClean="0"/>
+              <a:t>$ </a:t>
+            </a:r>
+            <a:r>
               <a:rPr lang="en-US" altLang="ja-JP" sz="2000" dirty="0"/>
-              <a:t>$ ./darknet-rm_100weights.sh </a:t>
+              <a:t>./darknet-rm_100weights.sh </a:t>
             </a:r>
             <a:r>
               <a:rPr lang="en-US" altLang="ja-JP" sz="2000" dirty="0" smtClean="0"/>
@@ -7402,17 +7515,12 @@
           <a:p>
             <a:r>
               <a:rPr kumimoji="1" lang="ja-JP" altLang="en-US" sz="1600" dirty="0" smtClean="0"/>
-              <a:t>データセット</a:t>
-            </a:r>
-            <a:r>
-              <a:rPr kumimoji="1" lang="ja-JP" altLang="en-US" sz="1600" dirty="0" smtClean="0"/>
-              <a:t>準備 </a:t>
+              <a:t>データセット準備 </a:t>
             </a:r>
             <a:r>
               <a:rPr kumimoji="1" lang="en-US" altLang="ja-JP" sz="1600" dirty="0" smtClean="0"/>
               <a:t>p.3</a:t>
             </a:r>
-            <a:endParaRPr kumimoji="1" lang="en-US" altLang="ja-JP" sz="1600" dirty="0" smtClean="0"/>
           </a:p>
           <a:p>
             <a:pPr lvl="1"/>
@@ -7433,14 +7541,26 @@
               <a:t>画像水増し </a:t>
             </a:r>
             <a:r>
-              <a:rPr lang="en-US" altLang="ja-JP" sz="1400" dirty="0" err="1" smtClean="0"/>
+              <a:rPr lang="en-US" altLang="ja-JP" sz="1400" dirty="0" err="1" smtClean="0">
+                <a:solidFill>
+                  <a:srgbClr val="0070C0"/>
+                </a:solidFill>
+              </a:rPr>
               <a:t>R</a:t>
             </a:r>
             <a:r>
-              <a:rPr kumimoji="1" lang="en-US" altLang="ja-JP" sz="1400" dirty="0" err="1" smtClean="0"/>
+              <a:rPr kumimoji="1" lang="en-US" altLang="ja-JP" sz="1400" dirty="0" err="1" smtClean="0">
+                <a:solidFill>
+                  <a:srgbClr val="0070C0"/>
+                </a:solidFill>
+              </a:rPr>
               <a:t>alpha</a:t>
             </a:r>
-            <a:endParaRPr kumimoji="1" lang="en-US" altLang="ja-JP" sz="1400" dirty="0" smtClean="0"/>
+            <a:endParaRPr kumimoji="1" lang="en-US" altLang="ja-JP" sz="1400" dirty="0" smtClean="0">
+              <a:solidFill>
+                <a:srgbClr val="0070C0"/>
+              </a:solidFill>
+            </a:endParaRPr>
           </a:p>
           <a:p>
             <a:pPr lvl="1"/>
@@ -7449,7 +7569,11 @@
               <a:t>画像アノテーション </a:t>
             </a:r>
             <a:r>
-              <a:rPr lang="en-US" altLang="ja-JP" sz="1400" dirty="0" smtClean="0"/>
+              <a:rPr lang="en-US" altLang="ja-JP" sz="1400" dirty="0" smtClean="0">
+                <a:solidFill>
+                  <a:srgbClr val="0070C0"/>
+                </a:solidFill>
+              </a:rPr>
               <a:t>labelImg</a:t>
             </a:r>
           </a:p>
@@ -7605,23 +7729,11 @@
           <a:p>
             <a:r>
               <a:rPr lang="en-US" altLang="ja-JP" sz="1800" dirty="0" err="1" smtClean="0"/>
-              <a:t>d</a:t>
-            </a:r>
-            <a:r>
-              <a:rPr lang="en-US" altLang="ja-JP" sz="1800" dirty="0" err="1" smtClean="0"/>
-              <a:t>arkflow</a:t>
+              <a:t>darkflow</a:t>
             </a:r>
             <a:r>
               <a:rPr lang="ja-JP" altLang="en-US" sz="1800" dirty="0" smtClean="0"/>
-              <a:t> </a:t>
-            </a:r>
-            <a:r>
-              <a:rPr lang="ja-JP" altLang="en-US" sz="1800" dirty="0" smtClean="0"/>
-              <a:t>モデル</a:t>
-            </a:r>
-            <a:r>
-              <a:rPr lang="ja-JP" altLang="en-US" sz="1800" dirty="0" smtClean="0"/>
-              <a:t>変換</a:t>
+              <a:t> モデル変換</a:t>
             </a:r>
             <a:r>
               <a:rPr lang="ja-JP" altLang="en-US" sz="1400" dirty="0" smtClean="0"/>
@@ -7643,11 +7755,6 @@
               </a:rPr>
               <a:t>darkflow-flow.sh</a:t>
             </a:r>
-            <a:endParaRPr lang="en-US" altLang="ja-JP" sz="1400" b="1" dirty="0" smtClean="0">
-              <a:solidFill>
-                <a:srgbClr val="C00000"/>
-              </a:solidFill>
-            </a:endParaRPr>
           </a:p>
           <a:p>
             <a:r>
@@ -7656,11 +7763,7 @@
             </a:r>
             <a:r>
               <a:rPr lang="ja-JP" altLang="en-US" sz="1800" dirty="0" smtClean="0"/>
-              <a:t>ファイル</a:t>
-            </a:r>
-            <a:r>
-              <a:rPr lang="ja-JP" altLang="en-US" sz="1800" dirty="0" smtClean="0"/>
-              <a:t>削除 </a:t>
+              <a:t>ファイル削除 </a:t>
             </a:r>
             <a:r>
               <a:rPr lang="en-US" altLang="ja-JP" sz="1400" dirty="0" smtClean="0"/>
@@ -8412,8 +8515,8 @@
         </p:nvSpPr>
         <p:spPr>
           <a:xfrm>
-            <a:off x="3177480" y="350748"/>
-            <a:ext cx="3804247" cy="276999"/>
+            <a:off x="5482572" y="350748"/>
+            <a:ext cx="3409908" cy="276999"/>
           </a:xfrm>
           <a:prstGeom prst="rect">
             <a:avLst/>
@@ -8427,12 +8530,36 @@
           <a:lstStyle/>
           <a:p>
             <a:r>
+              <a:rPr lang="ja-JP" altLang="en-US" sz="1200" dirty="0">
+                <a:solidFill>
+                  <a:srgbClr val="0070C0"/>
+                </a:solidFill>
+              </a:rPr>
+              <a:t>青</a:t>
+            </a:r>
+            <a:r>
               <a:rPr kumimoji="1" lang="ja-JP" altLang="en-US" sz="1200" dirty="0" smtClean="0">
                 <a:solidFill>
-                  <a:srgbClr val="C00000"/>
+                  <a:srgbClr val="0070C0"/>
                 </a:solidFill>
               </a:rPr>
-              <a:t>赤字は使用するスクリプト</a:t>
+              <a:t>字は</a:t>
+            </a:r>
+            <a:r>
+              <a:rPr lang="ja-JP" altLang="en-US" sz="1200" dirty="0">
+                <a:solidFill>
+                  <a:srgbClr val="0070C0"/>
+                </a:solidFill>
+              </a:rPr>
+              <a:t>利用</a:t>
+            </a:r>
+            <a:r>
+              <a:rPr kumimoji="1" lang="ja-JP" altLang="en-US" sz="1200" dirty="0" smtClean="0">
+                <a:solidFill>
+                  <a:srgbClr val="0070C0"/>
+                </a:solidFill>
+              </a:rPr>
+              <a:t>するアプリ。 </a:t>
             </a:r>
             <a:r>
               <a:rPr kumimoji="1" lang="ja-JP" altLang="en-US" sz="1200" b="1" dirty="0" smtClean="0">
@@ -8440,7 +8567,23 @@
                   <a:srgbClr val="C00000"/>
                 </a:solidFill>
               </a:rPr>
-              <a:t>（赤太字は作成したスクリプト）</a:t>
+              <a:t>赤字</a:t>
+            </a:r>
+            <a:r>
+              <a:rPr kumimoji="1" lang="ja-JP" altLang="en-US" sz="1200" b="1" dirty="0" smtClean="0">
+                <a:solidFill>
+                  <a:srgbClr val="C00000"/>
+                </a:solidFill>
+              </a:rPr>
+              <a:t>は作成した</a:t>
+            </a:r>
+            <a:r>
+              <a:rPr kumimoji="1" lang="ja-JP" altLang="en-US" sz="1200" b="1" dirty="0" smtClean="0">
+                <a:solidFill>
+                  <a:srgbClr val="C00000"/>
+                </a:solidFill>
+              </a:rPr>
+              <a:t>スクリプト</a:t>
             </a:r>
             <a:endParaRPr kumimoji="1" lang="ja-JP" altLang="en-US" sz="1200" b="1" dirty="0">
               <a:solidFill>
@@ -8647,17 +8790,12 @@
             <a:pPr lvl="1"/>
             <a:r>
               <a:rPr lang="ja-JP" altLang="en-US" sz="1400" dirty="0" smtClean="0"/>
-              <a:t>データセットの</a:t>
-            </a:r>
-            <a:r>
-              <a:rPr lang="ja-JP" altLang="en-US" sz="1400" dirty="0" smtClean="0"/>
-              <a:t>チェック </a:t>
+              <a:t>データセットのチェック </a:t>
             </a:r>
             <a:r>
               <a:rPr lang="en-US" altLang="ja-JP" sz="1400" dirty="0" smtClean="0"/>
               <a:t>p.5</a:t>
             </a:r>
-            <a:endParaRPr lang="en-US" altLang="ja-JP" sz="1400" dirty="0" smtClean="0"/>
           </a:p>
           <a:p>
             <a:pPr lvl="2"/>
@@ -8674,35 +8812,22 @@
             <a:pPr lvl="1"/>
             <a:r>
               <a:rPr lang="ja-JP" altLang="en-US" sz="1400" dirty="0" smtClean="0"/>
-              <a:t>学習用とテスト用画像</a:t>
-            </a:r>
-            <a:r>
-              <a:rPr lang="ja-JP" altLang="en-US" sz="1400" dirty="0" smtClean="0"/>
-              <a:t>振分け </a:t>
+              <a:t>学習用とテスト用画像振分け </a:t>
             </a:r>
             <a:r>
               <a:rPr lang="en-US" altLang="ja-JP" sz="1400" dirty="0" smtClean="0"/>
               <a:t>p.6</a:t>
             </a:r>
-            <a:endParaRPr lang="en-US" altLang="ja-JP" sz="1400" dirty="0" smtClean="0"/>
           </a:p>
           <a:p>
             <a:pPr lvl="2"/>
             <a:r>
-              <a:rPr lang="en-US" altLang="ja-JP" sz="1400" dirty="0">
+              <a:rPr lang="en-US" altLang="ja-JP" sz="1400" b="1" dirty="0" smtClean="0">
                 <a:solidFill>
                   <a:srgbClr val="C00000"/>
                 </a:solidFill>
               </a:rPr>
-              <a:t>p</a:t>
-            </a:r>
-            <a:r>
-              <a:rPr lang="en-US" altLang="ja-JP" sz="1400" dirty="0" smtClean="0">
-                <a:solidFill>
-                  <a:srgbClr val="C00000"/>
-                </a:solidFill>
-              </a:rPr>
-              <a:t>rocess.py</a:t>
+              <a:t>process2.py</a:t>
             </a:r>
           </a:p>
           <a:p>
@@ -8726,11 +8851,7 @@
             </a:r>
             <a:r>
               <a:rPr lang="ja-JP" altLang="en-US" sz="1800" dirty="0" smtClean="0"/>
-              <a:t> </a:t>
-            </a:r>
-            <a:r>
-              <a:rPr lang="ja-JP" altLang="en-US" sz="1800" dirty="0" smtClean="0"/>
-              <a:t>学習</a:t>
+              <a:t> 学習</a:t>
             </a:r>
             <a:r>
               <a:rPr lang="ja-JP" altLang="en-US" sz="1400" dirty="0" smtClean="0"/>
@@ -8875,7 +8996,6 @@
               <a:rPr lang="en-US" altLang="ja-JP" sz="1400" dirty="0" smtClean="0"/>
               <a:t>p.21</a:t>
             </a:r>
-            <a:endParaRPr lang="en-US" altLang="ja-JP" sz="1400" dirty="0" smtClean="0"/>
           </a:p>
           <a:p>
             <a:pPr lvl="2"/>
@@ -8959,7 +9079,12 @@
             <p:ph type="title"/>
           </p:nvPr>
         </p:nvSpPr>
-        <p:spPr/>
+        <p:spPr>
+          <a:xfrm>
+            <a:off x="457200" y="188640"/>
+            <a:ext cx="8229600" cy="1143000"/>
+          </a:xfrm>
+        </p:spPr>
         <p:txBody>
           <a:bodyPr>
             <a:normAutofit/>
@@ -8967,21 +9092,21 @@
           <a:lstStyle/>
           <a:p>
             <a:r>
-              <a:rPr lang="en-US" altLang="ja-JP" sz="3200" dirty="0" smtClean="0"/>
+              <a:rPr lang="en-US" altLang="ja-JP" sz="2800" dirty="0" smtClean="0"/>
               <a:t>Android</a:t>
             </a:r>
             <a:r>
-              <a:rPr lang="ja-JP" altLang="en-US" sz="3200" dirty="0" smtClean="0"/>
+              <a:rPr lang="ja-JP" altLang="en-US" sz="2800" dirty="0" smtClean="0"/>
               <a:t> </a:t>
             </a:r>
             <a:r>
-              <a:rPr lang="en-US" altLang="ja-JP" sz="3200" dirty="0" smtClean="0"/>
+              <a:rPr lang="en-US" altLang="ja-JP" sz="2800" dirty="0" smtClean="0"/>
               <a:t>Studio</a:t>
             </a:r>
             <a:br>
-              <a:rPr lang="en-US" altLang="ja-JP" sz="3200" dirty="0" smtClean="0"/>
+              <a:rPr lang="en-US" altLang="ja-JP" sz="2800" dirty="0" smtClean="0"/>
             </a:br>
-            <a:endParaRPr lang="ja-JP" altLang="en-US" sz="3200" dirty="0"/>
+            <a:endParaRPr lang="ja-JP" altLang="en-US" sz="2800" dirty="0"/>
           </a:p>
         </p:txBody>
       </p:sp>
@@ -9008,299 +9133,304 @@
           <a:lstStyle/>
           <a:p>
             <a:r>
-              <a:rPr lang="en-US" altLang="ja-JP" sz="2200" dirty="0" smtClean="0"/>
+              <a:rPr lang="en-US" altLang="ja-JP" sz="2400" dirty="0" smtClean="0"/>
               <a:t>Android</a:t>
             </a:r>
             <a:r>
-              <a:rPr lang="ja-JP" altLang="en-US" sz="2200" dirty="0" smtClean="0"/>
+              <a:rPr lang="ja-JP" altLang="en-US" sz="2400" dirty="0" smtClean="0"/>
               <a:t> </a:t>
             </a:r>
             <a:r>
-              <a:rPr lang="en-US" altLang="ja-JP" sz="2200" dirty="0" smtClean="0"/>
+              <a:rPr lang="en-US" altLang="ja-JP" sz="2400" dirty="0" smtClean="0"/>
               <a:t>Studio</a:t>
             </a:r>
-            <a:endParaRPr lang="en-US" altLang="ja-JP" sz="2200" dirty="0"/>
+            <a:endParaRPr lang="en-US" altLang="ja-JP" sz="2400" dirty="0"/>
           </a:p>
           <a:p>
             <a:pPr lvl="1"/>
             <a:r>
-              <a:rPr lang="ja-JP" altLang="en-US" sz="1800" dirty="0" smtClean="0"/>
+              <a:rPr lang="ja-JP" altLang="en-US" sz="2000" dirty="0" smtClean="0"/>
               <a:t>同期</a:t>
             </a:r>
-            <a:endParaRPr lang="en-US" altLang="ja-JP" sz="1800" dirty="0" smtClean="0"/>
+            <a:endParaRPr lang="en-US" altLang="ja-JP" sz="2000" dirty="0" smtClean="0"/>
           </a:p>
           <a:p>
             <a:pPr lvl="1"/>
             <a:r>
-              <a:rPr lang="ja-JP" altLang="en-US" sz="1800" dirty="0" smtClean="0"/>
+              <a:rPr lang="ja-JP" altLang="en-US" sz="2000" dirty="0" smtClean="0"/>
               <a:t>ビルド</a:t>
             </a:r>
-            <a:endParaRPr lang="en-US" altLang="ja-JP" sz="1800" dirty="0" smtClean="0"/>
+            <a:endParaRPr lang="en-US" altLang="ja-JP" sz="2000" dirty="0" smtClean="0"/>
           </a:p>
           <a:p>
             <a:pPr lvl="1"/>
             <a:r>
-              <a:rPr lang="en-US" altLang="ja-JP" sz="1800" dirty="0" smtClean="0"/>
+              <a:rPr lang="en-US" altLang="ja-JP" sz="2000" dirty="0" smtClean="0"/>
               <a:t>Build</a:t>
             </a:r>
             <a:r>
-              <a:rPr lang="ja-JP" altLang="en-US" sz="1800" dirty="0" smtClean="0"/>
+              <a:rPr lang="ja-JP" altLang="en-US" sz="2000" dirty="0" smtClean="0"/>
               <a:t> </a:t>
             </a:r>
             <a:r>
-              <a:rPr lang="en-US" altLang="ja-JP" sz="1800" dirty="0" smtClean="0"/>
+              <a:rPr lang="en-US" altLang="ja-JP" sz="2000" dirty="0" smtClean="0"/>
               <a:t>Variant</a:t>
             </a:r>
             <a:r>
-              <a:rPr lang="ja-JP" altLang="en-US" sz="1800" dirty="0" smtClean="0"/>
+              <a:rPr lang="ja-JP" altLang="en-US" sz="2000" dirty="0" smtClean="0"/>
               <a:t> を</a:t>
             </a:r>
             <a:r>
-              <a:rPr lang="en-US" altLang="ja-JP" sz="1800" dirty="0" smtClean="0"/>
+              <a:rPr lang="en-US" altLang="ja-JP" sz="2000" dirty="0" smtClean="0"/>
               <a:t>debug</a:t>
             </a:r>
             <a:r>
-              <a:rPr lang="ja-JP" altLang="en-US" sz="1800" dirty="0" smtClean="0"/>
+              <a:rPr lang="ja-JP" altLang="en-US" sz="2000" dirty="0" smtClean="0"/>
               <a:t>にし、</a:t>
             </a:r>
             <a:r>
-              <a:rPr lang="en-US" altLang="ja-JP" sz="1800" dirty="0" smtClean="0"/>
+              <a:rPr lang="en-US" altLang="ja-JP" sz="2000" dirty="0" smtClean="0"/>
               <a:t>Build</a:t>
             </a:r>
             <a:r>
-              <a:rPr lang="ja-JP" altLang="en-US" sz="1800" dirty="0" smtClean="0"/>
+              <a:rPr lang="ja-JP" altLang="en-US" sz="2000" dirty="0" smtClean="0"/>
               <a:t>～</a:t>
             </a:r>
             <a:r>
-              <a:rPr lang="en-US" altLang="ja-JP" sz="1800" dirty="0" err="1" smtClean="0"/>
+              <a:rPr lang="en-US" altLang="ja-JP" sz="2000" dirty="0" err="1" smtClean="0"/>
               <a:t>Buils</a:t>
             </a:r>
             <a:r>
-              <a:rPr lang="en-US" altLang="ja-JP" sz="1800" dirty="0" smtClean="0"/>
+              <a:rPr lang="en-US" altLang="ja-JP" sz="2000" dirty="0" smtClean="0"/>
               <a:t> </a:t>
             </a:r>
             <a:r>
-              <a:rPr lang="ja-JP" altLang="en-US" sz="1800" dirty="0" smtClean="0"/>
+              <a:rPr lang="ja-JP" altLang="en-US" sz="2000" dirty="0" smtClean="0"/>
               <a:t> </a:t>
             </a:r>
             <a:r>
-              <a:rPr lang="en-US" altLang="ja-JP" sz="1800" dirty="0" err="1" smtClean="0"/>
+              <a:rPr lang="en-US" altLang="ja-JP" sz="2000" dirty="0" err="1" smtClean="0"/>
               <a:t>Apk</a:t>
             </a:r>
             <a:r>
-              <a:rPr lang="en-US" altLang="ja-JP" sz="1800" dirty="0" smtClean="0"/>
+              <a:rPr lang="en-US" altLang="ja-JP" sz="2000" dirty="0" smtClean="0"/>
               <a:t>(s)</a:t>
             </a:r>
           </a:p>
           <a:p>
             <a:pPr lvl="2"/>
             <a:r>
-              <a:rPr lang="en-US" altLang="ja-JP" sz="1400" dirty="0"/>
+              <a:rPr lang="en-US" altLang="ja-JP" sz="1600" dirty="0"/>
               <a:t>G:\</a:t>
             </a:r>
             <a:r>
-              <a:rPr lang="en-US" altLang="ja-JP" sz="1400" dirty="0" smtClean="0"/>
+              <a:rPr lang="en-US" altLang="ja-JP" sz="1600" dirty="0" smtClean="0"/>
               <a:t>Android\Project\garbage\gradleBuild\outputs\apk\debug\garbage-debug.apk </a:t>
             </a:r>
             <a:r>
-              <a:rPr lang="ja-JP" altLang="en-US" sz="1400" dirty="0" smtClean="0"/>
+              <a:rPr lang="ja-JP" altLang="en-US" sz="1600" dirty="0" smtClean="0"/>
               <a:t>ができる</a:t>
             </a:r>
-            <a:endParaRPr lang="en-US" altLang="ja-JP" sz="1400" dirty="0" smtClean="0"/>
+            <a:endParaRPr lang="en-US" altLang="ja-JP" sz="1600" dirty="0" smtClean="0"/>
           </a:p>
           <a:p>
             <a:pPr lvl="1"/>
             <a:r>
-              <a:rPr lang="en-US" altLang="ja-JP" sz="1800" dirty="0"/>
+              <a:rPr lang="en-US" altLang="ja-JP" sz="2000" dirty="0"/>
               <a:t>Build</a:t>
             </a:r>
             <a:r>
-              <a:rPr lang="ja-JP" altLang="en-US" sz="1800" dirty="0"/>
+              <a:rPr lang="ja-JP" altLang="en-US" sz="2000" dirty="0"/>
               <a:t> </a:t>
             </a:r>
             <a:r>
-              <a:rPr lang="en-US" altLang="ja-JP" sz="1800" dirty="0"/>
+              <a:rPr lang="en-US" altLang="ja-JP" sz="2000" dirty="0"/>
               <a:t>Variant</a:t>
             </a:r>
             <a:r>
-              <a:rPr lang="ja-JP" altLang="en-US" sz="1800" dirty="0"/>
+              <a:rPr lang="ja-JP" altLang="en-US" sz="2000" dirty="0"/>
               <a:t> </a:t>
             </a:r>
             <a:r>
-              <a:rPr lang="ja-JP" altLang="en-US" sz="1800" dirty="0" smtClean="0"/>
+              <a:rPr lang="ja-JP" altLang="en-US" sz="2000" dirty="0" smtClean="0"/>
               <a:t>を</a:t>
             </a:r>
             <a:r>
-              <a:rPr lang="en-US" altLang="ja-JP" sz="1800" dirty="0" smtClean="0"/>
+              <a:rPr lang="en-US" altLang="ja-JP" sz="2000" dirty="0" smtClean="0"/>
               <a:t>release</a:t>
             </a:r>
             <a:r>
-              <a:rPr lang="ja-JP" altLang="en-US" sz="1800" dirty="0" smtClean="0"/>
+              <a:rPr lang="ja-JP" altLang="en-US" sz="2000" dirty="0" smtClean="0"/>
               <a:t>に</a:t>
             </a:r>
             <a:r>
-              <a:rPr lang="ja-JP" altLang="en-US" sz="1800" dirty="0"/>
+              <a:rPr lang="ja-JP" altLang="en-US" sz="2000" dirty="0"/>
               <a:t>し、</a:t>
             </a:r>
             <a:r>
-              <a:rPr lang="en-US" altLang="ja-JP" sz="1800" dirty="0"/>
+              <a:rPr lang="en-US" altLang="ja-JP" sz="2000" dirty="0"/>
               <a:t>Build</a:t>
             </a:r>
             <a:r>
-              <a:rPr lang="ja-JP" altLang="en-US" sz="1800" dirty="0"/>
+              <a:rPr lang="ja-JP" altLang="en-US" sz="2000" dirty="0"/>
               <a:t>～</a:t>
             </a:r>
             <a:r>
-              <a:rPr lang="en-US" altLang="ja-JP" sz="1800" dirty="0" err="1"/>
+              <a:rPr lang="en-US" altLang="ja-JP" sz="2000" dirty="0" err="1"/>
               <a:t>Buils</a:t>
             </a:r>
             <a:r>
-              <a:rPr lang="en-US" altLang="ja-JP" sz="1800" dirty="0"/>
+              <a:rPr lang="en-US" altLang="ja-JP" sz="2000" dirty="0"/>
               <a:t> </a:t>
             </a:r>
             <a:r>
-              <a:rPr lang="ja-JP" altLang="en-US" sz="1800" dirty="0"/>
+              <a:rPr lang="ja-JP" altLang="en-US" sz="2000" dirty="0"/>
               <a:t> </a:t>
             </a:r>
             <a:r>
-              <a:rPr lang="en-US" altLang="ja-JP" sz="1800" dirty="0" err="1"/>
+              <a:rPr lang="en-US" altLang="ja-JP" sz="2000" dirty="0" err="1"/>
               <a:t>Apk</a:t>
             </a:r>
             <a:r>
-              <a:rPr lang="en-US" altLang="ja-JP" sz="1800" dirty="0"/>
+              <a:rPr lang="en-US" altLang="ja-JP" sz="2000" dirty="0"/>
               <a:t>(s</a:t>
             </a:r>
             <a:r>
-              <a:rPr lang="en-US" altLang="ja-JP" sz="1800" dirty="0" smtClean="0"/>
+              <a:rPr lang="en-US" altLang="ja-JP" sz="2000" dirty="0" smtClean="0"/>
               <a:t>)</a:t>
             </a:r>
           </a:p>
           <a:p>
             <a:pPr lvl="2"/>
             <a:r>
-              <a:rPr lang="en-US" altLang="ja-JP" sz="1400" dirty="0"/>
+              <a:rPr lang="en-US" altLang="ja-JP" sz="1600" dirty="0"/>
               <a:t>G:\</a:t>
             </a:r>
             <a:r>
-              <a:rPr lang="en-US" altLang="ja-JP" sz="1400" dirty="0" smtClean="0"/>
+              <a:rPr lang="en-US" altLang="ja-JP" sz="1600" dirty="0" smtClean="0"/>
               <a:t>Android\Project\garbage\gradleBuild\outputs\apk\release\garbage-release.apk </a:t>
             </a:r>
             <a:r>
-              <a:rPr lang="ja-JP" altLang="en-US" sz="1400" dirty="0"/>
+              <a:rPr lang="ja-JP" altLang="en-US" sz="1600" dirty="0"/>
               <a:t>が</a:t>
             </a:r>
             <a:r>
-              <a:rPr lang="ja-JP" altLang="en-US" sz="1400" dirty="0" smtClean="0"/>
+              <a:rPr lang="ja-JP" altLang="en-US" sz="1600" dirty="0" smtClean="0"/>
               <a:t>できる</a:t>
             </a:r>
-            <a:endParaRPr lang="en-US" altLang="ja-JP" sz="1400" dirty="0" smtClean="0"/>
+            <a:endParaRPr lang="en-US" altLang="ja-JP" sz="1600" dirty="0" smtClean="0"/>
           </a:p>
           <a:p>
             <a:pPr lvl="1"/>
             <a:r>
-              <a:rPr lang="en-US" altLang="ja-JP" sz="1800" dirty="0"/>
+              <a:rPr lang="en-US" altLang="ja-JP" sz="2000" dirty="0"/>
               <a:t>Build</a:t>
             </a:r>
             <a:r>
-              <a:rPr lang="ja-JP" altLang="en-US" sz="1800" dirty="0"/>
+              <a:rPr lang="ja-JP" altLang="en-US" sz="2000" dirty="0"/>
               <a:t> </a:t>
             </a:r>
             <a:r>
-              <a:rPr lang="en-US" altLang="ja-JP" sz="1800" dirty="0"/>
+              <a:rPr lang="en-US" altLang="ja-JP" sz="2000" dirty="0"/>
               <a:t>Variant</a:t>
             </a:r>
             <a:r>
-              <a:rPr lang="ja-JP" altLang="en-US" sz="1800" dirty="0"/>
+              <a:rPr lang="ja-JP" altLang="en-US" sz="2000" dirty="0"/>
               <a:t> </a:t>
             </a:r>
             <a:r>
-              <a:rPr lang="ja-JP" altLang="en-US" sz="1800" dirty="0" smtClean="0"/>
+              <a:rPr lang="ja-JP" altLang="en-US" sz="2000" dirty="0" smtClean="0"/>
               <a:t>を</a:t>
             </a:r>
             <a:r>
-              <a:rPr lang="en-US" altLang="ja-JP" sz="1800" dirty="0" smtClean="0"/>
+              <a:rPr lang="en-US" altLang="ja-JP" sz="2000" dirty="0" smtClean="0"/>
               <a:t>release</a:t>
             </a:r>
             <a:r>
-              <a:rPr lang="ja-JP" altLang="en-US" sz="1800" dirty="0" smtClean="0"/>
+              <a:rPr lang="ja-JP" altLang="en-US" sz="2000" dirty="0" smtClean="0"/>
               <a:t>にし</a:t>
             </a:r>
             <a:r>
-              <a:rPr lang="ja-JP" altLang="en-US" sz="1800" dirty="0"/>
+              <a:rPr lang="ja-JP" altLang="en-US" sz="2000" dirty="0"/>
               <a:t>、</a:t>
             </a:r>
             <a:r>
-              <a:rPr lang="en-US" altLang="ja-JP" sz="1800" dirty="0"/>
+              <a:rPr lang="en-US" altLang="ja-JP" sz="2000" dirty="0"/>
               <a:t>Build</a:t>
             </a:r>
             <a:r>
-              <a:rPr lang="ja-JP" altLang="en-US" sz="1800" dirty="0" smtClean="0"/>
+              <a:rPr lang="ja-JP" altLang="en-US" sz="2000" dirty="0" smtClean="0"/>
               <a:t>～</a:t>
             </a:r>
             <a:r>
-              <a:rPr lang="en-US" altLang="ja-JP" sz="1800" dirty="0" smtClean="0"/>
+              <a:rPr lang="en-US" altLang="ja-JP" sz="2000" dirty="0" smtClean="0"/>
               <a:t>Generate</a:t>
             </a:r>
             <a:r>
-              <a:rPr lang="ja-JP" altLang="en-US" sz="1800" dirty="0" smtClean="0"/>
+              <a:rPr lang="ja-JP" altLang="en-US" sz="2000" dirty="0" smtClean="0"/>
               <a:t> </a:t>
             </a:r>
             <a:r>
-              <a:rPr lang="en-US" altLang="ja-JP" sz="1800" dirty="0" smtClean="0"/>
+              <a:rPr lang="en-US" altLang="ja-JP" sz="2000" dirty="0" smtClean="0"/>
               <a:t>Signed</a:t>
             </a:r>
             <a:r>
-              <a:rPr lang="ja-JP" altLang="en-US" sz="1800" dirty="0" smtClean="0"/>
+              <a:rPr lang="ja-JP" altLang="en-US" sz="2000" dirty="0" smtClean="0"/>
               <a:t> </a:t>
             </a:r>
             <a:r>
-              <a:rPr lang="en-US" altLang="ja-JP" sz="1800" dirty="0" err="1" smtClean="0"/>
+              <a:rPr lang="en-US" altLang="ja-JP" sz="2000" dirty="0" err="1" smtClean="0"/>
               <a:t>Apk</a:t>
             </a:r>
-            <a:endParaRPr lang="en-US" altLang="ja-JP" sz="1800" dirty="0" smtClean="0"/>
+            <a:endParaRPr lang="en-US" altLang="ja-JP" sz="2000" dirty="0" smtClean="0"/>
           </a:p>
           <a:p>
             <a:pPr lvl="2"/>
             <a:r>
-              <a:rPr lang="en-US" altLang="ja-JP" sz="1400" dirty="0"/>
+              <a:rPr lang="en-US" altLang="ja-JP" sz="1600" dirty="0"/>
               <a:t>G:\</a:t>
             </a:r>
             <a:r>
-              <a:rPr lang="en-US" altLang="ja-JP" sz="1400" dirty="0" smtClean="0"/>
+              <a:rPr lang="en-US" altLang="ja-JP" sz="1600" dirty="0" smtClean="0"/>
               <a:t>Android\Project\garbage\release\garbage-release.apk </a:t>
             </a:r>
             <a:r>
-              <a:rPr lang="ja-JP" altLang="en-US" sz="1400" dirty="0" smtClean="0"/>
+              <a:rPr lang="ja-JP" altLang="en-US" sz="1600" dirty="0" smtClean="0"/>
               <a:t>ができる</a:t>
             </a:r>
-            <a:endParaRPr lang="en-US" altLang="ja-JP" sz="1400" dirty="0" smtClean="0"/>
+            <a:endParaRPr lang="en-US" altLang="ja-JP" sz="1600" dirty="0" smtClean="0"/>
           </a:p>
           <a:p>
             <a:pPr lvl="2"/>
-            <a:endParaRPr lang="en-US" altLang="ja-JP" sz="1400" dirty="0"/>
-          </a:p>
-          <a:p>
-            <a:r>
-              <a:rPr lang="ja-JP" altLang="en-US" sz="2200" dirty="0" smtClean="0"/>
+            <a:endParaRPr lang="en-US" altLang="ja-JP" sz="1600" dirty="0"/>
+          </a:p>
+          <a:p>
+            <a:pPr lvl="1"/>
+            <a:r>
+              <a:rPr lang="ja-JP" altLang="en-US" sz="2000" dirty="0" smtClean="0"/>
               <a:t>スマホを</a:t>
             </a:r>
             <a:r>
-              <a:rPr lang="en-US" altLang="ja-JP" sz="2200" dirty="0" smtClean="0"/>
+              <a:rPr lang="en-US" altLang="ja-JP" sz="2000" dirty="0" smtClean="0"/>
               <a:t>PC</a:t>
             </a:r>
             <a:r>
-              <a:rPr lang="ja-JP" altLang="en-US" sz="2200" dirty="0" smtClean="0"/>
+              <a:rPr lang="ja-JP" altLang="en-US" sz="2000" dirty="0" smtClean="0"/>
               <a:t>につないで、</a:t>
             </a:r>
             <a:r>
-              <a:rPr lang="en-US" altLang="ja-JP" sz="2200" dirty="0" smtClean="0"/>
+              <a:rPr lang="en-US" altLang="ja-JP" sz="2000" dirty="0" smtClean="0"/>
               <a:t>Run</a:t>
             </a:r>
-            <a:endParaRPr lang="en-US" altLang="ja-JP" sz="2200" dirty="0"/>
-          </a:p>
-          <a:p>
-            <a:pPr lvl="1"/>
-            <a:endParaRPr lang="en-US" altLang="ja-JP" sz="1800" dirty="0"/>
+            <a:r>
+              <a:rPr lang="ja-JP" altLang="en-US" sz="2000" dirty="0" smtClean="0"/>
+              <a:t> 実行</a:t>
+            </a:r>
+            <a:endParaRPr lang="en-US" altLang="ja-JP" sz="2000" dirty="0"/>
+          </a:p>
+          <a:p>
+            <a:pPr lvl="2"/>
+            <a:endParaRPr lang="en-US" altLang="ja-JP" sz="1600" dirty="0"/>
           </a:p>
         </p:txBody>
       </p:sp>
@@ -9892,12 +10022,32 @@
           <a:p>
             <a:pPr lvl="1"/>
             <a:r>
-              <a:rPr lang="en-US" altLang="ja-JP" sz="2000" dirty="0" err="1" smtClean="0"/>
+              <a:rPr lang="en-US" altLang="ja-JP" sz="2000" dirty="0" err="1" smtClean="0">
+                <a:solidFill>
+                  <a:srgbClr val="0070C0"/>
+                </a:solidFill>
+              </a:rPr>
               <a:t>Ralpha</a:t>
             </a:r>
             <a:r>
               <a:rPr lang="ja-JP" altLang="en-US" sz="2000" dirty="0" smtClean="0"/>
-              <a:t>を使って画像をリサイズ、水増しする</a:t>
+              <a:t>を使って画像</a:t>
+            </a:r>
+            <a:r>
+              <a:rPr lang="ja-JP" altLang="en-US" sz="2000" dirty="0" smtClean="0"/>
+              <a:t>を </a:t>
+            </a:r>
+            <a:r>
+              <a:rPr lang="en-US" altLang="ja-JP" sz="2000" dirty="0" smtClean="0"/>
+              <a:t>500x500</a:t>
+            </a:r>
+            <a:r>
+              <a:rPr lang="ja-JP" altLang="en-US" sz="2000" dirty="0" smtClean="0"/>
+              <a:t>位にリサイズ</a:t>
+            </a:r>
+            <a:r>
+              <a:rPr lang="ja-JP" altLang="en-US" sz="2000" dirty="0" smtClean="0"/>
+              <a:t>、水増しする</a:t>
             </a:r>
             <a:endParaRPr lang="en-US" altLang="ja-JP" sz="2000" dirty="0" smtClean="0"/>
           </a:p>
@@ -9917,7 +10067,7 @@
             </a:r>
             <a:r>
               <a:rPr lang="ja-JP" altLang="en-US" sz="2000" dirty="0" smtClean="0"/>
-              <a:t>を使えばこれらの作業は不要</a:t>
+              <a:t>を使えば水増しの作業は不要</a:t>
             </a:r>
             <a:endParaRPr lang="en-US" altLang="ja-JP" sz="2000" dirty="0" smtClean="0"/>
           </a:p>
@@ -9931,12 +10081,52 @@
           <a:p>
             <a:pPr lvl="1"/>
             <a:r>
+              <a:rPr lang="en-US" altLang="ja-JP" sz="2000" dirty="0" smtClean="0">
+                <a:solidFill>
+                  <a:srgbClr val="0070C0"/>
+                </a:solidFill>
+              </a:rPr>
+              <a:t>labelImg</a:t>
+            </a:r>
+            <a:r>
+              <a:rPr lang="ja-JP" altLang="en-US" sz="2000" dirty="0" smtClean="0">
+                <a:solidFill>
+                  <a:srgbClr val="0070C0"/>
+                </a:solidFill>
+              </a:rPr>
+              <a:t> </a:t>
+            </a:r>
+            <a:r>
+              <a:rPr lang="ja-JP" altLang="en-US" sz="2000" dirty="0" smtClean="0"/>
+              <a:t>を使って、アノテーションを行う</a:t>
+            </a:r>
+            <a:endParaRPr lang="en-US" altLang="ja-JP" sz="2000" dirty="0" smtClean="0"/>
+          </a:p>
+          <a:p>
+            <a:pPr lvl="1"/>
+            <a:r>
+              <a:rPr lang="ja-JP" altLang="en-US" sz="2000" dirty="0" smtClean="0"/>
+              <a:t>撮影分のみアノテーション後は、</a:t>
+            </a:r>
+            <a:r>
+              <a:rPr lang="en-US" altLang="ja-JP" sz="2000" dirty="0" smtClean="0">
+                <a:solidFill>
+                  <a:srgbClr val="C00000"/>
+                </a:solidFill>
+              </a:rPr>
+              <a:t>Yolo-img-x28_windows.py</a:t>
+            </a:r>
+            <a:r>
               <a:rPr lang="en-US" altLang="ja-JP" sz="2000" dirty="0" smtClean="0"/>
-              <a:t>labelImg</a:t>
-            </a:r>
-            <a:r>
-              <a:rPr lang="ja-JP" altLang="en-US" sz="2000" dirty="0" smtClean="0"/>
-              <a:t> を使って、アノテーションを行う</a:t>
+              <a:t> </a:t>
+            </a:r>
+            <a:r>
+              <a:rPr lang="ja-JP" altLang="en-US" sz="2000" dirty="0"/>
+              <a:t>を</a:t>
+            </a:r>
+            <a:r>
+              <a:rPr lang="ja-JP" altLang="en-US" sz="2000" dirty="0" smtClean="0"/>
+              <a:t>使い、画像の水増しとアノテーションファイルの自動生成が可能</a:t>
             </a:r>
             <a:endParaRPr lang="en-US" altLang="ja-JP" sz="2000" dirty="0" smtClean="0"/>
           </a:p>
@@ -9951,22 +10141,6 @@
             <a:pPr lvl="1"/>
             <a:r>
               <a:rPr lang="ja-JP" altLang="en-US" sz="2000" dirty="0" smtClean="0"/>
-              <a:t>学習</a:t>
-            </a:r>
-            <a:r>
-              <a:rPr lang="ja-JP" altLang="en-US" sz="2000" dirty="0"/>
-              <a:t>を開始する前に画像データを集約</a:t>
-            </a:r>
-            <a:r>
-              <a:rPr lang="ja-JP" altLang="en-US" sz="2000" dirty="0" smtClean="0"/>
-              <a:t>する</a:t>
-            </a:r>
-            <a:endParaRPr lang="en-US" altLang="ja-JP" sz="2000" dirty="0" smtClean="0"/>
-          </a:p>
-          <a:p>
-            <a:pPr lvl="1"/>
-            <a:r>
-              <a:rPr lang="ja-JP" altLang="en-US" sz="2000" dirty="0" smtClean="0"/>
               <a:t>学習は、すべての画像</a:t>
             </a:r>
             <a:r>
@@ -9995,27 +10169,11 @@
             </a:r>
             <a:r>
               <a:rPr lang="ja-JP" altLang="en-US" sz="2000" dirty="0"/>
-              <a:t>には、すべてのフォルダーから学習する画像ファイル（画像名</a:t>
-            </a:r>
-            <a:r>
-              <a:rPr lang="en-US" altLang="ja-JP" sz="2000" dirty="0"/>
-              <a:t>.jpg</a:t>
-            </a:r>
-            <a:r>
-              <a:rPr lang="ja-JP" altLang="en-US" sz="2000" dirty="0"/>
-              <a:t>）とアノテーションファイル（画像名</a:t>
-            </a:r>
-            <a:r>
-              <a:rPr lang="en-US" altLang="ja-JP" sz="2000" dirty="0"/>
-              <a:t>.txt</a:t>
-            </a:r>
-            <a:r>
-              <a:rPr lang="ja-JP" altLang="en-US" sz="2000" dirty="0"/>
-              <a:t>）</a:t>
-            </a:r>
-            <a:r>
-              <a:rPr lang="ja-JP" altLang="en-US" sz="2000" dirty="0" smtClean="0"/>
-              <a:t>を、 </a:t>
+              <a:t>には、すべてのフォルダーから学習する画像</a:t>
+            </a:r>
+            <a:r>
+              <a:rPr lang="ja-JP" altLang="en-US" sz="2000" dirty="0" smtClean="0"/>
+              <a:t>ファイルとアノテーションファイルを、 </a:t>
             </a:r>
             <a:r>
               <a:rPr lang="en-US" altLang="ja-JP" sz="2000" dirty="0"/>
@@ -10277,11 +10435,7 @@
             </a:r>
             <a:r>
               <a:rPr lang="ja-JP" altLang="en-US" sz="2400" dirty="0" smtClean="0"/>
-              <a:t>文字（間違っている分類番号）を正しい分類番号に</a:t>
-            </a:r>
-            <a:r>
-              <a:rPr lang="ja-JP" altLang="en-US" sz="2400" dirty="0" smtClean="0"/>
-              <a:t>置き換える</a:t>
+              <a:t>文字（間違っている分類番号）を正しい分類番号に置き換える</a:t>
             </a:r>
             <a:endParaRPr lang="en-US" altLang="ja-JP" sz="2400" dirty="0" smtClean="0"/>
           </a:p>
@@ -10525,25 +10679,25 @@
           <a:lstStyle/>
           <a:p>
             <a:r>
-              <a:rPr kumimoji="1" lang="ja-JP" altLang="en-US" sz="3600" dirty="0" smtClean="0"/>
+              <a:rPr kumimoji="1" lang="ja-JP" altLang="en-US" sz="3200" dirty="0" smtClean="0"/>
               <a:t>データセットのチェック</a:t>
             </a:r>
             <a:r>
-              <a:rPr kumimoji="1" lang="en-US" altLang="ja-JP" sz="3600" dirty="0" smtClean="0"/>
+              <a:rPr kumimoji="1" lang="en-US" altLang="ja-JP" sz="3200" dirty="0" smtClean="0"/>
               <a:t/>
             </a:r>
             <a:br>
-              <a:rPr kumimoji="1" lang="en-US" altLang="ja-JP" sz="3600" dirty="0" smtClean="0"/>
+              <a:rPr kumimoji="1" lang="en-US" altLang="ja-JP" sz="3200" dirty="0" smtClean="0"/>
             </a:br>
             <a:r>
-              <a:rPr kumimoji="1" lang="en-US" altLang="ja-JP" sz="3600" dirty="0" smtClean="0">
+              <a:rPr kumimoji="1" lang="en-US" altLang="ja-JP" sz="3200" dirty="0" smtClean="0">
                 <a:solidFill>
                   <a:srgbClr val="C00000"/>
                 </a:solidFill>
               </a:rPr>
               <a:t>filecheck.py</a:t>
             </a:r>
-            <a:endParaRPr kumimoji="1" lang="ja-JP" altLang="en-US" sz="3600" dirty="0">
+            <a:endParaRPr kumimoji="1" lang="ja-JP" altLang="en-US" sz="3200" dirty="0">
               <a:solidFill>
                 <a:srgbClr val="C00000"/>
               </a:solidFill>
@@ -10569,62 +10723,74 @@
           <a:lstStyle/>
           <a:p>
             <a:r>
-              <a:rPr lang="ja-JP" altLang="ja-JP" sz="2400" dirty="0"/>
-              <a:t>データセットは、画像ファイル（</a:t>
-            </a:r>
-            <a:r>
-              <a:rPr lang="en-US" altLang="ja-JP" sz="2400" dirty="0"/>
+              <a:rPr lang="en-US" altLang="ja-JP" sz="2400" dirty="0" smtClean="0"/>
+              <a:t>Commentary:</a:t>
+            </a:r>
+          </a:p>
+          <a:p>
+            <a:pPr lvl="1"/>
+            <a:r>
+              <a:rPr lang="ja-JP" altLang="ja-JP" sz="2000" dirty="0" smtClean="0"/>
+              <a:t>データセット</a:t>
+            </a:r>
+            <a:r>
+              <a:rPr lang="ja-JP" altLang="ja-JP" sz="2000" dirty="0"/>
+              <a:t>は、画像ファイル（</a:t>
+            </a:r>
+            <a:r>
+              <a:rPr lang="en-US" altLang="ja-JP" sz="2000" dirty="0"/>
               <a:t>*.jpg</a:t>
             </a:r>
             <a:r>
-              <a:rPr lang="ja-JP" altLang="ja-JP" sz="2400" dirty="0"/>
+              <a:rPr lang="ja-JP" altLang="ja-JP" sz="2000" dirty="0"/>
               <a:t>）とアノテーションファイル（</a:t>
             </a:r>
             <a:r>
-              <a:rPr lang="en-US" altLang="ja-JP" sz="2400" dirty="0"/>
+              <a:rPr lang="en-US" altLang="ja-JP" sz="2000" dirty="0"/>
               <a:t>*.txt</a:t>
             </a:r>
             <a:r>
-              <a:rPr lang="ja-JP" altLang="ja-JP" sz="2400" dirty="0"/>
+              <a:rPr lang="ja-JP" altLang="ja-JP" sz="2000" dirty="0"/>
               <a:t>）の</a:t>
             </a:r>
             <a:r>
-              <a:rPr lang="ja-JP" altLang="ja-JP" sz="2400" dirty="0" smtClean="0"/>
+              <a:rPr lang="ja-JP" altLang="ja-JP" sz="2000" dirty="0" smtClean="0"/>
               <a:t>セット</a:t>
             </a:r>
             <a:r>
-              <a:rPr lang="ja-JP" altLang="en-US" sz="2400" dirty="0" smtClean="0"/>
+              <a:rPr lang="ja-JP" altLang="en-US" sz="2000" dirty="0" smtClean="0"/>
               <a:t>が必要</a:t>
             </a:r>
-            <a:endParaRPr lang="en-US" altLang="ja-JP" sz="2400" dirty="0" smtClean="0"/>
-          </a:p>
-          <a:p>
-            <a:r>
-              <a:rPr lang="ja-JP" altLang="en-US" sz="2400" dirty="0" smtClean="0"/>
+            <a:endParaRPr lang="en-US" altLang="ja-JP" sz="2000" dirty="0" smtClean="0"/>
+          </a:p>
+          <a:p>
+            <a:pPr lvl="1"/>
+            <a:r>
+              <a:rPr lang="ja-JP" altLang="en-US" sz="2000" dirty="0" smtClean="0"/>
               <a:t>学習中に、片方が無い場合、エラー</a:t>
             </a:r>
             <a:r>
-              <a:rPr lang="ja-JP" altLang="en-US" sz="2400" dirty="0"/>
+              <a:rPr lang="ja-JP" altLang="en-US" sz="2000" dirty="0"/>
               <a:t>が</a:t>
             </a:r>
             <a:r>
-              <a:rPr lang="ja-JP" altLang="en-US" sz="2400" dirty="0" smtClean="0"/>
+              <a:rPr lang="ja-JP" altLang="en-US" sz="2000" dirty="0" smtClean="0"/>
               <a:t>出て手</a:t>
             </a:r>
             <a:r>
-              <a:rPr lang="ja-JP" altLang="en-US" sz="2400" dirty="0"/>
+              <a:rPr lang="ja-JP" altLang="en-US" sz="2000" dirty="0"/>
               <a:t>戻りに</a:t>
             </a:r>
             <a:r>
-              <a:rPr lang="ja-JP" altLang="en-US" sz="2400" dirty="0" smtClean="0"/>
+              <a:rPr lang="ja-JP" altLang="en-US" sz="2000" dirty="0" smtClean="0"/>
               <a:t>なるので</a:t>
             </a:r>
             <a:r>
-              <a:rPr lang="ja-JP" altLang="en-US" sz="2400" dirty="0"/>
+              <a:rPr lang="ja-JP" altLang="en-US" sz="2000" dirty="0"/>
               <a:t>、学習前に、</a:t>
             </a:r>
             <a:r>
-              <a:rPr lang="en-US" altLang="ja-JP" sz="2400" dirty="0">
+              <a:rPr lang="en-US" altLang="ja-JP" sz="2000" dirty="0">
                 <a:solidFill>
                   <a:srgbClr val="C00000"/>
                 </a:solidFill>
@@ -10632,51 +10798,65 @@
               <a:t>filecheck.py</a:t>
             </a:r>
             <a:r>
-              <a:rPr lang="ja-JP" altLang="en-US" sz="2400" dirty="0"/>
+              <a:rPr lang="ja-JP" altLang="en-US" sz="2000" dirty="0"/>
               <a:t>を使って、画像ファイル（*</a:t>
             </a:r>
             <a:r>
+              <a:rPr lang="en-US" altLang="ja-JP" sz="2000" dirty="0"/>
+              <a:t>.jpg</a:t>
+            </a:r>
+            <a:r>
+              <a:rPr lang="ja-JP" altLang="en-US" sz="2000" dirty="0"/>
+              <a:t>）とアノテーションファイル（*</a:t>
+            </a:r>
+            <a:r>
+              <a:rPr lang="en-US" altLang="ja-JP" sz="2000" dirty="0"/>
+              <a:t>.txt</a:t>
+            </a:r>
+            <a:r>
+              <a:rPr lang="ja-JP" altLang="en-US" sz="2000" dirty="0"/>
+              <a:t>）の</a:t>
+            </a:r>
+            <a:r>
+              <a:rPr lang="ja-JP" altLang="en-US" sz="2000" dirty="0" smtClean="0"/>
+              <a:t>ペアの存在をチェック</a:t>
+            </a:r>
+            <a:r>
+              <a:rPr lang="ja-JP" altLang="en-US" sz="2000" dirty="0"/>
+              <a:t>して</a:t>
+            </a:r>
+            <a:r>
+              <a:rPr lang="ja-JP" altLang="en-US" sz="2000" dirty="0" smtClean="0"/>
+              <a:t>おく</a:t>
+            </a:r>
+            <a:endParaRPr lang="en-US" altLang="ja-JP" sz="2000" dirty="0" smtClean="0"/>
+          </a:p>
+          <a:p>
+            <a:r>
               <a:rPr lang="en-US" altLang="ja-JP" sz="2400" dirty="0"/>
-              <a:t>.jpg</a:t>
-            </a:r>
-            <a:r>
-              <a:rPr lang="ja-JP" altLang="en-US" sz="2400" dirty="0"/>
-              <a:t>）とアノテーションファイル（*</a:t>
-            </a:r>
-            <a:r>
-              <a:rPr lang="en-US" altLang="ja-JP" sz="2400" dirty="0"/>
-              <a:t>.txt</a:t>
-            </a:r>
-            <a:r>
-              <a:rPr lang="ja-JP" altLang="en-US" sz="2400" dirty="0"/>
-              <a:t>）の</a:t>
-            </a:r>
-            <a:r>
-              <a:rPr lang="ja-JP" altLang="en-US" sz="2400" dirty="0" smtClean="0"/>
-              <a:t>ペアの存在をチェック</a:t>
-            </a:r>
-            <a:r>
-              <a:rPr lang="ja-JP" altLang="en-US" sz="2400" dirty="0"/>
-              <a:t>して</a:t>
-            </a:r>
-            <a:r>
-              <a:rPr lang="ja-JP" altLang="en-US" sz="2400" dirty="0" smtClean="0"/>
-              <a:t>おく</a:t>
-            </a:r>
-            <a:endParaRPr lang="en-US" altLang="ja-JP" sz="2400" dirty="0" smtClean="0"/>
-          </a:p>
-          <a:p>
-            <a:r>
-              <a:rPr lang="en-US" altLang="ja-JP" sz="2400" dirty="0"/>
-              <a:t>filecheck</a:t>
+              <a:t>Purpose</a:t>
             </a:r>
             <a:r>
               <a:rPr lang="en-US" altLang="ja-JP" sz="2400" dirty="0" smtClean="0"/>
-              <a:t>.py </a:t>
-            </a:r>
-            <a:r>
-              <a:rPr lang="ja-JP" altLang="en-US" sz="2400" dirty="0"/>
-              <a:t>を実行する</a:t>
+              <a:t>:</a:t>
+            </a:r>
+          </a:p>
+          <a:p>
+            <a:pPr lvl="1"/>
+            <a:r>
+              <a:rPr lang="ja-JP" altLang="en-US" sz="2000" dirty="0"/>
+              <a:t>画像</a:t>
+            </a:r>
+            <a:r>
+              <a:rPr lang="ja-JP" altLang="en-US" sz="2000" dirty="0" smtClean="0"/>
+              <a:t>ファイルとアノテーションファイルのペアが存在するかチェックする</a:t>
+            </a:r>
+            <a:endParaRPr lang="en-US" altLang="ja-JP" sz="2000" dirty="0" smtClean="0"/>
+          </a:p>
+          <a:p>
+            <a:r>
+              <a:rPr lang="en-US" altLang="ja-JP" sz="2400" dirty="0" smtClean="0"/>
+              <a:t>Usage:</a:t>
             </a:r>
             <a:endParaRPr lang="en-US" altLang="ja-JP" sz="2000" dirty="0"/>
           </a:p>
@@ -10858,196 +11038,235 @@
             <a:br>
               <a:rPr lang="en-US" altLang="ja-JP" sz="2800" dirty="0" smtClean="0"/>
             </a:br>
-            <a:endParaRPr kumimoji="1" lang="ja-JP" altLang="en-US" sz="2800" dirty="0"/>
-          </a:p>
-        </p:txBody>
-      </p:sp>
-      <p:sp>
-        <p:nvSpPr>
-          <p:cNvPr id="3" name="コンテンツ プレースホルダー 2"/>
-          <p:cNvSpPr>
-            <a:spLocks noGrp="1"/>
-          </p:cNvSpPr>
-          <p:nvPr>
-            <p:ph idx="1"/>
-          </p:nvPr>
-        </p:nvSpPr>
-        <p:spPr>
-          <a:xfrm>
-            <a:off x="457200" y="1268760"/>
-            <a:ext cx="8229600" cy="5040560"/>
-          </a:xfrm>
-        </p:spPr>
-        <p:txBody>
-          <a:bodyPr>
-            <a:normAutofit/>
-          </a:bodyPr>
-          <a:lstStyle/>
-          <a:p>
-            <a:r>
-              <a:rPr lang="en-US" altLang="ja-JP" sz="2400" dirty="0">
+            <a:r>
+              <a:rPr lang="en-US" altLang="ja-JP" sz="2800" dirty="0" smtClean="0">
                 <a:solidFill>
                   <a:srgbClr val="C00000"/>
                 </a:solidFill>
               </a:rPr>
-              <a:t>p</a:t>
-            </a:r>
-            <a:r>
-              <a:rPr kumimoji="1" lang="en-US" altLang="ja-JP" sz="2400" dirty="0" smtClean="0">
+              <a:t>process2.py</a:t>
+            </a:r>
+            <a:endParaRPr kumimoji="1" lang="ja-JP" altLang="en-US" sz="2800" dirty="0">
+              <a:solidFill>
+                <a:srgbClr val="C00000"/>
+              </a:solidFill>
+            </a:endParaRPr>
+          </a:p>
+        </p:txBody>
+      </p:sp>
+      <p:sp>
+        <p:nvSpPr>
+          <p:cNvPr id="3" name="コンテンツ プレースホルダー 2"/>
+          <p:cNvSpPr>
+            <a:spLocks noGrp="1"/>
+          </p:cNvSpPr>
+          <p:nvPr>
+            <p:ph idx="1"/>
+          </p:nvPr>
+        </p:nvSpPr>
+        <p:spPr>
+          <a:xfrm>
+            <a:off x="457200" y="1196752"/>
+            <a:ext cx="8229600" cy="5040560"/>
+          </a:xfrm>
+        </p:spPr>
+        <p:txBody>
+          <a:bodyPr>
+            <a:normAutofit/>
+          </a:bodyPr>
+          <a:lstStyle/>
+          <a:p>
+            <a:r>
+              <a:rPr lang="en-US" altLang="ja-JP" sz="2400" dirty="0" smtClean="0"/>
+              <a:t>Purpose:</a:t>
+            </a:r>
+          </a:p>
+          <a:p>
+            <a:pPr lvl="1"/>
+            <a:r>
+              <a:rPr kumimoji="1" lang="ja-JP" altLang="en-US" sz="2000" dirty="0" smtClean="0"/>
+              <a:t>学習用画像（</a:t>
+            </a:r>
+            <a:r>
+              <a:rPr kumimoji="1" lang="en-US" altLang="ja-JP" sz="2000" dirty="0" smtClean="0"/>
+              <a:t>90%</a:t>
+            </a:r>
+            <a:r>
+              <a:rPr kumimoji="1" lang="ja-JP" altLang="en-US" sz="2000" dirty="0" smtClean="0"/>
+              <a:t>）、テスト用画像（</a:t>
+            </a:r>
+            <a:r>
+              <a:rPr kumimoji="1" lang="en-US" altLang="ja-JP" sz="2000" dirty="0" smtClean="0"/>
+              <a:t>10%</a:t>
+            </a:r>
+            <a:r>
+              <a:rPr kumimoji="1" lang="ja-JP" altLang="en-US" sz="2000" dirty="0" smtClean="0"/>
+              <a:t>）に振り分けて、それぞれのリストを作成する</a:t>
+            </a:r>
+            <a:endParaRPr kumimoji="1" lang="en-US" altLang="ja-JP" sz="2000" dirty="0" smtClean="0"/>
+          </a:p>
+          <a:p>
+            <a:r>
+              <a:rPr lang="en-US" altLang="ja-JP" sz="2400" dirty="0" smtClean="0"/>
+              <a:t>Usage:</a:t>
+            </a:r>
+          </a:p>
+          <a:p>
+            <a:pPr lvl="1"/>
+            <a:r>
+              <a:rPr lang="ja-JP" altLang="en-US" sz="2000" dirty="0" smtClean="0"/>
+              <a:t>引数</a:t>
+            </a:r>
+            <a:r>
+              <a:rPr lang="ja-JP" altLang="en-US" sz="2000" dirty="0" smtClean="0"/>
+              <a:t>で</a:t>
+            </a:r>
+            <a:r>
+              <a:rPr lang="ja-JP" altLang="en-US" sz="2000" dirty="0"/>
+              <a:t>フォルダ名</a:t>
+            </a:r>
+            <a:r>
+              <a:rPr lang="ja-JP" altLang="en-US" sz="2000" dirty="0" smtClean="0"/>
+              <a:t>とテストする割合</a:t>
+            </a:r>
+            <a:r>
+              <a:rPr lang="ja-JP" altLang="en-US" sz="2000" dirty="0"/>
+              <a:t>を指定する</a:t>
+            </a:r>
+            <a:endParaRPr lang="en-US" altLang="ja-JP" sz="2000" dirty="0" smtClean="0"/>
+          </a:p>
+          <a:p>
+            <a:pPr lvl="2"/>
+            <a:r>
+              <a:rPr lang="en-US" altLang="ja-JP" sz="2000" dirty="0" smtClean="0"/>
+              <a:t>$ </a:t>
+            </a:r>
+            <a:r>
+              <a:rPr lang="en-US" altLang="ja-JP" sz="2000" dirty="0"/>
+              <a:t>python </a:t>
+            </a:r>
+            <a:r>
+              <a:rPr lang="en-US" altLang="ja-JP" sz="2000" dirty="0" smtClean="0"/>
+              <a:t>process</a:t>
+            </a:r>
+            <a:r>
+              <a:rPr lang="en-US" altLang="ja-JP" sz="2000" dirty="0" smtClean="0">
                 <a:solidFill>
                   <a:srgbClr val="C00000"/>
                 </a:solidFill>
               </a:rPr>
-              <a:t>rocess.py</a:t>
-            </a:r>
-            <a:r>
-              <a:rPr kumimoji="1" lang="ja-JP" altLang="en-US" sz="2400" dirty="0" smtClean="0">
+              <a:t>2</a:t>
+            </a:r>
+            <a:r>
+              <a:rPr lang="en-US" altLang="ja-JP" sz="2000" dirty="0" smtClean="0"/>
+              <a:t>.py</a:t>
+            </a:r>
+            <a:r>
+              <a:rPr lang="ja-JP" altLang="en-US" sz="2000" dirty="0" smtClean="0"/>
+              <a:t> </a:t>
+            </a:r>
+            <a:r>
+              <a:rPr lang="en-US" altLang="ja-JP" sz="2000" dirty="0"/>
+              <a:t>&lt;image folder&gt; &lt;ratio of test</a:t>
+            </a:r>
+            <a:r>
+              <a:rPr lang="en-US" altLang="ja-JP" sz="2000" dirty="0" smtClean="0"/>
+              <a:t>(%)&gt;</a:t>
+            </a:r>
+          </a:p>
+          <a:p>
+            <a:pPr lvl="2"/>
+            <a:r>
+              <a:rPr lang="en-US" altLang="ja-JP" sz="2000" dirty="0" smtClean="0"/>
+              <a:t>$ cd ~/</a:t>
+            </a:r>
+            <a:r>
+              <a:rPr lang="en-US" altLang="ja-JP" sz="2000" dirty="0" err="1" smtClean="0"/>
+              <a:t>darknet</a:t>
+            </a:r>
+            <a:endParaRPr lang="en-US" altLang="ja-JP" sz="2000" dirty="0" smtClean="0"/>
+          </a:p>
+          <a:p>
+            <a:pPr lvl="2"/>
+            <a:r>
+              <a:rPr lang="en-US" altLang="ja-JP" sz="2000" dirty="0" smtClean="0"/>
+              <a:t>$ </a:t>
+            </a:r>
+            <a:r>
+              <a:rPr lang="en-US" altLang="ja-JP" sz="2000" dirty="0"/>
+              <a:t>python process</a:t>
+            </a:r>
+            <a:r>
+              <a:rPr lang="en-US" altLang="ja-JP" sz="2000" dirty="0">
                 <a:solidFill>
                   <a:srgbClr val="C00000"/>
                 </a:solidFill>
               </a:rPr>
+              <a:t>2</a:t>
+            </a:r>
+            <a:r>
+              <a:rPr lang="en-US" altLang="ja-JP" sz="2000" dirty="0"/>
+              <a:t>.py</a:t>
+            </a:r>
+            <a:r>
+              <a:rPr lang="ja-JP" altLang="en-US" sz="2000" dirty="0"/>
               <a:t> </a:t>
             </a:r>
             <a:r>
-              <a:rPr kumimoji="1" lang="ja-JP" altLang="en-US" sz="2400" dirty="0" smtClean="0"/>
-              <a:t>を使って、学習用画像、テスト用画像それぞれのリストを作成する</a:t>
-            </a:r>
-            <a:endParaRPr kumimoji="1" lang="en-US" altLang="ja-JP" sz="2400" dirty="0" smtClean="0"/>
+              <a:rPr lang="en-US" altLang="ja-JP" sz="2000" dirty="0" smtClean="0"/>
+              <a:t>data/2nd 10</a:t>
+            </a:r>
+            <a:endParaRPr lang="en-US" altLang="ja-JP" sz="2000" dirty="0"/>
+          </a:p>
+          <a:p>
+            <a:pPr lvl="2"/>
+            <a:r>
+              <a:rPr lang="en-US" altLang="ja-JP" sz="1400" dirty="0" smtClean="0"/>
+              <a:t>(</a:t>
+            </a:r>
+            <a:r>
+              <a:rPr lang="ja-JP" altLang="en-US" sz="1400" dirty="0" smtClean="0"/>
+              <a:t>注意</a:t>
+            </a:r>
+            <a:r>
+              <a:rPr lang="en-US" altLang="ja-JP" sz="1400" dirty="0" smtClean="0"/>
+              <a:t>)</a:t>
+            </a:r>
+            <a:r>
+              <a:rPr lang="ja-JP" altLang="en-US" sz="1400" dirty="0" smtClean="0"/>
+              <a:t> データセットを </a:t>
+            </a:r>
+            <a:r>
+              <a:rPr lang="en-US" altLang="ja-JP" sz="1400" dirty="0" smtClean="0"/>
+              <a:t>GPU</a:t>
+            </a:r>
+            <a:r>
+              <a:rPr lang="ja-JP" altLang="en-US" sz="1400" dirty="0" smtClean="0"/>
+              <a:t>マシンにコピーから実行するか、</a:t>
+            </a:r>
+            <a:r>
+              <a:rPr lang="en-US" altLang="ja-JP" sz="1400" dirty="0" smtClean="0"/>
+              <a:t>GPU</a:t>
+            </a:r>
+            <a:r>
+              <a:rPr lang="ja-JP" altLang="en-US" sz="1400" dirty="0" smtClean="0"/>
+              <a:t>マシンと同じフォルダ名の別の</a:t>
+            </a:r>
+            <a:r>
+              <a:rPr lang="en-US" altLang="ja-JP" sz="1400" dirty="0" smtClean="0"/>
+              <a:t>PC</a:t>
+            </a:r>
+            <a:r>
+              <a:rPr lang="ja-JP" altLang="en-US" sz="1400" dirty="0" smtClean="0"/>
+              <a:t>で実行しないと、学習時に正しいフォルダ名がみつからず、エラーになる</a:t>
+            </a:r>
+            <a:endParaRPr lang="en-US" altLang="ja-JP" sz="1400" dirty="0" smtClean="0"/>
           </a:p>
           <a:p>
             <a:r>
               <a:rPr lang="en-US" altLang="ja-JP" sz="2400" dirty="0" smtClean="0"/>
-              <a:t>process.py </a:t>
-            </a:r>
-            <a:r>
-              <a:rPr lang="ja-JP" altLang="en-US" sz="2400" dirty="0"/>
-              <a:t>ファイルの</a:t>
-            </a:r>
-            <a:r>
-              <a:rPr lang="en-US" altLang="ja-JP" sz="2400" dirty="0"/>
-              <a:t>7</a:t>
-            </a:r>
-            <a:r>
-              <a:rPr lang="ja-JP" altLang="en-US" sz="2400" dirty="0"/>
-              <a:t>行目 </a:t>
-            </a:r>
-            <a:r>
-              <a:rPr lang="en-US" altLang="ja-JP" sz="2400" dirty="0" err="1"/>
-              <a:t>path_data</a:t>
-            </a:r>
-            <a:r>
-              <a:rPr lang="ja-JP" altLang="en-US" sz="2400" dirty="0"/>
-              <a:t>を画像の保存先フォルダー名に変更</a:t>
-            </a:r>
-            <a:r>
-              <a:rPr lang="ja-JP" altLang="en-US" sz="2400" dirty="0" smtClean="0"/>
-              <a:t>する</a:t>
-            </a:r>
-            <a:endParaRPr lang="en-US" altLang="ja-JP" sz="2000" dirty="0" smtClean="0"/>
-          </a:p>
-          <a:p>
-            <a:pPr lvl="1"/>
-            <a:r>
-              <a:rPr lang="ja-JP" altLang="en-US" sz="2000" dirty="0" smtClean="0"/>
-              <a:t>（例）</a:t>
-            </a:r>
-            <a:endParaRPr lang="en-US" altLang="ja-JP" sz="2000" dirty="0" smtClean="0"/>
-          </a:p>
-          <a:p>
-            <a:pPr lvl="1"/>
-            <a:r>
-              <a:rPr lang="en-US" altLang="ja-JP" sz="2000" dirty="0" err="1" smtClean="0"/>
-              <a:t>path_data</a:t>
-            </a:r>
-            <a:r>
-              <a:rPr lang="en-US" altLang="ja-JP" sz="2000" dirty="0" smtClean="0"/>
-              <a:t> </a:t>
-            </a:r>
-            <a:r>
-              <a:rPr lang="en-US" altLang="ja-JP" sz="2000" dirty="0"/>
-              <a:t>= 'data/all</a:t>
-            </a:r>
-            <a:r>
-              <a:rPr lang="en-US" altLang="ja-JP" sz="2000" dirty="0" smtClean="0"/>
-              <a:t>/‘</a:t>
-            </a:r>
-          </a:p>
-          <a:p>
-            <a:pPr lvl="1"/>
-            <a:endParaRPr lang="en-US" altLang="ja-JP" sz="2000" dirty="0" smtClean="0"/>
-          </a:p>
-          <a:p>
-            <a:r>
-              <a:rPr lang="en-US" altLang="ja-JP" sz="2400" dirty="0" smtClean="0"/>
-              <a:t>process.py </a:t>
-            </a:r>
-            <a:r>
-              <a:rPr lang="ja-JP" altLang="en-US" sz="2400" dirty="0"/>
-              <a:t>を実行</a:t>
-            </a:r>
-            <a:r>
-              <a:rPr lang="ja-JP" altLang="en-US" sz="2400" dirty="0" smtClean="0"/>
-              <a:t>する</a:t>
-            </a:r>
-            <a:endParaRPr lang="en-US" altLang="ja-JP" sz="2000" dirty="0" smtClean="0"/>
-          </a:p>
-          <a:p>
-            <a:pPr lvl="1"/>
-            <a:r>
-              <a:rPr lang="en-US" altLang="ja-JP" sz="2000" dirty="0" smtClean="0"/>
-              <a:t>$ </a:t>
-            </a:r>
-            <a:r>
-              <a:rPr lang="en-US" altLang="ja-JP" sz="2000" dirty="0"/>
-              <a:t>python </a:t>
-            </a:r>
-            <a:r>
-              <a:rPr lang="en-US" altLang="ja-JP" sz="2000" dirty="0" smtClean="0"/>
-              <a:t>process.py</a:t>
-            </a:r>
-          </a:p>
-          <a:p>
-            <a:pPr lvl="1"/>
-            <a:endParaRPr lang="en-US" altLang="ja-JP" sz="2000" dirty="0" smtClean="0"/>
-          </a:p>
-          <a:p>
-            <a:r>
-              <a:rPr lang="ja-JP" altLang="en-US" sz="2400" dirty="0" smtClean="0"/>
-              <a:t>結果</a:t>
-            </a:r>
-            <a:r>
-              <a:rPr lang="ja-JP" altLang="en-US" sz="2400" dirty="0"/>
-              <a:t>、</a:t>
-            </a:r>
-            <a:r>
-              <a:rPr lang="en-US" altLang="ja-JP" sz="2400" dirty="0"/>
-              <a:t>test.txt</a:t>
-            </a:r>
-            <a:r>
-              <a:rPr lang="ja-JP" altLang="en-US" sz="2400" dirty="0"/>
-              <a:t>と</a:t>
-            </a:r>
-            <a:r>
-              <a:rPr lang="en-US" altLang="ja-JP" sz="2400" dirty="0"/>
-              <a:t>train.txt</a:t>
-            </a:r>
-            <a:r>
-              <a:rPr lang="ja-JP" altLang="en-US" sz="2400" dirty="0"/>
-              <a:t>が</a:t>
-            </a:r>
-            <a:r>
-              <a:rPr lang="ja-JP" altLang="en-US" sz="2400" dirty="0" smtClean="0"/>
-              <a:t>できる</a:t>
-            </a:r>
-            <a:endParaRPr lang="en-US" altLang="ja-JP" sz="2400" dirty="0" smtClean="0"/>
-          </a:p>
-          <a:p>
-            <a:pPr lvl="1"/>
-            <a:r>
-              <a:rPr lang="ja-JP" altLang="en-US" sz="2000" dirty="0" smtClean="0"/>
-              <a:t>（例）</a:t>
-            </a:r>
-            <a:endParaRPr lang="en-US" altLang="ja-JP" sz="2000" dirty="0" smtClean="0"/>
+              <a:t>Output:</a:t>
+            </a:r>
           </a:p>
           <a:p>
             <a:pPr lvl="1"/>
@@ -11057,45 +11276,89 @@
             </a:r>
             <a:r>
               <a:rPr lang="ja-JP" altLang="en-US" sz="2000" dirty="0"/>
-              <a:t>：　</a:t>
-            </a:r>
-            <a:r>
-              <a:rPr lang="en-US" altLang="ja-JP" sz="2000" dirty="0"/>
-              <a:t>440</a:t>
-            </a:r>
-            <a:r>
-              <a:rPr lang="ja-JP" altLang="en-US" sz="2000" dirty="0"/>
-              <a:t>行、</a:t>
+              <a:t>と</a:t>
             </a:r>
             <a:r>
               <a:rPr lang="en-US" altLang="ja-JP" sz="2000" dirty="0"/>
               <a:t>train.txt</a:t>
             </a:r>
             <a:r>
-              <a:rPr lang="ja-JP" altLang="en-US" sz="2000" dirty="0"/>
+              <a:rPr lang="ja-JP" altLang="en-US" sz="2000" dirty="0" smtClean="0"/>
+              <a:t>が、</a:t>
+            </a:r>
+            <a:r>
+              <a:rPr lang="en-US" altLang="ja-JP" sz="2000" dirty="0" err="1" smtClean="0"/>
+              <a:t>darknet</a:t>
+            </a:r>
+            <a:r>
+              <a:rPr lang="ja-JP" altLang="en-US" sz="2000" dirty="0" smtClean="0"/>
+              <a:t>フォルダにできるので、</a:t>
+            </a:r>
+            <a:r>
+              <a:rPr lang="en-US" altLang="ja-JP" sz="2000" dirty="0" smtClean="0"/>
+              <a:t>data/2nd </a:t>
+            </a:r>
+            <a:r>
+              <a:rPr lang="ja-JP" altLang="en-US" sz="2000" dirty="0" smtClean="0"/>
+              <a:t>へ移動する</a:t>
+            </a:r>
+            <a:endParaRPr lang="en-US" altLang="ja-JP" sz="2000" dirty="0" smtClean="0"/>
+          </a:p>
+          <a:p>
+            <a:pPr lvl="2"/>
+            <a:r>
+              <a:rPr lang="ja-JP" altLang="en-US" sz="1600" dirty="0" smtClean="0"/>
+              <a:t>例</a:t>
+            </a:r>
+            <a:endParaRPr lang="en-US" altLang="ja-JP" sz="1600" dirty="0" smtClean="0"/>
+          </a:p>
+          <a:p>
+            <a:pPr lvl="2"/>
+            <a:r>
+              <a:rPr lang="en-US" altLang="ja-JP" sz="1600" dirty="0" smtClean="0"/>
+              <a:t>test.txt</a:t>
+            </a:r>
+            <a:r>
+              <a:rPr lang="ja-JP" altLang="en-US" sz="1600" dirty="0"/>
               <a:t>：　</a:t>
             </a:r>
             <a:r>
-              <a:rPr lang="en-US" altLang="ja-JP" sz="2000" dirty="0" smtClean="0"/>
+              <a:rPr lang="en-US" altLang="ja-JP" sz="1600" dirty="0"/>
+              <a:t>440</a:t>
+            </a:r>
+            <a:r>
+              <a:rPr lang="ja-JP" altLang="en-US" sz="1600" dirty="0"/>
+              <a:t>行、</a:t>
+            </a:r>
+            <a:r>
+              <a:rPr lang="en-US" altLang="ja-JP" sz="1600" dirty="0"/>
+              <a:t>train.txt</a:t>
+            </a:r>
+            <a:r>
+              <a:rPr lang="ja-JP" altLang="en-US" sz="1600" dirty="0"/>
+              <a:t>：　</a:t>
+            </a:r>
+            <a:r>
+              <a:rPr lang="en-US" altLang="ja-JP" sz="1600" dirty="0" smtClean="0"/>
               <a:t>3960</a:t>
             </a:r>
             <a:r>
-              <a:rPr lang="ja-JP" altLang="en-US" sz="2000" dirty="0" smtClean="0"/>
+              <a:rPr lang="ja-JP" altLang="en-US" sz="1600" dirty="0" smtClean="0"/>
               <a:t>行</a:t>
             </a:r>
             <a:r>
-              <a:rPr lang="ja-JP" altLang="en-US" sz="2000" dirty="0"/>
+              <a:rPr lang="ja-JP" altLang="en-US" sz="1600" dirty="0"/>
               <a:t>、合計：　</a:t>
             </a:r>
             <a:r>
-              <a:rPr lang="en-US" altLang="ja-JP" sz="2000" dirty="0" smtClean="0"/>
+              <a:rPr lang="en-US" altLang="ja-JP" sz="1600" dirty="0" smtClean="0"/>
               <a:t>4402</a:t>
             </a:r>
             <a:r>
-              <a:rPr lang="ja-JP" altLang="en-US" sz="2000" dirty="0" smtClean="0"/>
+              <a:rPr lang="ja-JP" altLang="en-US" sz="1600" dirty="0" smtClean="0"/>
               <a:t>個</a:t>
             </a:r>
-            <a:endParaRPr kumimoji="1" lang="ja-JP" altLang="en-US" sz="2000" dirty="0"/>
+            <a:endParaRPr kumimoji="1" lang="ja-JP" altLang="en-US" sz="1600" dirty="0"/>
           </a:p>
         </p:txBody>
       </p:sp>
@@ -11215,7 +11478,7 @@
         </p:nvSpPr>
         <p:spPr>
           <a:xfrm>
-            <a:off x="1331640" y="116632"/>
+            <a:off x="1187624" y="116632"/>
             <a:ext cx="7355160" cy="1143000"/>
           </a:xfrm>
         </p:spPr>
@@ -11260,6 +11523,10 @@
             <a:br>
               <a:rPr lang="en-US" altLang="ja-JP" sz="2800" dirty="0" smtClean="0"/>
             </a:br>
+            <a:r>
+              <a:rPr lang="ja-JP" altLang="en-US" sz="2800" dirty="0" smtClean="0"/>
+              <a:t>手作業</a:t>
+            </a:r>
             <a:endParaRPr kumimoji="1" lang="ja-JP" altLang="en-US" sz="2800" dirty="0"/>
           </a:p>
         </p:txBody>
@@ -11276,7 +11543,7 @@
         </p:nvSpPr>
         <p:spPr>
           <a:xfrm>
-            <a:off x="457200" y="1124744"/>
+            <a:off x="457200" y="1196752"/>
             <a:ext cx="8229600" cy="5256584"/>
           </a:xfrm>
         </p:spPr>
@@ -11308,7 +11575,23 @@
             </a:r>
             <a:r>
               <a:rPr lang="ja-JP" altLang="en-US" sz="2400" dirty="0" smtClean="0"/>
-              <a:t>にある流用元フォルダをコピーして新しいフォルダを作成する</a:t>
+              <a:t>に</a:t>
+            </a:r>
+            <a:r>
+              <a:rPr lang="ja-JP" altLang="en-US" sz="2400" dirty="0" smtClean="0"/>
+              <a:t>あるフォルダ</a:t>
+            </a:r>
+            <a:r>
+              <a:rPr lang="ja-JP" altLang="en-US" sz="2400" dirty="0"/>
+              <a:t>を</a:t>
+            </a:r>
+            <a:r>
+              <a:rPr lang="ja-JP" altLang="en-US" sz="2400" dirty="0" smtClean="0"/>
+              <a:t>流用コピー</a:t>
+            </a:r>
+            <a:r>
+              <a:rPr lang="ja-JP" altLang="en-US" sz="2400" dirty="0" smtClean="0"/>
+              <a:t>して新しいフォルダを作成する</a:t>
             </a:r>
             <a:endParaRPr lang="en-US" altLang="ja-JP" sz="2400" dirty="0" smtClean="0"/>
           </a:p>
@@ -11467,12 +11750,13 @@
             </a:r>
             <a:r>
               <a:rPr lang="en-US" altLang="ja-JP" sz="2000" dirty="0"/>
-              <a:t>= backup</a:t>
+              <a:t>= </a:t>
             </a:r>
             <a:r>
               <a:rPr lang="en-US" altLang="ja-JP" sz="2000" dirty="0" smtClean="0"/>
-              <a:t>/</a:t>
-            </a:r>
+              <a:t>backup</a:t>
+            </a:r>
+            <a:endParaRPr lang="en-US" altLang="ja-JP" sz="2000" dirty="0" smtClean="0"/>
           </a:p>
         </p:txBody>
       </p:sp>
@@ -11592,7 +11876,7 @@
         </p:nvSpPr>
         <p:spPr>
           <a:xfrm>
-            <a:off x="1331640" y="116632"/>
+            <a:off x="1187624" y="116632"/>
             <a:ext cx="7355160" cy="1143000"/>
           </a:xfrm>
         </p:spPr>
@@ -11629,6 +11913,10 @@
             <a:br>
               <a:rPr lang="en-US" altLang="ja-JP" sz="2800" dirty="0"/>
             </a:br>
+            <a:r>
+              <a:rPr lang="ja-JP" altLang="en-US" sz="2800" dirty="0" smtClean="0"/>
+              <a:t>手作業</a:t>
+            </a:r>
             <a:endParaRPr kumimoji="1" lang="ja-JP" altLang="en-US" sz="2800" dirty="0"/>
           </a:p>
         </p:txBody>
@@ -11911,7 +12199,7 @@
         </p:nvSpPr>
         <p:spPr>
           <a:xfrm>
-            <a:off x="467544" y="274638"/>
+            <a:off x="467544" y="188640"/>
             <a:ext cx="8219256" cy="1143000"/>
           </a:xfrm>
         </p:spPr>

--- a/docs/[PPTX] ごみ分別人工知能スマホアプリ作成手順.pptx
+++ b/docs/[PPTX] ごみ分別人工知能スマホアプリ作成手順.pptx
@@ -5,7 +5,7 @@
     <p:sldMasterId id="2147483648" r:id="rId1"/>
   </p:sldMasterIdLst>
   <p:notesMasterIdLst>
-    <p:notesMasterId r:id="rId23"/>
+    <p:notesMasterId r:id="rId24"/>
   </p:notesMasterIdLst>
   <p:sldIdLst>
     <p:sldId id="256" r:id="rId2"/>
@@ -13,22 +13,23 @@
     <p:sldId id="264" r:id="rId4"/>
     <p:sldId id="257" r:id="rId5"/>
     <p:sldId id="267" r:id="rId6"/>
-    <p:sldId id="265" r:id="rId7"/>
-    <p:sldId id="262" r:id="rId8"/>
-    <p:sldId id="270" r:id="rId9"/>
-    <p:sldId id="269" r:id="rId10"/>
-    <p:sldId id="266" r:id="rId11"/>
-    <p:sldId id="271" r:id="rId12"/>
-    <p:sldId id="260" r:id="rId13"/>
-    <p:sldId id="259" r:id="rId14"/>
-    <p:sldId id="261" r:id="rId15"/>
-    <p:sldId id="272" r:id="rId16"/>
-    <p:sldId id="273" r:id="rId17"/>
-    <p:sldId id="276" r:id="rId18"/>
-    <p:sldId id="277" r:id="rId19"/>
-    <p:sldId id="263" r:id="rId20"/>
-    <p:sldId id="278" r:id="rId21"/>
-    <p:sldId id="268" r:id="rId22"/>
+    <p:sldId id="279" r:id="rId7"/>
+    <p:sldId id="265" r:id="rId8"/>
+    <p:sldId id="262" r:id="rId9"/>
+    <p:sldId id="270" r:id="rId10"/>
+    <p:sldId id="269" r:id="rId11"/>
+    <p:sldId id="266" r:id="rId12"/>
+    <p:sldId id="271" r:id="rId13"/>
+    <p:sldId id="260" r:id="rId14"/>
+    <p:sldId id="259" r:id="rId15"/>
+    <p:sldId id="261" r:id="rId16"/>
+    <p:sldId id="272" r:id="rId17"/>
+    <p:sldId id="273" r:id="rId18"/>
+    <p:sldId id="276" r:id="rId19"/>
+    <p:sldId id="277" r:id="rId20"/>
+    <p:sldId id="263" r:id="rId21"/>
+    <p:sldId id="278" r:id="rId22"/>
+    <p:sldId id="268" r:id="rId23"/>
   </p:sldIdLst>
   <p:sldSz cx="9144000" cy="6858000" type="screen4x3"/>
   <p:notesSz cx="6858000" cy="9144000"/>
@@ -3949,6 +3950,403 @@
           <a:lstStyle/>
           <a:p>
             <a:r>
+              <a:rPr lang="en-US" altLang="ja-JP" sz="2800" dirty="0" err="1"/>
+              <a:t>d</a:t>
+            </a:r>
+            <a:r>
+              <a:rPr kumimoji="1" lang="en-US" altLang="ja-JP" sz="2800" dirty="0" err="1" smtClean="0"/>
+              <a:t>arknet</a:t>
+            </a:r>
+            <a:r>
+              <a:rPr kumimoji="1" lang="ja-JP" altLang="en-US" sz="2800" dirty="0" smtClean="0"/>
+              <a:t> 学習</a:t>
+            </a:r>
+            <a:r>
+              <a:rPr kumimoji="1" lang="en-US" altLang="ja-JP" sz="2800" dirty="0" smtClean="0"/>
+              <a:t/>
+            </a:r>
+            <a:br>
+              <a:rPr kumimoji="1" lang="en-US" altLang="ja-JP" sz="2800" dirty="0" smtClean="0"/>
+            </a:br>
+            <a:r>
+              <a:rPr lang="ja-JP" altLang="en-US" sz="2800" dirty="0"/>
+              <a:t>　</a:t>
+            </a:r>
+            <a:r>
+              <a:rPr lang="en-US" altLang="ja-JP" sz="2800" dirty="0" smtClean="0">
+                <a:solidFill>
+                  <a:srgbClr val="C00000"/>
+                </a:solidFill>
+              </a:rPr>
+              <a:t>darknet-train.sh</a:t>
+            </a:r>
+            <a:endParaRPr kumimoji="1" lang="ja-JP" altLang="en-US" sz="2800" dirty="0">
+              <a:solidFill>
+                <a:srgbClr val="C00000"/>
+              </a:solidFill>
+            </a:endParaRPr>
+          </a:p>
+        </p:txBody>
+      </p:sp>
+      <p:sp>
+        <p:nvSpPr>
+          <p:cNvPr id="3" name="コンテンツ プレースホルダー 2"/>
+          <p:cNvSpPr>
+            <a:spLocks noGrp="1"/>
+          </p:cNvSpPr>
+          <p:nvPr>
+            <p:ph idx="1"/>
+          </p:nvPr>
+        </p:nvSpPr>
+        <p:spPr>
+          <a:xfrm>
+            <a:off x="457200" y="1340768"/>
+            <a:ext cx="8363272" cy="5256584"/>
+          </a:xfrm>
+        </p:spPr>
+        <p:txBody>
+          <a:bodyPr>
+            <a:normAutofit/>
+          </a:bodyPr>
+          <a:lstStyle/>
+          <a:p>
+            <a:r>
+              <a:rPr lang="en-US" altLang="ja-JP" sz="2400" dirty="0" smtClean="0"/>
+              <a:t>Purpose:</a:t>
+            </a:r>
+          </a:p>
+          <a:p>
+            <a:pPr lvl="1"/>
+            <a:r>
+              <a:rPr lang="en-US" altLang="ja-JP" sz="2000" dirty="0" err="1"/>
+              <a:t>d</a:t>
+            </a:r>
+            <a:r>
+              <a:rPr lang="en-US" altLang="ja-JP" sz="2000" dirty="0" err="1" smtClean="0"/>
+              <a:t>arknet</a:t>
+            </a:r>
+            <a:r>
+              <a:rPr lang="en-US" altLang="ja-JP" sz="2000" dirty="0" smtClean="0"/>
+              <a:t>(YOLO)</a:t>
+            </a:r>
+            <a:r>
+              <a:rPr lang="ja-JP" altLang="en-US" sz="2000" dirty="0" err="1" smtClean="0"/>
+              <a:t>が提</a:t>
+            </a:r>
+            <a:r>
+              <a:rPr lang="ja-JP" altLang="en-US" sz="2000" dirty="0" smtClean="0"/>
+              <a:t>供している事前学習済み重み係数モデル（</a:t>
+            </a:r>
+            <a:r>
+              <a:rPr lang="en-US" altLang="ja-JP" sz="2000" dirty="0"/>
+              <a:t>darknet19_448.conv.23.weights</a:t>
+            </a:r>
+            <a:r>
+              <a:rPr lang="ja-JP" altLang="en-US" sz="2000" dirty="0" smtClean="0"/>
+              <a:t>）</a:t>
+            </a:r>
+            <a:r>
+              <a:rPr lang="ja-JP" altLang="en-US" baseline="30000" dirty="0" smtClean="0"/>
+              <a:t>*</a:t>
+            </a:r>
+            <a:r>
+              <a:rPr lang="en-US" altLang="ja-JP" baseline="30000" dirty="0" smtClean="0"/>
+              <a:t>1</a:t>
+            </a:r>
+            <a:r>
+              <a:rPr lang="ja-JP" altLang="en-US" sz="2000" dirty="0" smtClean="0"/>
+              <a:t>を使って学習する</a:t>
+            </a:r>
+            <a:endParaRPr lang="en-US" altLang="ja-JP" sz="2000" dirty="0" smtClean="0"/>
+          </a:p>
+          <a:p>
+            <a:r>
+              <a:rPr lang="en-US" altLang="ja-JP" sz="2400" dirty="0" smtClean="0"/>
+              <a:t>Usage</a:t>
+            </a:r>
+            <a:r>
+              <a:rPr lang="en-US" altLang="ja-JP" sz="2400" dirty="0"/>
+              <a:t>: </a:t>
+            </a:r>
+            <a:endParaRPr lang="en-US" altLang="ja-JP" sz="2400" dirty="0" smtClean="0"/>
+          </a:p>
+          <a:p>
+            <a:pPr lvl="1"/>
+            <a:r>
+              <a:rPr lang="en-US" altLang="ja-JP" sz="2000" dirty="0" smtClean="0"/>
+              <a:t>$ ./</a:t>
+            </a:r>
+            <a:r>
+              <a:rPr lang="en-US" altLang="ja-JP" sz="2000" dirty="0"/>
+              <a:t>darknet-train.sh</a:t>
+            </a:r>
+            <a:r>
+              <a:rPr lang="en-US" altLang="ja-JP" sz="2400" dirty="0"/>
+              <a:t> </a:t>
+            </a:r>
+            <a:r>
+              <a:rPr lang="en-US" altLang="ja-JP" sz="1600" dirty="0">
+                <a:latin typeface="+mn-ea"/>
+              </a:rPr>
+              <a:t>&lt;</a:t>
+            </a:r>
+            <a:r>
+              <a:rPr lang="ja-JP" altLang="en-US" sz="1600" dirty="0" smtClean="0"/>
+              <a:t>事前学習済みモデルファイル名</a:t>
+            </a:r>
+            <a:r>
+              <a:rPr lang="en-US" altLang="ja-JP" sz="1600" dirty="0" smtClean="0"/>
+              <a:t>&gt; &lt;</a:t>
+            </a:r>
+            <a:r>
+              <a:rPr lang="ja-JP" altLang="en-US" sz="1600" dirty="0" smtClean="0"/>
+              <a:t>作成</a:t>
+            </a:r>
+            <a:r>
+              <a:rPr lang="ja-JP" altLang="en-US" sz="1600" dirty="0"/>
+              <a:t>する</a:t>
+            </a:r>
+            <a:r>
+              <a:rPr lang="ja-JP" altLang="en-US" sz="1600" dirty="0" smtClean="0"/>
+              <a:t>モデル名</a:t>
+            </a:r>
+            <a:r>
+              <a:rPr lang="en-US" altLang="ja-JP" sz="1600" dirty="0">
+                <a:latin typeface="+mn-ea"/>
+              </a:rPr>
+              <a:t>&gt;</a:t>
+            </a:r>
+            <a:endParaRPr lang="en-US" altLang="ja-JP" sz="2400" dirty="0" smtClean="0">
+              <a:latin typeface="+mn-ea"/>
+            </a:endParaRPr>
+          </a:p>
+          <a:p>
+            <a:pPr lvl="1"/>
+            <a:r>
+              <a:rPr lang="ja-JP" altLang="en-US" sz="2000" dirty="0" smtClean="0"/>
+              <a:t>例</a:t>
+            </a:r>
+            <a:endParaRPr lang="en-US" altLang="ja-JP" sz="2000" dirty="0" smtClean="0"/>
+          </a:p>
+          <a:p>
+            <a:pPr lvl="1"/>
+            <a:r>
+              <a:rPr lang="en-US" altLang="ja-JP" sz="2000" dirty="0" smtClean="0"/>
+              <a:t>$ </a:t>
+            </a:r>
+            <a:r>
+              <a:rPr lang="en-US" altLang="ja-JP" sz="2000" dirty="0"/>
+              <a:t>./darknet-train.sh </a:t>
+            </a:r>
+            <a:r>
+              <a:rPr lang="en-US" altLang="ja-JP" sz="2000" dirty="0" smtClean="0"/>
+              <a:t>bin/darknet19_448.conv.23 all</a:t>
+            </a:r>
+            <a:r>
+              <a:rPr lang="ja-JP" altLang="en-US" sz="2000" dirty="0"/>
+              <a:t> </a:t>
+            </a:r>
+            <a:r>
+              <a:rPr lang="en-US" altLang="ja-JP" sz="2000" dirty="0" smtClean="0"/>
+              <a:t>&gt; all2.log</a:t>
+            </a:r>
+          </a:p>
+          <a:p>
+            <a:pPr lvl="1"/>
+            <a:endParaRPr lang="en-US" altLang="ja-JP" sz="2000" dirty="0" smtClean="0"/>
+          </a:p>
+          <a:p>
+            <a:r>
+              <a:rPr lang="ja-JP" altLang="en-US" sz="2400" b="1" baseline="30000" dirty="0" smtClean="0"/>
+              <a:t>＊１</a:t>
+            </a:r>
+            <a:r>
+              <a:rPr lang="ja-JP" altLang="en-US" sz="2400" baseline="30000" dirty="0" smtClean="0"/>
+              <a:t> 学習済みの重み係数モデル</a:t>
+            </a:r>
+            <a:r>
+              <a:rPr lang="ja-JP" altLang="en-US" sz="2400" baseline="30000" dirty="0"/>
+              <a:t>を</a:t>
+            </a:r>
+            <a:r>
+              <a:rPr lang="ja-JP" altLang="en-US" sz="2400" baseline="30000" dirty="0" smtClean="0"/>
+              <a:t>用いて、繰り返し</a:t>
+            </a:r>
+            <a:r>
+              <a:rPr lang="ja-JP" altLang="en-US" sz="2400" baseline="30000" dirty="0"/>
+              <a:t>新た</a:t>
+            </a:r>
+            <a:r>
+              <a:rPr lang="ja-JP" altLang="en-US" sz="2400" baseline="30000" dirty="0" smtClean="0"/>
+              <a:t>な学習を行う転移学習方法が、かば焼きや串カツに使われる秘伝のたれの再利用方法に似ている。 </a:t>
+            </a:r>
+            <a:r>
+              <a:rPr lang="ja-JP" altLang="en-US" sz="2400" baseline="30000" dirty="0"/>
+              <a:t>ここ</a:t>
+            </a:r>
+            <a:r>
+              <a:rPr lang="ja-JP" altLang="en-US" sz="2400" baseline="30000" dirty="0" smtClean="0"/>
+              <a:t>から、この方法により学習を重ねた重み係数モデルを秘伝のたれと呼び、この方法による転移学習</a:t>
+            </a:r>
+            <a:r>
+              <a:rPr lang="ja-JP" altLang="en-US" sz="2400" baseline="30000" dirty="0"/>
+              <a:t>方法を秘伝</a:t>
+            </a:r>
+            <a:r>
+              <a:rPr lang="ja-JP" altLang="en-US" sz="2400" baseline="30000" dirty="0" smtClean="0"/>
+              <a:t>の</a:t>
+            </a:r>
+            <a:r>
+              <a:rPr lang="ja-JP" altLang="en-US" sz="2400" baseline="30000" dirty="0"/>
+              <a:t>たれ</a:t>
+            </a:r>
+            <a:r>
+              <a:rPr lang="ja-JP" altLang="en-US" sz="2400" baseline="30000" dirty="0" smtClean="0"/>
+              <a:t>学習法と名付けたが、評価の結果、繰り返し学習されるごみが過学習になる懸念があったため、この方法ではなく、</a:t>
+            </a:r>
+            <a:r>
+              <a:rPr lang="en-US" altLang="ja-JP" sz="2400" baseline="30000" dirty="0" err="1" smtClean="0"/>
+              <a:t>darknet</a:t>
+            </a:r>
+            <a:r>
+              <a:rPr lang="ja-JP" altLang="en-US" sz="2400" baseline="30000" dirty="0" err="1" smtClean="0"/>
+              <a:t>が提</a:t>
+            </a:r>
+            <a:r>
+              <a:rPr lang="ja-JP" altLang="en-US" sz="2400" baseline="30000" dirty="0" smtClean="0"/>
+              <a:t>供するモデルを利用することにした。</a:t>
+            </a:r>
+            <a:endParaRPr kumimoji="1" lang="ja-JP" altLang="en-US" sz="2400" baseline="30000" dirty="0"/>
+          </a:p>
+        </p:txBody>
+      </p:sp>
+      <p:sp>
+        <p:nvSpPr>
+          <p:cNvPr id="4" name="スライド番号プレースホルダー 3"/>
+          <p:cNvSpPr>
+            <a:spLocks noGrp="1"/>
+          </p:cNvSpPr>
+          <p:nvPr>
+            <p:ph type="sldNum" sz="quarter" idx="12"/>
+          </p:nvPr>
+        </p:nvSpPr>
+        <p:spPr/>
+        <p:txBody>
+          <a:bodyPr/>
+          <a:lstStyle/>
+          <a:p>
+            <a:fld id="{57499AFA-80DF-47CA-B70E-AAAE323E0DE5}" type="slidenum">
+              <a:rPr kumimoji="1" lang="ja-JP" altLang="en-US" smtClean="0"/>
+              <a:t>10</a:t>
+            </a:fld>
+            <a:endParaRPr kumimoji="1" lang="ja-JP" altLang="en-US"/>
+          </a:p>
+        </p:txBody>
+      </p:sp>
+      <p:sp>
+        <p:nvSpPr>
+          <p:cNvPr id="6" name="フローチャート: 処理 5"/>
+          <p:cNvSpPr/>
+          <p:nvPr/>
+        </p:nvSpPr>
+        <p:spPr>
+          <a:xfrm>
+            <a:off x="251520" y="260648"/>
+            <a:ext cx="1368152" cy="468000"/>
+          </a:xfrm>
+          <a:prstGeom prst="flowChartProcess">
+            <a:avLst/>
+          </a:prstGeom>
+        </p:spPr>
+        <p:style>
+          <a:lnRef idx="2">
+            <a:schemeClr val="accent1">
+              <a:shade val="50000"/>
+            </a:schemeClr>
+          </a:lnRef>
+          <a:fillRef idx="1">
+            <a:schemeClr val="accent1"/>
+          </a:fillRef>
+          <a:effectRef idx="0">
+            <a:schemeClr val="accent1"/>
+          </a:effectRef>
+          <a:fontRef idx="minor">
+            <a:schemeClr val="lt1"/>
+          </a:fontRef>
+        </p:style>
+        <p:txBody>
+          <a:bodyPr rtlCol="0" anchor="ctr"/>
+          <a:lstStyle/>
+          <a:p>
+            <a:pPr algn="ctr"/>
+            <a:r>
+              <a:rPr kumimoji="1" lang="ja-JP" altLang="en-US" dirty="0" smtClean="0"/>
+              <a:t>学習</a:t>
+            </a:r>
+            <a:endParaRPr kumimoji="1" lang="ja-JP" altLang="en-US" dirty="0"/>
+          </a:p>
+        </p:txBody>
+      </p:sp>
+    </p:spTree>
+    <p:extLst>
+      <p:ext uri="{BB962C8B-B14F-4D97-AF65-F5344CB8AC3E}">
+        <p14:creationId xmlns:p14="http://schemas.microsoft.com/office/powerpoint/2010/main" val="1032118942"/>
+      </p:ext>
+    </p:extLst>
+  </p:cSld>
+  <p:clrMapOvr>
+    <a:masterClrMapping/>
+  </p:clrMapOvr>
+  <p:timing>
+    <p:tnLst>
+      <p:par>
+        <p:cTn id="1" dur="indefinite" restart="never" nodeType="tmRoot"/>
+      </p:par>
+    </p:tnLst>
+  </p:timing>
+</p:sld>
+</file>
+
+<file path=ppt/slides/slide11.xml><?xml version="1.0" encoding="utf-8"?>
+<p:sld xmlns:a="http://schemas.openxmlformats.org/drawingml/2006/main" xmlns:r="http://schemas.openxmlformats.org/officeDocument/2006/relationships" xmlns:p="http://schemas.openxmlformats.org/presentationml/2006/main">
+  <p:cSld>
+    <p:spTree>
+      <p:nvGrpSpPr>
+        <p:cNvPr id="1" name=""/>
+        <p:cNvGrpSpPr/>
+        <p:nvPr/>
+      </p:nvGrpSpPr>
+      <p:grpSpPr>
+        <a:xfrm>
+          <a:off x="0" y="0"/>
+          <a:ext cx="0" cy="0"/>
+          <a:chOff x="0" y="0"/>
+          <a:chExt cx="0" cy="0"/>
+        </a:xfrm>
+      </p:grpSpPr>
+      <p:sp>
+        <p:nvSpPr>
+          <p:cNvPr id="2" name="タイトル 1"/>
+          <p:cNvSpPr>
+            <a:spLocks noGrp="1"/>
+          </p:cNvSpPr>
+          <p:nvPr>
+            <p:ph type="title"/>
+          </p:nvPr>
+        </p:nvSpPr>
+        <p:spPr>
+          <a:xfrm>
+            <a:off x="467544" y="188640"/>
+            <a:ext cx="8219256" cy="1143000"/>
+          </a:xfrm>
+        </p:spPr>
+        <p:txBody>
+          <a:bodyPr>
+            <a:noAutofit/>
+          </a:bodyPr>
+          <a:lstStyle/>
+          <a:p>
+            <a:r>
               <a:rPr kumimoji="1" lang="en-US" altLang="ja-JP" sz="2800" dirty="0" smtClean="0"/>
               <a:t>Loss</a:t>
             </a:r>
@@ -4074,7 +4472,7 @@
           <a:p>
             <a:fld id="{57499AFA-80DF-47CA-B70E-AAAE323E0DE5}" type="slidenum">
               <a:rPr kumimoji="1" lang="ja-JP" altLang="en-US" smtClean="0"/>
-              <a:t>10</a:t>
+              <a:t>11</a:t>
             </a:fld>
             <a:endParaRPr kumimoji="1" lang="ja-JP" altLang="en-US"/>
           </a:p>
@@ -4264,7 +4662,7 @@
 </p:sld>
 </file>
 
-<file path=ppt/slides/slide11.xml><?xml version="1.0" encoding="utf-8"?>
+<file path=ppt/slides/slide12.xml><?xml version="1.0" encoding="utf-8"?>
 <p:sld xmlns:a="http://schemas.openxmlformats.org/drawingml/2006/main" xmlns:r="http://schemas.openxmlformats.org/officeDocument/2006/relationships" xmlns:p="http://schemas.openxmlformats.org/presentationml/2006/main">
   <p:cSld>
     <p:spTree>
@@ -4365,15 +4763,7 @@
             <a:pPr lvl="1"/>
             <a:r>
               <a:rPr lang="ja-JP" altLang="en-US" sz="2000" dirty="0" smtClean="0"/>
-              <a:t>エクセル</a:t>
-            </a:r>
-            <a:r>
-              <a:rPr lang="ja-JP" altLang="en-US" sz="2000" dirty="0" smtClean="0"/>
-              <a:t>でのグラフ化を容易にする</a:t>
-            </a:r>
-            <a:r>
-              <a:rPr lang="ja-JP" altLang="en-US" sz="2000" dirty="0" smtClean="0"/>
-              <a:t>ために、</a:t>
+              <a:t>エクセルでのグラフ化を容易にするために、</a:t>
             </a:r>
             <a:r>
               <a:rPr lang="en-US" altLang="ja-JP" sz="2000" dirty="0" smtClean="0"/>
@@ -4507,7 +4897,7 @@
           <a:p>
             <a:fld id="{57499AFA-80DF-47CA-B70E-AAAE323E0DE5}" type="slidenum">
               <a:rPr kumimoji="1" lang="ja-JP" altLang="en-US" smtClean="0"/>
-              <a:t>11</a:t>
+              <a:t>12</a:t>
             </a:fld>
             <a:endParaRPr kumimoji="1" lang="ja-JP" altLang="en-US"/>
           </a:p>
@@ -4561,338 +4951,6 @@
     <p:extLst>
       <p:ext uri="{BB962C8B-B14F-4D97-AF65-F5344CB8AC3E}">
         <p14:creationId xmlns:p14="http://schemas.microsoft.com/office/powerpoint/2010/main" val="2181395541"/>
-      </p:ext>
-    </p:extLst>
-  </p:cSld>
-  <p:clrMapOvr>
-    <a:masterClrMapping/>
-  </p:clrMapOvr>
-  <p:timing>
-    <p:tnLst>
-      <p:par>
-        <p:cTn id="1" dur="indefinite" restart="never" nodeType="tmRoot"/>
-      </p:par>
-    </p:tnLst>
-  </p:timing>
-</p:sld>
-</file>
-
-<file path=ppt/slides/slide12.xml><?xml version="1.0" encoding="utf-8"?>
-<p:sld xmlns:a="http://schemas.openxmlformats.org/drawingml/2006/main" xmlns:r="http://schemas.openxmlformats.org/officeDocument/2006/relationships" xmlns:p="http://schemas.openxmlformats.org/presentationml/2006/main">
-  <p:cSld>
-    <p:spTree>
-      <p:nvGrpSpPr>
-        <p:cNvPr id="1" name=""/>
-        <p:cNvGrpSpPr/>
-        <p:nvPr/>
-      </p:nvGrpSpPr>
-      <p:grpSpPr>
-        <a:xfrm>
-          <a:off x="0" y="0"/>
-          <a:ext cx="0" cy="0"/>
-          <a:chOff x="0" y="0"/>
-          <a:chExt cx="0" cy="0"/>
-        </a:xfrm>
-      </p:grpSpPr>
-      <p:sp>
-        <p:nvSpPr>
-          <p:cNvPr id="2" name="タイトル 1"/>
-          <p:cNvSpPr>
-            <a:spLocks noGrp="1"/>
-          </p:cNvSpPr>
-          <p:nvPr>
-            <p:ph type="title"/>
-          </p:nvPr>
-        </p:nvSpPr>
-        <p:spPr>
-          <a:xfrm>
-            <a:off x="457200" y="188640"/>
-            <a:ext cx="8229600" cy="1143000"/>
-          </a:xfrm>
-        </p:spPr>
-        <p:txBody>
-          <a:bodyPr>
-            <a:noAutofit/>
-          </a:bodyPr>
-          <a:lstStyle/>
-          <a:p>
-            <a:r>
-              <a:rPr lang="en-US" altLang="ja-JP" sz="2800" dirty="0"/>
-              <a:t>Loss</a:t>
-            </a:r>
-            <a:r>
-              <a:rPr lang="ja-JP" altLang="en-US" sz="2800" dirty="0"/>
-              <a:t>の収集～グラフ作成</a:t>
-            </a:r>
-            <a:r>
-              <a:rPr kumimoji="1" lang="en-US" altLang="ja-JP" sz="2800" dirty="0" smtClean="0"/>
-              <a:t/>
-            </a:r>
-            <a:br>
-              <a:rPr kumimoji="1" lang="en-US" altLang="ja-JP" sz="2800" dirty="0" smtClean="0"/>
-            </a:br>
-            <a:r>
-              <a:rPr kumimoji="1" lang="ja-JP" altLang="en-US" sz="2800" dirty="0" smtClean="0"/>
-              <a:t>手作業</a:t>
-            </a:r>
-            <a:endParaRPr kumimoji="1" lang="ja-JP" altLang="en-US" sz="2800" dirty="0"/>
-          </a:p>
-        </p:txBody>
-      </p:sp>
-      <p:sp>
-        <p:nvSpPr>
-          <p:cNvPr id="3" name="コンテンツ プレースホルダー 2"/>
-          <p:cNvSpPr>
-            <a:spLocks noGrp="1"/>
-          </p:cNvSpPr>
-          <p:nvPr>
-            <p:ph idx="1"/>
-          </p:nvPr>
-        </p:nvSpPr>
-        <p:spPr>
-          <a:xfrm>
-            <a:off x="457200" y="1268760"/>
-            <a:ext cx="8229600" cy="4525963"/>
-          </a:xfrm>
-        </p:spPr>
-        <p:txBody>
-          <a:bodyPr>
-            <a:normAutofit/>
-          </a:bodyPr>
-          <a:lstStyle/>
-          <a:p>
-            <a:r>
-              <a:rPr lang="en-US" altLang="ja-JP" sz="2400" dirty="0" smtClean="0"/>
-              <a:t>Purpose:</a:t>
-            </a:r>
-          </a:p>
-          <a:p>
-            <a:pPr lvl="1"/>
-            <a:r>
-              <a:rPr lang="ja-JP" altLang="en-US" sz="2000" dirty="0" smtClean="0"/>
-              <a:t>エクセルを使い、</a:t>
-            </a:r>
-            <a:r>
-              <a:rPr lang="en-US" altLang="ja-JP" sz="2000" dirty="0" smtClean="0"/>
-              <a:t>loss</a:t>
-            </a:r>
-            <a:r>
-              <a:rPr lang="ja-JP" altLang="en-US" sz="2000" dirty="0" smtClean="0"/>
-              <a:t>計測結果をグラフ化する</a:t>
-            </a:r>
-            <a:endParaRPr lang="en-US" altLang="ja-JP" sz="2000" dirty="0"/>
-          </a:p>
-          <a:p>
-            <a:r>
-              <a:rPr lang="en-US" altLang="ja-JP" sz="2400" dirty="0" smtClean="0"/>
-              <a:t>Process:</a:t>
-            </a:r>
-          </a:p>
-          <a:p>
-            <a:pPr lvl="1"/>
-            <a:r>
-              <a:rPr lang="en-US" altLang="ja-JP" sz="2000" dirty="0" smtClean="0"/>
-              <a:t>all2-train-A.txt</a:t>
-            </a:r>
-            <a:r>
-              <a:rPr lang="ja-JP" altLang="en-US" sz="2000" dirty="0" smtClean="0"/>
-              <a:t> を</a:t>
-            </a:r>
-            <a:r>
-              <a:rPr lang="ja-JP" altLang="en-US" sz="2000" dirty="0"/>
-              <a:t>エクセル</a:t>
-            </a:r>
-            <a:r>
-              <a:rPr lang="ja-JP" altLang="en-US" sz="2000" dirty="0" smtClean="0"/>
-              <a:t>で開く</a:t>
-            </a:r>
-            <a:endParaRPr lang="en-US" altLang="ja-JP" sz="2000" dirty="0" smtClean="0"/>
-          </a:p>
-          <a:p>
-            <a:pPr lvl="1"/>
-            <a:r>
-              <a:rPr lang="ja-JP" altLang="en-US" sz="2000" dirty="0" smtClean="0"/>
-              <a:t>元データ</a:t>
-            </a:r>
-            <a:r>
-              <a:rPr lang="ja-JP" altLang="en-US" sz="2000" dirty="0"/>
-              <a:t>の形式</a:t>
-            </a:r>
-            <a:r>
-              <a:rPr lang="ja-JP" altLang="en-US" sz="2000" dirty="0" smtClean="0"/>
-              <a:t>：</a:t>
-            </a:r>
-            <a:endParaRPr lang="en-US" altLang="ja-JP" sz="2000" dirty="0" smtClean="0"/>
-          </a:p>
-          <a:p>
-            <a:pPr lvl="2"/>
-            <a:r>
-              <a:rPr lang="ja-JP" altLang="en-US" sz="2000" dirty="0" smtClean="0"/>
-              <a:t>◎カンマ</a:t>
-            </a:r>
-            <a:r>
-              <a:rPr lang="ja-JP" altLang="en-US" sz="2000" dirty="0"/>
-              <a:t>やタブの区切り</a:t>
-            </a:r>
-            <a:r>
-              <a:rPr lang="ja-JP" altLang="en-US" sz="2000" dirty="0" smtClean="0"/>
-              <a:t>文字</a:t>
-            </a:r>
-            <a:r>
-              <a:rPr lang="ja-JP" altLang="en-US" sz="2000" dirty="0"/>
-              <a:t>・・・</a:t>
-            </a:r>
-            <a:r>
-              <a:rPr lang="ja-JP" altLang="en-US" sz="2000" dirty="0" smtClean="0"/>
-              <a:t>　を選択</a:t>
-            </a:r>
-            <a:endParaRPr lang="en-US" altLang="ja-JP" sz="2000" dirty="0" smtClean="0"/>
-          </a:p>
-          <a:p>
-            <a:pPr lvl="1"/>
-            <a:r>
-              <a:rPr lang="ja-JP" altLang="en-US" sz="2000" dirty="0" smtClean="0"/>
-              <a:t>次へ</a:t>
-            </a:r>
-            <a:endParaRPr lang="en-US" altLang="ja-JP" sz="2000" dirty="0" smtClean="0"/>
-          </a:p>
-          <a:p>
-            <a:pPr lvl="2"/>
-            <a:r>
-              <a:rPr lang="ja-JP" altLang="en-US" sz="2000" dirty="0" smtClean="0"/>
-              <a:t>□カンマ　</a:t>
-            </a:r>
-            <a:r>
-              <a:rPr lang="ja-JP" altLang="en-US" sz="2000" dirty="0"/>
-              <a:t>を</a:t>
-            </a:r>
-            <a:r>
-              <a:rPr lang="ja-JP" altLang="en-US" sz="2000" dirty="0" smtClean="0"/>
-              <a:t>チェック</a:t>
-            </a:r>
-            <a:endParaRPr lang="en-US" altLang="ja-JP" sz="2000" dirty="0" smtClean="0"/>
-          </a:p>
-          <a:p>
-            <a:pPr lvl="2"/>
-            <a:r>
-              <a:rPr lang="ja-JP" altLang="en-US" sz="2000" dirty="0" smtClean="0"/>
-              <a:t>□スペース　をチェック</a:t>
-            </a:r>
-            <a:endParaRPr lang="en-US" altLang="ja-JP" sz="2000" dirty="0" smtClean="0"/>
-          </a:p>
-          <a:p>
-            <a:pPr lvl="2"/>
-            <a:r>
-              <a:rPr lang="ja-JP" altLang="en-US" sz="2000" dirty="0" smtClean="0"/>
-              <a:t>□その他　をチェックして、</a:t>
-            </a:r>
-            <a:r>
-              <a:rPr lang="en-US" altLang="ja-JP" sz="2000" dirty="0" smtClean="0"/>
-              <a:t>”</a:t>
-            </a:r>
-            <a:r>
-              <a:rPr lang="ja-JP" altLang="en-US" sz="2000" dirty="0" smtClean="0"/>
-              <a:t>：</a:t>
-            </a:r>
-            <a:r>
-              <a:rPr lang="en-US" altLang="ja-JP" sz="2000" dirty="0" smtClean="0"/>
-              <a:t>”</a:t>
-            </a:r>
-            <a:r>
-              <a:rPr lang="ja-JP" altLang="en-US" sz="2000" dirty="0" smtClean="0"/>
-              <a:t> を入力</a:t>
-            </a:r>
-            <a:endParaRPr lang="en-US" altLang="ja-JP" sz="2000" dirty="0" smtClean="0"/>
-          </a:p>
-          <a:p>
-            <a:pPr lvl="2"/>
-            <a:r>
-              <a:rPr lang="ja-JP" altLang="en-US" sz="2000" dirty="0" smtClean="0"/>
-              <a:t>□連続した区切り文字は</a:t>
-            </a:r>
-            <a:r>
-              <a:rPr lang="en-US" altLang="ja-JP" sz="2000" dirty="0" smtClean="0"/>
-              <a:t>1</a:t>
-            </a:r>
-            <a:r>
-              <a:rPr lang="ja-JP" altLang="en-US" sz="2000" dirty="0" smtClean="0"/>
-              <a:t>文字として扱う　をチェック</a:t>
-            </a:r>
-            <a:endParaRPr lang="en-US" altLang="ja-JP" sz="2000" dirty="0" smtClean="0"/>
-          </a:p>
-        </p:txBody>
-      </p:sp>
-      <p:sp>
-        <p:nvSpPr>
-          <p:cNvPr id="4" name="スライド番号プレースホルダー 3"/>
-          <p:cNvSpPr>
-            <a:spLocks noGrp="1"/>
-          </p:cNvSpPr>
-          <p:nvPr>
-            <p:ph type="sldNum" sz="quarter" idx="12"/>
-          </p:nvPr>
-        </p:nvSpPr>
-        <p:spPr/>
-        <p:txBody>
-          <a:bodyPr/>
-          <a:lstStyle/>
-          <a:p>
-            <a:fld id="{57499AFA-80DF-47CA-B70E-AAAE323E0DE5}" type="slidenum">
-              <a:rPr kumimoji="1" lang="ja-JP" altLang="en-US" smtClean="0"/>
-              <a:t>12</a:t>
-            </a:fld>
-            <a:endParaRPr kumimoji="1" lang="ja-JP" altLang="en-US"/>
-          </a:p>
-        </p:txBody>
-      </p:sp>
-      <p:sp>
-        <p:nvSpPr>
-          <p:cNvPr id="5" name="フローチャート: 処理 4"/>
-          <p:cNvSpPr/>
-          <p:nvPr/>
-        </p:nvSpPr>
-        <p:spPr>
-          <a:xfrm>
-            <a:off x="251520" y="260648"/>
-            <a:ext cx="1368152" cy="468000"/>
-          </a:xfrm>
-          <a:prstGeom prst="flowChartProcess">
-            <a:avLst/>
-          </a:prstGeom>
-        </p:spPr>
-        <p:style>
-          <a:lnRef idx="2">
-            <a:schemeClr val="accent1">
-              <a:shade val="50000"/>
-            </a:schemeClr>
-          </a:lnRef>
-          <a:fillRef idx="1">
-            <a:schemeClr val="accent1"/>
-          </a:fillRef>
-          <a:effectRef idx="0">
-            <a:schemeClr val="accent1"/>
-          </a:effectRef>
-          <a:fontRef idx="minor">
-            <a:schemeClr val="lt1"/>
-          </a:fontRef>
-        </p:style>
-        <p:txBody>
-          <a:bodyPr rtlCol="0" anchor="ctr"/>
-          <a:lstStyle/>
-          <a:p>
-            <a:pPr algn="ctr"/>
-            <a:r>
-              <a:rPr kumimoji="1" lang="ja-JP" altLang="en-US" dirty="0" smtClean="0"/>
-              <a:t>モデル検証</a:t>
-            </a:r>
-            <a:endParaRPr kumimoji="1" lang="ja-JP" altLang="en-US" dirty="0"/>
-          </a:p>
-        </p:txBody>
-      </p:sp>
-    </p:spTree>
-    <p:extLst>
-      <p:ext uri="{BB962C8B-B14F-4D97-AF65-F5344CB8AC3E}">
-        <p14:creationId xmlns:p14="http://schemas.microsoft.com/office/powerpoint/2010/main" val="157463192"/>
       </p:ext>
     </p:extLst>
   </p:cSld>
@@ -4949,12 +5007,12 @@
           <a:lstStyle/>
           <a:p>
             <a:r>
-              <a:rPr kumimoji="1" lang="en-US" altLang="ja-JP" sz="2800" dirty="0" smtClean="0"/>
-              <a:t>mAP</a:t>
-            </a:r>
-            <a:r>
-              <a:rPr kumimoji="1" lang="ja-JP" altLang="en-US" sz="2800" dirty="0" smtClean="0"/>
-              <a:t> 計測</a:t>
+              <a:rPr lang="en-US" altLang="ja-JP" sz="2800" dirty="0"/>
+              <a:t>Loss</a:t>
+            </a:r>
+            <a:r>
+              <a:rPr lang="ja-JP" altLang="en-US" sz="2800" dirty="0"/>
+              <a:t>の収集～グラフ作成</a:t>
             </a:r>
             <a:r>
               <a:rPr kumimoji="1" lang="en-US" altLang="ja-JP" sz="2800" dirty="0" smtClean="0"/>
@@ -4964,18 +5022,10 @@
               <a:rPr kumimoji="1" lang="en-US" altLang="ja-JP" sz="2800" dirty="0" smtClean="0"/>
             </a:br>
             <a:r>
-              <a:rPr lang="en-US" altLang="ja-JP" sz="2800" dirty="0" smtClean="0">
-                <a:solidFill>
-                  <a:srgbClr val="C00000"/>
-                </a:solidFill>
-              </a:rPr>
-              <a:t>darknet-map.sh</a:t>
-            </a:r>
-            <a:endParaRPr kumimoji="1" lang="ja-JP" altLang="en-US" sz="2800" dirty="0">
-              <a:solidFill>
-                <a:srgbClr val="C00000"/>
-              </a:solidFill>
-            </a:endParaRPr>
+              <a:rPr kumimoji="1" lang="ja-JP" altLang="en-US" sz="2800" dirty="0" smtClean="0"/>
+              <a:t>手作業</a:t>
+            </a:r>
+            <a:endParaRPr kumimoji="1" lang="ja-JP" altLang="en-US" sz="2800" dirty="0"/>
           </a:p>
         </p:txBody>
       </p:sp>
@@ -4989,7 +5039,12 @@
             <p:ph idx="1"/>
           </p:nvPr>
         </p:nvSpPr>
-        <p:spPr/>
+        <p:spPr>
+          <a:xfrm>
+            <a:off x="457200" y="1268760"/>
+            <a:ext cx="8229600" cy="4525963"/>
+          </a:xfrm>
+        </p:spPr>
         <p:txBody>
           <a:bodyPr>
             <a:normAutofit/>
@@ -5004,20 +5059,42 @@
           <a:p>
             <a:pPr lvl="1"/>
             <a:r>
-              <a:rPr lang="en-US" altLang="ja-JP" sz="2000" dirty="0" smtClean="0"/>
-              <a:t>.weights</a:t>
-            </a:r>
-            <a:r>
-              <a:rPr lang="ja-JP" altLang="en-US" sz="2000" dirty="0" smtClean="0"/>
-              <a:t>ファイルから</a:t>
-            </a:r>
-            <a:r>
-              <a:rPr lang="en-US" altLang="ja-JP" sz="2000" dirty="0" smtClean="0"/>
-              <a:t>mAP</a:t>
-            </a:r>
-            <a:r>
-              <a:rPr lang="ja-JP" altLang="en-US" sz="2000" dirty="0" smtClean="0"/>
-              <a:t>を計測する</a:t>
+              <a:rPr lang="ja-JP" altLang="en-US" sz="2000" dirty="0" smtClean="0"/>
+              <a:t>エクセルを使い、</a:t>
+            </a:r>
+            <a:r>
+              <a:rPr lang="en-US" altLang="ja-JP" sz="2000" dirty="0" smtClean="0"/>
+              <a:t>loss</a:t>
+            </a:r>
+            <a:r>
+              <a:rPr lang="ja-JP" altLang="en-US" sz="2000" dirty="0" smtClean="0"/>
+              <a:t>計測結果をグラフ化する</a:t>
+            </a:r>
+            <a:endParaRPr lang="en-US" altLang="ja-JP" sz="2000" dirty="0"/>
+          </a:p>
+          <a:p>
+            <a:r>
+              <a:rPr lang="en-US" altLang="ja-JP" sz="2400" dirty="0" smtClean="0"/>
+              <a:t>Process:</a:t>
+            </a:r>
+          </a:p>
+          <a:p>
+            <a:pPr lvl="1"/>
+            <a:r>
+              <a:rPr lang="en-US" altLang="ja-JP" sz="2000" dirty="0" smtClean="0"/>
+              <a:t>all2-train-A.txt</a:t>
+            </a:r>
+            <a:r>
+              <a:rPr lang="ja-JP" altLang="en-US" sz="2000" dirty="0" smtClean="0"/>
+              <a:t> を</a:t>
+            </a:r>
+            <a:r>
+              <a:rPr lang="ja-JP" altLang="en-US" sz="2000" dirty="0"/>
+              <a:t>エクセル</a:t>
+            </a:r>
+            <a:r>
+              <a:rPr lang="ja-JP" altLang="en-US" sz="2000" dirty="0" smtClean="0"/>
+              <a:t>で開く</a:t>
             </a:r>
             <a:endParaRPr lang="en-US" altLang="ja-JP" sz="2000" dirty="0" smtClean="0"/>
           </a:p>
@@ -5025,84 +5102,113 @@
             <a:pPr lvl="1"/>
             <a:r>
               <a:rPr lang="ja-JP" altLang="en-US" sz="2000" dirty="0" smtClean="0"/>
-              <a:t>計測結果は、</a:t>
-            </a:r>
-            <a:r>
-              <a:rPr lang="en-US" altLang="ja-JP" sz="2000" dirty="0"/>
-              <a:t>mAP </a:t>
+              <a:t>元データ</a:t>
             </a:r>
             <a:r>
               <a:rPr lang="ja-JP" altLang="en-US" sz="2000" dirty="0"/>
-              <a:t>計測結果</a:t>
-            </a:r>
-            <a:r>
-              <a:rPr lang="ja-JP" altLang="en-US" sz="2000" dirty="0" smtClean="0"/>
-              <a:t>編集スクリプト </a:t>
-            </a:r>
-            <a:r>
-              <a:rPr lang="en-US" altLang="ja-JP" sz="2000" dirty="0" smtClean="0"/>
-              <a:t>darknet-map_grep.sh</a:t>
-            </a:r>
-            <a:r>
-              <a:rPr lang="ja-JP" altLang="en-US" sz="2000" dirty="0" smtClean="0"/>
-              <a:t> を使って見える化する</a:t>
+              <a:t>の形式</a:t>
+            </a:r>
+            <a:r>
+              <a:rPr lang="ja-JP" altLang="en-US" sz="2000" dirty="0" smtClean="0"/>
+              <a:t>：</a:t>
             </a:r>
             <a:endParaRPr lang="en-US" altLang="ja-JP" sz="2000" dirty="0" smtClean="0"/>
           </a:p>
           <a:p>
-            <a:r>
-              <a:rPr lang="en-US" altLang="ja-JP" sz="2400" dirty="0" smtClean="0"/>
-              <a:t>Usage</a:t>
-            </a:r>
-            <a:r>
-              <a:rPr lang="en-US" altLang="ja-JP" sz="2400" dirty="0"/>
-              <a:t>: </a:t>
-            </a:r>
-            <a:endParaRPr lang="en-US" altLang="ja-JP" sz="2400" dirty="0" smtClean="0"/>
+            <a:pPr lvl="2"/>
+            <a:r>
+              <a:rPr lang="ja-JP" altLang="en-US" sz="2000" dirty="0" smtClean="0"/>
+              <a:t>◎カンマ</a:t>
+            </a:r>
+            <a:r>
+              <a:rPr lang="ja-JP" altLang="en-US" sz="2000" dirty="0"/>
+              <a:t>やタブの区切り</a:t>
+            </a:r>
+            <a:r>
+              <a:rPr lang="ja-JP" altLang="en-US" sz="2000" dirty="0" smtClean="0"/>
+              <a:t>文字</a:t>
+            </a:r>
+            <a:r>
+              <a:rPr lang="ja-JP" altLang="en-US" sz="2000" dirty="0"/>
+              <a:t>・・・</a:t>
+            </a:r>
+            <a:r>
+              <a:rPr lang="ja-JP" altLang="en-US" sz="2000" dirty="0" smtClean="0"/>
+              <a:t>　を選択</a:t>
+            </a:r>
+            <a:endParaRPr lang="en-US" altLang="ja-JP" sz="2000" dirty="0" smtClean="0"/>
           </a:p>
           <a:p>
             <a:pPr lvl="1"/>
             <a:r>
-              <a:rPr lang="en-US" altLang="ja-JP" sz="2000" dirty="0" smtClean="0"/>
-              <a:t>$ ./darknet-map.sh </a:t>
-            </a:r>
-            <a:r>
-              <a:rPr lang="en-US" altLang="ja-JP" sz="1600" dirty="0" smtClean="0"/>
-              <a:t>&lt;</a:t>
-            </a:r>
-            <a:r>
-              <a:rPr lang="ja-JP" altLang="en-US" sz="1600" dirty="0" smtClean="0"/>
-              <a:t>モデル名</a:t>
-            </a:r>
-            <a:r>
-              <a:rPr lang="en-US" altLang="ja-JP" sz="1600" dirty="0" smtClean="0"/>
-              <a:t>&gt;</a:t>
+              <a:rPr lang="ja-JP" altLang="en-US" sz="2000" dirty="0" smtClean="0"/>
+              <a:t>次へ</a:t>
             </a:r>
             <a:endParaRPr lang="en-US" altLang="ja-JP" sz="2000" dirty="0" smtClean="0"/>
           </a:p>
           <a:p>
-            <a:pPr lvl="1"/>
-            <a:r>
-              <a:rPr lang="ja-JP" altLang="en-US" sz="2000" dirty="0" smtClean="0"/>
-              <a:t>例</a:t>
+            <a:pPr lvl="2"/>
+            <a:r>
+              <a:rPr lang="ja-JP" altLang="en-US" sz="2000" dirty="0" smtClean="0"/>
+              <a:t>□カンマ　</a:t>
+            </a:r>
+            <a:r>
+              <a:rPr lang="ja-JP" altLang="en-US" sz="2000" dirty="0"/>
+              <a:t>を</a:t>
+            </a:r>
+            <a:r>
+              <a:rPr lang="ja-JP" altLang="en-US" sz="2000" dirty="0" smtClean="0"/>
+              <a:t>チェック</a:t>
             </a:r>
             <a:endParaRPr lang="en-US" altLang="ja-JP" sz="2000" dirty="0" smtClean="0"/>
           </a:p>
           <a:p>
-            <a:pPr lvl="1"/>
-            <a:r>
-              <a:rPr lang="en-US" altLang="ja-JP" sz="2000" dirty="0" smtClean="0"/>
-              <a:t>$ </a:t>
-            </a:r>
-            <a:r>
-              <a:rPr lang="en-US" altLang="ja-JP" sz="2000" dirty="0"/>
-              <a:t>./</a:t>
-            </a:r>
-            <a:r>
-              <a:rPr lang="en-US" altLang="ja-JP" sz="2000" dirty="0" smtClean="0"/>
-              <a:t>darknet-map.sh pp4</a:t>
-            </a:r>
-            <a:endParaRPr kumimoji="1" lang="ja-JP" altLang="en-US" sz="2000" dirty="0"/>
+            <a:pPr lvl="2"/>
+            <a:r>
+              <a:rPr lang="ja-JP" altLang="en-US" sz="2000" dirty="0" smtClean="0"/>
+              <a:t>□スペース　をチェック</a:t>
+            </a:r>
+            <a:endParaRPr lang="en-US" altLang="ja-JP" sz="2000" dirty="0" smtClean="0"/>
+          </a:p>
+          <a:p>
+            <a:pPr lvl="2"/>
+            <a:r>
+              <a:rPr lang="ja-JP" altLang="en-US" sz="2000" dirty="0" smtClean="0"/>
+              <a:t>□その他　をチェックして、</a:t>
+            </a:r>
+            <a:r>
+              <a:rPr lang="en-US" altLang="ja-JP" sz="2000" dirty="0" smtClean="0"/>
+              <a:t>”</a:t>
+            </a:r>
+            <a:r>
+              <a:rPr lang="ja-JP" altLang="en-US" sz="2000" dirty="0" smtClean="0"/>
+              <a:t>：</a:t>
+            </a:r>
+            <a:r>
+              <a:rPr lang="en-US" altLang="ja-JP" sz="2000" dirty="0" smtClean="0"/>
+              <a:t>”</a:t>
+            </a:r>
+            <a:r>
+              <a:rPr lang="ja-JP" altLang="en-US" sz="2000" dirty="0" smtClean="0"/>
+              <a:t> を入力</a:t>
+            </a:r>
+            <a:endParaRPr lang="en-US" altLang="ja-JP" sz="2000" dirty="0" smtClean="0"/>
+          </a:p>
+          <a:p>
+            <a:pPr lvl="2"/>
+            <a:r>
+              <a:rPr lang="ja-JP" altLang="en-US" sz="2000" dirty="0" smtClean="0"/>
+              <a:t>□連続した区切り文字は</a:t>
+            </a:r>
+            <a:r>
+              <a:rPr lang="en-US" altLang="ja-JP" sz="2000" dirty="0" smtClean="0"/>
+              <a:t>1</a:t>
+            </a:r>
+            <a:r>
+              <a:rPr lang="ja-JP" altLang="en-US" sz="2000" dirty="0" smtClean="0"/>
+              <a:t>文字として扱う　をチェック</a:t>
+            </a:r>
+            <a:endParaRPr lang="en-US" altLang="ja-JP" sz="2000" dirty="0" smtClean="0"/>
           </a:p>
         </p:txBody>
       </p:sp>
@@ -5176,7 +5282,7 @@
     </p:spTree>
     <p:extLst>
       <p:ext uri="{BB962C8B-B14F-4D97-AF65-F5344CB8AC3E}">
-        <p14:creationId xmlns:p14="http://schemas.microsoft.com/office/powerpoint/2010/main" val="1209839736"/>
+        <p14:creationId xmlns:p14="http://schemas.microsoft.com/office/powerpoint/2010/main" val="157463192"/>
       </p:ext>
     </p:extLst>
   </p:cSld>
@@ -5238,7 +5344,7 @@
             </a:r>
             <a:r>
               <a:rPr kumimoji="1" lang="ja-JP" altLang="en-US" sz="2800" dirty="0" smtClean="0"/>
-              <a:t> 計測結果編集</a:t>
+              <a:t> 計測</a:t>
             </a:r>
             <a:r>
               <a:rPr kumimoji="1" lang="en-US" altLang="ja-JP" sz="2800" dirty="0" smtClean="0"/>
@@ -5253,7 +5359,7 @@
                   <a:srgbClr val="C00000"/>
                 </a:solidFill>
               </a:rPr>
-              <a:t>darknet-map_grep.sh</a:t>
+              <a:t>darknet-map.sh</a:t>
             </a:r>
             <a:endParaRPr kumimoji="1" lang="ja-JP" altLang="en-US" sz="2800" dirty="0">
               <a:solidFill>
@@ -5289,61 +5395,69 @@
             <a:pPr lvl="1"/>
             <a:r>
               <a:rPr lang="en-US" altLang="ja-JP" sz="2000" dirty="0" smtClean="0"/>
-              <a:t>map</a:t>
-            </a:r>
-            <a:r>
-              <a:rPr lang="ja-JP" altLang="en-US" sz="2000" dirty="0" smtClean="0"/>
-              <a:t>ファイルからグラフ表示に必要な行だけを抜き出す</a:t>
+              <a:t>.weights</a:t>
+            </a:r>
+            <a:r>
+              <a:rPr lang="ja-JP" altLang="en-US" sz="2000" dirty="0" smtClean="0"/>
+              <a:t>ファイルから</a:t>
+            </a:r>
+            <a:r>
+              <a:rPr lang="en-US" altLang="ja-JP" sz="2000" dirty="0" smtClean="0"/>
+              <a:t>mAP</a:t>
+            </a:r>
+            <a:r>
+              <a:rPr lang="ja-JP" altLang="en-US" sz="2000" dirty="0" smtClean="0"/>
+              <a:t>を計測する</a:t>
             </a:r>
             <a:endParaRPr lang="en-US" altLang="ja-JP" sz="2000" dirty="0" smtClean="0"/>
           </a:p>
           <a:p>
             <a:pPr lvl="1"/>
             <a:r>
-              <a:rPr lang="en-US" altLang="ja-JP" sz="2000" dirty="0" err="1" smtClean="0"/>
-              <a:t>darknet</a:t>
-            </a:r>
-            <a:r>
-              <a:rPr lang="ja-JP" altLang="en-US" sz="2000" dirty="0" smtClean="0"/>
-              <a:t>が出力するファイルに、</a:t>
-            </a:r>
-            <a:r>
-              <a:rPr lang="en-US" altLang="ja-JP" sz="2000" dirty="0" smtClean="0"/>
-              <a:t>CRLF</a:t>
-            </a:r>
-            <a:r>
-              <a:rPr lang="ja-JP" altLang="en-US" sz="2000" dirty="0" smtClean="0"/>
-              <a:t>が含まれるので、これを</a:t>
-            </a:r>
-            <a:r>
-              <a:rPr lang="en-US" altLang="ja-JP" sz="2000" dirty="0" smtClean="0"/>
-              <a:t>LF</a:t>
-            </a:r>
-            <a:r>
-              <a:rPr lang="ja-JP" altLang="en-US" sz="2000" dirty="0" smtClean="0"/>
-              <a:t>に置き換える</a:t>
+              <a:rPr lang="ja-JP" altLang="en-US" sz="2000" dirty="0" smtClean="0"/>
+              <a:t>計測結果は、</a:t>
+            </a:r>
+            <a:r>
+              <a:rPr lang="en-US" altLang="ja-JP" sz="2000" dirty="0"/>
+              <a:t>mAP </a:t>
+            </a:r>
+            <a:r>
+              <a:rPr lang="ja-JP" altLang="en-US" sz="2000" dirty="0"/>
+              <a:t>計測結果</a:t>
+            </a:r>
+            <a:r>
+              <a:rPr lang="ja-JP" altLang="en-US" sz="2000" dirty="0" smtClean="0"/>
+              <a:t>編集スクリプト </a:t>
+            </a:r>
+            <a:r>
+              <a:rPr lang="en-US" altLang="ja-JP" sz="2000" dirty="0" smtClean="0"/>
+              <a:t>darknet-map_grep.sh</a:t>
+            </a:r>
+            <a:r>
+              <a:rPr lang="ja-JP" altLang="en-US" sz="2000" dirty="0" smtClean="0"/>
+              <a:t> を使って見える化する</a:t>
             </a:r>
             <a:endParaRPr lang="en-US" altLang="ja-JP" sz="2000" dirty="0" smtClean="0"/>
           </a:p>
           <a:p>
             <a:r>
-              <a:rPr lang="en-US" altLang="ja-JP" sz="2800" dirty="0" smtClean="0"/>
+              <a:rPr lang="en-US" altLang="ja-JP" sz="2400" dirty="0" smtClean="0"/>
               <a:t>Usage</a:t>
             </a:r>
             <a:r>
-              <a:rPr lang="en-US" altLang="ja-JP" sz="2800" dirty="0"/>
+              <a:rPr lang="en-US" altLang="ja-JP" sz="2400" dirty="0"/>
               <a:t>: </a:t>
             </a:r>
-            <a:endParaRPr lang="en-US" altLang="ja-JP" sz="2800" dirty="0" smtClean="0"/>
+            <a:endParaRPr lang="en-US" altLang="ja-JP" sz="2400" dirty="0" smtClean="0"/>
           </a:p>
           <a:p>
             <a:pPr lvl="1"/>
             <a:r>
               <a:rPr lang="en-US" altLang="ja-JP" sz="2000" dirty="0" smtClean="0"/>
-              <a:t>$ ./darknet-map_grep.sh </a:t>
-            </a:r>
-            <a:r>
-              <a:rPr lang="en-US" altLang="ja-JP" sz="1600" dirty="0"/>
+              <a:t>$ ./darknet-map.sh </a:t>
+            </a:r>
+            <a:r>
+              <a:rPr lang="en-US" altLang="ja-JP" sz="1600" dirty="0" smtClean="0"/>
               <a:t>&lt;</a:t>
             </a:r>
             <a:r>
@@ -5376,7 +5490,7 @@
             </a:r>
             <a:r>
               <a:rPr lang="en-US" altLang="ja-JP" sz="2000" dirty="0" smtClean="0"/>
-              <a:t>darknet-map_grep.sh pp4</a:t>
+              <a:t>darknet-map.sh pp4</a:t>
             </a:r>
             <a:endParaRPr kumimoji="1" lang="ja-JP" altLang="en-US" sz="2000" dirty="0"/>
           </a:p>
@@ -5452,7 +5566,7 @@
     </p:spTree>
     <p:extLst>
       <p:ext uri="{BB962C8B-B14F-4D97-AF65-F5344CB8AC3E}">
-        <p14:creationId xmlns:p14="http://schemas.microsoft.com/office/powerpoint/2010/main" val="37781987"/>
+        <p14:creationId xmlns:p14="http://schemas.microsoft.com/office/powerpoint/2010/main" val="1209839736"/>
       </p:ext>
     </p:extLst>
   </p:cSld>
@@ -5504,7 +5618,7 @@
         </p:spPr>
         <p:txBody>
           <a:bodyPr>
-            <a:normAutofit/>
+            <a:noAutofit/>
           </a:bodyPr>
           <a:lstStyle/>
           <a:p>
@@ -5514,20 +5628,28 @@
             </a:r>
             <a:r>
               <a:rPr kumimoji="1" lang="ja-JP" altLang="en-US" sz="2800" dirty="0" smtClean="0"/>
-              <a:t>グラフ作成　</a:t>
+              <a:t> 計測結果編集</a:t>
             </a:r>
             <a:r>
               <a:rPr kumimoji="1" lang="en-US" altLang="ja-JP" sz="2800" dirty="0" smtClean="0"/>
-              <a:t>(1/2)</a:t>
+              <a:t/>
             </a:r>
             <a:br>
               <a:rPr kumimoji="1" lang="en-US" altLang="ja-JP" sz="2800" dirty="0" smtClean="0"/>
             </a:br>
             <a:r>
-              <a:rPr kumimoji="1" lang="ja-JP" altLang="en-US" sz="2800" dirty="0" smtClean="0"/>
-              <a:t>手作業</a:t>
-            </a:r>
-            <a:endParaRPr kumimoji="1" lang="ja-JP" altLang="en-US" sz="2800" dirty="0"/>
+              <a:rPr lang="en-US" altLang="ja-JP" sz="2800" dirty="0" smtClean="0">
+                <a:solidFill>
+                  <a:srgbClr val="C00000"/>
+                </a:solidFill>
+              </a:rPr>
+              <a:t>darknet-map_grep.sh</a:t>
+            </a:r>
+            <a:endParaRPr kumimoji="1" lang="ja-JP" altLang="en-US" sz="2800" dirty="0">
+              <a:solidFill>
+                <a:srgbClr val="C00000"/>
+              </a:solidFill>
+            </a:endParaRPr>
           </a:p>
         </p:txBody>
       </p:sp>
@@ -5541,12 +5663,7 @@
             <p:ph idx="1"/>
           </p:nvPr>
         </p:nvSpPr>
-        <p:spPr>
-          <a:xfrm>
-            <a:off x="457200" y="1268760"/>
-            <a:ext cx="8229600" cy="4525963"/>
-          </a:xfrm>
-        </p:spPr>
+        <p:spPr/>
         <p:txBody>
           <a:bodyPr>
             <a:normAutofit/>
@@ -5561,127 +5678,97 @@
           <a:p>
             <a:pPr lvl="1"/>
             <a:r>
-              <a:rPr lang="ja-JP" altLang="en-US" sz="2000" dirty="0" smtClean="0"/>
-              <a:t>エクセルを使って、</a:t>
-            </a:r>
-            <a:r>
-              <a:rPr lang="en-US" altLang="ja-JP" sz="2000" dirty="0" smtClean="0"/>
-              <a:t>mAP</a:t>
-            </a:r>
-            <a:r>
-              <a:rPr lang="ja-JP" altLang="en-US" sz="2000" dirty="0" smtClean="0"/>
-              <a:t>計測結果をグラフ化する</a:t>
-            </a:r>
-            <a:endParaRPr lang="en-US" altLang="ja-JP" sz="2000" dirty="0"/>
-          </a:p>
-          <a:p>
-            <a:endParaRPr lang="en-US" altLang="ja-JP" sz="2400" dirty="0" smtClean="0"/>
-          </a:p>
-          <a:p>
-            <a:r>
-              <a:rPr lang="en-US" altLang="ja-JP" sz="2400" dirty="0" smtClean="0"/>
-              <a:t>Process:</a:t>
-            </a:r>
+              <a:rPr lang="en-US" altLang="ja-JP" sz="2000" dirty="0" smtClean="0"/>
+              <a:t>map</a:t>
+            </a:r>
+            <a:r>
+              <a:rPr lang="ja-JP" altLang="en-US" sz="2000" dirty="0" smtClean="0"/>
+              <a:t>ファイルからグラフ表示に必要な行だけを抜き出す</a:t>
+            </a:r>
+            <a:endParaRPr lang="en-US" altLang="ja-JP" sz="2000" dirty="0" smtClean="0"/>
           </a:p>
           <a:p>
             <a:pPr lvl="1"/>
             <a:r>
-              <a:rPr lang="ja-JP" altLang="en-US" sz="2000" dirty="0" smtClean="0"/>
-              <a:t>*</a:t>
-            </a:r>
-            <a:r>
-              <a:rPr lang="en-US" altLang="ja-JP" sz="2000" dirty="0" smtClean="0"/>
-              <a:t>-map_result-B.txt</a:t>
-            </a:r>
-            <a:r>
-              <a:rPr lang="ja-JP" altLang="en-US" sz="2000" dirty="0" smtClean="0"/>
-              <a:t> を</a:t>
-            </a:r>
-            <a:r>
-              <a:rPr lang="ja-JP" altLang="en-US" sz="2000" dirty="0"/>
-              <a:t>エクセルで編集しグラフ化</a:t>
-            </a:r>
-            <a:r>
-              <a:rPr lang="ja-JP" altLang="en-US" sz="2000" dirty="0" smtClean="0"/>
-              <a:t>する</a:t>
+              <a:rPr lang="en-US" altLang="ja-JP" sz="2000" dirty="0" err="1" smtClean="0"/>
+              <a:t>darknet</a:t>
+            </a:r>
+            <a:r>
+              <a:rPr lang="ja-JP" altLang="en-US" sz="2000" dirty="0" smtClean="0"/>
+              <a:t>が出力するファイルに、</a:t>
+            </a:r>
+            <a:r>
+              <a:rPr lang="en-US" altLang="ja-JP" sz="2000" dirty="0" smtClean="0"/>
+              <a:t>CRLF</a:t>
+            </a:r>
+            <a:r>
+              <a:rPr lang="ja-JP" altLang="en-US" sz="2000" dirty="0" smtClean="0"/>
+              <a:t>が含まれるので、これを</a:t>
+            </a:r>
+            <a:r>
+              <a:rPr lang="en-US" altLang="ja-JP" sz="2000" dirty="0" smtClean="0"/>
+              <a:t>LF</a:t>
+            </a:r>
+            <a:r>
+              <a:rPr lang="ja-JP" altLang="en-US" sz="2000" dirty="0" smtClean="0"/>
+              <a:t>に置き換える</a:t>
             </a:r>
             <a:endParaRPr lang="en-US" altLang="ja-JP" sz="2000" dirty="0" smtClean="0"/>
           </a:p>
           <a:p>
+            <a:r>
+              <a:rPr lang="en-US" altLang="ja-JP" sz="2800" dirty="0" smtClean="0"/>
+              <a:t>Usage</a:t>
+            </a:r>
+            <a:r>
+              <a:rPr lang="en-US" altLang="ja-JP" sz="2800" dirty="0"/>
+              <a:t>: </a:t>
+            </a:r>
+            <a:endParaRPr lang="en-US" altLang="ja-JP" sz="2800" dirty="0" smtClean="0"/>
+          </a:p>
+          <a:p>
             <a:pPr lvl="1"/>
             <a:r>
-              <a:rPr lang="ja-JP" altLang="en-US" sz="2000" dirty="0" smtClean="0"/>
-              <a:t>元データ</a:t>
-            </a:r>
-            <a:r>
-              <a:rPr lang="ja-JP" altLang="en-US" sz="2000" dirty="0"/>
-              <a:t>の形式</a:t>
-            </a:r>
-            <a:r>
-              <a:rPr lang="ja-JP" altLang="en-US" sz="2000" dirty="0" smtClean="0"/>
-              <a:t>：</a:t>
+              <a:rPr lang="en-US" altLang="ja-JP" sz="2000" dirty="0" smtClean="0"/>
+              <a:t>$ ./darknet-map_grep.sh </a:t>
+            </a:r>
+            <a:r>
+              <a:rPr lang="en-US" altLang="ja-JP" sz="1600" dirty="0"/>
+              <a:t>&lt;</a:t>
+            </a:r>
+            <a:r>
+              <a:rPr lang="ja-JP" altLang="en-US" sz="1600" dirty="0" smtClean="0"/>
+              <a:t>モデル名</a:t>
+            </a:r>
+            <a:r>
+              <a:rPr lang="en-US" altLang="ja-JP" sz="1600" dirty="0" smtClean="0"/>
+              <a:t>&gt;</a:t>
             </a:r>
             <a:endParaRPr lang="en-US" altLang="ja-JP" sz="2000" dirty="0" smtClean="0"/>
           </a:p>
           <a:p>
-            <a:pPr lvl="2"/>
-            <a:r>
-              <a:rPr lang="ja-JP" altLang="en-US" sz="2000" dirty="0" smtClean="0"/>
-              <a:t>◎カンマ</a:t>
-            </a:r>
-            <a:r>
-              <a:rPr lang="ja-JP" altLang="en-US" sz="2000" dirty="0"/>
-              <a:t>やタブの区切り</a:t>
-            </a:r>
-            <a:r>
-              <a:rPr lang="ja-JP" altLang="en-US" sz="2000" dirty="0" smtClean="0"/>
-              <a:t>文字</a:t>
-            </a:r>
-            <a:r>
-              <a:rPr lang="ja-JP" altLang="en-US" sz="2000" dirty="0"/>
-              <a:t>・・・</a:t>
-            </a:r>
-            <a:r>
-              <a:rPr lang="ja-JP" altLang="en-US" sz="2000" dirty="0" smtClean="0"/>
-              <a:t>　を選択</a:t>
+            <a:pPr lvl="1"/>
+            <a:r>
+              <a:rPr lang="ja-JP" altLang="en-US" sz="2000" dirty="0" smtClean="0"/>
+              <a:t>例</a:t>
             </a:r>
             <a:endParaRPr lang="en-US" altLang="ja-JP" sz="2000" dirty="0" smtClean="0"/>
           </a:p>
           <a:p>
             <a:pPr lvl="1"/>
             <a:r>
-              <a:rPr lang="ja-JP" altLang="en-US" sz="2000" dirty="0" smtClean="0"/>
-              <a:t>次へ</a:t>
-            </a:r>
-            <a:endParaRPr lang="en-US" altLang="ja-JP" sz="2000" dirty="0" smtClean="0"/>
-          </a:p>
-          <a:p>
-            <a:pPr lvl="2"/>
-            <a:r>
-              <a:rPr lang="ja-JP" altLang="en-US" sz="2000" dirty="0" smtClean="0"/>
-              <a:t>□カンマ　に、チェック</a:t>
-            </a:r>
-            <a:endParaRPr lang="en-US" altLang="ja-JP" sz="2000" dirty="0" smtClean="0"/>
-          </a:p>
-          <a:p>
-            <a:pPr lvl="2"/>
-            <a:r>
-              <a:rPr lang="ja-JP" altLang="en-US" sz="2000" dirty="0"/>
-              <a:t>□</a:t>
-            </a:r>
-            <a:r>
-              <a:rPr lang="ja-JP" altLang="en-US" sz="2000" dirty="0" smtClean="0"/>
-              <a:t>その他に、</a:t>
-            </a:r>
-            <a:r>
-              <a:rPr lang="en-US" altLang="ja-JP" sz="2000" dirty="0" smtClean="0"/>
-              <a:t>=</a:t>
-            </a:r>
-            <a:r>
-              <a:rPr lang="ja-JP" altLang="en-US" sz="2000" dirty="0" smtClean="0"/>
-              <a:t> 入力</a:t>
-            </a:r>
-            <a:endParaRPr lang="en-US" altLang="ja-JP" sz="2000" dirty="0" smtClean="0"/>
+              <a:rPr lang="en-US" altLang="ja-JP" sz="2000" dirty="0" smtClean="0"/>
+              <a:t>$ </a:t>
+            </a:r>
+            <a:r>
+              <a:rPr lang="en-US" altLang="ja-JP" sz="2000" dirty="0"/>
+              <a:t>./</a:t>
+            </a:r>
+            <a:r>
+              <a:rPr lang="en-US" altLang="ja-JP" sz="2000" dirty="0" smtClean="0"/>
+              <a:t>darknet-map_grep.sh pp4</a:t>
+            </a:r>
+            <a:endParaRPr kumimoji="1" lang="ja-JP" altLang="en-US" sz="2000" dirty="0"/>
           </a:p>
         </p:txBody>
       </p:sp>
@@ -5755,7 +5842,7 @@
     </p:spTree>
     <p:extLst>
       <p:ext uri="{BB962C8B-B14F-4D97-AF65-F5344CB8AC3E}">
-        <p14:creationId xmlns:p14="http://schemas.microsoft.com/office/powerpoint/2010/main" val="3503269748"/>
+        <p14:creationId xmlns:p14="http://schemas.microsoft.com/office/powerpoint/2010/main" val="37781987"/>
       </p:ext>
     </p:extLst>
   </p:cSld>
@@ -5816,20 +5903,12 @@
               <a:t>mAP</a:t>
             </a:r>
             <a:r>
-              <a:rPr lang="ja-JP" altLang="en-US" sz="2800" dirty="0"/>
+              <a:rPr kumimoji="1" lang="ja-JP" altLang="en-US" sz="2800" dirty="0" smtClean="0"/>
               <a:t>グラフ作成　</a:t>
             </a:r>
             <a:r>
-              <a:rPr lang="en-US" altLang="ja-JP" sz="2800" dirty="0" smtClean="0"/>
-              <a:t>(2/2</a:t>
-            </a:r>
-            <a:r>
-              <a:rPr lang="en-US" altLang="ja-JP" sz="2800" dirty="0"/>
-              <a:t>)</a:t>
-            </a:r>
-            <a:r>
               <a:rPr kumimoji="1" lang="en-US" altLang="ja-JP" sz="2800" dirty="0" smtClean="0"/>
-              <a:t/>
+              <a:t>(1/2)</a:t>
             </a:r>
             <a:br>
               <a:rPr kumimoji="1" lang="en-US" altLang="ja-JP" sz="2800" dirty="0" smtClean="0"/>
@@ -5854,8 +5933,8 @@
         </p:nvSpPr>
         <p:spPr>
           <a:xfrm>
-            <a:off x="323528" y="1268760"/>
-            <a:ext cx="8435280" cy="5112568"/>
+            <a:off x="457200" y="1268760"/>
+            <a:ext cx="8229600" cy="4525963"/>
           </a:xfrm>
         </p:spPr>
         <p:txBody>
@@ -5864,275 +5943,134 @@
           </a:bodyPr>
           <a:lstStyle/>
           <a:p>
+            <a:r>
+              <a:rPr lang="en-US" altLang="ja-JP" sz="2400" dirty="0" smtClean="0"/>
+              <a:t>Purpose:</a:t>
+            </a:r>
+          </a:p>
+          <a:p>
             <a:pPr lvl="1"/>
             <a:r>
-              <a:rPr lang="ja-JP" altLang="en-US" sz="2400" dirty="0" smtClean="0"/>
-              <a:t>ファイルを開く</a:t>
-            </a:r>
+              <a:rPr lang="ja-JP" altLang="en-US" sz="2000" dirty="0" smtClean="0"/>
+              <a:t>エクセルを使って、</a:t>
+            </a:r>
+            <a:r>
+              <a:rPr lang="en-US" altLang="ja-JP" sz="2000" dirty="0" smtClean="0"/>
+              <a:t>mAP</a:t>
+            </a:r>
+            <a:r>
+              <a:rPr lang="ja-JP" altLang="en-US" sz="2000" dirty="0" smtClean="0"/>
+              <a:t>計測結果をグラフ化する</a:t>
+            </a:r>
+            <a:endParaRPr lang="en-US" altLang="ja-JP" sz="2000" dirty="0"/>
+          </a:p>
+          <a:p>
             <a:endParaRPr lang="en-US" altLang="ja-JP" sz="2400" dirty="0" smtClean="0"/>
           </a:p>
           <a:p>
+            <a:r>
+              <a:rPr lang="en-US" altLang="ja-JP" sz="2400" dirty="0" smtClean="0"/>
+              <a:t>Process:</a:t>
+            </a:r>
+          </a:p>
+          <a:p>
+            <a:pPr lvl="1"/>
+            <a:r>
+              <a:rPr lang="ja-JP" altLang="en-US" sz="2000" dirty="0" smtClean="0"/>
+              <a:t>*</a:t>
+            </a:r>
+            <a:r>
+              <a:rPr lang="en-US" altLang="ja-JP" sz="2000" dirty="0" smtClean="0"/>
+              <a:t>-map_result-B.txt</a:t>
+            </a:r>
+            <a:r>
+              <a:rPr lang="ja-JP" altLang="en-US" sz="2000" dirty="0" smtClean="0"/>
+              <a:t> を</a:t>
+            </a:r>
+            <a:r>
+              <a:rPr lang="ja-JP" altLang="en-US" sz="2000" dirty="0"/>
+              <a:t>エクセルで編集しグラフ化</a:t>
+            </a:r>
+            <a:r>
+              <a:rPr lang="ja-JP" altLang="en-US" sz="2000" dirty="0" smtClean="0"/>
+              <a:t>する</a:t>
+            </a:r>
+            <a:endParaRPr lang="en-US" altLang="ja-JP" sz="2000" dirty="0" smtClean="0"/>
+          </a:p>
+          <a:p>
+            <a:pPr lvl="1"/>
+            <a:r>
+              <a:rPr lang="ja-JP" altLang="en-US" sz="2000" dirty="0" smtClean="0"/>
+              <a:t>元データ</a:t>
+            </a:r>
+            <a:r>
+              <a:rPr lang="ja-JP" altLang="en-US" sz="2000" dirty="0"/>
+              <a:t>の形式</a:t>
+            </a:r>
+            <a:r>
+              <a:rPr lang="ja-JP" altLang="en-US" sz="2000" dirty="0" smtClean="0"/>
+              <a:t>：</a:t>
+            </a:r>
+            <a:endParaRPr lang="en-US" altLang="ja-JP" sz="2000" dirty="0" smtClean="0"/>
+          </a:p>
+          <a:p>
             <a:pPr lvl="2"/>
             <a:r>
               <a:rPr lang="ja-JP" altLang="en-US" sz="2000" dirty="0" smtClean="0"/>
-              <a:t>例</a:t>
+              <a:t>◎カンマ</a:t>
+            </a:r>
+            <a:r>
+              <a:rPr lang="ja-JP" altLang="en-US" sz="2000" dirty="0"/>
+              <a:t>やタブの区切り</a:t>
+            </a:r>
+            <a:r>
+              <a:rPr lang="ja-JP" altLang="en-US" sz="2000" dirty="0" smtClean="0"/>
+              <a:t>文字</a:t>
+            </a:r>
+            <a:r>
+              <a:rPr lang="ja-JP" altLang="en-US" sz="2000" dirty="0"/>
+              <a:t>・・・</a:t>
+            </a:r>
+            <a:r>
+              <a:rPr lang="ja-JP" altLang="en-US" sz="2000" dirty="0" smtClean="0"/>
+              <a:t>　を選択</a:t>
             </a:r>
             <a:endParaRPr lang="en-US" altLang="ja-JP" sz="2000" dirty="0" smtClean="0"/>
           </a:p>
           <a:p>
+            <a:pPr lvl="1"/>
+            <a:r>
+              <a:rPr lang="ja-JP" altLang="en-US" sz="2000" dirty="0" smtClean="0"/>
+              <a:t>次へ</a:t>
+            </a:r>
+            <a:endParaRPr lang="en-US" altLang="ja-JP" sz="2000" dirty="0" smtClean="0"/>
+          </a:p>
+          <a:p>
             <a:pPr lvl="2"/>
             <a:r>
-              <a:rPr lang="en-US" altLang="ja-JP" sz="2000" dirty="0" smtClean="0"/>
-              <a:t>A</a:t>
-            </a:r>
-            <a:r>
-              <a:rPr lang="ja-JP" altLang="en-US" sz="2000" dirty="0" smtClean="0"/>
-              <a:t>列を</a:t>
-            </a:r>
-            <a:r>
-              <a:rPr lang="en-US" altLang="ja-JP" sz="2000" dirty="0" smtClean="0"/>
-              <a:t>all2_*</a:t>
-            </a:r>
-            <a:r>
-              <a:rPr lang="ja-JP" altLang="en-US" sz="2000" dirty="0" smtClean="0"/>
-              <a:t>でフィルタリング</a:t>
+              <a:rPr lang="ja-JP" altLang="en-US" sz="2000" dirty="0" smtClean="0"/>
+              <a:t>□カンマ　に、チェック</a:t>
             </a:r>
             <a:endParaRPr lang="en-US" altLang="ja-JP" sz="2000" dirty="0" smtClean="0"/>
           </a:p>
           <a:p>
             <a:pPr lvl="2"/>
             <a:r>
-              <a:rPr lang="en-US" altLang="ja-JP" sz="2000" dirty="0"/>
-              <a:t>A</a:t>
-            </a:r>
-            <a:r>
-              <a:rPr lang="ja-JP" altLang="en-US" sz="2000" dirty="0" smtClean="0"/>
-              <a:t>列をコピーして、</a:t>
-            </a:r>
-            <a:r>
-              <a:rPr lang="en-US" altLang="ja-JP" sz="2000" dirty="0" smtClean="0"/>
-              <a:t>A</a:t>
-            </a:r>
-            <a:r>
-              <a:rPr lang="ja-JP" altLang="en-US" sz="2000" dirty="0" smtClean="0"/>
-              <a:t>列の最終行以下に貼り付け</a:t>
-            </a:r>
-            <a:endParaRPr lang="en-US" altLang="ja-JP" sz="2000" dirty="0" smtClean="0"/>
-          </a:p>
-          <a:p>
-            <a:pPr lvl="2"/>
-            <a:r>
-              <a:rPr lang="en-US" altLang="ja-JP" sz="2000" dirty="0" smtClean="0"/>
-              <a:t>A</a:t>
-            </a:r>
-            <a:r>
               <a:rPr lang="ja-JP" altLang="en-US" sz="2000" dirty="0"/>
-              <a:t>列</a:t>
-            </a:r>
-            <a:r>
-              <a:rPr lang="ja-JP" altLang="en-US" sz="2000" dirty="0" smtClean="0"/>
-              <a:t>を</a:t>
-            </a:r>
-            <a:r>
-              <a:rPr lang="en-US" altLang="ja-JP" sz="2000" dirty="0" err="1" smtClean="0"/>
-              <a:t>mean_average</a:t>
-            </a:r>
-            <a:r>
-              <a:rPr lang="ja-JP" altLang="en-US" sz="2000" dirty="0" smtClean="0"/>
-              <a:t>でフィルタリング</a:t>
-            </a:r>
-            <a:endParaRPr lang="en-US" altLang="ja-JP" sz="2000" dirty="0" smtClean="0"/>
-          </a:p>
-          <a:p>
-            <a:pPr lvl="2"/>
-            <a:r>
-              <a:rPr lang="en-US" altLang="ja-JP" sz="2000" dirty="0" smtClean="0"/>
-              <a:t>B</a:t>
-            </a:r>
-            <a:r>
-              <a:rPr lang="ja-JP" altLang="en-US" sz="2000" dirty="0" smtClean="0"/>
-              <a:t>列をコピーして、</a:t>
-            </a:r>
-            <a:r>
-              <a:rPr lang="en-US" altLang="ja-JP" sz="2000" dirty="0" smtClean="0"/>
-              <a:t>B</a:t>
-            </a:r>
-            <a:r>
-              <a:rPr lang="ja-JP" altLang="en-US" sz="2000" dirty="0" smtClean="0"/>
-              <a:t>列の最終行以下（</a:t>
-            </a:r>
-            <a:r>
-              <a:rPr lang="en-US" altLang="ja-JP" sz="2000" dirty="0" smtClean="0"/>
-              <a:t>A</a:t>
-            </a:r>
-            <a:r>
-              <a:rPr lang="ja-JP" altLang="en-US" sz="2000" dirty="0" smtClean="0"/>
-              <a:t>列貼り付けの右）に貼り付け</a:t>
-            </a:r>
-            <a:endParaRPr lang="en-US" altLang="ja-JP" sz="2000" dirty="0" smtClean="0"/>
-          </a:p>
-          <a:p>
-            <a:pPr lvl="2"/>
-            <a:r>
-              <a:rPr lang="en-US" altLang="ja-JP" sz="2000" dirty="0" smtClean="0"/>
-              <a:t>C</a:t>
-            </a:r>
-            <a:r>
-              <a:rPr lang="ja-JP" altLang="en-US" sz="2000" dirty="0" smtClean="0"/>
-              <a:t>列を</a:t>
-            </a:r>
-            <a:r>
-              <a:rPr lang="en-US" altLang="ja-JP" sz="2000" dirty="0" smtClean="0"/>
-              <a:t>precision</a:t>
-            </a:r>
-            <a:r>
-              <a:rPr lang="ja-JP" altLang="en-US" sz="2000" dirty="0" smtClean="0"/>
-              <a:t>でフィルタリング</a:t>
-            </a:r>
-            <a:endParaRPr lang="en-US" altLang="ja-JP" sz="2000" dirty="0" smtClean="0"/>
-          </a:p>
-          <a:p>
-            <a:pPr lvl="2"/>
-            <a:r>
-              <a:rPr lang="en-US" altLang="ja-JP" sz="2000" dirty="0" smtClean="0"/>
-              <a:t>D</a:t>
-            </a:r>
-            <a:r>
-              <a:rPr lang="ja-JP" altLang="en-US" sz="2000" dirty="0" smtClean="0"/>
-              <a:t>列をコピーして、</a:t>
-            </a:r>
-            <a:r>
-              <a:rPr lang="en-US" altLang="ja-JP" sz="2000" dirty="0" smtClean="0"/>
-              <a:t>C</a:t>
-            </a:r>
-            <a:r>
-              <a:rPr lang="ja-JP" altLang="en-US" sz="2000" dirty="0" smtClean="0"/>
-              <a:t>列の最終行以下（</a:t>
-            </a:r>
-            <a:r>
-              <a:rPr lang="en-US" altLang="ja-JP" sz="2000" dirty="0" smtClean="0"/>
-              <a:t>B</a:t>
-            </a:r>
-            <a:r>
-              <a:rPr lang="ja-JP" altLang="en-US" sz="2000" dirty="0" smtClean="0"/>
-              <a:t>列貼り付けの右）に貼り付け</a:t>
-            </a:r>
-            <a:endParaRPr lang="en-US" altLang="ja-JP" sz="2000" dirty="0" smtClean="0"/>
-          </a:p>
-          <a:p>
-            <a:pPr lvl="2"/>
-            <a:r>
-              <a:rPr lang="en-US" altLang="ja-JP" sz="2000" dirty="0" smtClean="0"/>
-              <a:t>F</a:t>
-            </a:r>
-            <a:r>
-              <a:rPr lang="ja-JP" altLang="en-US" sz="2000" dirty="0" smtClean="0"/>
-              <a:t>列（</a:t>
-            </a:r>
-            <a:r>
-              <a:rPr lang="en-US" altLang="ja-JP" sz="2000" dirty="0" smtClean="0"/>
-              <a:t>recall</a:t>
-            </a:r>
-            <a:r>
-              <a:rPr lang="ja-JP" altLang="en-US" sz="2000" dirty="0" smtClean="0"/>
-              <a:t>）をコピーして、</a:t>
-            </a:r>
-            <a:r>
-              <a:rPr lang="en-US" altLang="ja-JP" sz="2000" dirty="0"/>
-              <a:t> </a:t>
-            </a:r>
-            <a:r>
-              <a:rPr lang="en-US" altLang="ja-JP" sz="2000" dirty="0" smtClean="0"/>
-              <a:t>D</a:t>
-            </a:r>
-            <a:r>
-              <a:rPr lang="ja-JP" altLang="en-US" sz="2000" dirty="0" smtClean="0"/>
-              <a:t>列</a:t>
-            </a:r>
-            <a:r>
-              <a:rPr lang="ja-JP" altLang="en-US" sz="2000" dirty="0"/>
-              <a:t>の最終行以下</a:t>
-            </a:r>
-            <a:r>
-              <a:rPr lang="ja-JP" altLang="en-US" sz="2000" dirty="0" smtClean="0"/>
-              <a:t>（</a:t>
-            </a:r>
-            <a:r>
-              <a:rPr lang="en-US" altLang="ja-JP" sz="2000" dirty="0" smtClean="0"/>
-              <a:t>C</a:t>
-            </a:r>
-            <a:r>
-              <a:rPr lang="ja-JP" altLang="en-US" sz="2000" dirty="0" smtClean="0"/>
-              <a:t>列</a:t>
-            </a:r>
-            <a:r>
-              <a:rPr lang="ja-JP" altLang="en-US" sz="2000" dirty="0"/>
-              <a:t>貼り付けの右）に</a:t>
-            </a:r>
-            <a:r>
-              <a:rPr lang="ja-JP" altLang="en-US" sz="2000" dirty="0" smtClean="0"/>
-              <a:t>貼り付け</a:t>
-            </a:r>
-            <a:endParaRPr lang="en-US" altLang="ja-JP" sz="2000" dirty="0" smtClean="0"/>
-          </a:p>
-          <a:p>
-            <a:pPr lvl="2"/>
-            <a:r>
-              <a:rPr lang="en-US" altLang="ja-JP" sz="2000" dirty="0" smtClean="0"/>
-              <a:t>H</a:t>
-            </a:r>
-            <a:r>
-              <a:rPr lang="ja-JP" altLang="en-US" sz="2000" dirty="0" smtClean="0"/>
-              <a:t>列（</a:t>
-            </a:r>
-            <a:r>
-              <a:rPr lang="en-US" altLang="ja-JP" sz="2000" dirty="0" smtClean="0"/>
-              <a:t>F1-score</a:t>
-            </a:r>
-            <a:r>
-              <a:rPr lang="ja-JP" altLang="en-US" sz="2000" dirty="0" smtClean="0"/>
-              <a:t>）</a:t>
-            </a:r>
-            <a:r>
-              <a:rPr lang="ja-JP" altLang="en-US" sz="2000" dirty="0"/>
-              <a:t>をコピーして、</a:t>
-            </a:r>
-            <a:r>
-              <a:rPr lang="en-US" altLang="ja-JP" sz="2000" dirty="0"/>
-              <a:t> </a:t>
-            </a:r>
-            <a:r>
-              <a:rPr lang="en-US" altLang="ja-JP" sz="2000" dirty="0" smtClean="0"/>
-              <a:t>E</a:t>
-            </a:r>
-            <a:r>
-              <a:rPr lang="ja-JP" altLang="en-US" sz="2000" dirty="0" smtClean="0"/>
-              <a:t>列</a:t>
-            </a:r>
-            <a:r>
-              <a:rPr lang="ja-JP" altLang="en-US" sz="2000" dirty="0"/>
-              <a:t>の最終行以下</a:t>
-            </a:r>
-            <a:r>
-              <a:rPr lang="ja-JP" altLang="en-US" sz="2000" dirty="0" smtClean="0"/>
-              <a:t>（</a:t>
-            </a:r>
-            <a:r>
-              <a:rPr lang="en-US" altLang="ja-JP" sz="2000" dirty="0" smtClean="0"/>
-              <a:t>D</a:t>
-            </a:r>
-            <a:r>
-              <a:rPr lang="ja-JP" altLang="en-US" sz="2000" dirty="0" smtClean="0"/>
-              <a:t>列</a:t>
-            </a:r>
-            <a:r>
-              <a:rPr lang="ja-JP" altLang="en-US" sz="2000" dirty="0"/>
-              <a:t>貼り付けの右）に貼り付け</a:t>
-            </a:r>
-            <a:endParaRPr lang="en-US" altLang="ja-JP" sz="2000" dirty="0"/>
-          </a:p>
-          <a:p>
-            <a:pPr lvl="2"/>
+              <a:t>□</a:t>
+            </a:r>
+            <a:r>
+              <a:rPr lang="ja-JP" altLang="en-US" sz="2000" dirty="0" smtClean="0"/>
+              <a:t>その他に、</a:t>
+            </a:r>
+            <a:r>
+              <a:rPr lang="en-US" altLang="ja-JP" sz="2000" dirty="0" smtClean="0"/>
+              <a:t>=</a:t>
+            </a:r>
+            <a:r>
+              <a:rPr lang="ja-JP" altLang="en-US" sz="2000" dirty="0" smtClean="0"/>
+              <a:t> 入力</a:t>
+            </a:r>
             <a:endParaRPr lang="en-US" altLang="ja-JP" sz="2000" dirty="0" smtClean="0"/>
           </a:p>
         </p:txBody>
@@ -6207,7 +6145,7 @@
     </p:spTree>
     <p:extLst>
       <p:ext uri="{BB962C8B-B14F-4D97-AF65-F5344CB8AC3E}">
-        <p14:creationId xmlns:p14="http://schemas.microsoft.com/office/powerpoint/2010/main" val="2936415408"/>
+        <p14:creationId xmlns:p14="http://schemas.microsoft.com/office/powerpoint/2010/main" val="3503269748"/>
       </p:ext>
     </p:extLst>
   </p:cSld>
@@ -6264,45 +6202,33 @@
           <a:lstStyle/>
           <a:p>
             <a:r>
-              <a:rPr lang="en-US" altLang="ja-JP" sz="2800" dirty="0" err="1"/>
-              <a:t>d</a:t>
-            </a:r>
-            <a:r>
-              <a:rPr lang="en-US" altLang="ja-JP" sz="2800" dirty="0" err="1" smtClean="0"/>
-              <a:t>arkflow</a:t>
-            </a:r>
-            <a:r>
-              <a:rPr lang="ja-JP" altLang="en-US" sz="2800" dirty="0" smtClean="0"/>
-              <a:t> モデル</a:t>
+              <a:rPr kumimoji="1" lang="en-US" altLang="ja-JP" sz="2800" dirty="0" smtClean="0"/>
+              <a:t>mAP</a:t>
             </a:r>
             <a:r>
               <a:rPr lang="ja-JP" altLang="en-US" sz="2800" dirty="0"/>
-              <a:t>変換　</a:t>
+              <a:t>グラフ作成　</a:t>
             </a:r>
             <a:r>
               <a:rPr lang="en-US" altLang="ja-JP" sz="2800" dirty="0" smtClean="0"/>
-              <a:t>(1/2</a:t>
+              <a:t>(2/2</a:t>
             </a:r>
             <a:r>
               <a:rPr lang="en-US" altLang="ja-JP" sz="2800" dirty="0"/>
               <a:t>)</a:t>
             </a:r>
+            <a:r>
+              <a:rPr kumimoji="1" lang="en-US" altLang="ja-JP" sz="2800" dirty="0" smtClean="0"/>
+              <a:t/>
+            </a:r>
             <a:br>
-              <a:rPr lang="en-US" altLang="ja-JP" sz="2800" dirty="0"/>
+              <a:rPr kumimoji="1" lang="en-US" altLang="ja-JP" sz="2800" dirty="0" smtClean="0"/>
             </a:br>
             <a:r>
-              <a:rPr lang="en-US" altLang="ja-JP" sz="2800" dirty="0" smtClean="0">
-                <a:solidFill>
-                  <a:srgbClr val="C00000"/>
-                </a:solidFill>
-              </a:rPr>
-              <a:t>darkflow-flow.sh</a:t>
-            </a:r>
-            <a:endParaRPr lang="ja-JP" altLang="en-US" sz="2800" dirty="0">
-              <a:solidFill>
-                <a:srgbClr val="C00000"/>
-              </a:solidFill>
-            </a:endParaRPr>
+              <a:rPr kumimoji="1" lang="ja-JP" altLang="en-US" sz="2800" dirty="0" smtClean="0"/>
+              <a:t>手作業</a:t>
+            </a:r>
+            <a:endParaRPr kumimoji="1" lang="ja-JP" altLang="en-US" sz="2800" dirty="0"/>
           </a:p>
         </p:txBody>
       </p:sp>
@@ -6318,8 +6244,8 @@
         </p:nvSpPr>
         <p:spPr>
           <a:xfrm>
-            <a:off x="457200" y="1412776"/>
-            <a:ext cx="8229600" cy="4968552"/>
+            <a:off x="323528" y="1268760"/>
+            <a:ext cx="8435280" cy="5112568"/>
           </a:xfrm>
         </p:spPr>
         <p:txBody>
@@ -6328,164 +6254,276 @@
           </a:bodyPr>
           <a:lstStyle/>
           <a:p>
-            <a:r>
-              <a:rPr lang="en-US" altLang="ja-JP" sz="2400" dirty="0" smtClean="0"/>
-              <a:t>Purpose:</a:t>
-            </a:r>
-          </a:p>
-          <a:p>
             <a:pPr lvl="1"/>
             <a:r>
-              <a:rPr lang="en-US" altLang="ja-JP" sz="2000" dirty="0" smtClean="0"/>
-              <a:t>.weights</a:t>
-            </a:r>
-            <a:r>
-              <a:rPr lang="ja-JP" altLang="en-US" sz="2000" dirty="0" smtClean="0"/>
-              <a:t>ファイルを</a:t>
-            </a:r>
-            <a:r>
-              <a:rPr lang="en-US" altLang="ja-JP" sz="2000" dirty="0" smtClean="0"/>
-              <a:t>.</a:t>
+              <a:rPr lang="ja-JP" altLang="en-US" sz="2400" dirty="0" smtClean="0"/>
+              <a:t>ファイルを開く</a:t>
+            </a:r>
+            <a:endParaRPr lang="en-US" altLang="ja-JP" sz="2400" dirty="0" smtClean="0"/>
+          </a:p>
+          <a:p>
+            <a:pPr lvl="2"/>
+            <a:r>
+              <a:rPr lang="ja-JP" altLang="en-US" sz="2000" dirty="0" smtClean="0"/>
+              <a:t>例</a:t>
+            </a:r>
+            <a:endParaRPr lang="en-US" altLang="ja-JP" sz="2000" dirty="0" smtClean="0"/>
+          </a:p>
+          <a:p>
+            <a:pPr lvl="2"/>
+            <a:r>
+              <a:rPr lang="en-US" altLang="ja-JP" sz="2000" dirty="0" smtClean="0"/>
+              <a:t>A</a:t>
+            </a:r>
+            <a:r>
+              <a:rPr lang="ja-JP" altLang="en-US" sz="2000" dirty="0" smtClean="0"/>
+              <a:t>列を</a:t>
+            </a:r>
+            <a:r>
+              <a:rPr lang="en-US" altLang="ja-JP" sz="2000" dirty="0" smtClean="0"/>
+              <a:t>all2_*</a:t>
+            </a:r>
+            <a:r>
+              <a:rPr lang="ja-JP" altLang="en-US" sz="2000" dirty="0" smtClean="0"/>
+              <a:t>でフィルタリング</a:t>
+            </a:r>
+            <a:endParaRPr lang="en-US" altLang="ja-JP" sz="2000" dirty="0" smtClean="0"/>
+          </a:p>
+          <a:p>
+            <a:pPr lvl="2"/>
+            <a:r>
+              <a:rPr lang="en-US" altLang="ja-JP" sz="2000" dirty="0"/>
+              <a:t>A</a:t>
+            </a:r>
+            <a:r>
+              <a:rPr lang="ja-JP" altLang="en-US" sz="2000" dirty="0" smtClean="0"/>
+              <a:t>列をコピーして、</a:t>
+            </a:r>
+            <a:r>
+              <a:rPr lang="en-US" altLang="ja-JP" sz="2000" dirty="0" smtClean="0"/>
+              <a:t>A</a:t>
+            </a:r>
+            <a:r>
+              <a:rPr lang="ja-JP" altLang="en-US" sz="2000" dirty="0" smtClean="0"/>
+              <a:t>列の最終行以下に貼り付け</a:t>
+            </a:r>
+            <a:endParaRPr lang="en-US" altLang="ja-JP" sz="2000" dirty="0" smtClean="0"/>
+          </a:p>
+          <a:p>
+            <a:pPr lvl="2"/>
+            <a:r>
+              <a:rPr lang="en-US" altLang="ja-JP" sz="2000" dirty="0" smtClean="0"/>
+              <a:t>A</a:t>
+            </a:r>
+            <a:r>
+              <a:rPr lang="ja-JP" altLang="en-US" sz="2000" dirty="0"/>
+              <a:t>列</a:t>
+            </a:r>
+            <a:r>
+              <a:rPr lang="ja-JP" altLang="en-US" sz="2000" dirty="0" smtClean="0"/>
+              <a:t>を</a:t>
             </a:r>
             <a:r>
               <a:rPr lang="en-US" altLang="ja-JP" sz="2000" dirty="0" err="1" smtClean="0"/>
-              <a:t>pb</a:t>
-            </a:r>
-            <a:r>
-              <a:rPr lang="ja-JP" altLang="en-US" sz="2000" dirty="0" smtClean="0"/>
-              <a:t>ファイルに変換する</a:t>
+              <a:t>mean_average</a:t>
+            </a:r>
+            <a:r>
+              <a:rPr lang="ja-JP" altLang="en-US" sz="2000" dirty="0" smtClean="0"/>
+              <a:t>でフィルタリング</a:t>
             </a:r>
             <a:endParaRPr lang="en-US" altLang="ja-JP" sz="2000" dirty="0" smtClean="0"/>
           </a:p>
           <a:p>
-            <a:pPr marL="457200" lvl="1" indent="0">
-              <a:buNone/>
-            </a:pPr>
+            <a:pPr lvl="2"/>
+            <a:r>
+              <a:rPr lang="en-US" altLang="ja-JP" sz="2000" dirty="0" smtClean="0"/>
+              <a:t>B</a:t>
+            </a:r>
+            <a:r>
+              <a:rPr lang="ja-JP" altLang="en-US" sz="2000" dirty="0" smtClean="0"/>
+              <a:t>列をコピーして、</a:t>
+            </a:r>
+            <a:r>
+              <a:rPr lang="en-US" altLang="ja-JP" sz="2000" dirty="0" smtClean="0"/>
+              <a:t>B</a:t>
+            </a:r>
+            <a:r>
+              <a:rPr lang="ja-JP" altLang="en-US" sz="2000" dirty="0" smtClean="0"/>
+              <a:t>列の最終行以下（</a:t>
+            </a:r>
+            <a:r>
+              <a:rPr lang="en-US" altLang="ja-JP" sz="2000" dirty="0" smtClean="0"/>
+              <a:t>A</a:t>
+            </a:r>
+            <a:r>
+              <a:rPr lang="ja-JP" altLang="en-US" sz="2000" dirty="0" smtClean="0"/>
+              <a:t>列貼り付けの右）に貼り付け</a:t>
+            </a:r>
             <a:endParaRPr lang="en-US" altLang="ja-JP" sz="2000" dirty="0" smtClean="0"/>
           </a:p>
           <a:p>
-            <a:r>
-              <a:rPr lang="en-US" altLang="ja-JP" sz="2400" dirty="0" smtClean="0"/>
-              <a:t>Usage</a:t>
-            </a:r>
-            <a:r>
-              <a:rPr lang="en-US" altLang="ja-JP" sz="2400" dirty="0"/>
-              <a:t>: </a:t>
-            </a:r>
-          </a:p>
-          <a:p>
-            <a:pPr lvl="1"/>
+            <a:pPr lvl="2"/>
+            <a:r>
+              <a:rPr lang="en-US" altLang="ja-JP" sz="2000" dirty="0" smtClean="0"/>
+              <a:t>C</a:t>
+            </a:r>
+            <a:r>
+              <a:rPr lang="ja-JP" altLang="en-US" sz="2000" dirty="0" smtClean="0"/>
+              <a:t>列を</a:t>
+            </a:r>
+            <a:r>
+              <a:rPr lang="en-US" altLang="ja-JP" sz="2000" dirty="0" smtClean="0"/>
+              <a:t>precision</a:t>
+            </a:r>
+            <a:r>
+              <a:rPr lang="ja-JP" altLang="en-US" sz="2000" dirty="0" smtClean="0"/>
+              <a:t>でフィルタリング</a:t>
+            </a:r>
+            <a:endParaRPr lang="en-US" altLang="ja-JP" sz="2000" dirty="0" smtClean="0"/>
+          </a:p>
+          <a:p>
+            <a:pPr lvl="2"/>
+            <a:r>
+              <a:rPr lang="en-US" altLang="ja-JP" sz="2000" dirty="0" smtClean="0"/>
+              <a:t>D</a:t>
+            </a:r>
+            <a:r>
+              <a:rPr lang="ja-JP" altLang="en-US" sz="2000" dirty="0" smtClean="0"/>
+              <a:t>列をコピーして、</a:t>
+            </a:r>
+            <a:r>
+              <a:rPr lang="en-US" altLang="ja-JP" sz="2000" dirty="0" smtClean="0"/>
+              <a:t>C</a:t>
+            </a:r>
+            <a:r>
+              <a:rPr lang="ja-JP" altLang="en-US" sz="2000" dirty="0" smtClean="0"/>
+              <a:t>列の最終行以下（</a:t>
+            </a:r>
+            <a:r>
+              <a:rPr lang="en-US" altLang="ja-JP" sz="2000" dirty="0" smtClean="0"/>
+              <a:t>B</a:t>
+            </a:r>
+            <a:r>
+              <a:rPr lang="ja-JP" altLang="en-US" sz="2000" dirty="0" smtClean="0"/>
+              <a:t>列貼り付けの右）に貼り付け</a:t>
+            </a:r>
+            <a:endParaRPr lang="en-US" altLang="ja-JP" sz="2000" dirty="0" smtClean="0"/>
+          </a:p>
+          <a:p>
+            <a:pPr lvl="2"/>
+            <a:r>
+              <a:rPr lang="en-US" altLang="ja-JP" sz="2000" dirty="0" smtClean="0"/>
+              <a:t>F</a:t>
+            </a:r>
+            <a:r>
+              <a:rPr lang="ja-JP" altLang="en-US" sz="2000" dirty="0" smtClean="0"/>
+              <a:t>列（</a:t>
+            </a:r>
+            <a:r>
+              <a:rPr lang="en-US" altLang="ja-JP" sz="2000" dirty="0" smtClean="0"/>
+              <a:t>recall</a:t>
+            </a:r>
+            <a:r>
+              <a:rPr lang="ja-JP" altLang="en-US" sz="2000" dirty="0" smtClean="0"/>
+              <a:t>）をコピーして、</a:t>
+            </a:r>
             <a:r>
               <a:rPr lang="en-US" altLang="ja-JP" sz="2000" dirty="0"/>
-              <a:t>$ ./</a:t>
-            </a:r>
-            <a:r>
-              <a:rPr lang="en-US" altLang="ja-JP" sz="2000" dirty="0" smtClean="0"/>
-              <a:t>darkflow-flow.sh  </a:t>
-            </a:r>
-            <a:r>
-              <a:rPr lang="en-US" altLang="ja-JP" sz="1600" dirty="0" smtClean="0"/>
-              <a:t>&lt;</a:t>
-            </a:r>
-            <a:r>
-              <a:rPr lang="ja-JP" altLang="en-US" sz="1600" dirty="0" smtClean="0"/>
-              <a:t>モデル名</a:t>
-            </a:r>
-            <a:r>
-              <a:rPr lang="en-US" altLang="ja-JP" sz="1600" dirty="0" smtClean="0"/>
-              <a:t>&gt;</a:t>
+              <a:t> </a:t>
+            </a:r>
+            <a:r>
+              <a:rPr lang="en-US" altLang="ja-JP" sz="2000" dirty="0" smtClean="0"/>
+              <a:t>D</a:t>
+            </a:r>
+            <a:r>
+              <a:rPr lang="ja-JP" altLang="en-US" sz="2000" dirty="0" smtClean="0"/>
+              <a:t>列</a:t>
+            </a:r>
+            <a:r>
+              <a:rPr lang="ja-JP" altLang="en-US" sz="2000" dirty="0"/>
+              <a:t>の最終行以下</a:t>
+            </a:r>
+            <a:r>
+              <a:rPr lang="ja-JP" altLang="en-US" sz="2000" dirty="0" smtClean="0"/>
+              <a:t>（</a:t>
+            </a:r>
+            <a:r>
+              <a:rPr lang="en-US" altLang="ja-JP" sz="2000" dirty="0" smtClean="0"/>
+              <a:t>C</a:t>
+            </a:r>
+            <a:r>
+              <a:rPr lang="ja-JP" altLang="en-US" sz="2000" dirty="0" smtClean="0"/>
+              <a:t>列</a:t>
+            </a:r>
+            <a:r>
+              <a:rPr lang="ja-JP" altLang="en-US" sz="2000" dirty="0"/>
+              <a:t>貼り付けの右）に</a:t>
+            </a:r>
+            <a:r>
+              <a:rPr lang="ja-JP" altLang="en-US" sz="2000" dirty="0" smtClean="0"/>
+              <a:t>貼り付け</a:t>
+            </a:r>
+            <a:endParaRPr lang="en-US" altLang="ja-JP" sz="2000" dirty="0" smtClean="0"/>
+          </a:p>
+          <a:p>
+            <a:pPr lvl="2"/>
+            <a:r>
+              <a:rPr lang="en-US" altLang="ja-JP" sz="2000" dirty="0" smtClean="0"/>
+              <a:t>H</a:t>
+            </a:r>
+            <a:r>
+              <a:rPr lang="ja-JP" altLang="en-US" sz="2000" dirty="0" smtClean="0"/>
+              <a:t>列（</a:t>
+            </a:r>
+            <a:r>
+              <a:rPr lang="en-US" altLang="ja-JP" sz="2000" dirty="0" smtClean="0"/>
+              <a:t>F1-score</a:t>
+            </a:r>
+            <a:r>
+              <a:rPr lang="ja-JP" altLang="en-US" sz="2000" dirty="0" smtClean="0"/>
+              <a:t>）</a:t>
+            </a:r>
+            <a:r>
+              <a:rPr lang="ja-JP" altLang="en-US" sz="2000" dirty="0"/>
+              <a:t>をコピーして、</a:t>
+            </a:r>
+            <a:r>
+              <a:rPr lang="en-US" altLang="ja-JP" sz="2000" dirty="0"/>
+              <a:t> </a:t>
+            </a:r>
+            <a:r>
+              <a:rPr lang="en-US" altLang="ja-JP" sz="2000" dirty="0" smtClean="0"/>
+              <a:t>E</a:t>
+            </a:r>
+            <a:r>
+              <a:rPr lang="ja-JP" altLang="en-US" sz="2000" dirty="0" smtClean="0"/>
+              <a:t>列</a:t>
+            </a:r>
+            <a:r>
+              <a:rPr lang="ja-JP" altLang="en-US" sz="2000" dirty="0"/>
+              <a:t>の最終行以下</a:t>
+            </a:r>
+            <a:r>
+              <a:rPr lang="ja-JP" altLang="en-US" sz="2000" dirty="0" smtClean="0"/>
+              <a:t>（</a:t>
+            </a:r>
+            <a:r>
+              <a:rPr lang="en-US" altLang="ja-JP" sz="2000" dirty="0" smtClean="0"/>
+              <a:t>D</a:t>
+            </a:r>
+            <a:r>
+              <a:rPr lang="ja-JP" altLang="en-US" sz="2000" dirty="0" smtClean="0"/>
+              <a:t>列</a:t>
+            </a:r>
+            <a:r>
+              <a:rPr lang="ja-JP" altLang="en-US" sz="2000" dirty="0"/>
+              <a:t>貼り付けの右）に貼り付け</a:t>
             </a:r>
             <a:endParaRPr lang="en-US" altLang="ja-JP" sz="2000" dirty="0"/>
           </a:p>
           <a:p>
-            <a:pPr lvl="1"/>
-            <a:r>
-              <a:rPr lang="ja-JP" altLang="en-US" sz="2000" dirty="0"/>
-              <a:t>例</a:t>
-            </a:r>
-            <a:endParaRPr lang="en-US" altLang="ja-JP" sz="2000" dirty="0"/>
-          </a:p>
-          <a:p>
-            <a:pPr lvl="1"/>
-            <a:r>
-              <a:rPr lang="en-US" altLang="ja-JP" sz="2000" dirty="0" smtClean="0"/>
-              <a:t>$ cd ../</a:t>
-            </a:r>
-            <a:r>
-              <a:rPr lang="en-US" altLang="ja-JP" sz="2000" dirty="0" err="1" smtClean="0"/>
-              <a:t>darkflow</a:t>
-            </a:r>
+            <a:pPr lvl="2"/>
             <a:endParaRPr lang="en-US" altLang="ja-JP" sz="2000" dirty="0" smtClean="0"/>
-          </a:p>
-          <a:p>
-            <a:pPr lvl="1"/>
-            <a:r>
-              <a:rPr lang="en-US" altLang="ja-JP" sz="2000" dirty="0" smtClean="0"/>
-              <a:t>$ </a:t>
-            </a:r>
-            <a:r>
-              <a:rPr lang="en-US" altLang="ja-JP" sz="2000" dirty="0"/>
-              <a:t>./</a:t>
-            </a:r>
-            <a:r>
-              <a:rPr lang="en-US" altLang="ja-JP" sz="2000" dirty="0" smtClean="0"/>
-              <a:t>darkflow-flow.sh all2</a:t>
-            </a:r>
-          </a:p>
-          <a:p>
-            <a:pPr lvl="1"/>
-            <a:endParaRPr lang="en-US" altLang="ja-JP" sz="2000" dirty="0" smtClean="0"/>
-          </a:p>
-          <a:p>
-            <a:r>
-              <a:rPr lang="en-US" altLang="ja-JP" sz="2400" dirty="0" smtClean="0"/>
-              <a:t>Post process:</a:t>
-            </a:r>
-            <a:endParaRPr lang="en-US" altLang="ja-JP" sz="2400" dirty="0"/>
-          </a:p>
-          <a:p>
-            <a:pPr lvl="1"/>
-            <a:r>
-              <a:rPr lang="en-US" altLang="ja-JP" sz="2000" smtClean="0"/>
-              <a:t>WinSCP</a:t>
-            </a:r>
-            <a:r>
-              <a:rPr lang="ja-JP" altLang="en-US" sz="2000" dirty="0"/>
-              <a:t>を使って、</a:t>
-            </a:r>
-            <a:r>
-              <a:rPr lang="en-US" altLang="ja-JP" sz="2000" dirty="0"/>
-              <a:t>tiny-</a:t>
-            </a:r>
-            <a:r>
-              <a:rPr lang="en-US" altLang="ja-JP" sz="2000" dirty="0" err="1"/>
-              <a:t>yolo</a:t>
-            </a:r>
-            <a:r>
-              <a:rPr lang="en-US" altLang="ja-JP" sz="2000" dirty="0"/>
-              <a:t>-</a:t>
-            </a:r>
-            <a:r>
-              <a:rPr lang="en-US" altLang="ja-JP" sz="2000" dirty="0" err="1"/>
-              <a:t>voc-graph.pb</a:t>
-            </a:r>
-            <a:r>
-              <a:rPr lang="ja-JP" altLang="en-US" sz="2000" dirty="0"/>
-              <a:t>モデルを、</a:t>
-            </a:r>
-            <a:r>
-              <a:rPr lang="en-US" altLang="ja-JP" sz="2000" dirty="0"/>
-              <a:t>G:\Android\Project\garbage\assets\tiny-yolo-voc-graph.pb </a:t>
-            </a:r>
-            <a:r>
-              <a:rPr lang="ja-JP" altLang="en-US" sz="2000" dirty="0"/>
-              <a:t>にダウンロード</a:t>
-            </a:r>
-            <a:r>
-              <a:rPr lang="ja-JP" altLang="en-US" sz="2000" dirty="0" smtClean="0"/>
-              <a:t>する</a:t>
-            </a:r>
-            <a:endParaRPr lang="en-US" altLang="ja-JP" sz="2000" dirty="0"/>
           </a:p>
         </p:txBody>
       </p:sp>
@@ -6508,7 +6546,7 @@
               <a:rPr kumimoji="1" lang="ja-JP" altLang="en-US" smtClean="0"/>
               <a:t>17</a:t>
             </a:fld>
-            <a:endParaRPr kumimoji="1" lang="ja-JP" altLang="en-US" dirty="0"/>
+            <a:endParaRPr kumimoji="1" lang="ja-JP" altLang="en-US"/>
           </a:p>
         </p:txBody>
       </p:sp>
@@ -6550,7 +6588,7 @@
             <a:pPr algn="ctr"/>
             <a:r>
               <a:rPr kumimoji="1" lang="ja-JP" altLang="en-US" dirty="0" smtClean="0"/>
-              <a:t>モデル変換</a:t>
+              <a:t>モデル検証</a:t>
             </a:r>
             <a:endParaRPr kumimoji="1" lang="ja-JP" altLang="en-US" dirty="0"/>
           </a:p>
@@ -6559,7 +6597,7 @@
     </p:spTree>
     <p:extLst>
       <p:ext uri="{BB962C8B-B14F-4D97-AF65-F5344CB8AC3E}">
-        <p14:creationId xmlns:p14="http://schemas.microsoft.com/office/powerpoint/2010/main" val="673274052"/>
+        <p14:creationId xmlns:p14="http://schemas.microsoft.com/office/powerpoint/2010/main" val="2936415408"/>
       </p:ext>
     </p:extLst>
   </p:cSld>
@@ -6632,8 +6670,12 @@
               <a:t>変換　</a:t>
             </a:r>
             <a:r>
+              <a:rPr lang="en-US" altLang="ja-JP" sz="2800" dirty="0" smtClean="0"/>
+              <a:t>(1/2</a:t>
+            </a:r>
+            <a:r>
               <a:rPr lang="en-US" altLang="ja-JP" sz="2800" dirty="0"/>
-              <a:t>(2/2)</a:t>
+              <a:t>)</a:t>
             </a:r>
             <a:br>
               <a:rPr lang="en-US" altLang="ja-JP" sz="2800" dirty="0"/>
@@ -6666,8 +6708,8 @@
         </p:nvSpPr>
         <p:spPr>
           <a:xfrm>
-            <a:off x="457200" y="1340768"/>
-            <a:ext cx="8229600" cy="4713387"/>
+            <a:off x="457200" y="1412776"/>
+            <a:ext cx="8229600" cy="4968552"/>
           </a:xfrm>
         </p:spPr>
         <p:txBody>
@@ -6677,332 +6719,163 @@
           <a:lstStyle/>
           <a:p>
             <a:r>
+              <a:rPr lang="en-US" altLang="ja-JP" sz="2400" dirty="0" smtClean="0"/>
+              <a:t>Purpose:</a:t>
+            </a:r>
+          </a:p>
+          <a:p>
+            <a:pPr lvl="1"/>
+            <a:r>
+              <a:rPr lang="en-US" altLang="ja-JP" sz="2000" dirty="0" smtClean="0"/>
+              <a:t>.weights</a:t>
+            </a:r>
+            <a:r>
+              <a:rPr lang="ja-JP" altLang="en-US" sz="2000" dirty="0" smtClean="0"/>
+              <a:t>ファイルを</a:t>
+            </a:r>
+            <a:r>
+              <a:rPr lang="en-US" altLang="ja-JP" sz="2000" dirty="0" smtClean="0"/>
+              <a:t>.</a:t>
+            </a:r>
+            <a:r>
+              <a:rPr lang="en-US" altLang="ja-JP" sz="2000" dirty="0" err="1" smtClean="0"/>
+              <a:t>pb</a:t>
+            </a:r>
+            <a:r>
+              <a:rPr lang="ja-JP" altLang="en-US" sz="2000" dirty="0" smtClean="0"/>
+              <a:t>ファイルに変換する</a:t>
+            </a:r>
+            <a:endParaRPr lang="en-US" altLang="ja-JP" sz="2000" dirty="0" smtClean="0"/>
+          </a:p>
+          <a:p>
+            <a:pPr marL="457200" lvl="1" indent="0">
+              <a:buNone/>
+            </a:pPr>
+            <a:endParaRPr lang="en-US" altLang="ja-JP" sz="2000" dirty="0" smtClean="0"/>
+          </a:p>
+          <a:p>
+            <a:r>
+              <a:rPr lang="en-US" altLang="ja-JP" sz="2400" dirty="0" smtClean="0"/>
+              <a:t>Usage</a:t>
+            </a:r>
+            <a:r>
               <a:rPr lang="en-US" altLang="ja-JP" sz="2400" dirty="0"/>
-              <a:t>Function:</a:t>
+              <a:t>: </a:t>
             </a:r>
           </a:p>
           <a:p>
             <a:pPr lvl="1"/>
             <a:r>
-              <a:rPr lang="en-US" altLang="ja-JP" sz="1800" dirty="0" smtClean="0"/>
-              <a:t>(1/9) </a:t>
-            </a:r>
-            <a:r>
-              <a:rPr lang="ja-JP" altLang="en-US" sz="1800" dirty="0" smtClean="0"/>
-              <a:t>カレントディレクトリを </a:t>
-            </a:r>
-            <a:r>
-              <a:rPr lang="en-US" altLang="ja-JP" sz="1800" dirty="0" err="1" smtClean="0"/>
+              <a:rPr lang="en-US" altLang="ja-JP" sz="2000" dirty="0"/>
+              <a:t>$ ./</a:t>
+            </a:r>
+            <a:r>
+              <a:rPr lang="en-US" altLang="ja-JP" sz="2000" dirty="0" smtClean="0"/>
+              <a:t>darkflow-flow.sh  </a:t>
+            </a:r>
+            <a:r>
+              <a:rPr lang="en-US" altLang="ja-JP" sz="1600" dirty="0" smtClean="0"/>
+              <a:t>&lt;</a:t>
+            </a:r>
+            <a:r>
+              <a:rPr lang="ja-JP" altLang="en-US" sz="1600" dirty="0" smtClean="0"/>
+              <a:t>モデル名</a:t>
+            </a:r>
+            <a:r>
+              <a:rPr lang="en-US" altLang="ja-JP" sz="1600" dirty="0" smtClean="0"/>
+              <a:t>&gt;</a:t>
+            </a:r>
+            <a:endParaRPr lang="en-US" altLang="ja-JP" sz="2000" dirty="0"/>
+          </a:p>
+          <a:p>
+            <a:pPr lvl="1"/>
+            <a:r>
+              <a:rPr lang="ja-JP" altLang="en-US" sz="2000" dirty="0"/>
+              <a:t>例</a:t>
+            </a:r>
+            <a:endParaRPr lang="en-US" altLang="ja-JP" sz="2000" dirty="0"/>
+          </a:p>
+          <a:p>
+            <a:pPr lvl="1"/>
+            <a:r>
+              <a:rPr lang="en-US" altLang="ja-JP" sz="2000" dirty="0" smtClean="0"/>
+              <a:t>$ cd ../</a:t>
+            </a:r>
+            <a:r>
+              <a:rPr lang="en-US" altLang="ja-JP" sz="2000" dirty="0" err="1" smtClean="0"/>
               <a:t>darkflow</a:t>
             </a:r>
-            <a:r>
-              <a:rPr lang="ja-JP" altLang="en-US" sz="1800" dirty="0" smtClean="0"/>
-              <a:t> に変更</a:t>
-            </a:r>
-            <a:endParaRPr lang="en-US" altLang="ja-JP" sz="1800" dirty="0"/>
+            <a:endParaRPr lang="en-US" altLang="ja-JP" sz="2000" dirty="0" smtClean="0"/>
           </a:p>
           <a:p>
             <a:pPr lvl="1"/>
             <a:r>
-              <a:rPr lang="en-US" altLang="ja-JP" sz="1800" dirty="0" smtClean="0"/>
-              <a:t>(2/9</a:t>
-            </a:r>
-            <a:r>
-              <a:rPr lang="en-US" altLang="ja-JP" sz="1800" dirty="0"/>
-              <a:t>) </a:t>
-            </a:r>
-            <a:r>
-              <a:rPr lang="en-US" altLang="ja-JP" sz="1800" dirty="0" err="1" smtClean="0"/>
-              <a:t>darkflow</a:t>
-            </a:r>
-            <a:r>
-              <a:rPr lang="ja-JP" altLang="en-US" sz="1800" dirty="0"/>
-              <a:t>フォルダにプロジェクトフォルダを作成</a:t>
-            </a:r>
-            <a:endParaRPr lang="en-US" altLang="ja-JP" sz="1800" dirty="0"/>
+              <a:rPr lang="en-US" altLang="ja-JP" sz="2000" dirty="0" smtClean="0"/>
+              <a:t>$ </a:t>
+            </a:r>
+            <a:r>
+              <a:rPr lang="en-US" altLang="ja-JP" sz="2000" dirty="0"/>
+              <a:t>./</a:t>
+            </a:r>
+            <a:r>
+              <a:rPr lang="en-US" altLang="ja-JP" sz="2000" dirty="0" smtClean="0"/>
+              <a:t>darkflow-flow.sh all2</a:t>
+            </a:r>
           </a:p>
           <a:p>
             <a:pPr lvl="1"/>
-            <a:r>
-              <a:rPr lang="en-US" altLang="ja-JP" sz="1800" dirty="0" smtClean="0"/>
-              <a:t>(3/9</a:t>
-            </a:r>
-            <a:r>
-              <a:rPr lang="en-US" altLang="ja-JP" sz="1800" dirty="0"/>
-              <a:t>) </a:t>
-            </a:r>
-            <a:r>
-              <a:rPr lang="en-US" altLang="ja-JP" sz="1800" dirty="0" smtClean="0"/>
-              <a:t>*_</a:t>
-            </a:r>
-            <a:r>
-              <a:rPr lang="en-US" altLang="ja-JP" sz="1800" dirty="0" err="1"/>
-              <a:t>final.weights</a:t>
-            </a:r>
-            <a:r>
-              <a:rPr lang="ja-JP" altLang="en-US" sz="1800" dirty="0"/>
-              <a:t> ファイルを、</a:t>
-            </a:r>
-            <a:r>
-              <a:rPr lang="en-US" altLang="ja-JP" sz="1800" dirty="0" err="1"/>
-              <a:t>darkflow</a:t>
-            </a:r>
-            <a:r>
-              <a:rPr lang="en-US" altLang="ja-JP" sz="1800" dirty="0"/>
-              <a:t>/bin</a:t>
-            </a:r>
-            <a:r>
-              <a:rPr lang="ja-JP" altLang="en-US" sz="1800" dirty="0"/>
-              <a:t>フォルダにコピー</a:t>
-            </a:r>
-            <a:endParaRPr lang="en-US" altLang="ja-JP" sz="1800" dirty="0"/>
+            <a:endParaRPr lang="en-US" altLang="ja-JP" sz="2000" dirty="0" smtClean="0"/>
+          </a:p>
+          <a:p>
+            <a:r>
+              <a:rPr lang="en-US" altLang="ja-JP" sz="2400" dirty="0" smtClean="0"/>
+              <a:t>Post process:</a:t>
+            </a:r>
+            <a:endParaRPr lang="en-US" altLang="ja-JP" sz="2400" dirty="0"/>
           </a:p>
           <a:p>
             <a:pPr lvl="1"/>
             <a:r>
-              <a:rPr lang="en-US" altLang="ja-JP" sz="1800" dirty="0" smtClean="0"/>
-              <a:t>(4/9</a:t>
-            </a:r>
-            <a:r>
-              <a:rPr lang="en-US" altLang="ja-JP" sz="1800" dirty="0"/>
-              <a:t>)</a:t>
-            </a:r>
-            <a:r>
-              <a:rPr lang="ja-JP" altLang="en-US" sz="1800" dirty="0" smtClean="0"/>
-              <a:t>ファイル名</a:t>
-            </a:r>
-            <a:r>
-              <a:rPr lang="ja-JP" altLang="en-US" sz="1800" dirty="0"/>
-              <a:t>を、</a:t>
-            </a:r>
-            <a:r>
-              <a:rPr lang="en-US" altLang="ja-JP" sz="1800" dirty="0"/>
-              <a:t>yolov2-tiny-voc.weights</a:t>
-            </a:r>
-            <a:r>
-              <a:rPr lang="ja-JP" altLang="en-US" sz="1800" dirty="0"/>
-              <a:t> に変更</a:t>
-            </a:r>
-            <a:endParaRPr lang="en-US" altLang="ja-JP" sz="1800" dirty="0"/>
-          </a:p>
-          <a:p>
-            <a:pPr lvl="1"/>
-            <a:r>
-              <a:rPr lang="en-US" altLang="ja-JP" sz="1800" dirty="0" smtClean="0"/>
-              <a:t>(5/9</a:t>
-            </a:r>
-            <a:r>
-              <a:rPr lang="en-US" altLang="ja-JP" sz="1800" dirty="0"/>
-              <a:t>) </a:t>
-            </a:r>
-            <a:r>
-              <a:rPr lang="en-US" altLang="ja-JP" sz="1800" dirty="0" err="1" smtClean="0"/>
-              <a:t>darknet</a:t>
-            </a:r>
-            <a:r>
-              <a:rPr lang="ja-JP" altLang="en-US" sz="1800" dirty="0"/>
-              <a:t>の</a:t>
-            </a:r>
-            <a:r>
-              <a:rPr lang="en-US" altLang="ja-JP" sz="1800" dirty="0"/>
-              <a:t>.</a:t>
-            </a:r>
-            <a:r>
-              <a:rPr lang="en-US" altLang="ja-JP" sz="1800" dirty="0" err="1"/>
-              <a:t>cfg</a:t>
-            </a:r>
-            <a:r>
-              <a:rPr lang="ja-JP" altLang="en-US" sz="1800" dirty="0"/>
-              <a:t>ファイルを</a:t>
-            </a:r>
-            <a:r>
-              <a:rPr lang="en-US" altLang="ja-JP" sz="1800" dirty="0" err="1"/>
-              <a:t>darkflow</a:t>
-            </a:r>
-            <a:r>
-              <a:rPr lang="ja-JP" altLang="en-US" sz="1800" dirty="0"/>
-              <a:t>にコピー</a:t>
-            </a:r>
-            <a:endParaRPr lang="en-US" altLang="ja-JP" sz="1800" dirty="0"/>
-          </a:p>
-          <a:p>
-            <a:pPr lvl="1"/>
-            <a:r>
-              <a:rPr lang="en-US" altLang="ja-JP" sz="1800" dirty="0" smtClean="0"/>
-              <a:t>(6/9</a:t>
-            </a:r>
-            <a:r>
-              <a:rPr lang="en-US" altLang="ja-JP" sz="1800" dirty="0"/>
-              <a:t>) </a:t>
-            </a:r>
-            <a:r>
-              <a:rPr lang="en-US" altLang="ja-JP" sz="1800" dirty="0" err="1" smtClean="0"/>
-              <a:t>darknet</a:t>
-            </a:r>
-            <a:r>
-              <a:rPr lang="ja-JP" altLang="en-US" sz="1800" dirty="0"/>
-              <a:t>の</a:t>
-            </a:r>
-            <a:r>
-              <a:rPr lang="en-US" altLang="ja-JP" sz="1800" dirty="0"/>
-              <a:t>.names</a:t>
-            </a:r>
-            <a:r>
-              <a:rPr lang="ja-JP" altLang="en-US" sz="1800" dirty="0"/>
-              <a:t>ファイルを</a:t>
-            </a:r>
-            <a:r>
-              <a:rPr lang="en-US" altLang="ja-JP" sz="1800" dirty="0" err="1"/>
-              <a:t>darkflow</a:t>
-            </a:r>
-            <a:r>
-              <a:rPr lang="ja-JP" altLang="en-US" sz="1800" dirty="0"/>
-              <a:t>の</a:t>
-            </a:r>
-            <a:r>
-              <a:rPr lang="en-US" altLang="ja-JP" sz="1800" dirty="0"/>
-              <a:t>labels.txt</a:t>
-            </a:r>
-            <a:r>
-              <a:rPr lang="ja-JP" altLang="en-US" sz="1800" dirty="0"/>
-              <a:t>にコピー</a:t>
-            </a:r>
-            <a:endParaRPr lang="en-US" altLang="ja-JP" sz="1800" dirty="0"/>
-          </a:p>
-          <a:p>
-            <a:pPr lvl="1"/>
-            <a:r>
-              <a:rPr lang="en-US" altLang="ja-JP" sz="1800" dirty="0" smtClean="0"/>
-              <a:t>(7/9</a:t>
-            </a:r>
-            <a:r>
-              <a:rPr lang="en-US" altLang="ja-JP" sz="1800" dirty="0"/>
-              <a:t>)</a:t>
-            </a:r>
-            <a:r>
-              <a:rPr lang="en-US" altLang="ja-JP" sz="1800" dirty="0" smtClean="0"/>
-              <a:t>.</a:t>
-            </a:r>
-            <a:r>
-              <a:rPr lang="en-US" altLang="ja-JP" sz="1800" dirty="0"/>
-              <a:t>weights</a:t>
-            </a:r>
-            <a:r>
-              <a:rPr lang="ja-JP" altLang="en-US" sz="1800" dirty="0"/>
-              <a:t>モデルを</a:t>
-            </a:r>
-            <a:r>
-              <a:rPr lang="en-US" altLang="ja-JP" sz="1800" dirty="0"/>
-              <a:t>.</a:t>
-            </a:r>
-            <a:r>
-              <a:rPr lang="en-US" altLang="ja-JP" sz="1800" dirty="0" err="1"/>
-              <a:t>pb</a:t>
-            </a:r>
-            <a:r>
-              <a:rPr lang="ja-JP" altLang="en-US" sz="1800" dirty="0"/>
-              <a:t>形式に変換</a:t>
-            </a:r>
-            <a:endParaRPr lang="en-US" altLang="ja-JP" sz="1800" dirty="0"/>
-          </a:p>
-          <a:p>
-            <a:pPr lvl="1"/>
-            <a:r>
-              <a:rPr lang="en-US" altLang="ja-JP" sz="1800" dirty="0" smtClean="0"/>
-              <a:t>(8/9</a:t>
-            </a:r>
-            <a:r>
-              <a:rPr lang="en-US" altLang="ja-JP" sz="1800" dirty="0"/>
-              <a:t>)</a:t>
-            </a:r>
-            <a:r>
-              <a:rPr lang="ja-JP" altLang="en-US" sz="1800" dirty="0" smtClean="0"/>
-              <a:t>ファイル名</a:t>
-            </a:r>
-            <a:r>
-              <a:rPr lang="ja-JP" altLang="en-US" sz="1800" dirty="0"/>
-              <a:t>を</a:t>
-            </a:r>
-            <a:r>
-              <a:rPr lang="ja-JP" altLang="en-US" sz="1800" dirty="0" smtClean="0"/>
-              <a:t>、</a:t>
-            </a:r>
-            <a:r>
-              <a:rPr lang="en-US" altLang="ja-JP" sz="1800" dirty="0" smtClean="0"/>
-              <a:t>yolo-v2-tiny-voc.pb </a:t>
-            </a:r>
-            <a:r>
-              <a:rPr lang="ja-JP" altLang="en-US" sz="1800" dirty="0" smtClean="0"/>
-              <a:t>から、</a:t>
-            </a:r>
-            <a:r>
-              <a:rPr lang="en-US" altLang="ja-JP" sz="1800" dirty="0" smtClean="0"/>
+              <a:rPr lang="en-US" altLang="ja-JP" sz="2000" smtClean="0"/>
+              <a:t>WinSCP</a:t>
+            </a:r>
+            <a:r>
+              <a:rPr lang="ja-JP" altLang="en-US" sz="2000" dirty="0"/>
+              <a:t>を使って、</a:t>
+            </a:r>
+            <a:r>
+              <a:rPr lang="en-US" altLang="ja-JP" sz="2000" dirty="0"/>
               <a:t>tiny-</a:t>
             </a:r>
             <a:r>
-              <a:rPr lang="en-US" altLang="ja-JP" sz="1800" dirty="0" err="1" smtClean="0"/>
+              <a:rPr lang="en-US" altLang="ja-JP" sz="2000" dirty="0" err="1"/>
               <a:t>yolo</a:t>
             </a:r>
             <a:r>
-              <a:rPr lang="en-US" altLang="ja-JP" sz="1800" dirty="0" smtClean="0"/>
+              <a:rPr lang="en-US" altLang="ja-JP" sz="2000" dirty="0"/>
               <a:t>-</a:t>
             </a:r>
             <a:r>
-              <a:rPr lang="en-US" altLang="ja-JP" sz="1800" dirty="0" err="1" smtClean="0"/>
+              <a:rPr lang="en-US" altLang="ja-JP" sz="2000" dirty="0" err="1"/>
               <a:t>voc-graph.pb</a:t>
             </a:r>
             <a:r>
-              <a:rPr lang="ja-JP" altLang="en-US" sz="1800" dirty="0"/>
-              <a:t>に変更</a:t>
-            </a:r>
-            <a:endParaRPr lang="en-US" altLang="ja-JP" sz="1800" dirty="0"/>
-          </a:p>
-          <a:p>
-            <a:pPr lvl="1"/>
-            <a:r>
-              <a:rPr lang="en-US" altLang="ja-JP" sz="1800" dirty="0" smtClean="0"/>
-              <a:t>(9/9</a:t>
-            </a:r>
-            <a:r>
-              <a:rPr lang="ja-JP" altLang="en-US" sz="1800" dirty="0" smtClean="0"/>
-              <a:t> </a:t>
-            </a:r>
-            <a:r>
-              <a:rPr lang="en-US" altLang="ja-JP" sz="1800" dirty="0" err="1" smtClean="0"/>
-              <a:t>darkflow</a:t>
-            </a:r>
-            <a:r>
-              <a:rPr lang="en-US" altLang="ja-JP" sz="1800" dirty="0" smtClean="0"/>
-              <a:t>/</a:t>
-            </a:r>
-            <a:r>
-              <a:rPr lang="en-US" altLang="ja-JP" sz="1800" dirty="0" err="1" smtClean="0"/>
-              <a:t>built_graph</a:t>
-            </a:r>
-            <a:r>
-              <a:rPr lang="en-US" altLang="ja-JP" sz="1800" dirty="0" smtClean="0"/>
-              <a:t>/</a:t>
-            </a:r>
-            <a:r>
-              <a:rPr lang="ja-JP" altLang="en-US" sz="1800" dirty="0" smtClean="0"/>
-              <a:t>プロジェクト名 フォルダを作成し、</a:t>
-            </a:r>
-            <a:r>
-              <a:rPr lang="en-US" altLang="ja-JP" sz="1800" dirty="0" err="1" smtClean="0"/>
-              <a:t>pb</a:t>
-            </a:r>
-            <a:r>
-              <a:rPr lang="ja-JP" altLang="en-US" sz="1800" dirty="0" smtClean="0"/>
-              <a:t>モデルをここに移動</a:t>
-            </a:r>
-            <a:endParaRPr lang="en-US" altLang="ja-JP" sz="1800" dirty="0" smtClean="0"/>
-          </a:p>
-          <a:p>
-            <a:pPr lvl="1"/>
-            <a:endParaRPr lang="en-US" altLang="ja-JP" sz="1800" dirty="0" smtClean="0"/>
-          </a:p>
-          <a:p>
-            <a:endParaRPr lang="en-US" altLang="ja-JP" sz="2200" dirty="0" smtClean="0"/>
+              <a:rPr lang="ja-JP" altLang="en-US" sz="2000" dirty="0"/>
+              <a:t>モデルを、</a:t>
+            </a:r>
+            <a:r>
+              <a:rPr lang="en-US" altLang="ja-JP" sz="2000" dirty="0"/>
+              <a:t>G:\Android\Project\garbage\assets\tiny-yolo-voc-graph.pb </a:t>
+            </a:r>
+            <a:r>
+              <a:rPr lang="ja-JP" altLang="en-US" sz="2000" dirty="0"/>
+              <a:t>にダウンロード</a:t>
+            </a:r>
+            <a:r>
+              <a:rPr lang="ja-JP" altLang="en-US" sz="2000" dirty="0" smtClean="0"/>
+              <a:t>する</a:t>
+            </a:r>
+            <a:endParaRPr lang="en-US" altLang="ja-JP" sz="2000" dirty="0"/>
           </a:p>
         </p:txBody>
       </p:sp>
@@ -7076,7 +6949,7 @@
     </p:spTree>
     <p:extLst>
       <p:ext uri="{BB962C8B-B14F-4D97-AF65-F5344CB8AC3E}">
-        <p14:creationId xmlns:p14="http://schemas.microsoft.com/office/powerpoint/2010/main" val="1608130123"/>
+        <p14:creationId xmlns:p14="http://schemas.microsoft.com/office/powerpoint/2010/main" val="673274052"/>
       </p:ext>
     </p:extLst>
   </p:cSld>
@@ -7133,31 +7006,35 @@
           <a:lstStyle/>
           <a:p>
             <a:r>
+              <a:rPr lang="en-US" altLang="ja-JP" sz="2800" dirty="0" err="1"/>
+              <a:t>d</a:t>
+            </a:r>
+            <a:r>
+              <a:rPr lang="en-US" altLang="ja-JP" sz="2800" dirty="0" err="1" smtClean="0"/>
+              <a:t>arkflow</a:t>
+            </a:r>
+            <a:r>
+              <a:rPr lang="ja-JP" altLang="en-US" sz="2800" dirty="0" smtClean="0"/>
+              <a:t> モデル</a:t>
+            </a:r>
+            <a:r>
+              <a:rPr lang="ja-JP" altLang="en-US" sz="2800" dirty="0"/>
+              <a:t>変換　</a:t>
+            </a:r>
+            <a:r>
               <a:rPr lang="en-US" altLang="ja-JP" sz="2800" dirty="0"/>
-              <a:t>.weights</a:t>
-            </a:r>
-            <a:r>
-              <a:rPr lang="ja-JP" altLang="en-US" sz="2800" dirty="0"/>
-              <a:t>ファイル</a:t>
-            </a:r>
-            <a:r>
-              <a:rPr lang="ja-JP" altLang="en-US" sz="2800" dirty="0" smtClean="0"/>
-              <a:t>削除</a:t>
-            </a:r>
-            <a:r>
-              <a:rPr lang="en-US" altLang="ja-JP" sz="2800" dirty="0"/>
-              <a:t/>
+              <a:t>(2/2)</a:t>
             </a:r>
             <a:br>
               <a:rPr lang="en-US" altLang="ja-JP" sz="2800" dirty="0"/>
             </a:br>
             <a:r>
-              <a:rPr lang="en-US" altLang="ja-JP" sz="2800" dirty="0">
+              <a:rPr lang="en-US" altLang="ja-JP" sz="2800" dirty="0" smtClean="0">
                 <a:solidFill>
                   <a:srgbClr val="C00000"/>
                 </a:solidFill>
               </a:rPr>
-              <a:t>darknet-rm_100weights.sh</a:t>
+              <a:t>darkflow-flow.sh</a:t>
             </a:r>
             <a:endParaRPr lang="ja-JP" altLang="en-US" sz="2800" dirty="0">
               <a:solidFill>
@@ -7177,7 +7054,12 @@
             <p:ph idx="1"/>
           </p:nvPr>
         </p:nvSpPr>
-        <p:spPr/>
+        <p:spPr>
+          <a:xfrm>
+            <a:off x="457200" y="1340768"/>
+            <a:ext cx="8229600" cy="4713387"/>
+          </a:xfrm>
+        </p:spPr>
         <p:txBody>
           <a:bodyPr>
             <a:normAutofit/>
@@ -7185,126 +7067,332 @@
           <a:lstStyle/>
           <a:p>
             <a:r>
-              <a:rPr lang="en-US" altLang="ja-JP" sz="2400" dirty="0" smtClean="0"/>
-              <a:t>Purpose:</a:t>
+              <a:rPr lang="en-US" altLang="ja-JP" sz="2400" dirty="0"/>
+              <a:t>Function:</a:t>
             </a:r>
           </a:p>
           <a:p>
             <a:pPr lvl="1"/>
             <a:r>
-              <a:rPr lang="ja-JP" altLang="en-US" sz="2000" dirty="0"/>
-              <a:t>ディスク容量削減のため</a:t>
-            </a:r>
-            <a:r>
-              <a:rPr lang="ja-JP" altLang="en-US" sz="2000" dirty="0" smtClean="0"/>
-              <a:t>に、</a:t>
-            </a:r>
-            <a:r>
-              <a:rPr lang="en-US" altLang="ja-JP" sz="2000" dirty="0" smtClean="0"/>
-              <a:t>100</a:t>
-            </a:r>
-            <a:r>
-              <a:rPr lang="ja-JP" altLang="en-US" sz="2000" dirty="0" smtClean="0"/>
-              <a:t>回ごとに生成した </a:t>
-            </a:r>
-            <a:r>
-              <a:rPr lang="en-US" altLang="ja-JP" sz="2000" dirty="0" smtClean="0"/>
-              <a:t>.weights</a:t>
-            </a:r>
-            <a:r>
-              <a:rPr lang="ja-JP" altLang="en-US" sz="2000" dirty="0" smtClean="0"/>
-              <a:t>ファイルを削除する</a:t>
-            </a:r>
-            <a:endParaRPr lang="en-US" altLang="ja-JP" sz="2000" dirty="0" smtClean="0"/>
+              <a:rPr lang="en-US" altLang="ja-JP" sz="1800" dirty="0" smtClean="0"/>
+              <a:t>(1/9) </a:t>
+            </a:r>
+            <a:r>
+              <a:rPr lang="ja-JP" altLang="en-US" sz="1800" dirty="0" smtClean="0"/>
+              <a:t>カレントディレクトリを </a:t>
+            </a:r>
+            <a:r>
+              <a:rPr lang="en-US" altLang="ja-JP" sz="1800" dirty="0" err="1" smtClean="0"/>
+              <a:t>darkflow</a:t>
+            </a:r>
+            <a:r>
+              <a:rPr lang="ja-JP" altLang="en-US" sz="1800" dirty="0" smtClean="0"/>
+              <a:t> に変更</a:t>
+            </a:r>
+            <a:endParaRPr lang="en-US" altLang="ja-JP" sz="1800" dirty="0"/>
           </a:p>
           <a:p>
             <a:pPr lvl="1"/>
             <a:r>
-              <a:rPr lang="en-US" altLang="ja-JP" sz="2000" dirty="0"/>
-              <a:t>1000</a:t>
-            </a:r>
-            <a:r>
-              <a:rPr lang="ja-JP" altLang="en-US" sz="2000" dirty="0"/>
-              <a:t>回ごと</a:t>
-            </a:r>
-            <a:r>
-              <a:rPr lang="ja-JP" altLang="en-US" sz="2000" dirty="0" smtClean="0"/>
-              <a:t>の </a:t>
-            </a:r>
-            <a:r>
-              <a:rPr lang="en-US" altLang="ja-JP" sz="2000" dirty="0" smtClean="0"/>
-              <a:t>.weights</a:t>
-            </a:r>
-            <a:r>
-              <a:rPr lang="ja-JP" altLang="en-US" sz="2000" dirty="0" smtClean="0"/>
-              <a:t>ファイルは削除しない</a:t>
-            </a:r>
-            <a:endParaRPr lang="en-US" altLang="ja-JP" sz="2000" dirty="0"/>
-          </a:p>
-          <a:p>
-            <a:r>
-              <a:rPr lang="en-US" altLang="ja-JP" sz="2800" dirty="0"/>
-              <a:t>Usage: </a:t>
-            </a:r>
+              <a:rPr lang="en-US" altLang="ja-JP" sz="1800" dirty="0" smtClean="0"/>
+              <a:t>(2/9</a:t>
+            </a:r>
+            <a:r>
+              <a:rPr lang="en-US" altLang="ja-JP" sz="1800" dirty="0"/>
+              <a:t>) </a:t>
+            </a:r>
+            <a:r>
+              <a:rPr lang="en-US" altLang="ja-JP" sz="1800" dirty="0" err="1" smtClean="0"/>
+              <a:t>darkflow</a:t>
+            </a:r>
+            <a:r>
+              <a:rPr lang="ja-JP" altLang="en-US" sz="1800" dirty="0"/>
+              <a:t>フォルダにプロジェクトフォルダを作成</a:t>
+            </a:r>
+            <a:endParaRPr lang="en-US" altLang="ja-JP" sz="1800" dirty="0"/>
           </a:p>
           <a:p>
             <a:pPr lvl="1"/>
             <a:r>
-              <a:rPr lang="en-US" altLang="ja-JP" sz="2000" dirty="0"/>
-              <a:t>$ ./darknet-rm_100weights.sh  </a:t>
-            </a:r>
-            <a:r>
-              <a:rPr lang="en-US" altLang="ja-JP" sz="1600" dirty="0" smtClean="0"/>
-              <a:t>&lt;</a:t>
-            </a:r>
-            <a:r>
-              <a:rPr lang="ja-JP" altLang="en-US" sz="1600" dirty="0" smtClean="0"/>
-              <a:t>モデル名</a:t>
-            </a:r>
-            <a:r>
-              <a:rPr lang="en-US" altLang="ja-JP" sz="1600" dirty="0" smtClean="0"/>
-              <a:t>&gt;</a:t>
-            </a:r>
-            <a:endParaRPr lang="en-US" altLang="ja-JP" sz="2000" dirty="0"/>
+              <a:rPr lang="en-US" altLang="ja-JP" sz="1800" dirty="0" smtClean="0"/>
+              <a:t>(3/9</a:t>
+            </a:r>
+            <a:r>
+              <a:rPr lang="en-US" altLang="ja-JP" sz="1800" dirty="0"/>
+              <a:t>) </a:t>
+            </a:r>
+            <a:r>
+              <a:rPr lang="en-US" altLang="ja-JP" sz="1800" dirty="0" smtClean="0"/>
+              <a:t>*_</a:t>
+            </a:r>
+            <a:r>
+              <a:rPr lang="en-US" altLang="ja-JP" sz="1800" dirty="0" err="1"/>
+              <a:t>final.weights</a:t>
+            </a:r>
+            <a:r>
+              <a:rPr lang="ja-JP" altLang="en-US" sz="1800" dirty="0"/>
+              <a:t> ファイルを、</a:t>
+            </a:r>
+            <a:r>
+              <a:rPr lang="en-US" altLang="ja-JP" sz="1800" dirty="0" err="1"/>
+              <a:t>darkflow</a:t>
+            </a:r>
+            <a:r>
+              <a:rPr lang="en-US" altLang="ja-JP" sz="1800" dirty="0"/>
+              <a:t>/bin</a:t>
+            </a:r>
+            <a:r>
+              <a:rPr lang="ja-JP" altLang="en-US" sz="1800" dirty="0"/>
+              <a:t>フォルダにコピー</a:t>
+            </a:r>
+            <a:endParaRPr lang="en-US" altLang="ja-JP" sz="1800" dirty="0"/>
           </a:p>
           <a:p>
             <a:pPr lvl="1"/>
             <a:r>
-              <a:rPr lang="ja-JP" altLang="en-US" sz="2000" dirty="0"/>
-              <a:t>例</a:t>
-            </a:r>
-            <a:endParaRPr lang="en-US" altLang="ja-JP" sz="2000" dirty="0"/>
+              <a:rPr lang="en-US" altLang="ja-JP" sz="1800" dirty="0" smtClean="0"/>
+              <a:t>(4/9</a:t>
+            </a:r>
+            <a:r>
+              <a:rPr lang="en-US" altLang="ja-JP" sz="1800" dirty="0"/>
+              <a:t>)</a:t>
+            </a:r>
+            <a:r>
+              <a:rPr lang="ja-JP" altLang="en-US" sz="1800" dirty="0" smtClean="0"/>
+              <a:t>ファイル名</a:t>
+            </a:r>
+            <a:r>
+              <a:rPr lang="ja-JP" altLang="en-US" sz="1800" dirty="0"/>
+              <a:t>を、</a:t>
+            </a:r>
+            <a:r>
+              <a:rPr lang="en-US" altLang="ja-JP" sz="1800" dirty="0"/>
+              <a:t>yolov2-tiny-voc.weights</a:t>
+            </a:r>
+            <a:r>
+              <a:rPr lang="ja-JP" altLang="en-US" sz="1800" dirty="0"/>
+              <a:t> に変更</a:t>
+            </a:r>
+            <a:endParaRPr lang="en-US" altLang="ja-JP" sz="1800" dirty="0"/>
           </a:p>
           <a:p>
             <a:pPr lvl="1"/>
             <a:r>
-              <a:rPr lang="en-US" altLang="ja-JP" sz="2000" dirty="0" smtClean="0"/>
-              <a:t>$ cd ../</a:t>
-            </a:r>
-            <a:r>
-              <a:rPr lang="en-US" altLang="ja-JP" sz="2000" dirty="0" err="1" smtClean="0"/>
+              <a:rPr lang="en-US" altLang="ja-JP" sz="1800" dirty="0" smtClean="0"/>
+              <a:t>(5/9</a:t>
+            </a:r>
+            <a:r>
+              <a:rPr lang="en-US" altLang="ja-JP" sz="1800" dirty="0"/>
+              <a:t>) </a:t>
+            </a:r>
+            <a:r>
+              <a:rPr lang="en-US" altLang="ja-JP" sz="1800" dirty="0" err="1" smtClean="0"/>
               <a:t>darknet</a:t>
             </a:r>
-            <a:endParaRPr lang="en-US" altLang="ja-JP" sz="2000" dirty="0" smtClean="0"/>
+            <a:r>
+              <a:rPr lang="ja-JP" altLang="en-US" sz="1800" dirty="0"/>
+              <a:t>の</a:t>
+            </a:r>
+            <a:r>
+              <a:rPr lang="en-US" altLang="ja-JP" sz="1800" dirty="0"/>
+              <a:t>.</a:t>
+            </a:r>
+            <a:r>
+              <a:rPr lang="en-US" altLang="ja-JP" sz="1800" dirty="0" err="1"/>
+              <a:t>cfg</a:t>
+            </a:r>
+            <a:r>
+              <a:rPr lang="ja-JP" altLang="en-US" sz="1800" dirty="0"/>
+              <a:t>ファイルを</a:t>
+            </a:r>
+            <a:r>
+              <a:rPr lang="en-US" altLang="ja-JP" sz="1800" dirty="0" err="1"/>
+              <a:t>darkflow</a:t>
+            </a:r>
+            <a:r>
+              <a:rPr lang="ja-JP" altLang="en-US" sz="1800" dirty="0"/>
+              <a:t>にコピー</a:t>
+            </a:r>
+            <a:endParaRPr lang="en-US" altLang="ja-JP" sz="1800" dirty="0"/>
           </a:p>
           <a:p>
             <a:pPr lvl="1"/>
             <a:r>
-              <a:rPr lang="en-US" altLang="ja-JP" sz="2000" dirty="0" smtClean="0"/>
-              <a:t>$ </a:t>
-            </a:r>
-            <a:r>
-              <a:rPr lang="en-US" altLang="ja-JP" sz="2000" dirty="0"/>
-              <a:t>./darknet-rm_100weights.sh </a:t>
-            </a:r>
-            <a:r>
-              <a:rPr lang="en-US" altLang="ja-JP" sz="2000" dirty="0" smtClean="0"/>
-              <a:t>pp4</a:t>
-            </a:r>
+              <a:rPr lang="en-US" altLang="ja-JP" sz="1800" dirty="0" smtClean="0"/>
+              <a:t>(6/9</a:t>
+            </a:r>
+            <a:r>
+              <a:rPr lang="en-US" altLang="ja-JP" sz="1800" dirty="0"/>
+              <a:t>) </a:t>
+            </a:r>
+            <a:r>
+              <a:rPr lang="en-US" altLang="ja-JP" sz="1800" dirty="0" err="1" smtClean="0"/>
+              <a:t>darknet</a:t>
+            </a:r>
+            <a:r>
+              <a:rPr lang="ja-JP" altLang="en-US" sz="1800" dirty="0"/>
+              <a:t>の</a:t>
+            </a:r>
+            <a:r>
+              <a:rPr lang="en-US" altLang="ja-JP" sz="1800" dirty="0"/>
+              <a:t>.names</a:t>
+            </a:r>
+            <a:r>
+              <a:rPr lang="ja-JP" altLang="en-US" sz="1800" dirty="0"/>
+              <a:t>ファイルを</a:t>
+            </a:r>
+            <a:r>
+              <a:rPr lang="en-US" altLang="ja-JP" sz="1800" dirty="0" err="1"/>
+              <a:t>darkflow</a:t>
+            </a:r>
+            <a:r>
+              <a:rPr lang="ja-JP" altLang="en-US" sz="1800" dirty="0"/>
+              <a:t>の</a:t>
+            </a:r>
+            <a:r>
+              <a:rPr lang="en-US" altLang="ja-JP" sz="1800" dirty="0"/>
+              <a:t>labels.txt</a:t>
+            </a:r>
+            <a:r>
+              <a:rPr lang="ja-JP" altLang="en-US" sz="1800" dirty="0"/>
+              <a:t>にコピー</a:t>
+            </a:r>
+            <a:endParaRPr lang="en-US" altLang="ja-JP" sz="1800" dirty="0"/>
           </a:p>
           <a:p>
             <a:pPr lvl="1"/>
-            <a:endParaRPr lang="en-US" altLang="ja-JP" sz="2000" dirty="0" smtClean="0"/>
+            <a:r>
+              <a:rPr lang="en-US" altLang="ja-JP" sz="1800" dirty="0" smtClean="0"/>
+              <a:t>(7/9</a:t>
+            </a:r>
+            <a:r>
+              <a:rPr lang="en-US" altLang="ja-JP" sz="1800" dirty="0"/>
+              <a:t>)</a:t>
+            </a:r>
+            <a:r>
+              <a:rPr lang="en-US" altLang="ja-JP" sz="1800" dirty="0" smtClean="0"/>
+              <a:t>.</a:t>
+            </a:r>
+            <a:r>
+              <a:rPr lang="en-US" altLang="ja-JP" sz="1800" dirty="0"/>
+              <a:t>weights</a:t>
+            </a:r>
+            <a:r>
+              <a:rPr lang="ja-JP" altLang="en-US" sz="1800" dirty="0"/>
+              <a:t>モデルを</a:t>
+            </a:r>
+            <a:r>
+              <a:rPr lang="en-US" altLang="ja-JP" sz="1800" dirty="0"/>
+              <a:t>.</a:t>
+            </a:r>
+            <a:r>
+              <a:rPr lang="en-US" altLang="ja-JP" sz="1800" dirty="0" err="1"/>
+              <a:t>pb</a:t>
+            </a:r>
+            <a:r>
+              <a:rPr lang="ja-JP" altLang="en-US" sz="1800" dirty="0"/>
+              <a:t>形式に変換</a:t>
+            </a:r>
+            <a:endParaRPr lang="en-US" altLang="ja-JP" sz="1800" dirty="0"/>
+          </a:p>
+          <a:p>
+            <a:pPr lvl="1"/>
+            <a:r>
+              <a:rPr lang="en-US" altLang="ja-JP" sz="1800" dirty="0" smtClean="0"/>
+              <a:t>(8/9</a:t>
+            </a:r>
+            <a:r>
+              <a:rPr lang="en-US" altLang="ja-JP" sz="1800" dirty="0"/>
+              <a:t>)</a:t>
+            </a:r>
+            <a:r>
+              <a:rPr lang="ja-JP" altLang="en-US" sz="1800" dirty="0" smtClean="0"/>
+              <a:t>ファイル名</a:t>
+            </a:r>
+            <a:r>
+              <a:rPr lang="ja-JP" altLang="en-US" sz="1800" dirty="0"/>
+              <a:t>を</a:t>
+            </a:r>
+            <a:r>
+              <a:rPr lang="ja-JP" altLang="en-US" sz="1800" dirty="0" smtClean="0"/>
+              <a:t>、</a:t>
+            </a:r>
+            <a:r>
+              <a:rPr lang="en-US" altLang="ja-JP" sz="1800" dirty="0" smtClean="0"/>
+              <a:t>yolo-v2-tiny-voc.pb </a:t>
+            </a:r>
+            <a:r>
+              <a:rPr lang="ja-JP" altLang="en-US" sz="1800" dirty="0" smtClean="0"/>
+              <a:t>から、</a:t>
+            </a:r>
+            <a:r>
+              <a:rPr lang="en-US" altLang="ja-JP" sz="1800" dirty="0" smtClean="0"/>
+              <a:t>tiny-</a:t>
+            </a:r>
+            <a:r>
+              <a:rPr lang="en-US" altLang="ja-JP" sz="1800" dirty="0" err="1" smtClean="0"/>
+              <a:t>yolo</a:t>
+            </a:r>
+            <a:r>
+              <a:rPr lang="en-US" altLang="ja-JP" sz="1800" dirty="0" smtClean="0"/>
+              <a:t>-</a:t>
+            </a:r>
+            <a:r>
+              <a:rPr lang="en-US" altLang="ja-JP" sz="1800" dirty="0" err="1" smtClean="0"/>
+              <a:t>voc-graph.pb</a:t>
+            </a:r>
+            <a:r>
+              <a:rPr lang="ja-JP" altLang="en-US" sz="1800" dirty="0"/>
+              <a:t>に変更</a:t>
+            </a:r>
+            <a:endParaRPr lang="en-US" altLang="ja-JP" sz="1800" dirty="0"/>
+          </a:p>
+          <a:p>
+            <a:pPr lvl="1"/>
+            <a:r>
+              <a:rPr lang="en-US" altLang="ja-JP" sz="1800" dirty="0" smtClean="0"/>
+              <a:t>(9/9</a:t>
+            </a:r>
+            <a:r>
+              <a:rPr lang="ja-JP" altLang="en-US" sz="1800" dirty="0" smtClean="0"/>
+              <a:t> </a:t>
+            </a:r>
+            <a:r>
+              <a:rPr lang="en-US" altLang="ja-JP" sz="1800" dirty="0" err="1" smtClean="0"/>
+              <a:t>darkflow</a:t>
+            </a:r>
+            <a:r>
+              <a:rPr lang="en-US" altLang="ja-JP" sz="1800" dirty="0" smtClean="0"/>
+              <a:t>/</a:t>
+            </a:r>
+            <a:r>
+              <a:rPr lang="en-US" altLang="ja-JP" sz="1800" dirty="0" err="1" smtClean="0"/>
+              <a:t>built_graph</a:t>
+            </a:r>
+            <a:r>
+              <a:rPr lang="en-US" altLang="ja-JP" sz="1800" dirty="0" smtClean="0"/>
+              <a:t>/</a:t>
+            </a:r>
+            <a:r>
+              <a:rPr lang="ja-JP" altLang="en-US" sz="1800" dirty="0" smtClean="0"/>
+              <a:t>プロジェクト名 フォルダを作成し、</a:t>
+            </a:r>
+            <a:r>
+              <a:rPr lang="en-US" altLang="ja-JP" sz="1800" dirty="0" err="1" smtClean="0"/>
+              <a:t>pb</a:t>
+            </a:r>
+            <a:r>
+              <a:rPr lang="ja-JP" altLang="en-US" sz="1800" dirty="0" smtClean="0"/>
+              <a:t>モデルをここに移動</a:t>
+            </a:r>
+            <a:endParaRPr lang="en-US" altLang="ja-JP" sz="1800" dirty="0" smtClean="0"/>
+          </a:p>
+          <a:p>
+            <a:pPr lvl="1"/>
+            <a:endParaRPr lang="en-US" altLang="ja-JP" sz="1800" dirty="0" smtClean="0"/>
+          </a:p>
+          <a:p>
+            <a:endParaRPr lang="en-US" altLang="ja-JP" sz="2200" dirty="0" smtClean="0"/>
           </a:p>
         </p:txBody>
       </p:sp>
@@ -7369,7 +7457,7 @@
             <a:pPr algn="ctr"/>
             <a:r>
               <a:rPr kumimoji="1" lang="ja-JP" altLang="en-US" dirty="0" smtClean="0"/>
-              <a:t>後処理</a:t>
+              <a:t>モデル変換</a:t>
             </a:r>
             <a:endParaRPr kumimoji="1" lang="ja-JP" altLang="en-US" dirty="0"/>
           </a:p>
@@ -7378,7 +7466,7 @@
     </p:spTree>
     <p:extLst>
       <p:ext uri="{BB962C8B-B14F-4D97-AF65-F5344CB8AC3E}">
-        <p14:creationId xmlns:p14="http://schemas.microsoft.com/office/powerpoint/2010/main" val="3642046527"/>
+        <p14:creationId xmlns:p14="http://schemas.microsoft.com/office/powerpoint/2010/main" val="1608130123"/>
       </p:ext>
     </p:extLst>
   </p:cSld>
@@ -8567,23 +8655,7 @@
                   <a:srgbClr val="C00000"/>
                 </a:solidFill>
               </a:rPr>
-              <a:t>赤字</a:t>
-            </a:r>
-            <a:r>
-              <a:rPr kumimoji="1" lang="ja-JP" altLang="en-US" sz="1200" b="1" dirty="0" smtClean="0">
-                <a:solidFill>
-                  <a:srgbClr val="C00000"/>
-                </a:solidFill>
-              </a:rPr>
-              <a:t>は作成した</a:t>
-            </a:r>
-            <a:r>
-              <a:rPr kumimoji="1" lang="ja-JP" altLang="en-US" sz="1200" b="1" dirty="0" smtClean="0">
-                <a:solidFill>
-                  <a:srgbClr val="C00000"/>
-                </a:solidFill>
-              </a:rPr>
-              <a:t>スクリプト</a:t>
+              <a:t>赤字は作成したスクリプト</a:t>
             </a:r>
             <a:endParaRPr kumimoji="1" lang="ja-JP" altLang="en-US" sz="1200" b="1" dirty="0">
               <a:solidFill>
@@ -9092,21 +9164,37 @@
           <a:lstStyle/>
           <a:p>
             <a:r>
-              <a:rPr lang="en-US" altLang="ja-JP" sz="2800" dirty="0" smtClean="0"/>
-              <a:t>Android</a:t>
+              <a:rPr lang="en-US" altLang="ja-JP" sz="2800" dirty="0"/>
+              <a:t>.weights</a:t>
+            </a:r>
+            <a:r>
+              <a:rPr lang="ja-JP" altLang="en-US" sz="2800" dirty="0"/>
+              <a:t>ファイル</a:t>
             </a:r>
             <a:r>
               <a:rPr lang="ja-JP" altLang="en-US" sz="2800" dirty="0" smtClean="0"/>
-              <a:t> </a:t>
-            </a:r>
-            <a:r>
-              <a:rPr lang="en-US" altLang="ja-JP" sz="2800" dirty="0" smtClean="0"/>
-              <a:t>Studio</a:t>
+              <a:t>削除</a:t>
+            </a:r>
+            <a:r>
+              <a:rPr lang="en-US" altLang="ja-JP" sz="2800" dirty="0"/>
+              <a:t/>
             </a:r>
             <a:br>
-              <a:rPr lang="en-US" altLang="ja-JP" sz="2800" dirty="0" smtClean="0"/>
+              <a:rPr lang="en-US" altLang="ja-JP" sz="2800" dirty="0"/>
             </a:br>
-            <a:endParaRPr lang="ja-JP" altLang="en-US" sz="2800" dirty="0"/>
+            <a:r>
+              <a:rPr lang="en-US" altLang="ja-JP" sz="2800" dirty="0">
+                <a:solidFill>
+                  <a:srgbClr val="C00000"/>
+                </a:solidFill>
+              </a:rPr>
+              <a:t>darknet-rm_100weights.sh</a:t>
+            </a:r>
+            <a:endParaRPr lang="ja-JP" altLang="en-US" sz="2800" dirty="0">
+              <a:solidFill>
+                <a:srgbClr val="C00000"/>
+              </a:solidFill>
+            </a:endParaRPr>
           </a:p>
         </p:txBody>
       </p:sp>
@@ -9120,12 +9208,7 @@
             <p:ph idx="1"/>
           </p:nvPr>
         </p:nvSpPr>
-        <p:spPr>
-          <a:xfrm>
-            <a:off x="457200" y="1412776"/>
-            <a:ext cx="8229600" cy="4713387"/>
-          </a:xfrm>
-        </p:spPr>
+        <p:spPr/>
         <p:txBody>
           <a:bodyPr>
             <a:normAutofit/>
@@ -9134,31 +9217,104 @@
           <a:p>
             <a:r>
               <a:rPr lang="en-US" altLang="ja-JP" sz="2400" dirty="0" smtClean="0"/>
-              <a:t>Android</a:t>
-            </a:r>
-            <a:r>
-              <a:rPr lang="ja-JP" altLang="en-US" sz="2400" dirty="0" smtClean="0"/>
-              <a:t> </a:t>
-            </a:r>
-            <a:r>
-              <a:rPr lang="en-US" altLang="ja-JP" sz="2400" dirty="0" smtClean="0"/>
-              <a:t>Studio</a:t>
-            </a:r>
-            <a:endParaRPr lang="en-US" altLang="ja-JP" sz="2400" dirty="0"/>
+              <a:t>Purpose:</a:t>
+            </a:r>
           </a:p>
           <a:p>
             <a:pPr lvl="1"/>
             <a:r>
-              <a:rPr lang="ja-JP" altLang="en-US" sz="2000" dirty="0" smtClean="0"/>
-              <a:t>同期</a:t>
+              <a:rPr lang="ja-JP" altLang="en-US" sz="2000" dirty="0"/>
+              <a:t>ディスク容量削減のため</a:t>
+            </a:r>
+            <a:r>
+              <a:rPr lang="ja-JP" altLang="en-US" sz="2000" dirty="0" smtClean="0"/>
+              <a:t>に、</a:t>
+            </a:r>
+            <a:r>
+              <a:rPr lang="en-US" altLang="ja-JP" sz="2000" dirty="0" smtClean="0"/>
+              <a:t>100</a:t>
+            </a:r>
+            <a:r>
+              <a:rPr lang="ja-JP" altLang="en-US" sz="2000" dirty="0" smtClean="0"/>
+              <a:t>回ごとに生成した </a:t>
+            </a:r>
+            <a:r>
+              <a:rPr lang="en-US" altLang="ja-JP" sz="2000" dirty="0" smtClean="0"/>
+              <a:t>.weights</a:t>
+            </a:r>
+            <a:r>
+              <a:rPr lang="ja-JP" altLang="en-US" sz="2000" dirty="0" smtClean="0"/>
+              <a:t>ファイルを削除する</a:t>
             </a:r>
             <a:endParaRPr lang="en-US" altLang="ja-JP" sz="2000" dirty="0" smtClean="0"/>
           </a:p>
           <a:p>
             <a:pPr lvl="1"/>
             <a:r>
-              <a:rPr lang="ja-JP" altLang="en-US" sz="2000" dirty="0" smtClean="0"/>
-              <a:t>ビルド</a:t>
+              <a:rPr lang="en-US" altLang="ja-JP" sz="2000" dirty="0"/>
+              <a:t>1000</a:t>
+            </a:r>
+            <a:r>
+              <a:rPr lang="ja-JP" altLang="en-US" sz="2000" dirty="0"/>
+              <a:t>回ごと</a:t>
+            </a:r>
+            <a:r>
+              <a:rPr lang="ja-JP" altLang="en-US" sz="2000" dirty="0" smtClean="0"/>
+              <a:t>の </a:t>
+            </a:r>
+            <a:r>
+              <a:rPr lang="en-US" altLang="ja-JP" sz="2000" dirty="0" smtClean="0"/>
+              <a:t>.weights</a:t>
+            </a:r>
+            <a:r>
+              <a:rPr lang="ja-JP" altLang="en-US" sz="2000" dirty="0" smtClean="0"/>
+              <a:t>ファイルは削除しない</a:t>
+            </a:r>
+            <a:endParaRPr lang="en-US" altLang="ja-JP" sz="2000" dirty="0"/>
+          </a:p>
+          <a:p>
+            <a:r>
+              <a:rPr lang="en-US" altLang="ja-JP" sz="2800" dirty="0"/>
+              <a:t>Usage: </a:t>
+            </a:r>
+          </a:p>
+          <a:p>
+            <a:pPr lvl="1"/>
+            <a:r>
+              <a:rPr lang="en-US" altLang="ja-JP" sz="2000" dirty="0"/>
+              <a:t>$ ./darknet-rm_100weights.sh  </a:t>
+            </a:r>
+            <a:r>
+              <a:rPr lang="en-US" altLang="ja-JP" sz="1600" dirty="0" smtClean="0"/>
+              <a:t>&lt;</a:t>
+            </a:r>
+            <a:r>
+              <a:rPr lang="ja-JP" altLang="en-US" sz="1600" dirty="0" smtClean="0"/>
+              <a:t>モデル名</a:t>
+            </a:r>
+            <a:r>
+              <a:rPr lang="en-US" altLang="ja-JP" sz="1600" dirty="0" smtClean="0"/>
+              <a:t>&gt;</a:t>
+            </a:r>
+            <a:endParaRPr lang="en-US" altLang="ja-JP" sz="2000" dirty="0"/>
+          </a:p>
+          <a:p>
+            <a:pPr lvl="1"/>
+            <a:r>
+              <a:rPr lang="ja-JP" altLang="en-US" sz="2000" dirty="0"/>
+              <a:t>例</a:t>
+            </a:r>
+            <a:endParaRPr lang="en-US" altLang="ja-JP" sz="2000" dirty="0"/>
+          </a:p>
+          <a:p>
+            <a:pPr lvl="1"/>
+            <a:r>
+              <a:rPr lang="en-US" altLang="ja-JP" sz="2000" dirty="0" smtClean="0"/>
+              <a:t>$ cd ../</a:t>
+            </a:r>
+            <a:r>
+              <a:rPr lang="en-US" altLang="ja-JP" sz="2000" dirty="0" err="1" smtClean="0"/>
+              <a:t>darknet</a:t>
             </a:r>
             <a:endParaRPr lang="en-US" altLang="ja-JP" sz="2000" dirty="0" smtClean="0"/>
           </a:p>
@@ -9166,271 +9322,20 @@
             <a:pPr lvl="1"/>
             <a:r>
               <a:rPr lang="en-US" altLang="ja-JP" sz="2000" dirty="0" smtClean="0"/>
-              <a:t>Build</a:t>
-            </a:r>
-            <a:r>
-              <a:rPr lang="ja-JP" altLang="en-US" sz="2000" dirty="0" smtClean="0"/>
-              <a:t> </a:t>
-            </a:r>
-            <a:r>
-              <a:rPr lang="en-US" altLang="ja-JP" sz="2000" dirty="0" smtClean="0"/>
-              <a:t>Variant</a:t>
-            </a:r>
-            <a:r>
-              <a:rPr lang="ja-JP" altLang="en-US" sz="2000" dirty="0" smtClean="0"/>
-              <a:t> を</a:t>
-            </a:r>
-            <a:r>
-              <a:rPr lang="en-US" altLang="ja-JP" sz="2000" dirty="0" smtClean="0"/>
-              <a:t>debug</a:t>
-            </a:r>
-            <a:r>
-              <a:rPr lang="ja-JP" altLang="en-US" sz="2000" dirty="0" smtClean="0"/>
-              <a:t>にし、</a:t>
-            </a:r>
-            <a:r>
-              <a:rPr lang="en-US" altLang="ja-JP" sz="2000" dirty="0" smtClean="0"/>
-              <a:t>Build</a:t>
-            </a:r>
-            <a:r>
-              <a:rPr lang="ja-JP" altLang="en-US" sz="2000" dirty="0" smtClean="0"/>
-              <a:t>～</a:t>
-            </a:r>
-            <a:r>
-              <a:rPr lang="en-US" altLang="ja-JP" sz="2000" dirty="0" err="1" smtClean="0"/>
-              <a:t>Buils</a:t>
-            </a:r>
-            <a:r>
-              <a:rPr lang="en-US" altLang="ja-JP" sz="2000" dirty="0" smtClean="0"/>
-              <a:t> </a:t>
-            </a:r>
-            <a:r>
-              <a:rPr lang="ja-JP" altLang="en-US" sz="2000" dirty="0" smtClean="0"/>
-              <a:t> </a:t>
-            </a:r>
-            <a:r>
-              <a:rPr lang="en-US" altLang="ja-JP" sz="2000" dirty="0" err="1" smtClean="0"/>
-              <a:t>Apk</a:t>
-            </a:r>
-            <a:r>
-              <a:rPr lang="en-US" altLang="ja-JP" sz="2000" dirty="0" smtClean="0"/>
-              <a:t>(s)</a:t>
-            </a:r>
-          </a:p>
-          <a:p>
-            <a:pPr lvl="2"/>
-            <a:r>
-              <a:rPr lang="en-US" altLang="ja-JP" sz="1600" dirty="0"/>
-              <a:t>G:\</a:t>
-            </a:r>
-            <a:r>
-              <a:rPr lang="en-US" altLang="ja-JP" sz="1600" dirty="0" smtClean="0"/>
-              <a:t>Android\Project\garbage\gradleBuild\outputs\apk\debug\garbage-debug.apk </a:t>
-            </a:r>
-            <a:r>
-              <a:rPr lang="ja-JP" altLang="en-US" sz="1600" dirty="0" smtClean="0"/>
-              <a:t>ができる</a:t>
-            </a:r>
-            <a:endParaRPr lang="en-US" altLang="ja-JP" sz="1600" dirty="0" smtClean="0"/>
+              <a:t>$ </a:t>
+            </a:r>
+            <a:r>
+              <a:rPr lang="en-US" altLang="ja-JP" sz="2000" dirty="0"/>
+              <a:t>./darknet-rm_100weights.sh </a:t>
+            </a:r>
+            <a:r>
+              <a:rPr lang="en-US" altLang="ja-JP" sz="2000" dirty="0" smtClean="0"/>
+              <a:t>pp4</a:t>
+            </a:r>
           </a:p>
           <a:p>
             <a:pPr lvl="1"/>
-            <a:r>
-              <a:rPr lang="en-US" altLang="ja-JP" sz="2000" dirty="0"/>
-              <a:t>Build</a:t>
-            </a:r>
-            <a:r>
-              <a:rPr lang="ja-JP" altLang="en-US" sz="2000" dirty="0"/>
-              <a:t> </a:t>
-            </a:r>
-            <a:r>
-              <a:rPr lang="en-US" altLang="ja-JP" sz="2000" dirty="0"/>
-              <a:t>Variant</a:t>
-            </a:r>
-            <a:r>
-              <a:rPr lang="ja-JP" altLang="en-US" sz="2000" dirty="0"/>
-              <a:t> </a:t>
-            </a:r>
-            <a:r>
-              <a:rPr lang="ja-JP" altLang="en-US" sz="2000" dirty="0" smtClean="0"/>
-              <a:t>を</a:t>
-            </a:r>
-            <a:r>
-              <a:rPr lang="en-US" altLang="ja-JP" sz="2000" dirty="0" smtClean="0"/>
-              <a:t>release</a:t>
-            </a:r>
-            <a:r>
-              <a:rPr lang="ja-JP" altLang="en-US" sz="2000" dirty="0" smtClean="0"/>
-              <a:t>に</a:t>
-            </a:r>
-            <a:r>
-              <a:rPr lang="ja-JP" altLang="en-US" sz="2000" dirty="0"/>
-              <a:t>し、</a:t>
-            </a:r>
-            <a:r>
-              <a:rPr lang="en-US" altLang="ja-JP" sz="2000" dirty="0"/>
-              <a:t>Build</a:t>
-            </a:r>
-            <a:r>
-              <a:rPr lang="ja-JP" altLang="en-US" sz="2000" dirty="0"/>
-              <a:t>～</a:t>
-            </a:r>
-            <a:r>
-              <a:rPr lang="en-US" altLang="ja-JP" sz="2000" dirty="0" err="1"/>
-              <a:t>Buils</a:t>
-            </a:r>
-            <a:r>
-              <a:rPr lang="en-US" altLang="ja-JP" sz="2000" dirty="0"/>
-              <a:t> </a:t>
-            </a:r>
-            <a:r>
-              <a:rPr lang="ja-JP" altLang="en-US" sz="2000" dirty="0"/>
-              <a:t> </a:t>
-            </a:r>
-            <a:r>
-              <a:rPr lang="en-US" altLang="ja-JP" sz="2000" dirty="0" err="1"/>
-              <a:t>Apk</a:t>
-            </a:r>
-            <a:r>
-              <a:rPr lang="en-US" altLang="ja-JP" sz="2000" dirty="0"/>
-              <a:t>(s</a:t>
-            </a:r>
-            <a:r>
-              <a:rPr lang="en-US" altLang="ja-JP" sz="2000" dirty="0" smtClean="0"/>
-              <a:t>)</a:t>
-            </a:r>
-          </a:p>
-          <a:p>
-            <a:pPr lvl="2"/>
-            <a:r>
-              <a:rPr lang="en-US" altLang="ja-JP" sz="1600" dirty="0"/>
-              <a:t>G:\</a:t>
-            </a:r>
-            <a:r>
-              <a:rPr lang="en-US" altLang="ja-JP" sz="1600" dirty="0" smtClean="0"/>
-              <a:t>Android\Project\garbage\gradleBuild\outputs\apk\release\garbage-release.apk </a:t>
-            </a:r>
-            <a:r>
-              <a:rPr lang="ja-JP" altLang="en-US" sz="1600" dirty="0"/>
-              <a:t>が</a:t>
-            </a:r>
-            <a:r>
-              <a:rPr lang="ja-JP" altLang="en-US" sz="1600" dirty="0" smtClean="0"/>
-              <a:t>できる</a:t>
-            </a:r>
-            <a:endParaRPr lang="en-US" altLang="ja-JP" sz="1600" dirty="0" smtClean="0"/>
-          </a:p>
-          <a:p>
-            <a:pPr lvl="1"/>
-            <a:r>
-              <a:rPr lang="en-US" altLang="ja-JP" sz="2000" dirty="0"/>
-              <a:t>Build</a:t>
-            </a:r>
-            <a:r>
-              <a:rPr lang="ja-JP" altLang="en-US" sz="2000" dirty="0"/>
-              <a:t> </a:t>
-            </a:r>
-            <a:r>
-              <a:rPr lang="en-US" altLang="ja-JP" sz="2000" dirty="0"/>
-              <a:t>Variant</a:t>
-            </a:r>
-            <a:r>
-              <a:rPr lang="ja-JP" altLang="en-US" sz="2000" dirty="0"/>
-              <a:t> </a:t>
-            </a:r>
-            <a:r>
-              <a:rPr lang="ja-JP" altLang="en-US" sz="2000" dirty="0" smtClean="0"/>
-              <a:t>を</a:t>
-            </a:r>
-            <a:r>
-              <a:rPr lang="en-US" altLang="ja-JP" sz="2000" dirty="0" smtClean="0"/>
-              <a:t>release</a:t>
-            </a:r>
-            <a:r>
-              <a:rPr lang="ja-JP" altLang="en-US" sz="2000" dirty="0" smtClean="0"/>
-              <a:t>にし</a:t>
-            </a:r>
-            <a:r>
-              <a:rPr lang="ja-JP" altLang="en-US" sz="2000" dirty="0"/>
-              <a:t>、</a:t>
-            </a:r>
-            <a:r>
-              <a:rPr lang="en-US" altLang="ja-JP" sz="2000" dirty="0"/>
-              <a:t>Build</a:t>
-            </a:r>
-            <a:r>
-              <a:rPr lang="ja-JP" altLang="en-US" sz="2000" dirty="0" smtClean="0"/>
-              <a:t>～</a:t>
-            </a:r>
-            <a:r>
-              <a:rPr lang="en-US" altLang="ja-JP" sz="2000" dirty="0" smtClean="0"/>
-              <a:t>Generate</a:t>
-            </a:r>
-            <a:r>
-              <a:rPr lang="ja-JP" altLang="en-US" sz="2000" dirty="0" smtClean="0"/>
-              <a:t> </a:t>
-            </a:r>
-            <a:r>
-              <a:rPr lang="en-US" altLang="ja-JP" sz="2000" dirty="0" smtClean="0"/>
-              <a:t>Signed</a:t>
-            </a:r>
-            <a:r>
-              <a:rPr lang="ja-JP" altLang="en-US" sz="2000" dirty="0" smtClean="0"/>
-              <a:t> </a:t>
-            </a:r>
-            <a:r>
-              <a:rPr lang="en-US" altLang="ja-JP" sz="2000" dirty="0" err="1" smtClean="0"/>
-              <a:t>Apk</a:t>
-            </a:r>
             <a:endParaRPr lang="en-US" altLang="ja-JP" sz="2000" dirty="0" smtClean="0"/>
-          </a:p>
-          <a:p>
-            <a:pPr lvl="2"/>
-            <a:r>
-              <a:rPr lang="en-US" altLang="ja-JP" sz="1600" dirty="0"/>
-              <a:t>G:\</a:t>
-            </a:r>
-            <a:r>
-              <a:rPr lang="en-US" altLang="ja-JP" sz="1600" dirty="0" smtClean="0"/>
-              <a:t>Android\Project\garbage\release\garbage-release.apk </a:t>
-            </a:r>
-            <a:r>
-              <a:rPr lang="ja-JP" altLang="en-US" sz="1600" dirty="0" smtClean="0"/>
-              <a:t>ができる</a:t>
-            </a:r>
-            <a:endParaRPr lang="en-US" altLang="ja-JP" sz="1600" dirty="0" smtClean="0"/>
-          </a:p>
-          <a:p>
-            <a:pPr lvl="2"/>
-            <a:endParaRPr lang="en-US" altLang="ja-JP" sz="1600" dirty="0"/>
-          </a:p>
-          <a:p>
-            <a:pPr lvl="1"/>
-            <a:r>
-              <a:rPr lang="ja-JP" altLang="en-US" sz="2000" dirty="0" smtClean="0"/>
-              <a:t>スマホを</a:t>
-            </a:r>
-            <a:r>
-              <a:rPr lang="en-US" altLang="ja-JP" sz="2000" dirty="0" smtClean="0"/>
-              <a:t>PC</a:t>
-            </a:r>
-            <a:r>
-              <a:rPr lang="ja-JP" altLang="en-US" sz="2000" dirty="0" smtClean="0"/>
-              <a:t>につないで、</a:t>
-            </a:r>
-            <a:r>
-              <a:rPr lang="en-US" altLang="ja-JP" sz="2000" dirty="0" smtClean="0"/>
-              <a:t>Run</a:t>
-            </a:r>
-            <a:r>
-              <a:rPr lang="ja-JP" altLang="en-US" sz="2000" dirty="0" smtClean="0"/>
-              <a:t> 実行</a:t>
-            </a:r>
-            <a:endParaRPr lang="en-US" altLang="ja-JP" sz="2000" dirty="0"/>
-          </a:p>
-          <a:p>
-            <a:pPr lvl="2"/>
-            <a:endParaRPr lang="en-US" altLang="ja-JP" sz="1600" dirty="0"/>
           </a:p>
         </p:txBody>
       </p:sp>
@@ -9495,7 +9400,7 @@
             <a:pPr algn="ctr"/>
             <a:r>
               <a:rPr kumimoji="1" lang="ja-JP" altLang="en-US" dirty="0" smtClean="0"/>
-              <a:t>スマホ</a:t>
+              <a:t>後処理</a:t>
             </a:r>
             <a:endParaRPr kumimoji="1" lang="ja-JP" altLang="en-US" dirty="0"/>
           </a:p>
@@ -9504,7 +9409,7 @@
     </p:spTree>
     <p:extLst>
       <p:ext uri="{BB962C8B-B14F-4D97-AF65-F5344CB8AC3E}">
-        <p14:creationId xmlns:p14="http://schemas.microsoft.com/office/powerpoint/2010/main" val="2488773012"/>
+        <p14:creationId xmlns:p14="http://schemas.microsoft.com/office/powerpoint/2010/main" val="3642046527"/>
       </p:ext>
     </p:extLst>
   </p:cSld>
@@ -9550,6 +9455,475 @@
         </p:nvSpPr>
         <p:spPr>
           <a:xfrm>
+            <a:off x="457200" y="188640"/>
+            <a:ext cx="8229600" cy="1143000"/>
+          </a:xfrm>
+        </p:spPr>
+        <p:txBody>
+          <a:bodyPr>
+            <a:normAutofit/>
+          </a:bodyPr>
+          <a:lstStyle/>
+          <a:p>
+            <a:r>
+              <a:rPr lang="en-US" altLang="ja-JP" sz="2800" dirty="0" smtClean="0"/>
+              <a:t>Android</a:t>
+            </a:r>
+            <a:r>
+              <a:rPr lang="ja-JP" altLang="en-US" sz="2800" dirty="0" smtClean="0"/>
+              <a:t> </a:t>
+            </a:r>
+            <a:r>
+              <a:rPr lang="en-US" altLang="ja-JP" sz="2800" dirty="0" smtClean="0"/>
+              <a:t>Studio</a:t>
+            </a:r>
+            <a:br>
+              <a:rPr lang="en-US" altLang="ja-JP" sz="2800" dirty="0" smtClean="0"/>
+            </a:br>
+            <a:endParaRPr lang="ja-JP" altLang="en-US" sz="2800" dirty="0"/>
+          </a:p>
+        </p:txBody>
+      </p:sp>
+      <p:sp>
+        <p:nvSpPr>
+          <p:cNvPr id="3" name="コンテンツ プレースホルダー 2"/>
+          <p:cNvSpPr>
+            <a:spLocks noGrp="1"/>
+          </p:cNvSpPr>
+          <p:nvPr>
+            <p:ph idx="1"/>
+          </p:nvPr>
+        </p:nvSpPr>
+        <p:spPr>
+          <a:xfrm>
+            <a:off x="457200" y="1412776"/>
+            <a:ext cx="8229600" cy="4713387"/>
+          </a:xfrm>
+        </p:spPr>
+        <p:txBody>
+          <a:bodyPr>
+            <a:normAutofit/>
+          </a:bodyPr>
+          <a:lstStyle/>
+          <a:p>
+            <a:r>
+              <a:rPr lang="en-US" altLang="ja-JP" sz="2400" dirty="0" smtClean="0"/>
+              <a:t>Android</a:t>
+            </a:r>
+            <a:r>
+              <a:rPr lang="ja-JP" altLang="en-US" sz="2400" dirty="0" smtClean="0"/>
+              <a:t> </a:t>
+            </a:r>
+            <a:r>
+              <a:rPr lang="en-US" altLang="ja-JP" sz="2400" dirty="0" smtClean="0"/>
+              <a:t>Studio</a:t>
+            </a:r>
+            <a:endParaRPr lang="en-US" altLang="ja-JP" sz="2400" dirty="0"/>
+          </a:p>
+          <a:p>
+            <a:pPr lvl="1"/>
+            <a:r>
+              <a:rPr lang="ja-JP" altLang="en-US" sz="2000" dirty="0" smtClean="0"/>
+              <a:t>同期</a:t>
+            </a:r>
+            <a:endParaRPr lang="en-US" altLang="ja-JP" sz="2000" dirty="0" smtClean="0"/>
+          </a:p>
+          <a:p>
+            <a:pPr lvl="1"/>
+            <a:r>
+              <a:rPr lang="ja-JP" altLang="en-US" sz="2000" dirty="0" smtClean="0"/>
+              <a:t>ビルド</a:t>
+            </a:r>
+            <a:endParaRPr lang="en-US" altLang="ja-JP" sz="2000" dirty="0" smtClean="0"/>
+          </a:p>
+          <a:p>
+            <a:pPr lvl="1"/>
+            <a:r>
+              <a:rPr lang="en-US" altLang="ja-JP" sz="2000" dirty="0" smtClean="0"/>
+              <a:t>Build</a:t>
+            </a:r>
+            <a:r>
+              <a:rPr lang="ja-JP" altLang="en-US" sz="2000" dirty="0" smtClean="0"/>
+              <a:t> </a:t>
+            </a:r>
+            <a:r>
+              <a:rPr lang="en-US" altLang="ja-JP" sz="2000" dirty="0" smtClean="0"/>
+              <a:t>Variant</a:t>
+            </a:r>
+            <a:r>
+              <a:rPr lang="ja-JP" altLang="en-US" sz="2000" dirty="0" smtClean="0"/>
+              <a:t> を</a:t>
+            </a:r>
+            <a:r>
+              <a:rPr lang="en-US" altLang="ja-JP" sz="2000" dirty="0" smtClean="0"/>
+              <a:t>debug</a:t>
+            </a:r>
+            <a:r>
+              <a:rPr lang="ja-JP" altLang="en-US" sz="2000" dirty="0" smtClean="0"/>
+              <a:t>にし、</a:t>
+            </a:r>
+            <a:r>
+              <a:rPr lang="en-US" altLang="ja-JP" sz="2000" dirty="0" smtClean="0"/>
+              <a:t>Build</a:t>
+            </a:r>
+            <a:r>
+              <a:rPr lang="ja-JP" altLang="en-US" sz="2000" dirty="0" smtClean="0"/>
+              <a:t>～</a:t>
+            </a:r>
+            <a:r>
+              <a:rPr lang="en-US" altLang="ja-JP" sz="2000" dirty="0" err="1" smtClean="0"/>
+              <a:t>Buils</a:t>
+            </a:r>
+            <a:r>
+              <a:rPr lang="en-US" altLang="ja-JP" sz="2000" dirty="0" smtClean="0"/>
+              <a:t> </a:t>
+            </a:r>
+            <a:r>
+              <a:rPr lang="ja-JP" altLang="en-US" sz="2000" dirty="0" smtClean="0"/>
+              <a:t> </a:t>
+            </a:r>
+            <a:r>
+              <a:rPr lang="en-US" altLang="ja-JP" sz="2000" dirty="0" err="1" smtClean="0"/>
+              <a:t>Apk</a:t>
+            </a:r>
+            <a:r>
+              <a:rPr lang="en-US" altLang="ja-JP" sz="2000" dirty="0" smtClean="0"/>
+              <a:t>(s)</a:t>
+            </a:r>
+          </a:p>
+          <a:p>
+            <a:pPr lvl="2"/>
+            <a:r>
+              <a:rPr lang="en-US" altLang="ja-JP" sz="1600" dirty="0"/>
+              <a:t>G:\</a:t>
+            </a:r>
+            <a:r>
+              <a:rPr lang="en-US" altLang="ja-JP" sz="1600" dirty="0" smtClean="0"/>
+              <a:t>Android\Project\garbage\gradleBuild\outputs\apk\debug\garbage-debug.apk </a:t>
+            </a:r>
+            <a:r>
+              <a:rPr lang="ja-JP" altLang="en-US" sz="1600" dirty="0" smtClean="0"/>
+              <a:t>ができる</a:t>
+            </a:r>
+            <a:endParaRPr lang="en-US" altLang="ja-JP" sz="1600" dirty="0" smtClean="0"/>
+          </a:p>
+          <a:p>
+            <a:pPr lvl="1"/>
+            <a:r>
+              <a:rPr lang="en-US" altLang="ja-JP" sz="2000" dirty="0"/>
+              <a:t>Build</a:t>
+            </a:r>
+            <a:r>
+              <a:rPr lang="ja-JP" altLang="en-US" sz="2000" dirty="0"/>
+              <a:t> </a:t>
+            </a:r>
+            <a:r>
+              <a:rPr lang="en-US" altLang="ja-JP" sz="2000" dirty="0"/>
+              <a:t>Variant</a:t>
+            </a:r>
+            <a:r>
+              <a:rPr lang="ja-JP" altLang="en-US" sz="2000" dirty="0"/>
+              <a:t> </a:t>
+            </a:r>
+            <a:r>
+              <a:rPr lang="ja-JP" altLang="en-US" sz="2000" dirty="0" smtClean="0"/>
+              <a:t>を</a:t>
+            </a:r>
+            <a:r>
+              <a:rPr lang="en-US" altLang="ja-JP" sz="2000" dirty="0" smtClean="0"/>
+              <a:t>release</a:t>
+            </a:r>
+            <a:r>
+              <a:rPr lang="ja-JP" altLang="en-US" sz="2000" dirty="0" smtClean="0"/>
+              <a:t>に</a:t>
+            </a:r>
+            <a:r>
+              <a:rPr lang="ja-JP" altLang="en-US" sz="2000" dirty="0"/>
+              <a:t>し、</a:t>
+            </a:r>
+            <a:r>
+              <a:rPr lang="en-US" altLang="ja-JP" sz="2000" dirty="0"/>
+              <a:t>Build</a:t>
+            </a:r>
+            <a:r>
+              <a:rPr lang="ja-JP" altLang="en-US" sz="2000" dirty="0"/>
+              <a:t>～</a:t>
+            </a:r>
+            <a:r>
+              <a:rPr lang="en-US" altLang="ja-JP" sz="2000" dirty="0" err="1"/>
+              <a:t>Buils</a:t>
+            </a:r>
+            <a:r>
+              <a:rPr lang="en-US" altLang="ja-JP" sz="2000" dirty="0"/>
+              <a:t> </a:t>
+            </a:r>
+            <a:r>
+              <a:rPr lang="ja-JP" altLang="en-US" sz="2000" dirty="0"/>
+              <a:t> </a:t>
+            </a:r>
+            <a:r>
+              <a:rPr lang="en-US" altLang="ja-JP" sz="2000" dirty="0" err="1"/>
+              <a:t>Apk</a:t>
+            </a:r>
+            <a:r>
+              <a:rPr lang="en-US" altLang="ja-JP" sz="2000" dirty="0"/>
+              <a:t>(s</a:t>
+            </a:r>
+            <a:r>
+              <a:rPr lang="en-US" altLang="ja-JP" sz="2000" dirty="0" smtClean="0"/>
+              <a:t>)</a:t>
+            </a:r>
+          </a:p>
+          <a:p>
+            <a:pPr lvl="2"/>
+            <a:r>
+              <a:rPr lang="en-US" altLang="ja-JP" sz="1600" dirty="0"/>
+              <a:t>G:\</a:t>
+            </a:r>
+            <a:r>
+              <a:rPr lang="en-US" altLang="ja-JP" sz="1600" dirty="0" smtClean="0"/>
+              <a:t>Android\Project\garbage\gradleBuild\outputs\apk\release\garbage-release.apk </a:t>
+            </a:r>
+            <a:r>
+              <a:rPr lang="ja-JP" altLang="en-US" sz="1600" dirty="0"/>
+              <a:t>が</a:t>
+            </a:r>
+            <a:r>
+              <a:rPr lang="ja-JP" altLang="en-US" sz="1600" dirty="0" smtClean="0"/>
+              <a:t>できる</a:t>
+            </a:r>
+            <a:endParaRPr lang="en-US" altLang="ja-JP" sz="1600" dirty="0" smtClean="0"/>
+          </a:p>
+          <a:p>
+            <a:pPr lvl="1"/>
+            <a:r>
+              <a:rPr lang="en-US" altLang="ja-JP" sz="2000" dirty="0"/>
+              <a:t>Build</a:t>
+            </a:r>
+            <a:r>
+              <a:rPr lang="ja-JP" altLang="en-US" sz="2000" dirty="0"/>
+              <a:t> </a:t>
+            </a:r>
+            <a:r>
+              <a:rPr lang="en-US" altLang="ja-JP" sz="2000" dirty="0"/>
+              <a:t>Variant</a:t>
+            </a:r>
+            <a:r>
+              <a:rPr lang="ja-JP" altLang="en-US" sz="2000" dirty="0"/>
+              <a:t> </a:t>
+            </a:r>
+            <a:r>
+              <a:rPr lang="ja-JP" altLang="en-US" sz="2000" dirty="0" smtClean="0"/>
+              <a:t>を</a:t>
+            </a:r>
+            <a:r>
+              <a:rPr lang="en-US" altLang="ja-JP" sz="2000" dirty="0" smtClean="0"/>
+              <a:t>release</a:t>
+            </a:r>
+            <a:r>
+              <a:rPr lang="ja-JP" altLang="en-US" sz="2000" dirty="0" smtClean="0"/>
+              <a:t>にし</a:t>
+            </a:r>
+            <a:r>
+              <a:rPr lang="ja-JP" altLang="en-US" sz="2000" dirty="0"/>
+              <a:t>、</a:t>
+            </a:r>
+            <a:r>
+              <a:rPr lang="en-US" altLang="ja-JP" sz="2000" dirty="0"/>
+              <a:t>Build</a:t>
+            </a:r>
+            <a:r>
+              <a:rPr lang="ja-JP" altLang="en-US" sz="2000" dirty="0" smtClean="0"/>
+              <a:t>～</a:t>
+            </a:r>
+            <a:r>
+              <a:rPr lang="en-US" altLang="ja-JP" sz="2000" dirty="0" smtClean="0"/>
+              <a:t>Generate</a:t>
+            </a:r>
+            <a:r>
+              <a:rPr lang="ja-JP" altLang="en-US" sz="2000" dirty="0" smtClean="0"/>
+              <a:t> </a:t>
+            </a:r>
+            <a:r>
+              <a:rPr lang="en-US" altLang="ja-JP" sz="2000" dirty="0" smtClean="0"/>
+              <a:t>Signed</a:t>
+            </a:r>
+            <a:r>
+              <a:rPr lang="ja-JP" altLang="en-US" sz="2000" dirty="0" smtClean="0"/>
+              <a:t> </a:t>
+            </a:r>
+            <a:r>
+              <a:rPr lang="en-US" altLang="ja-JP" sz="2000" dirty="0" err="1" smtClean="0"/>
+              <a:t>Apk</a:t>
+            </a:r>
+            <a:endParaRPr lang="en-US" altLang="ja-JP" sz="2000" dirty="0" smtClean="0"/>
+          </a:p>
+          <a:p>
+            <a:pPr lvl="2"/>
+            <a:r>
+              <a:rPr lang="en-US" altLang="ja-JP" sz="1600" dirty="0"/>
+              <a:t>G:\</a:t>
+            </a:r>
+            <a:r>
+              <a:rPr lang="en-US" altLang="ja-JP" sz="1600" dirty="0" smtClean="0"/>
+              <a:t>Android\Project\garbage\release\garbage-release.apk </a:t>
+            </a:r>
+            <a:r>
+              <a:rPr lang="ja-JP" altLang="en-US" sz="1600" dirty="0" smtClean="0"/>
+              <a:t>ができる</a:t>
+            </a:r>
+            <a:endParaRPr lang="en-US" altLang="ja-JP" sz="1600" dirty="0" smtClean="0"/>
+          </a:p>
+          <a:p>
+            <a:pPr lvl="2"/>
+            <a:endParaRPr lang="en-US" altLang="ja-JP" sz="1600" dirty="0"/>
+          </a:p>
+          <a:p>
+            <a:pPr lvl="1"/>
+            <a:r>
+              <a:rPr lang="ja-JP" altLang="en-US" sz="2000" dirty="0" smtClean="0"/>
+              <a:t>スマホを</a:t>
+            </a:r>
+            <a:r>
+              <a:rPr lang="en-US" altLang="ja-JP" sz="2000" dirty="0" smtClean="0"/>
+              <a:t>PC</a:t>
+            </a:r>
+            <a:r>
+              <a:rPr lang="ja-JP" altLang="en-US" sz="2000" dirty="0" smtClean="0"/>
+              <a:t>につないで、</a:t>
+            </a:r>
+            <a:r>
+              <a:rPr lang="en-US" altLang="ja-JP" sz="2000" dirty="0" smtClean="0"/>
+              <a:t>Run</a:t>
+            </a:r>
+            <a:r>
+              <a:rPr lang="ja-JP" altLang="en-US" sz="2000" dirty="0" smtClean="0"/>
+              <a:t> 実行</a:t>
+            </a:r>
+            <a:endParaRPr lang="en-US" altLang="ja-JP" sz="2000" dirty="0"/>
+          </a:p>
+          <a:p>
+            <a:pPr lvl="2"/>
+            <a:endParaRPr lang="en-US" altLang="ja-JP" sz="1600" dirty="0"/>
+          </a:p>
+        </p:txBody>
+      </p:sp>
+      <p:sp>
+        <p:nvSpPr>
+          <p:cNvPr id="4" name="スライド番号プレースホルダー 3"/>
+          <p:cNvSpPr>
+            <a:spLocks noGrp="1"/>
+          </p:cNvSpPr>
+          <p:nvPr>
+            <p:ph type="sldNum" sz="quarter" idx="12"/>
+          </p:nvPr>
+        </p:nvSpPr>
+        <p:spPr/>
+        <p:txBody>
+          <a:bodyPr/>
+          <a:lstStyle/>
+          <a:p>
+            <a:fld id="{57499AFA-80DF-47CA-B70E-AAAE323E0DE5}" type="slidenum">
+              <a:rPr kumimoji="1" lang="ja-JP" altLang="en-US" smtClean="0"/>
+              <a:t>21</a:t>
+            </a:fld>
+            <a:endParaRPr kumimoji="1" lang="ja-JP" altLang="en-US" dirty="0"/>
+          </a:p>
+        </p:txBody>
+      </p:sp>
+      <p:sp>
+        <p:nvSpPr>
+          <p:cNvPr id="5" name="フローチャート: 処理 4"/>
+          <p:cNvSpPr/>
+          <p:nvPr/>
+        </p:nvSpPr>
+        <p:spPr>
+          <a:xfrm>
+            <a:off x="251520" y="260648"/>
+            <a:ext cx="1368152" cy="468000"/>
+          </a:xfrm>
+          <a:prstGeom prst="flowChartProcess">
+            <a:avLst/>
+          </a:prstGeom>
+        </p:spPr>
+        <p:style>
+          <a:lnRef idx="2">
+            <a:schemeClr val="accent1">
+              <a:shade val="50000"/>
+            </a:schemeClr>
+          </a:lnRef>
+          <a:fillRef idx="1">
+            <a:schemeClr val="accent1"/>
+          </a:fillRef>
+          <a:effectRef idx="0">
+            <a:schemeClr val="accent1"/>
+          </a:effectRef>
+          <a:fontRef idx="minor">
+            <a:schemeClr val="lt1"/>
+          </a:fontRef>
+        </p:style>
+        <p:txBody>
+          <a:bodyPr rtlCol="0" anchor="ctr"/>
+          <a:lstStyle/>
+          <a:p>
+            <a:pPr algn="ctr"/>
+            <a:r>
+              <a:rPr kumimoji="1" lang="ja-JP" altLang="en-US" dirty="0" smtClean="0"/>
+              <a:t>スマホ</a:t>
+            </a:r>
+            <a:endParaRPr kumimoji="1" lang="ja-JP" altLang="en-US" dirty="0"/>
+          </a:p>
+        </p:txBody>
+      </p:sp>
+    </p:spTree>
+    <p:extLst>
+      <p:ext uri="{BB962C8B-B14F-4D97-AF65-F5344CB8AC3E}">
+        <p14:creationId xmlns:p14="http://schemas.microsoft.com/office/powerpoint/2010/main" val="2488773012"/>
+      </p:ext>
+    </p:extLst>
+  </p:cSld>
+  <p:clrMapOvr>
+    <a:masterClrMapping/>
+  </p:clrMapOvr>
+  <p:timing>
+    <p:tnLst>
+      <p:par>
+        <p:cTn id="1" dur="indefinite" restart="never" nodeType="tmRoot"/>
+      </p:par>
+    </p:tnLst>
+  </p:timing>
+</p:sld>
+</file>
+
+<file path=ppt/slides/slide22.xml><?xml version="1.0" encoding="utf-8"?>
+<p:sld xmlns:a="http://schemas.openxmlformats.org/drawingml/2006/main" xmlns:r="http://schemas.openxmlformats.org/officeDocument/2006/relationships" xmlns:p="http://schemas.openxmlformats.org/presentationml/2006/main">
+  <p:cSld>
+    <p:spTree>
+      <p:nvGrpSpPr>
+        <p:cNvPr id="1" name=""/>
+        <p:cNvGrpSpPr/>
+        <p:nvPr/>
+      </p:nvGrpSpPr>
+      <p:grpSpPr>
+        <a:xfrm>
+          <a:off x="0" y="0"/>
+          <a:ext cx="0" cy="0"/>
+          <a:chOff x="0" y="0"/>
+          <a:chExt cx="0" cy="0"/>
+        </a:xfrm>
+      </p:grpSpPr>
+      <p:sp>
+        <p:nvSpPr>
+          <p:cNvPr id="2" name="タイトル 1"/>
+          <p:cNvSpPr>
+            <a:spLocks noGrp="1"/>
+          </p:cNvSpPr>
+          <p:nvPr>
+            <p:ph type="title"/>
+          </p:nvPr>
+        </p:nvSpPr>
+        <p:spPr>
+          <a:xfrm>
             <a:off x="1043608" y="116632"/>
             <a:ext cx="7643192" cy="1143000"/>
           </a:xfrm>
@@ -9846,7 +10220,7 @@
           <a:p>
             <a:fld id="{57499AFA-80DF-47CA-B70E-AAAE323E0DE5}" type="slidenum">
               <a:rPr kumimoji="1" lang="ja-JP" altLang="en-US" smtClean="0"/>
-              <a:t>21</a:t>
+              <a:t>22</a:t>
             </a:fld>
             <a:endParaRPr kumimoji="1" lang="ja-JP" altLang="en-US"/>
           </a:p>
@@ -10031,11 +10405,7 @@
             </a:r>
             <a:r>
               <a:rPr lang="ja-JP" altLang="en-US" sz="2000" dirty="0" smtClean="0"/>
-              <a:t>を使って画像</a:t>
-            </a:r>
-            <a:r>
-              <a:rPr lang="ja-JP" altLang="en-US" sz="2000" dirty="0" smtClean="0"/>
-              <a:t>を </a:t>
+              <a:t>を使って画像を </a:t>
             </a:r>
             <a:r>
               <a:rPr lang="en-US" altLang="ja-JP" sz="2000" dirty="0" smtClean="0"/>
@@ -10043,11 +10413,7 @@
             </a:r>
             <a:r>
               <a:rPr lang="ja-JP" altLang="en-US" sz="2000" dirty="0" smtClean="0"/>
-              <a:t>位にリサイズ</a:t>
-            </a:r>
-            <a:r>
-              <a:rPr lang="ja-JP" altLang="en-US" sz="2000" dirty="0" smtClean="0"/>
-              <a:t>、水増しする</a:t>
+              <a:t>位にリサイズ、水増しする</a:t>
             </a:r>
             <a:endParaRPr lang="en-US" altLang="ja-JP" sz="2000" dirty="0" smtClean="0"/>
           </a:p>
@@ -10387,22 +10753,22 @@
           <a:lstStyle/>
           <a:p>
             <a:r>
-              <a:rPr lang="en-US" altLang="ja-JP" sz="2800" dirty="0" smtClean="0"/>
+              <a:rPr lang="en-US" altLang="ja-JP" sz="2400" dirty="0" smtClean="0"/>
               <a:t>Purpose:</a:t>
             </a:r>
           </a:p>
           <a:p>
             <a:pPr lvl="1"/>
             <a:r>
-              <a:rPr lang="ja-JP" altLang="en-US" sz="2400" dirty="0" smtClean="0"/>
+              <a:rPr lang="ja-JP" altLang="en-US" sz="2000" dirty="0" smtClean="0"/>
               <a:t>アノテーション時</a:t>
             </a:r>
             <a:r>
-              <a:rPr lang="ja-JP" altLang="en-US" sz="2400" dirty="0"/>
+              <a:rPr lang="ja-JP" altLang="en-US" sz="2000" dirty="0"/>
               <a:t>に</a:t>
             </a:r>
             <a:r>
-              <a:rPr lang="ja-JP" altLang="en-US" sz="2400" dirty="0" smtClean="0">
+              <a:rPr lang="ja-JP" altLang="en-US" sz="2000" dirty="0" smtClean="0">
                 <a:solidFill>
                   <a:srgbClr val="C00000"/>
                 </a:solidFill>
@@ -10410,7 +10776,7 @@
               <a:t>分類</a:t>
             </a:r>
             <a:r>
-              <a:rPr lang="ja-JP" altLang="en-US" sz="2400" dirty="0">
+              <a:rPr lang="ja-JP" altLang="en-US" sz="2000" dirty="0">
                 <a:solidFill>
                   <a:srgbClr val="C00000"/>
                 </a:solidFill>
@@ -10418,7 +10784,7 @@
               <a:t>番号を間違えた</a:t>
             </a:r>
             <a:r>
-              <a:rPr lang="ja-JP" altLang="en-US" sz="2400" dirty="0" smtClean="0">
+              <a:rPr lang="ja-JP" altLang="en-US" sz="2000" dirty="0" smtClean="0">
                 <a:solidFill>
                   <a:srgbClr val="C00000"/>
                 </a:solidFill>
@@ -10426,83 +10792,206 @@
               <a:t>とき</a:t>
             </a:r>
             <a:r>
-              <a:rPr lang="ja-JP" altLang="en-US" sz="2400" dirty="0" smtClean="0"/>
+              <a:rPr lang="ja-JP" altLang="en-US" sz="2000" dirty="0" smtClean="0"/>
               <a:t>、生成したテキストファイルの先頭</a:t>
             </a:r>
             <a:r>
+              <a:rPr lang="en-US" altLang="ja-JP" sz="2000" dirty="0" smtClean="0"/>
+              <a:t>1</a:t>
+            </a:r>
+            <a:r>
+              <a:rPr lang="ja-JP" altLang="en-US" sz="2000" dirty="0" smtClean="0"/>
+              <a:t>文字（間違っている分類番号）を正しい分類番号に置き換える</a:t>
+            </a:r>
+            <a:endParaRPr lang="en-US" altLang="ja-JP" sz="2000" dirty="0" smtClean="0"/>
+          </a:p>
+          <a:p>
+            <a:pPr lvl="1"/>
+            <a:r>
+              <a:rPr lang="ja-JP" altLang="en-US" sz="2000" dirty="0" smtClean="0"/>
+              <a:t>但し、分類番号は、</a:t>
+            </a:r>
+            <a:r>
+              <a:rPr lang="en-US" altLang="ja-JP" sz="2000" dirty="0" smtClean="0"/>
+              <a:t>0</a:t>
+            </a:r>
+            <a:r>
+              <a:rPr lang="ja-JP" altLang="en-US" sz="2000" dirty="0" smtClean="0"/>
+              <a:t>～</a:t>
+            </a:r>
+            <a:r>
+              <a:rPr lang="en-US" altLang="ja-JP" sz="2000" dirty="0" smtClean="0"/>
+              <a:t>9</a:t>
+            </a:r>
+            <a:r>
+              <a:rPr lang="ja-JP" altLang="en-US" sz="2000" dirty="0" smtClean="0"/>
+              <a:t>まで</a:t>
+            </a:r>
+            <a:endParaRPr lang="en-US" altLang="ja-JP" sz="2000" dirty="0" smtClean="0"/>
+          </a:p>
+          <a:p>
+            <a:r>
               <a:rPr lang="en-US" altLang="ja-JP" sz="2400" dirty="0" smtClean="0"/>
-              <a:t>1</a:t>
-            </a:r>
-            <a:r>
-              <a:rPr lang="ja-JP" altLang="en-US" sz="2400" dirty="0" smtClean="0"/>
-              <a:t>文字（間違っている分類番号）を正しい分類番号に置き換える</a:t>
+              <a:t>Usage</a:t>
+            </a:r>
+            <a:r>
+              <a:rPr lang="en-US" altLang="ja-JP" sz="2400" dirty="0"/>
+              <a:t>: </a:t>
             </a:r>
             <a:endParaRPr lang="en-US" altLang="ja-JP" sz="2400" dirty="0" smtClean="0"/>
           </a:p>
           <a:p>
             <a:pPr lvl="1"/>
             <a:r>
-              <a:rPr lang="ja-JP" altLang="en-US" sz="2400" dirty="0" smtClean="0"/>
-              <a:t>但し、分類番号は、</a:t>
-            </a:r>
-            <a:r>
-              <a:rPr lang="en-US" altLang="ja-JP" sz="2400" dirty="0" smtClean="0"/>
-              <a:t>0</a:t>
-            </a:r>
-            <a:r>
-              <a:rPr lang="ja-JP" altLang="en-US" sz="2400" dirty="0" smtClean="0"/>
-              <a:t>～</a:t>
-            </a:r>
-            <a:r>
-              <a:rPr lang="en-US" altLang="ja-JP" sz="2400" dirty="0" smtClean="0"/>
-              <a:t>9</a:t>
-            </a:r>
-            <a:r>
-              <a:rPr lang="ja-JP" altLang="en-US" sz="2400" dirty="0" smtClean="0"/>
-              <a:t>まで</a:t>
-            </a:r>
-            <a:endParaRPr lang="en-US" altLang="ja-JP" sz="2400" dirty="0" smtClean="0"/>
-          </a:p>
-          <a:p>
-            <a:r>
-              <a:rPr lang="en-US" altLang="ja-JP" sz="2800" dirty="0" smtClean="0"/>
-              <a:t>Usage</a:t>
-            </a:r>
-            <a:r>
-              <a:rPr lang="en-US" altLang="ja-JP" sz="2800" dirty="0"/>
-              <a:t>: </a:t>
-            </a:r>
-            <a:endParaRPr lang="en-US" altLang="ja-JP" sz="2800" dirty="0" smtClean="0"/>
+              <a:rPr lang="en-US" altLang="ja-JP" sz="2000" dirty="0" smtClean="0"/>
+              <a:t>$ </a:t>
+            </a:r>
+            <a:r>
+              <a:rPr lang="en-US" altLang="ja-JP" sz="2000" dirty="0"/>
+              <a:t>./replace_classid.sh </a:t>
+            </a:r>
+            <a:r>
+              <a:rPr lang="en-US" altLang="ja-JP" sz="1400" dirty="0"/>
+              <a:t>&lt;</a:t>
+            </a:r>
+            <a:r>
+              <a:rPr lang="ja-JP" altLang="en-US" sz="1400" dirty="0" smtClean="0"/>
+              <a:t>フォルダ名</a:t>
+            </a:r>
+            <a:r>
+              <a:rPr lang="en-US" altLang="ja-JP" sz="1400" dirty="0" smtClean="0"/>
+              <a:t>&gt; &lt;</a:t>
+            </a:r>
+            <a:r>
+              <a:rPr lang="ja-JP" altLang="en-US" sz="1400" dirty="0" smtClean="0"/>
+              <a:t>ファイル名</a:t>
+            </a:r>
+            <a:r>
+              <a:rPr lang="en-US" altLang="ja-JP" sz="1400" dirty="0"/>
+              <a:t>&gt;</a:t>
+            </a:r>
+            <a:r>
+              <a:rPr lang="en-US" altLang="ja-JP" sz="1400" dirty="0" smtClean="0"/>
+              <a:t> </a:t>
+            </a:r>
+            <a:r>
+              <a:rPr lang="en-US" altLang="ja-JP" sz="1400" dirty="0"/>
+              <a:t>&lt;</a:t>
+            </a:r>
+            <a:r>
+              <a:rPr lang="ja-JP" altLang="en-US" sz="1400" dirty="0" smtClean="0"/>
+              <a:t>変更後</a:t>
+            </a:r>
+            <a:r>
+              <a:rPr lang="ja-JP" altLang="en-US" sz="1400" dirty="0"/>
+              <a:t>の分類</a:t>
+            </a:r>
+            <a:r>
+              <a:rPr lang="ja-JP" altLang="en-US" sz="1400" dirty="0" smtClean="0"/>
+              <a:t>番号</a:t>
+            </a:r>
+            <a:r>
+              <a:rPr lang="en-US" altLang="ja-JP" sz="1400" dirty="0" smtClean="0"/>
+              <a:t>&gt;</a:t>
+            </a:r>
+            <a:endParaRPr lang="en-US" altLang="ja-JP" sz="2000" dirty="0" smtClean="0"/>
           </a:p>
           <a:p>
             <a:pPr lvl="1"/>
             <a:r>
-              <a:rPr lang="en-US" altLang="ja-JP" sz="2400" dirty="0" smtClean="0"/>
+              <a:rPr lang="en-US" altLang="ja-JP" sz="2000" dirty="0" smtClean="0"/>
+              <a:t>&lt;</a:t>
+            </a:r>
+            <a:r>
+              <a:rPr lang="ja-JP" altLang="en-US" sz="2000" dirty="0" smtClean="0"/>
+              <a:t>ファイル名</a:t>
+            </a:r>
+            <a:r>
+              <a:rPr lang="en-US" altLang="ja-JP" sz="2000" dirty="0" smtClean="0"/>
+              <a:t>&gt;</a:t>
+            </a:r>
+            <a:r>
+              <a:rPr lang="ja-JP" altLang="en-US" sz="2000" dirty="0" smtClean="0"/>
+              <a:t>は、</a:t>
+            </a:r>
+            <a:r>
+              <a:rPr lang="en-US" altLang="ja-JP" sz="2000" dirty="0" smtClean="0"/>
+              <a:t>&lt;</a:t>
+            </a:r>
+            <a:r>
+              <a:rPr lang="ja-JP" altLang="en-US" sz="2000" dirty="0" smtClean="0"/>
+              <a:t>ファイル名</a:t>
+            </a:r>
+            <a:r>
+              <a:rPr lang="en-US" altLang="ja-JP" sz="2000" dirty="0" smtClean="0"/>
+              <a:t>&gt;</a:t>
+            </a:r>
+            <a:r>
+              <a:rPr lang="ja-JP" altLang="en-US" sz="2000" dirty="0" smtClean="0"/>
+              <a:t>で始まる</a:t>
+            </a:r>
+            <a:r>
+              <a:rPr lang="en-US" altLang="ja-JP" sz="2000" dirty="0" smtClean="0"/>
+              <a:t>.txt</a:t>
+            </a:r>
+            <a:r>
+              <a:rPr lang="ja-JP" altLang="en-US" sz="2000" dirty="0" smtClean="0"/>
+              <a:t>ファイル</a:t>
+            </a:r>
+            <a:endParaRPr lang="en-US" altLang="ja-JP" sz="2000" dirty="0" smtClean="0"/>
+          </a:p>
+          <a:p>
+            <a:pPr lvl="1"/>
+            <a:r>
+              <a:rPr lang="ja-JP" altLang="en-US" sz="2000" dirty="0" smtClean="0"/>
+              <a:t>例</a:t>
+            </a:r>
+            <a:endParaRPr lang="en-US" altLang="ja-JP" sz="2000" dirty="0" smtClean="0"/>
+          </a:p>
+          <a:p>
+            <a:pPr lvl="1"/>
+            <a:r>
+              <a:rPr lang="en-US" altLang="ja-JP" sz="2000" dirty="0" smtClean="0"/>
               <a:t>$ </a:t>
             </a:r>
             <a:r>
-              <a:rPr lang="en-US" altLang="ja-JP" sz="2400" dirty="0"/>
+              <a:rPr lang="en-US" altLang="ja-JP" sz="2000" dirty="0"/>
               <a:t>./replace_classid.sh </a:t>
             </a:r>
             <a:r>
-              <a:rPr lang="en-US" altLang="ja-JP" sz="1600" dirty="0"/>
-              <a:t>&lt;</a:t>
-            </a:r>
+              <a:rPr lang="en-US" altLang="ja-JP" sz="2000" dirty="0" smtClean="0"/>
+              <a:t>data/2nd cell</a:t>
+            </a:r>
+            <a:r>
+              <a:rPr lang="ja-JP" altLang="en-US" sz="2000" dirty="0" smtClean="0"/>
+              <a:t> </a:t>
+            </a:r>
+            <a:r>
+              <a:rPr lang="en-US" altLang="ja-JP" sz="2000" dirty="0" smtClean="0"/>
+              <a:t>2</a:t>
+            </a:r>
+          </a:p>
+          <a:p>
+            <a:pPr lvl="1"/>
+            <a:endParaRPr lang="en-US" altLang="ja-JP" sz="2000" dirty="0" smtClean="0"/>
+          </a:p>
+          <a:p>
+            <a:pPr lvl="2"/>
             <a:r>
               <a:rPr lang="ja-JP" altLang="en-US" sz="1600" dirty="0" smtClean="0"/>
-              <a:t>フォルダ名</a:t>
-            </a:r>
+              <a:t>以下を実行する</a:t>
+            </a:r>
+            <a:endParaRPr lang="en-US" altLang="ja-JP" sz="1600" dirty="0" smtClean="0"/>
+          </a:p>
+          <a:p>
+            <a:pPr lvl="2"/>
             <a:r>
               <a:rPr lang="en-US" altLang="ja-JP" sz="1600" dirty="0" smtClean="0"/>
-              <a:t>&gt; &lt;</a:t>
-            </a:r>
-            <a:r>
-              <a:rPr lang="ja-JP" altLang="en-US" sz="1600" dirty="0" smtClean="0"/>
-              <a:t>ファイル名</a:t>
-            </a:r>
-            <a:r>
-              <a:rPr lang="en-US" altLang="ja-JP" sz="1600" dirty="0"/>
-              <a:t>&gt;</a:t>
+              <a:t>$ </a:t>
+            </a:r>
+            <a:r>
+              <a:rPr lang="en-US" altLang="ja-JP" sz="1600" dirty="0" err="1" smtClean="0"/>
+              <a:t>sed</a:t>
             </a:r>
             <a:r>
               <a:rPr lang="en-US" altLang="ja-JP" sz="1600" dirty="0" smtClean="0"/>
@@ -10510,45 +10999,17 @@
             </a:r>
             <a:r>
               <a:rPr lang="en-US" altLang="ja-JP" sz="1600" dirty="0"/>
-              <a:t>&lt;</a:t>
-            </a:r>
-            <a:r>
-              <a:rPr lang="ja-JP" altLang="en-US" sz="1600" dirty="0" smtClean="0"/>
-              <a:t>変更後</a:t>
-            </a:r>
-            <a:r>
-              <a:rPr lang="ja-JP" altLang="en-US" sz="1600" dirty="0"/>
-              <a:t>の分類</a:t>
-            </a:r>
-            <a:r>
-              <a:rPr lang="ja-JP" altLang="en-US" sz="1600" dirty="0" smtClean="0"/>
-              <a:t>番号</a:t>
-            </a:r>
-            <a:r>
-              <a:rPr lang="en-US" altLang="ja-JP" sz="1600" dirty="0" smtClean="0"/>
-              <a:t>&gt;</a:t>
-            </a:r>
-            <a:endParaRPr lang="en-US" altLang="ja-JP" sz="2400" dirty="0" smtClean="0"/>
-          </a:p>
-          <a:p>
-            <a:pPr lvl="1"/>
-            <a:r>
-              <a:rPr lang="ja-JP" altLang="en-US" sz="2400" dirty="0" smtClean="0"/>
-              <a:t>例</a:t>
-            </a:r>
-            <a:endParaRPr lang="en-US" altLang="ja-JP" sz="2400" dirty="0" smtClean="0"/>
-          </a:p>
-          <a:p>
-            <a:pPr lvl="1"/>
-            <a:r>
-              <a:rPr lang="en-US" altLang="ja-JP" sz="2400" dirty="0" smtClean="0"/>
-              <a:t>$ </a:t>
-            </a:r>
-            <a:r>
-              <a:rPr lang="en-US" altLang="ja-JP" sz="2400" dirty="0"/>
-              <a:t>./replace_classid.sh cd 2</a:t>
-            </a:r>
-            <a:endParaRPr kumimoji="1" lang="ja-JP" altLang="en-US" sz="2400" dirty="0"/>
+              <a:t>-</a:t>
+            </a:r>
+            <a:r>
+              <a:rPr lang="en-US" altLang="ja-JP" sz="1600" dirty="0" err="1"/>
+              <a:t>i</a:t>
+            </a:r>
+            <a:r>
+              <a:rPr lang="en-US" altLang="ja-JP" sz="1600" dirty="0"/>
+              <a:t> -e 's/^. /'$NEW_CLASSID' /g' $FOLDER'/'$FILE*.txt</a:t>
+            </a:r>
+            <a:endParaRPr kumimoji="1" lang="ja-JP" altLang="en-US" sz="1600" dirty="0"/>
           </a:p>
         </p:txBody>
       </p:sp>
@@ -11011,6 +11472,144 @@
             <p:ph type="title"/>
           </p:nvPr>
         </p:nvSpPr>
+        <p:spPr/>
+        <p:txBody>
+          <a:bodyPr/>
+          <a:lstStyle/>
+          <a:p>
+            <a:r>
+              <a:rPr lang="en-US" altLang="ja-JP" dirty="0"/>
+              <a:t>Yolo-img-x28_windows.py</a:t>
+            </a:r>
+            <a:endParaRPr kumimoji="1" lang="ja-JP" altLang="en-US" dirty="0"/>
+          </a:p>
+        </p:txBody>
+      </p:sp>
+      <p:sp>
+        <p:nvSpPr>
+          <p:cNvPr id="3" name="コンテンツ プレースホルダー 2"/>
+          <p:cNvSpPr>
+            <a:spLocks noGrp="1"/>
+          </p:cNvSpPr>
+          <p:nvPr>
+            <p:ph idx="1"/>
+          </p:nvPr>
+        </p:nvSpPr>
+        <p:spPr/>
+        <p:txBody>
+          <a:bodyPr/>
+          <a:lstStyle/>
+          <a:p>
+            <a:r>
+              <a:rPr kumimoji="1" lang="en-US" altLang="ja-JP" dirty="0" smtClean="0"/>
+              <a:t>$ python yolo-img-x28_windows.py &lt;image folder&gt;</a:t>
+            </a:r>
+          </a:p>
+          <a:p>
+            <a:r>
+              <a:rPr kumimoji="1" lang="en-US" altLang="ja-JP" dirty="0" smtClean="0"/>
+              <a:t>※classes.txt</a:t>
+            </a:r>
+            <a:r>
+              <a:rPr kumimoji="1" lang="ja-JP" altLang="en-US" dirty="0" smtClean="0"/>
+              <a:t> があるとエラー</a:t>
+            </a:r>
+            <a:r>
+              <a:rPr kumimoji="1" lang="ja-JP" altLang="en-US" smtClean="0"/>
+              <a:t>が出</a:t>
+            </a:r>
+            <a:r>
+              <a:rPr lang="ja-JP" altLang="en-US" smtClean="0"/>
+              <a:t>て途中でやめる</a:t>
+            </a:r>
+            <a:endParaRPr kumimoji="1" lang="en-US" altLang="ja-JP" dirty="0" smtClean="0"/>
+          </a:p>
+          <a:p>
+            <a:r>
+              <a:rPr lang="ja-JP" altLang="en-US" dirty="0"/>
+              <a:t>例</a:t>
+            </a:r>
+            <a:endParaRPr kumimoji="1" lang="en-US" altLang="ja-JP" dirty="0" smtClean="0"/>
+          </a:p>
+          <a:p>
+            <a:r>
+              <a:rPr lang="en-US" altLang="ja-JP" dirty="0"/>
+              <a:t>$ python yolo-img-x28_windows.py </a:t>
+            </a:r>
+            <a:r>
+              <a:rPr lang="en-US" altLang="ja-JP" dirty="0" smtClean="0"/>
+              <a:t>data/2nd</a:t>
+            </a:r>
+            <a:endParaRPr lang="en-US" altLang="ja-JP" dirty="0"/>
+          </a:p>
+          <a:p>
+            <a:endParaRPr kumimoji="1" lang="ja-JP" altLang="en-US" dirty="0"/>
+          </a:p>
+        </p:txBody>
+      </p:sp>
+      <p:sp>
+        <p:nvSpPr>
+          <p:cNvPr id="4" name="スライド番号プレースホルダー 3"/>
+          <p:cNvSpPr>
+            <a:spLocks noGrp="1"/>
+          </p:cNvSpPr>
+          <p:nvPr>
+            <p:ph type="sldNum" sz="quarter" idx="12"/>
+          </p:nvPr>
+        </p:nvSpPr>
+        <p:spPr/>
+        <p:txBody>
+          <a:bodyPr/>
+          <a:lstStyle/>
+          <a:p>
+            <a:fld id="{57499AFA-80DF-47CA-B70E-AAAE323E0DE5}" type="slidenum">
+              <a:rPr kumimoji="1" lang="ja-JP" altLang="en-US" smtClean="0"/>
+              <a:t>6</a:t>
+            </a:fld>
+            <a:endParaRPr kumimoji="1" lang="ja-JP" altLang="en-US"/>
+          </a:p>
+        </p:txBody>
+      </p:sp>
+    </p:spTree>
+    <p:extLst>
+      <p:ext uri="{BB962C8B-B14F-4D97-AF65-F5344CB8AC3E}">
+        <p14:creationId xmlns:p14="http://schemas.microsoft.com/office/powerpoint/2010/main" val="3708916253"/>
+      </p:ext>
+    </p:extLst>
+  </p:cSld>
+  <p:clrMapOvr>
+    <a:masterClrMapping/>
+  </p:clrMapOvr>
+</p:sld>
+</file>
+
+<file path=ppt/slides/slide7.xml><?xml version="1.0" encoding="utf-8"?>
+<p:sld xmlns:a="http://schemas.openxmlformats.org/drawingml/2006/main" xmlns:r="http://schemas.openxmlformats.org/officeDocument/2006/relationships" xmlns:p="http://schemas.openxmlformats.org/presentationml/2006/main">
+  <p:cSld>
+    <p:spTree>
+      <p:nvGrpSpPr>
+        <p:cNvPr id="1" name=""/>
+        <p:cNvGrpSpPr/>
+        <p:nvPr/>
+      </p:nvGrpSpPr>
+      <p:grpSpPr>
+        <a:xfrm>
+          <a:off x="0" y="0"/>
+          <a:ext cx="0" cy="0"/>
+          <a:chOff x="0" y="0"/>
+          <a:chExt cx="0" cy="0"/>
+        </a:xfrm>
+      </p:grpSpPr>
+      <p:sp>
+        <p:nvSpPr>
+          <p:cNvPr id="2" name="タイトル 1"/>
+          <p:cNvSpPr>
+            <a:spLocks noGrp="1"/>
+          </p:cNvSpPr>
+          <p:nvPr>
+            <p:ph type="title"/>
+          </p:nvPr>
+        </p:nvSpPr>
         <p:spPr>
           <a:xfrm>
             <a:off x="827584" y="188640"/>
@@ -11115,11 +11714,7 @@
             <a:pPr lvl="1"/>
             <a:r>
               <a:rPr lang="ja-JP" altLang="en-US" sz="2000" dirty="0" smtClean="0"/>
-              <a:t>引数</a:t>
-            </a:r>
-            <a:r>
-              <a:rPr lang="ja-JP" altLang="en-US" sz="2000" dirty="0" smtClean="0"/>
-              <a:t>で</a:t>
+              <a:t>引数で</a:t>
             </a:r>
             <a:r>
               <a:rPr lang="ja-JP" altLang="en-US" sz="2000" dirty="0"/>
@@ -11379,7 +11974,7 @@
           <a:p>
             <a:fld id="{57499AFA-80DF-47CA-B70E-AAAE323E0DE5}" type="slidenum">
               <a:rPr kumimoji="1" lang="ja-JP" altLang="en-US" smtClean="0"/>
-              <a:t>6</a:t>
+              <a:t>7</a:t>
             </a:fld>
             <a:endParaRPr kumimoji="1" lang="ja-JP" altLang="en-US"/>
           </a:p>
@@ -11433,404 +12028,6 @@
     <p:extLst>
       <p:ext uri="{BB962C8B-B14F-4D97-AF65-F5344CB8AC3E}">
         <p14:creationId xmlns:p14="http://schemas.microsoft.com/office/powerpoint/2010/main" val="982432454"/>
-      </p:ext>
-    </p:extLst>
-  </p:cSld>
-  <p:clrMapOvr>
-    <a:masterClrMapping/>
-  </p:clrMapOvr>
-  <p:timing>
-    <p:tnLst>
-      <p:par>
-        <p:cTn id="1" dur="indefinite" restart="never" nodeType="tmRoot"/>
-      </p:par>
-    </p:tnLst>
-  </p:timing>
-</p:sld>
-</file>
-
-<file path=ppt/slides/slide7.xml><?xml version="1.0" encoding="utf-8"?>
-<p:sld xmlns:a="http://schemas.openxmlformats.org/drawingml/2006/main" xmlns:r="http://schemas.openxmlformats.org/officeDocument/2006/relationships" xmlns:p="http://schemas.openxmlformats.org/presentationml/2006/main">
-  <p:cSld>
-    <p:spTree>
-      <p:nvGrpSpPr>
-        <p:cNvPr id="1" name=""/>
-        <p:cNvGrpSpPr/>
-        <p:nvPr/>
-      </p:nvGrpSpPr>
-      <p:grpSpPr>
-        <a:xfrm>
-          <a:off x="0" y="0"/>
-          <a:ext cx="0" cy="0"/>
-          <a:chOff x="0" y="0"/>
-          <a:chExt cx="0" cy="0"/>
-        </a:xfrm>
-      </p:grpSpPr>
-      <p:sp>
-        <p:nvSpPr>
-          <p:cNvPr id="2" name="タイトル 1"/>
-          <p:cNvSpPr>
-            <a:spLocks noGrp="1"/>
-          </p:cNvSpPr>
-          <p:nvPr>
-            <p:ph type="title"/>
-          </p:nvPr>
-        </p:nvSpPr>
-        <p:spPr>
-          <a:xfrm>
-            <a:off x="1187624" y="116632"/>
-            <a:ext cx="7355160" cy="1143000"/>
-          </a:xfrm>
-        </p:spPr>
-        <p:txBody>
-          <a:bodyPr>
-            <a:noAutofit/>
-          </a:bodyPr>
-          <a:lstStyle/>
-          <a:p>
-            <a:r>
-              <a:rPr lang="en-US" altLang="ja-JP" sz="2800" dirty="0" err="1" smtClean="0"/>
-              <a:t>darknet</a:t>
-            </a:r>
-            <a:r>
-              <a:rPr lang="ja-JP" altLang="en-US" sz="2800" dirty="0" smtClean="0"/>
-              <a:t>設定</a:t>
-            </a:r>
-            <a:r>
-              <a:rPr lang="ja-JP" altLang="en-US" sz="2800" dirty="0"/>
-              <a:t>ファイルの作成</a:t>
-            </a:r>
-            <a:r>
-              <a:rPr lang="en-US" altLang="ja-JP" sz="2800" dirty="0" smtClean="0"/>
-              <a:t>/</a:t>
-            </a:r>
-            <a:r>
-              <a:rPr lang="ja-JP" altLang="en-US" sz="2800" dirty="0"/>
-              <a:t>編集　</a:t>
-            </a:r>
-            <a:r>
-              <a:rPr lang="en-US" altLang="ja-JP" sz="2800" dirty="0" smtClean="0"/>
-              <a:t>(1/2</a:t>
-            </a:r>
-            <a:r>
-              <a:rPr lang="en-US" altLang="ja-JP" sz="2800" dirty="0"/>
-              <a:t>)</a:t>
-            </a:r>
-            <a:r>
-              <a:rPr lang="en-US" altLang="ja-JP" sz="2800" dirty="0" smtClean="0"/>
-              <a:t/>
-            </a:r>
-            <a:br>
-              <a:rPr lang="en-US" altLang="ja-JP" sz="2800" dirty="0" smtClean="0"/>
-            </a:br>
-            <a:r>
-              <a:rPr lang="ja-JP" altLang="en-US" sz="2800" dirty="0" smtClean="0"/>
-              <a:t>手作業</a:t>
-            </a:r>
-            <a:endParaRPr kumimoji="1" lang="ja-JP" altLang="en-US" sz="2800" dirty="0"/>
-          </a:p>
-        </p:txBody>
-      </p:sp>
-      <p:sp>
-        <p:nvSpPr>
-          <p:cNvPr id="3" name="コンテンツ プレースホルダー 2"/>
-          <p:cNvSpPr>
-            <a:spLocks noGrp="1"/>
-          </p:cNvSpPr>
-          <p:nvPr>
-            <p:ph idx="1"/>
-          </p:nvPr>
-        </p:nvSpPr>
-        <p:spPr>
-          <a:xfrm>
-            <a:off x="457200" y="1196752"/>
-            <a:ext cx="8229600" cy="5256584"/>
-          </a:xfrm>
-        </p:spPr>
-        <p:txBody>
-          <a:bodyPr>
-            <a:normAutofit/>
-          </a:bodyPr>
-          <a:lstStyle/>
-          <a:p>
-            <a:r>
-              <a:rPr lang="en-US" altLang="ja-JP" sz="2000" dirty="0" smtClean="0"/>
-              <a:t>~/</a:t>
-            </a:r>
-            <a:r>
-              <a:rPr lang="en-US" altLang="ja-JP" sz="2000" dirty="0" err="1" smtClean="0"/>
-              <a:t>darknet</a:t>
-            </a:r>
-            <a:r>
-              <a:rPr lang="en-US" altLang="ja-JP" sz="2000" dirty="0" smtClean="0"/>
-              <a:t>/</a:t>
-            </a:r>
-            <a:r>
-              <a:rPr lang="en-US" altLang="ja-JP" sz="2000" dirty="0" err="1" smtClean="0"/>
-              <a:t>cfg</a:t>
-            </a:r>
-            <a:r>
-              <a:rPr lang="ja-JP" altLang="en-US" sz="2400" dirty="0"/>
-              <a:t> </a:t>
-            </a:r>
-            <a:r>
-              <a:rPr lang="ja-JP" altLang="en-US" sz="2400" dirty="0" smtClean="0"/>
-              <a:t>に</a:t>
-            </a:r>
-            <a:r>
-              <a:rPr lang="ja-JP" altLang="en-US" sz="2400" dirty="0" smtClean="0"/>
-              <a:t>あるフォルダ</a:t>
-            </a:r>
-            <a:r>
-              <a:rPr lang="ja-JP" altLang="en-US" sz="2400" dirty="0"/>
-              <a:t>を</a:t>
-            </a:r>
-            <a:r>
-              <a:rPr lang="ja-JP" altLang="en-US" sz="2400" dirty="0" smtClean="0"/>
-              <a:t>流用コピー</a:t>
-            </a:r>
-            <a:r>
-              <a:rPr lang="ja-JP" altLang="en-US" sz="2400" dirty="0" smtClean="0"/>
-              <a:t>して新しいフォルダを作成する</a:t>
-            </a:r>
-            <a:endParaRPr lang="en-US" altLang="ja-JP" sz="2400" dirty="0" smtClean="0"/>
-          </a:p>
-          <a:p>
-            <a:pPr lvl="1"/>
-            <a:r>
-              <a:rPr lang="ja-JP" altLang="en-US" sz="2000" dirty="0" smtClean="0"/>
-              <a:t>例</a:t>
-            </a:r>
-            <a:endParaRPr lang="en-US" altLang="ja-JP" sz="2000" dirty="0" smtClean="0"/>
-          </a:p>
-          <a:p>
-            <a:pPr lvl="1"/>
-            <a:r>
-              <a:rPr lang="en-US" altLang="ja-JP" sz="2000" dirty="0" smtClean="0"/>
-              <a:t>$ cd ~/</a:t>
-            </a:r>
-            <a:r>
-              <a:rPr lang="en-US" altLang="ja-JP" sz="2000" dirty="0" err="1" smtClean="0"/>
-              <a:t>darknet</a:t>
-            </a:r>
-            <a:r>
-              <a:rPr lang="en-US" altLang="ja-JP" sz="2000" dirty="0" smtClean="0"/>
-              <a:t>/</a:t>
-            </a:r>
-            <a:r>
-              <a:rPr lang="en-US" altLang="ja-JP" sz="2000" dirty="0" err="1" smtClean="0"/>
-              <a:t>cfg</a:t>
-            </a:r>
-            <a:endParaRPr lang="en-US" altLang="ja-JP" sz="2000" dirty="0" smtClean="0"/>
-          </a:p>
-          <a:p>
-            <a:pPr lvl="1"/>
-            <a:r>
-              <a:rPr lang="en-US" altLang="ja-JP" sz="2000" dirty="0" smtClean="0"/>
-              <a:t>$ </a:t>
-            </a:r>
-            <a:r>
-              <a:rPr lang="en-US" altLang="ja-JP" sz="2000" dirty="0" err="1" smtClean="0"/>
-              <a:t>cp</a:t>
-            </a:r>
-            <a:r>
-              <a:rPr lang="en-US" altLang="ja-JP" sz="2000" dirty="0" smtClean="0"/>
-              <a:t> all all2</a:t>
-            </a:r>
-          </a:p>
-          <a:p>
-            <a:pPr lvl="1"/>
-            <a:endParaRPr lang="en-US" altLang="ja-JP" sz="2000" dirty="0" smtClean="0">
-              <a:latin typeface="+mn-ea"/>
-            </a:endParaRPr>
-          </a:p>
-          <a:p>
-            <a:r>
-              <a:rPr lang="en-US" altLang="ja-JP" sz="2400" dirty="0"/>
-              <a:t>*.data </a:t>
-            </a:r>
-            <a:r>
-              <a:rPr lang="ja-JP" altLang="en-US" sz="2400" dirty="0"/>
-              <a:t>を編集</a:t>
-            </a:r>
-            <a:r>
-              <a:rPr lang="ja-JP" altLang="en-US" sz="2400" dirty="0" smtClean="0"/>
-              <a:t>する</a:t>
-            </a:r>
-            <a:endParaRPr lang="en-US" altLang="ja-JP" sz="2000" dirty="0" smtClean="0"/>
-          </a:p>
-          <a:p>
-            <a:pPr lvl="1"/>
-            <a:r>
-              <a:rPr lang="ja-JP" altLang="en-US" sz="2000" dirty="0" smtClean="0"/>
-              <a:t>例：　分類数</a:t>
-            </a:r>
-            <a:r>
-              <a:rPr lang="en-US" altLang="ja-JP" sz="2000" dirty="0" smtClean="0"/>
-              <a:t>=10</a:t>
-            </a:r>
-            <a:r>
-              <a:rPr lang="ja-JP" altLang="en-US" sz="2000" dirty="0" smtClean="0"/>
-              <a:t>の場合の </a:t>
-            </a:r>
-            <a:r>
-              <a:rPr lang="en-US" altLang="ja-JP" sz="2000" dirty="0" smtClean="0"/>
-              <a:t>all2.data</a:t>
-            </a:r>
-          </a:p>
-          <a:p>
-            <a:pPr lvl="1"/>
-            <a:r>
-              <a:rPr lang="en-US" altLang="ja-JP" sz="2000" dirty="0" smtClean="0"/>
-              <a:t>classes </a:t>
-            </a:r>
-            <a:r>
-              <a:rPr lang="en-US" altLang="ja-JP" sz="2000" dirty="0"/>
-              <a:t>= </a:t>
-            </a:r>
-            <a:r>
-              <a:rPr lang="en-US" altLang="ja-JP" sz="2000" dirty="0" smtClean="0"/>
-              <a:t>10</a:t>
-            </a:r>
-          </a:p>
-          <a:p>
-            <a:pPr lvl="1"/>
-            <a:r>
-              <a:rPr lang="en-US" altLang="ja-JP" sz="2000" dirty="0" smtClean="0"/>
-              <a:t>train </a:t>
-            </a:r>
-            <a:r>
-              <a:rPr lang="en-US" altLang="ja-JP" sz="2000" dirty="0"/>
-              <a:t>= </a:t>
-            </a:r>
-            <a:r>
-              <a:rPr lang="en-US" altLang="ja-JP" sz="2000" dirty="0" smtClean="0"/>
-              <a:t>data/all2/train.txt</a:t>
-            </a:r>
-          </a:p>
-          <a:p>
-            <a:pPr lvl="1"/>
-            <a:r>
-              <a:rPr lang="en-US" altLang="ja-JP" sz="2000" dirty="0" smtClean="0"/>
-              <a:t>valid </a:t>
-            </a:r>
-            <a:r>
-              <a:rPr lang="en-US" altLang="ja-JP" sz="2000" dirty="0"/>
-              <a:t>= </a:t>
-            </a:r>
-            <a:r>
-              <a:rPr lang="en-US" altLang="ja-JP" sz="2000" dirty="0" smtClean="0"/>
-              <a:t>data/all2/test.txt</a:t>
-            </a:r>
-          </a:p>
-          <a:p>
-            <a:pPr lvl="1"/>
-            <a:r>
-              <a:rPr lang="en-US" altLang="ja-JP" sz="2000" dirty="0" smtClean="0"/>
-              <a:t>names </a:t>
-            </a:r>
-            <a:r>
-              <a:rPr lang="en-US" altLang="ja-JP" sz="2000" dirty="0"/>
-              <a:t>= </a:t>
-            </a:r>
-            <a:r>
-              <a:rPr lang="en-US" altLang="ja-JP" sz="2000" dirty="0" err="1" smtClean="0"/>
-              <a:t>cfg</a:t>
-            </a:r>
-            <a:r>
-              <a:rPr lang="en-US" altLang="ja-JP" sz="2000" dirty="0" smtClean="0"/>
-              <a:t>/all2/all2.names</a:t>
-            </a:r>
-          </a:p>
-          <a:p>
-            <a:pPr lvl="1"/>
-            <a:r>
-              <a:rPr lang="en-US" altLang="ja-JP" sz="2000" dirty="0" smtClean="0"/>
-              <a:t>backup </a:t>
-            </a:r>
-            <a:r>
-              <a:rPr lang="en-US" altLang="ja-JP" sz="2000" dirty="0"/>
-              <a:t>= </a:t>
-            </a:r>
-            <a:r>
-              <a:rPr lang="en-US" altLang="ja-JP" sz="2000" dirty="0" smtClean="0"/>
-              <a:t>backup</a:t>
-            </a:r>
-            <a:endParaRPr lang="en-US" altLang="ja-JP" sz="2000" dirty="0" smtClean="0"/>
-          </a:p>
-        </p:txBody>
-      </p:sp>
-      <p:sp>
-        <p:nvSpPr>
-          <p:cNvPr id="4" name="スライド番号プレースホルダー 3"/>
-          <p:cNvSpPr>
-            <a:spLocks noGrp="1"/>
-          </p:cNvSpPr>
-          <p:nvPr>
-            <p:ph type="sldNum" sz="quarter" idx="12"/>
-          </p:nvPr>
-        </p:nvSpPr>
-        <p:spPr/>
-        <p:txBody>
-          <a:bodyPr/>
-          <a:lstStyle/>
-          <a:p>
-            <a:fld id="{57499AFA-80DF-47CA-B70E-AAAE323E0DE5}" type="slidenum">
-              <a:rPr kumimoji="1" lang="ja-JP" altLang="en-US" smtClean="0"/>
-              <a:t>7</a:t>
-            </a:fld>
-            <a:endParaRPr kumimoji="1" lang="ja-JP" altLang="en-US"/>
-          </a:p>
-        </p:txBody>
-      </p:sp>
-      <p:sp>
-        <p:nvSpPr>
-          <p:cNvPr id="6" name="フローチャート: 処理 5"/>
-          <p:cNvSpPr/>
-          <p:nvPr/>
-        </p:nvSpPr>
-        <p:spPr>
-          <a:xfrm>
-            <a:off x="251520" y="260648"/>
-            <a:ext cx="1368152" cy="468000"/>
-          </a:xfrm>
-          <a:prstGeom prst="flowChartProcess">
-            <a:avLst/>
-          </a:prstGeom>
-        </p:spPr>
-        <p:style>
-          <a:lnRef idx="2">
-            <a:schemeClr val="accent1">
-              <a:shade val="50000"/>
-            </a:schemeClr>
-          </a:lnRef>
-          <a:fillRef idx="1">
-            <a:schemeClr val="accent1"/>
-          </a:fillRef>
-          <a:effectRef idx="0">
-            <a:schemeClr val="accent1"/>
-          </a:effectRef>
-          <a:fontRef idx="minor">
-            <a:schemeClr val="lt1"/>
-          </a:fontRef>
-        </p:style>
-        <p:txBody>
-          <a:bodyPr rtlCol="0" anchor="ctr"/>
-          <a:lstStyle/>
-          <a:p>
-            <a:pPr algn="ctr"/>
-            <a:r>
-              <a:rPr kumimoji="1" lang="ja-JP" altLang="en-US" dirty="0" smtClean="0"/>
-              <a:t>学習</a:t>
-            </a:r>
-            <a:endParaRPr kumimoji="1" lang="ja-JP" altLang="en-US" dirty="0"/>
-          </a:p>
-        </p:txBody>
-      </p:sp>
-    </p:spTree>
-    <p:extLst>
-      <p:ext uri="{BB962C8B-B14F-4D97-AF65-F5344CB8AC3E}">
-        <p14:creationId xmlns:p14="http://schemas.microsoft.com/office/powerpoint/2010/main" val="3886099294"/>
       </p:ext>
     </p:extLst>
   </p:cSld>
@@ -11887,31 +12084,39 @@
           <a:lstStyle/>
           <a:p>
             <a:r>
-              <a:rPr lang="en-US" altLang="ja-JP" sz="2800" dirty="0" err="1"/>
+              <a:rPr lang="en-US" altLang="ja-JP" sz="2800" dirty="0" err="1" smtClean="0"/>
               <a:t>darknet</a:t>
             </a:r>
             <a:r>
+              <a:rPr lang="ja-JP" altLang="en-US" sz="2800" dirty="0" smtClean="0"/>
+              <a:t>設定</a:t>
+            </a:r>
+            <a:r>
               <a:rPr lang="ja-JP" altLang="en-US" sz="2800" dirty="0"/>
-              <a:t>設定ファイルの作成</a:t>
+              <a:t>ファイルの作成</a:t>
+            </a:r>
+            <a:r>
+              <a:rPr lang="en-US" altLang="ja-JP" sz="2800" dirty="0" smtClean="0"/>
+              <a:t>/</a:t>
+            </a:r>
+            <a:r>
+              <a:rPr lang="ja-JP" altLang="en-US" sz="2800" dirty="0"/>
+              <a:t>編集　</a:t>
+            </a:r>
+            <a:r>
+              <a:rPr lang="en-US" altLang="ja-JP" sz="2800" dirty="0" smtClean="0"/>
+              <a:t>(1/2</a:t>
             </a:r>
             <a:r>
               <a:rPr lang="en-US" altLang="ja-JP" sz="2800" dirty="0"/>
-              <a:t>/</a:t>
-            </a:r>
-            <a:r>
-              <a:rPr lang="ja-JP" altLang="en-US" sz="2800" dirty="0" smtClean="0"/>
-              <a:t>編集　</a:t>
+              <a:t>)</a:t>
             </a:r>
             <a:r>
               <a:rPr lang="en-US" altLang="ja-JP" sz="2800" dirty="0" smtClean="0"/>
-              <a:t>(2/2)</a:t>
-            </a:r>
-            <a:r>
-              <a:rPr lang="en-US" altLang="ja-JP" sz="2800" dirty="0"/>
               <a:t/>
             </a:r>
             <a:br>
-              <a:rPr lang="en-US" altLang="ja-JP" sz="2800" dirty="0"/>
+              <a:rPr lang="en-US" altLang="ja-JP" sz="2800" dirty="0" smtClean="0"/>
             </a:br>
             <a:r>
               <a:rPr lang="ja-JP" altLang="en-US" sz="2800" dirty="0" smtClean="0"/>
@@ -11933,7 +12138,7 @@
         </p:nvSpPr>
         <p:spPr>
           <a:xfrm>
-            <a:off x="457200" y="1124744"/>
+            <a:off x="457200" y="1196752"/>
             <a:ext cx="8229600" cy="5256584"/>
           </a:xfrm>
         </p:spPr>
@@ -11944,92 +12149,124 @@
           <a:lstStyle/>
           <a:p>
             <a:r>
+              <a:rPr lang="en-US" altLang="ja-JP" sz="2000" dirty="0" smtClean="0"/>
+              <a:t>~/</a:t>
+            </a:r>
+            <a:r>
+              <a:rPr lang="en-US" altLang="ja-JP" sz="2000" dirty="0" err="1" smtClean="0"/>
+              <a:t>darknet</a:t>
+            </a:r>
+            <a:r>
+              <a:rPr lang="en-US" altLang="ja-JP" sz="2000" dirty="0" smtClean="0"/>
+              <a:t>/</a:t>
+            </a:r>
+            <a:r>
+              <a:rPr lang="en-US" altLang="ja-JP" sz="2000" dirty="0" err="1" smtClean="0"/>
+              <a:t>cfg</a:t>
+            </a:r>
+            <a:r>
+              <a:rPr lang="ja-JP" altLang="en-US" sz="2400" dirty="0"/>
+              <a:t> </a:t>
+            </a:r>
+            <a:r>
+              <a:rPr lang="ja-JP" altLang="en-US" sz="2400" dirty="0" smtClean="0"/>
+              <a:t>にあるフォルダ</a:t>
+            </a:r>
+            <a:r>
+              <a:rPr lang="ja-JP" altLang="en-US" sz="2400" dirty="0"/>
+              <a:t>を</a:t>
+            </a:r>
+            <a:r>
+              <a:rPr lang="ja-JP" altLang="en-US" sz="2400" dirty="0" smtClean="0"/>
+              <a:t>流用コピーして新しいフォルダを作成する</a:t>
+            </a:r>
+            <a:endParaRPr lang="en-US" altLang="ja-JP" sz="2400" dirty="0" smtClean="0"/>
+          </a:p>
+          <a:p>
+            <a:pPr lvl="1"/>
+            <a:r>
+              <a:rPr lang="ja-JP" altLang="en-US" sz="2000" dirty="0" smtClean="0"/>
+              <a:t>例</a:t>
+            </a:r>
+            <a:endParaRPr lang="en-US" altLang="ja-JP" sz="2000" dirty="0" smtClean="0"/>
+          </a:p>
+          <a:p>
+            <a:pPr lvl="1"/>
+            <a:r>
+              <a:rPr lang="en-US" altLang="ja-JP" sz="2000" dirty="0" smtClean="0"/>
+              <a:t>$ cd ~/</a:t>
+            </a:r>
+            <a:r>
+              <a:rPr lang="en-US" altLang="ja-JP" sz="2000" dirty="0" err="1" smtClean="0"/>
+              <a:t>darknet</a:t>
+            </a:r>
+            <a:r>
+              <a:rPr lang="en-US" altLang="ja-JP" sz="2000" dirty="0" smtClean="0"/>
+              <a:t>/</a:t>
+            </a:r>
+            <a:r>
+              <a:rPr lang="en-US" altLang="ja-JP" sz="2000" dirty="0" err="1" smtClean="0"/>
+              <a:t>cfg</a:t>
+            </a:r>
+            <a:endParaRPr lang="en-US" altLang="ja-JP" sz="2000" dirty="0" smtClean="0"/>
+          </a:p>
+          <a:p>
+            <a:pPr lvl="1"/>
+            <a:r>
+              <a:rPr lang="en-US" altLang="ja-JP" sz="2000" dirty="0" smtClean="0"/>
+              <a:t>$ </a:t>
+            </a:r>
+            <a:r>
+              <a:rPr lang="en-US" altLang="ja-JP" sz="2000" dirty="0" err="1" smtClean="0"/>
+              <a:t>cp</a:t>
+            </a:r>
+            <a:r>
+              <a:rPr lang="en-US" altLang="ja-JP" sz="2000" dirty="0" smtClean="0"/>
+              <a:t> all all2</a:t>
+            </a:r>
+          </a:p>
+          <a:p>
+            <a:pPr lvl="1"/>
+            <a:endParaRPr lang="en-US" altLang="ja-JP" sz="2000" dirty="0" smtClean="0">
+              <a:latin typeface="+mn-ea"/>
+            </a:endParaRPr>
+          </a:p>
+          <a:p>
+            <a:r>
               <a:rPr lang="en-US" altLang="ja-JP" sz="2400" dirty="0"/>
-              <a:t>*.names </a:t>
+              <a:t>*.data </a:t>
             </a:r>
             <a:r>
               <a:rPr lang="ja-JP" altLang="en-US" sz="2400" dirty="0"/>
-              <a:t>を編集する</a:t>
-            </a:r>
-            <a:endParaRPr lang="en-US" altLang="ja-JP" sz="2000" dirty="0"/>
+              <a:t>を編集</a:t>
+            </a:r>
+            <a:r>
+              <a:rPr lang="ja-JP" altLang="en-US" sz="2400" dirty="0" smtClean="0"/>
+              <a:t>する</a:t>
+            </a:r>
+            <a:endParaRPr lang="en-US" altLang="ja-JP" sz="2000" dirty="0" smtClean="0"/>
           </a:p>
           <a:p>
             <a:pPr lvl="1"/>
             <a:r>
-              <a:rPr lang="ja-JP" altLang="en-US" sz="2000" dirty="0"/>
-              <a:t>例：　</a:t>
-            </a:r>
-            <a:r>
-              <a:rPr lang="en-US" altLang="ja-JP" sz="2000" dirty="0"/>
-              <a:t>all2.names</a:t>
+              <a:rPr lang="ja-JP" altLang="en-US" sz="2000" dirty="0" smtClean="0"/>
+              <a:t>例：　分類数</a:t>
+            </a:r>
+            <a:r>
+              <a:rPr lang="en-US" altLang="ja-JP" sz="2000" dirty="0" smtClean="0"/>
+              <a:t>=10</a:t>
+            </a:r>
+            <a:r>
+              <a:rPr lang="ja-JP" altLang="en-US" sz="2000" dirty="0" smtClean="0"/>
+              <a:t>の場合の </a:t>
+            </a:r>
+            <a:r>
+              <a:rPr lang="en-US" altLang="ja-JP" sz="2000" dirty="0" smtClean="0"/>
+              <a:t>all2.data</a:t>
             </a:r>
           </a:p>
           <a:p>
             <a:pPr lvl="1"/>
-            <a:r>
-              <a:rPr lang="ja-JP" altLang="en-US" sz="2000" dirty="0"/>
-              <a:t>分類名を列挙する</a:t>
-            </a:r>
-          </a:p>
-          <a:p>
-            <a:endParaRPr lang="en-US" altLang="ja-JP" sz="2400" dirty="0" smtClean="0"/>
-          </a:p>
-          <a:p>
-            <a:r>
-              <a:rPr lang="en-US" altLang="ja-JP" sz="2400" dirty="0" smtClean="0"/>
-              <a:t>*.</a:t>
-            </a:r>
-            <a:r>
-              <a:rPr lang="en-US" altLang="ja-JP" sz="2400" dirty="0" err="1" smtClean="0"/>
-              <a:t>cfg</a:t>
-            </a:r>
-            <a:r>
-              <a:rPr lang="ja-JP" altLang="en-US" sz="2400" dirty="0" smtClean="0"/>
-              <a:t> を</a:t>
-            </a:r>
-            <a:r>
-              <a:rPr lang="ja-JP" altLang="en-US" sz="2400" dirty="0"/>
-              <a:t>編集</a:t>
-            </a:r>
-            <a:r>
-              <a:rPr lang="ja-JP" altLang="en-US" sz="2400" dirty="0" smtClean="0"/>
-              <a:t>する　（</a:t>
-            </a:r>
-            <a:r>
-              <a:rPr lang="en-US" altLang="ja-JP" sz="2400" dirty="0" smtClean="0"/>
-              <a:t>tiny-</a:t>
-            </a:r>
-            <a:r>
-              <a:rPr lang="en-US" altLang="ja-JP" sz="2400" dirty="0" err="1" smtClean="0"/>
-              <a:t>yolo</a:t>
-            </a:r>
-            <a:r>
-              <a:rPr lang="ja-JP" altLang="en-US" sz="2400" dirty="0" smtClean="0"/>
-              <a:t> の場合）</a:t>
-            </a:r>
-            <a:endParaRPr lang="en-US" altLang="ja-JP" sz="2000" dirty="0" smtClean="0"/>
-          </a:p>
-          <a:p>
-            <a:pPr lvl="1"/>
-            <a:r>
-              <a:rPr lang="ja-JP" altLang="en-US" sz="2000" dirty="0" smtClean="0"/>
-              <a:t>例：　</a:t>
-            </a:r>
-            <a:r>
-              <a:rPr lang="en-US" altLang="ja-JP" sz="2000" dirty="0" smtClean="0"/>
-              <a:t>all2.cfg</a:t>
-            </a:r>
-          </a:p>
-          <a:p>
-            <a:pPr lvl="1"/>
-            <a:r>
-              <a:rPr lang="en-US" altLang="ja-JP" sz="2000" dirty="0" smtClean="0"/>
-              <a:t>125</a:t>
-            </a:r>
-            <a:r>
-              <a:rPr lang="ja-JP" altLang="en-US" sz="2000" dirty="0" smtClean="0"/>
-              <a:t>行目：　</a:t>
-            </a:r>
             <a:r>
               <a:rPr lang="en-US" altLang="ja-JP" sz="2000" dirty="0" smtClean="0"/>
               <a:t>classes </a:t>
@@ -12047,38 +12284,64 @@
             <a:pPr lvl="1"/>
             <a:r>
               <a:rPr lang="en-US" altLang="ja-JP" sz="2000" dirty="0" smtClean="0"/>
-              <a:t>119</a:t>
-            </a:r>
-            <a:r>
-              <a:rPr lang="ja-JP" altLang="en-US" sz="2000" dirty="0" smtClean="0"/>
-              <a:t>行目：　</a:t>
-            </a:r>
-            <a:r>
-              <a:rPr lang="en-US" altLang="ja-JP" sz="2000" dirty="0" smtClean="0"/>
-              <a:t>filters=</a:t>
-            </a:r>
-            <a:r>
-              <a:rPr lang="ja-JP" altLang="en-US" sz="2000" dirty="0" smtClean="0"/>
-              <a:t> </a:t>
-            </a:r>
-            <a:r>
-              <a:rPr lang="en-US" altLang="ja-JP" sz="2000" dirty="0" smtClean="0"/>
-              <a:t>75</a:t>
-            </a:r>
-          </a:p>
-          <a:p>
-            <a:pPr lvl="2"/>
-            <a:r>
-              <a:rPr lang="en-US" altLang="ja-JP" sz="1600" dirty="0" smtClean="0"/>
-              <a:t>filters = ( classes</a:t>
-            </a:r>
-            <a:r>
-              <a:rPr lang="ja-JP" altLang="en-US" sz="1600" dirty="0" smtClean="0"/>
-              <a:t> </a:t>
-            </a:r>
-            <a:r>
-              <a:rPr lang="en-US" altLang="ja-JP" sz="1600" dirty="0" smtClean="0"/>
-              <a:t>+ 5 ) * 5</a:t>
+              <a:t>train </a:t>
+            </a:r>
+            <a:r>
+              <a:rPr lang="en-US" altLang="ja-JP" sz="2000" dirty="0"/>
+              <a:t>= </a:t>
+            </a:r>
+            <a:r>
+              <a:rPr lang="en-US" altLang="ja-JP" sz="2000" dirty="0" smtClean="0"/>
+              <a:t>data/all2/train.txt</a:t>
+            </a:r>
+          </a:p>
+          <a:p>
+            <a:pPr lvl="1"/>
+            <a:r>
+              <a:rPr lang="en-US" altLang="ja-JP" sz="2000" dirty="0" smtClean="0"/>
+              <a:t>valid </a:t>
+            </a:r>
+            <a:r>
+              <a:rPr lang="en-US" altLang="ja-JP" sz="2000" dirty="0"/>
+              <a:t>= </a:t>
+            </a:r>
+            <a:r>
+              <a:rPr lang="en-US" altLang="ja-JP" sz="2000" dirty="0" smtClean="0"/>
+              <a:t>data/all2/test.txt</a:t>
+            </a:r>
+          </a:p>
+          <a:p>
+            <a:pPr lvl="1"/>
+            <a:r>
+              <a:rPr lang="en-US" altLang="ja-JP" sz="2000" dirty="0" smtClean="0"/>
+              <a:t>names </a:t>
+            </a:r>
+            <a:r>
+              <a:rPr lang="en-US" altLang="ja-JP" sz="2000" dirty="0"/>
+              <a:t>= </a:t>
+            </a:r>
+            <a:r>
+              <a:rPr lang="en-US" altLang="ja-JP" sz="2000" dirty="0" err="1" smtClean="0"/>
+              <a:t>cfg</a:t>
+            </a:r>
+            <a:r>
+              <a:rPr lang="en-US" altLang="ja-JP" sz="2000" dirty="0" smtClean="0"/>
+              <a:t>/all2/all2.names</a:t>
+            </a:r>
+          </a:p>
+          <a:p>
+            <a:pPr lvl="1"/>
+            <a:r>
+              <a:rPr lang="en-US" altLang="ja-JP" sz="2000" dirty="0" smtClean="0"/>
+              <a:t>backup </a:t>
+            </a:r>
+            <a:r>
+              <a:rPr lang="en-US" altLang="ja-JP" sz="2000" dirty="0"/>
+              <a:t>= </a:t>
+            </a:r>
+            <a:r>
+              <a:rPr lang="en-US" altLang="ja-JP" sz="2000" dirty="0" smtClean="0"/>
+              <a:t>backup</a:t>
             </a:r>
           </a:p>
         </p:txBody>
@@ -12153,7 +12416,7 @@
     </p:spTree>
     <p:extLst>
       <p:ext uri="{BB962C8B-B14F-4D97-AF65-F5344CB8AC3E}">
-        <p14:creationId xmlns:p14="http://schemas.microsoft.com/office/powerpoint/2010/main" val="3762163845"/>
+        <p14:creationId xmlns:p14="http://schemas.microsoft.com/office/powerpoint/2010/main" val="3886099294"/>
       </p:ext>
     </p:extLst>
   </p:cSld>
@@ -12199,8 +12462,8 @@
         </p:nvSpPr>
         <p:spPr>
           <a:xfrm>
-            <a:off x="467544" y="188640"/>
-            <a:ext cx="8219256" cy="1143000"/>
+            <a:off x="1187624" y="116632"/>
+            <a:ext cx="7355160" cy="1143000"/>
           </a:xfrm>
         </p:spPr>
         <p:txBody>
@@ -12211,40 +12474,36 @@
           <a:p>
             <a:r>
               <a:rPr lang="en-US" altLang="ja-JP" sz="2800" dirty="0" err="1"/>
-              <a:t>d</a:t>
-            </a:r>
-            <a:r>
-              <a:rPr kumimoji="1" lang="en-US" altLang="ja-JP" sz="2800" dirty="0" err="1" smtClean="0"/>
-              <a:t>arknet</a:t>
-            </a:r>
-            <a:r>
-              <a:rPr kumimoji="1" lang="ja-JP" altLang="en-US" sz="2800" dirty="0" smtClean="0"/>
-              <a:t> 学習</a:t>
-            </a:r>
-            <a:r>
-              <a:rPr kumimoji="1" lang="en-US" altLang="ja-JP" sz="2800" dirty="0" smtClean="0"/>
+              <a:t>darknet</a:t>
+            </a:r>
+            <a:r>
+              <a:rPr lang="ja-JP" altLang="en-US" sz="2800" dirty="0"/>
+              <a:t>設定ファイルの作成</a:t>
+            </a:r>
+            <a:r>
+              <a:rPr lang="en-US" altLang="ja-JP" sz="2800" dirty="0"/>
+              <a:t>/</a:t>
+            </a:r>
+            <a:r>
+              <a:rPr lang="ja-JP" altLang="en-US" sz="2800" dirty="0" smtClean="0"/>
+              <a:t>編集　</a:t>
+            </a:r>
+            <a:r>
+              <a:rPr lang="en-US" altLang="ja-JP" sz="2800" dirty="0" smtClean="0"/>
+              <a:t>(2/2)</a:t>
+            </a:r>
+            <a:r>
+              <a:rPr lang="en-US" altLang="ja-JP" sz="2800" dirty="0"/>
               <a:t/>
             </a:r>
             <a:br>
-              <a:rPr kumimoji="1" lang="en-US" altLang="ja-JP" sz="2800" dirty="0" smtClean="0"/>
+              <a:rPr lang="en-US" altLang="ja-JP" sz="2800" dirty="0"/>
             </a:br>
             <a:r>
-              <a:rPr lang="ja-JP" altLang="en-US" sz="2800" dirty="0"/>
-              <a:t>　</a:t>
-            </a:r>
-            <a:r>
-              <a:rPr lang="en-US" altLang="ja-JP" sz="2800" dirty="0" smtClean="0">
-                <a:solidFill>
-                  <a:srgbClr val="C00000"/>
-                </a:solidFill>
-              </a:rPr>
-              <a:t>darknet-train.sh</a:t>
-            </a:r>
-            <a:endParaRPr kumimoji="1" lang="ja-JP" altLang="en-US" sz="2800" dirty="0">
-              <a:solidFill>
-                <a:srgbClr val="C00000"/>
-              </a:solidFill>
-            </a:endParaRPr>
+              <a:rPr lang="ja-JP" altLang="en-US" sz="2800" dirty="0" smtClean="0"/>
+              <a:t>手作業</a:t>
+            </a:r>
+            <a:endParaRPr kumimoji="1" lang="ja-JP" altLang="en-US" sz="2800" dirty="0"/>
           </a:p>
         </p:txBody>
       </p:sp>
@@ -12260,8 +12519,8 @@
         </p:nvSpPr>
         <p:spPr>
           <a:xfrm>
-            <a:off x="457200" y="1340768"/>
-            <a:ext cx="8363272" cy="5256584"/>
+            <a:off x="457200" y="1124744"/>
+            <a:ext cx="8229600" cy="5256584"/>
           </a:xfrm>
         </p:spPr>
         <p:txBody>
@@ -12271,212 +12530,142 @@
           <a:lstStyle/>
           <a:p>
             <a:r>
+              <a:rPr lang="en-US" altLang="ja-JP" sz="2400" dirty="0"/>
+              <a:t>*.names </a:t>
+            </a:r>
+            <a:r>
+              <a:rPr lang="ja-JP" altLang="en-US" sz="2400" dirty="0"/>
+              <a:t>を編集する</a:t>
+            </a:r>
+            <a:endParaRPr lang="en-US" altLang="ja-JP" sz="2000" dirty="0"/>
+          </a:p>
+          <a:p>
+            <a:pPr lvl="1"/>
+            <a:r>
+              <a:rPr lang="ja-JP" altLang="en-US" sz="2000" dirty="0"/>
+              <a:t>例：　</a:t>
+            </a:r>
+            <a:r>
+              <a:rPr lang="en-US" altLang="ja-JP" sz="2000" dirty="0"/>
+              <a:t>all2.names</a:t>
+            </a:r>
+          </a:p>
+          <a:p>
+            <a:pPr lvl="1"/>
+            <a:r>
+              <a:rPr lang="ja-JP" altLang="en-US" sz="2000" dirty="0"/>
+              <a:t>分類名を列挙する</a:t>
+            </a:r>
+          </a:p>
+          <a:p>
+            <a:endParaRPr lang="en-US" altLang="ja-JP" sz="2400" dirty="0" smtClean="0"/>
+          </a:p>
+          <a:p>
+            <a:r>
               <a:rPr lang="en-US" altLang="ja-JP" sz="2400" dirty="0" smtClean="0"/>
-              <a:t>Purpose:</a:t>
-            </a:r>
+              <a:t>*.</a:t>
+            </a:r>
+            <a:r>
+              <a:rPr lang="en-US" altLang="ja-JP" sz="2400" dirty="0" err="1" smtClean="0"/>
+              <a:t>cfg</a:t>
+            </a:r>
+            <a:r>
+              <a:rPr lang="ja-JP" altLang="en-US" sz="2400" dirty="0" smtClean="0"/>
+              <a:t> を</a:t>
+            </a:r>
+            <a:r>
+              <a:rPr lang="ja-JP" altLang="en-US" sz="2400" dirty="0"/>
+              <a:t>編集</a:t>
+            </a:r>
+            <a:r>
+              <a:rPr lang="ja-JP" altLang="en-US" sz="2400" dirty="0" smtClean="0"/>
+              <a:t>する　（</a:t>
+            </a:r>
+            <a:r>
+              <a:rPr lang="en-US" altLang="ja-JP" sz="2400" dirty="0" smtClean="0"/>
+              <a:t>tiny-</a:t>
+            </a:r>
+            <a:r>
+              <a:rPr lang="en-US" altLang="ja-JP" sz="2400" dirty="0" err="1" smtClean="0"/>
+              <a:t>yolo</a:t>
+            </a:r>
+            <a:r>
+              <a:rPr lang="ja-JP" altLang="en-US" sz="2400" dirty="0" smtClean="0"/>
+              <a:t> の場合）</a:t>
+            </a:r>
+            <a:endParaRPr lang="en-US" altLang="ja-JP" sz="2000" dirty="0" smtClean="0"/>
           </a:p>
           <a:p>
             <a:pPr lvl="1"/>
             <a:r>
-              <a:rPr lang="en-US" altLang="ja-JP" sz="2000" dirty="0" err="1"/>
-              <a:t>d</a:t>
-            </a:r>
-            <a:r>
-              <a:rPr lang="en-US" altLang="ja-JP" sz="2000" dirty="0" err="1" smtClean="0"/>
-              <a:t>arknet</a:t>
-            </a:r>
-            <a:r>
-              <a:rPr lang="en-US" altLang="ja-JP" sz="2000" dirty="0" smtClean="0"/>
-              <a:t>(YOLO)</a:t>
-            </a:r>
-            <a:r>
-              <a:rPr lang="ja-JP" altLang="en-US" sz="2000" dirty="0" err="1" smtClean="0"/>
-              <a:t>が提</a:t>
-            </a:r>
-            <a:r>
-              <a:rPr lang="ja-JP" altLang="en-US" sz="2000" dirty="0" smtClean="0"/>
-              <a:t>供している事前学習済み重み係数モデル（</a:t>
+              <a:rPr lang="ja-JP" altLang="en-US" sz="2000" dirty="0" smtClean="0"/>
+              <a:t>例：　</a:t>
+            </a:r>
+            <a:r>
+              <a:rPr lang="en-US" altLang="ja-JP" sz="2000" dirty="0" smtClean="0"/>
+              <a:t>all2.cfg</a:t>
+            </a:r>
+          </a:p>
+          <a:p>
+            <a:pPr lvl="1"/>
+            <a:r>
+              <a:rPr lang="en-US" altLang="ja-JP" sz="2000" dirty="0" smtClean="0"/>
+              <a:t>125</a:t>
+            </a:r>
+            <a:r>
+              <a:rPr lang="ja-JP" altLang="en-US" sz="2000" dirty="0" smtClean="0"/>
+              <a:t>行目：　</a:t>
+            </a:r>
+            <a:r>
+              <a:rPr lang="en-US" altLang="ja-JP" sz="2000" dirty="0" smtClean="0"/>
+              <a:t>classes </a:t>
             </a:r>
             <a:r>
               <a:rPr lang="en-US" altLang="ja-JP" sz="2000" dirty="0"/>
-              <a:t>darknet19_448.conv.23.weights</a:t>
-            </a:r>
-            <a:r>
-              <a:rPr lang="ja-JP" altLang="en-US" sz="2000" dirty="0" smtClean="0"/>
-              <a:t>）</a:t>
-            </a:r>
-            <a:r>
-              <a:rPr lang="ja-JP" altLang="en-US" baseline="30000" dirty="0" smtClean="0"/>
-              <a:t>*</a:t>
-            </a:r>
-            <a:r>
-              <a:rPr lang="en-US" altLang="ja-JP" baseline="30000" dirty="0" smtClean="0"/>
-              <a:t>1</a:t>
-            </a:r>
-            <a:r>
-              <a:rPr lang="ja-JP" altLang="en-US" sz="2000" dirty="0" smtClean="0"/>
-              <a:t>を使って学習する</a:t>
-            </a:r>
-            <a:endParaRPr lang="en-US" altLang="ja-JP" sz="2000" dirty="0" smtClean="0"/>
-          </a:p>
-          <a:p>
-            <a:r>
-              <a:rPr lang="en-US" altLang="ja-JP" sz="2400" dirty="0" smtClean="0"/>
-              <a:t>Usage</a:t>
-            </a:r>
-            <a:r>
-              <a:rPr lang="en-US" altLang="ja-JP" sz="2400" dirty="0"/>
-              <a:t>: </a:t>
-            </a:r>
-            <a:endParaRPr lang="en-US" altLang="ja-JP" sz="2400" dirty="0" smtClean="0"/>
+              <a:t>= </a:t>
+            </a:r>
+            <a:r>
+              <a:rPr lang="en-US" altLang="ja-JP" sz="2000" dirty="0" smtClean="0"/>
+              <a:t>10</a:t>
+            </a:r>
           </a:p>
           <a:p>
             <a:pPr lvl="1"/>
             <a:r>
               <a:rPr lang="en-US" altLang="ja-JP" sz="2000" dirty="0" smtClean="0"/>
-              <a:t>$ ./</a:t>
-            </a:r>
-            <a:r>
-              <a:rPr lang="en-US" altLang="ja-JP" sz="2000" dirty="0"/>
-              <a:t>darknet-train.sh</a:t>
-            </a:r>
-            <a:r>
-              <a:rPr lang="en-US" altLang="ja-JP" sz="2400" dirty="0"/>
+              <a:t>119</a:t>
+            </a:r>
+            <a:r>
+              <a:rPr lang="ja-JP" altLang="en-US" sz="2000" dirty="0" smtClean="0"/>
+              <a:t>行目：　</a:t>
+            </a:r>
+            <a:r>
+              <a:rPr lang="en-US" altLang="ja-JP" sz="2000" dirty="0" smtClean="0"/>
+              <a:t>filters=</a:t>
+            </a:r>
+            <a:r>
+              <a:rPr lang="ja-JP" altLang="en-US" sz="2000" dirty="0" smtClean="0"/>
               <a:t> </a:t>
             </a:r>
             <a:r>
-              <a:rPr lang="en-US" altLang="ja-JP" sz="1600" dirty="0">
-                <a:latin typeface="+mn-ea"/>
-              </a:rPr>
-              <a:t>&lt;</a:t>
+              <a:rPr lang="en-US" altLang="ja-JP" sz="2000" dirty="0" smtClean="0"/>
+              <a:t>75</a:t>
+            </a:r>
+          </a:p>
+          <a:p>
+            <a:pPr lvl="2"/>
+            <a:r>
+              <a:rPr lang="en-US" altLang="ja-JP" sz="1600" dirty="0" smtClean="0"/>
+              <a:t>filters = ( classes</a:t>
             </a:r>
             <a:r>
               <a:rPr lang="ja-JP" altLang="en-US" sz="1600" dirty="0" smtClean="0"/>
-              <a:t>事前学習済みモデルファイル名</a:t>
+              <a:t> </a:t>
             </a:r>
             <a:r>
               <a:rPr lang="en-US" altLang="ja-JP" sz="1600" dirty="0" smtClean="0"/>
-              <a:t>&gt; &lt;</a:t>
-            </a:r>
-            <a:r>
-              <a:rPr lang="ja-JP" altLang="en-US" sz="1600" dirty="0" smtClean="0"/>
-              <a:t>作成</a:t>
-            </a:r>
-            <a:r>
-              <a:rPr lang="ja-JP" altLang="en-US" sz="1600" dirty="0"/>
-              <a:t>する</a:t>
-            </a:r>
-            <a:r>
-              <a:rPr lang="ja-JP" altLang="en-US" sz="1600" dirty="0" smtClean="0"/>
-              <a:t>モデル名</a:t>
-            </a:r>
-            <a:r>
-              <a:rPr lang="en-US" altLang="ja-JP" sz="1600" dirty="0">
-                <a:latin typeface="+mn-ea"/>
-              </a:rPr>
-              <a:t>&gt;</a:t>
-            </a:r>
-            <a:endParaRPr lang="en-US" altLang="ja-JP" sz="2400" dirty="0" smtClean="0">
-              <a:latin typeface="+mn-ea"/>
-            </a:endParaRPr>
-          </a:p>
-          <a:p>
-            <a:pPr lvl="1"/>
-            <a:r>
-              <a:rPr lang="ja-JP" altLang="en-US" sz="2000" dirty="0" smtClean="0"/>
-              <a:t>例</a:t>
-            </a:r>
-            <a:endParaRPr lang="en-US" altLang="ja-JP" sz="2000" dirty="0" smtClean="0"/>
-          </a:p>
-          <a:p>
-            <a:pPr lvl="1"/>
-            <a:r>
-              <a:rPr lang="en-US" altLang="ja-JP" sz="2000" dirty="0" smtClean="0"/>
-              <a:t>$ </a:t>
-            </a:r>
-            <a:r>
-              <a:rPr lang="en-US" altLang="ja-JP" sz="2000" dirty="0"/>
-              <a:t>./darknet-train.sh </a:t>
-            </a:r>
-            <a:r>
-              <a:rPr lang="en-US" altLang="ja-JP" sz="2000" dirty="0" smtClean="0"/>
-              <a:t>bin/darknet19_448.conv.23 all</a:t>
-            </a:r>
-            <a:r>
-              <a:rPr lang="ja-JP" altLang="en-US" sz="2000" dirty="0"/>
-              <a:t> </a:t>
-            </a:r>
-            <a:r>
-              <a:rPr lang="en-US" altLang="ja-JP" sz="2000" dirty="0" smtClean="0"/>
-              <a:t>&gt; all2.log</a:t>
-            </a:r>
-          </a:p>
-          <a:p>
-            <a:pPr lvl="1"/>
-            <a:endParaRPr lang="en-US" altLang="ja-JP" sz="2000" dirty="0" smtClean="0"/>
-          </a:p>
-          <a:p>
-            <a:r>
-              <a:rPr lang="ja-JP" altLang="en-US" sz="2400" b="1" baseline="30000" dirty="0" smtClean="0"/>
-              <a:t>＊１</a:t>
-            </a:r>
-            <a:r>
-              <a:rPr lang="ja-JP" altLang="en-US" sz="2400" baseline="30000" dirty="0" smtClean="0"/>
-              <a:t> 学習済みの重み係数モデル</a:t>
-            </a:r>
-            <a:r>
-              <a:rPr lang="ja-JP" altLang="en-US" sz="2400" baseline="30000" dirty="0"/>
-              <a:t>を</a:t>
-            </a:r>
-            <a:r>
-              <a:rPr lang="ja-JP" altLang="en-US" sz="2400" baseline="30000" dirty="0" smtClean="0"/>
-              <a:t>用いて、繰り返し</a:t>
-            </a:r>
-            <a:r>
-              <a:rPr lang="ja-JP" altLang="en-US" sz="2400" baseline="30000" dirty="0"/>
-              <a:t>新た</a:t>
-            </a:r>
-            <a:r>
-              <a:rPr lang="ja-JP" altLang="en-US" sz="2400" baseline="30000" dirty="0" smtClean="0"/>
-              <a:t>な学習を行う転移学習方法が、かば焼きや串カツに使われる秘伝のたれの再利用方法に似ている。 </a:t>
-            </a:r>
-            <a:r>
-              <a:rPr lang="ja-JP" altLang="en-US" sz="2400" baseline="30000" dirty="0"/>
-              <a:t>ここ</a:t>
-            </a:r>
-            <a:r>
-              <a:rPr lang="ja-JP" altLang="en-US" sz="2400" baseline="30000" dirty="0" smtClean="0"/>
-              <a:t>から、この方法により学習を重ねた重み係数モデルを秘伝のたれと呼び、この方法による転移学習</a:t>
-            </a:r>
-            <a:r>
-              <a:rPr lang="ja-JP" altLang="en-US" sz="2400" baseline="30000" dirty="0"/>
-              <a:t>方法を秘伝</a:t>
-            </a:r>
-            <a:r>
-              <a:rPr lang="ja-JP" altLang="en-US" sz="2400" baseline="30000" dirty="0" smtClean="0"/>
-              <a:t>の</a:t>
-            </a:r>
-            <a:r>
-              <a:rPr lang="ja-JP" altLang="en-US" sz="2400" baseline="30000" dirty="0"/>
-              <a:t>たれ</a:t>
-            </a:r>
-            <a:r>
-              <a:rPr lang="ja-JP" altLang="en-US" sz="2400" baseline="30000" dirty="0" smtClean="0"/>
-              <a:t>学習法と名付けたが、評価の結果、繰り返し学習されるごみが過学習になる懸念があったため、この方法ではなく、</a:t>
-            </a:r>
-            <a:r>
-              <a:rPr lang="en-US" altLang="ja-JP" sz="2400" baseline="30000" dirty="0" err="1" smtClean="0"/>
-              <a:t>darknet</a:t>
-            </a:r>
-            <a:r>
-              <a:rPr lang="ja-JP" altLang="en-US" sz="2400" baseline="30000" dirty="0" err="1" smtClean="0"/>
-              <a:t>が提</a:t>
-            </a:r>
-            <a:r>
-              <a:rPr lang="ja-JP" altLang="en-US" sz="2400" baseline="30000" dirty="0" smtClean="0"/>
-              <a:t>供するモデルを利用することにした。</a:t>
-            </a:r>
-            <a:endParaRPr kumimoji="1" lang="ja-JP" altLang="en-US" sz="2400" baseline="30000" dirty="0"/>
+              <a:t>+ 5 ) * 5</a:t>
+            </a:r>
           </a:p>
         </p:txBody>
       </p:sp>
@@ -12550,7 +12739,7 @@
     </p:spTree>
     <p:extLst>
       <p:ext uri="{BB962C8B-B14F-4D97-AF65-F5344CB8AC3E}">
-        <p14:creationId xmlns:p14="http://schemas.microsoft.com/office/powerpoint/2010/main" val="1032118942"/>
+        <p14:creationId xmlns:p14="http://schemas.microsoft.com/office/powerpoint/2010/main" val="3762163845"/>
       </p:ext>
     </p:extLst>
   </p:cSld>

--- a/docs/[PPTX] ごみ分別人工知能スマホアプリ作成手順.pptx
+++ b/docs/[PPTX] ごみ分別人工知能スマホアプリ作成手順.pptx
@@ -213,7 +213,7 @@
           <a:p>
             <a:fld id="{A560109E-9573-4964-BD4D-35F4A70CE03B}" type="datetimeFigureOut">
               <a:rPr kumimoji="1" lang="ja-JP" altLang="en-US" smtClean="0"/>
-              <a:t>2018/10/26</a:t>
+              <a:t>2018/10/29</a:t>
             </a:fld>
             <a:endParaRPr kumimoji="1" lang="ja-JP" altLang="en-US"/>
           </a:p>
@@ -694,7 +694,7 @@
           <a:p>
             <a:fld id="{C8A6823F-7AC1-42EE-9E14-A8AC16C3F588}" type="datetime1">
               <a:rPr kumimoji="1" lang="ja-JP" altLang="en-US" smtClean="0"/>
-              <a:t>2018/10/26</a:t>
+              <a:t>2018/10/29</a:t>
             </a:fld>
             <a:endParaRPr kumimoji="1" lang="ja-JP" altLang="en-US"/>
           </a:p>
@@ -896,7 +896,7 @@
           <a:p>
             <a:fld id="{09384C4B-92C4-4496-AE1E-FAB18A8BE9D0}" type="datetime1">
               <a:rPr kumimoji="1" lang="ja-JP" altLang="en-US" smtClean="0"/>
-              <a:t>2018/10/26</a:t>
+              <a:t>2018/10/29</a:t>
             </a:fld>
             <a:endParaRPr kumimoji="1" lang="ja-JP" altLang="en-US"/>
           </a:p>
@@ -1108,7 +1108,7 @@
           <a:p>
             <a:fld id="{7AE3A790-0AB6-4433-8B48-8CB71B78DE6C}" type="datetime1">
               <a:rPr kumimoji="1" lang="ja-JP" altLang="en-US" smtClean="0"/>
-              <a:t>2018/10/26</a:t>
+              <a:t>2018/10/29</a:t>
             </a:fld>
             <a:endParaRPr kumimoji="1" lang="ja-JP" altLang="en-US"/>
           </a:p>
@@ -1310,7 +1310,7 @@
           <a:p>
             <a:fld id="{8042D8B2-25EC-4778-B934-53222664F608}" type="datetime1">
               <a:rPr kumimoji="1" lang="ja-JP" altLang="en-US" smtClean="0"/>
-              <a:t>2018/10/26</a:t>
+              <a:t>2018/10/29</a:t>
             </a:fld>
             <a:endParaRPr kumimoji="1" lang="ja-JP" altLang="en-US"/>
           </a:p>
@@ -1556,7 +1556,7 @@
           <a:p>
             <a:fld id="{A3584613-286D-4556-9046-CD792279FAC6}" type="datetime1">
               <a:rPr kumimoji="1" lang="ja-JP" altLang="en-US" smtClean="0"/>
-              <a:t>2018/10/26</a:t>
+              <a:t>2018/10/29</a:t>
             </a:fld>
             <a:endParaRPr kumimoji="1" lang="ja-JP" altLang="en-US"/>
           </a:p>
@@ -1908,7 +1908,7 @@
           <a:p>
             <a:fld id="{363FBF66-C15F-4F3C-AB46-431F821B35DA}" type="datetime1">
               <a:rPr kumimoji="1" lang="ja-JP" altLang="en-US" smtClean="0"/>
-              <a:t>2018/10/26</a:t>
+              <a:t>2018/10/29</a:t>
             </a:fld>
             <a:endParaRPr kumimoji="1" lang="ja-JP" altLang="en-US"/>
           </a:p>
@@ -2394,7 +2394,7 @@
           <a:p>
             <a:fld id="{AE94FF66-1221-4426-ADD8-B72085966CA8}" type="datetime1">
               <a:rPr kumimoji="1" lang="ja-JP" altLang="en-US" smtClean="0"/>
-              <a:t>2018/10/26</a:t>
+              <a:t>2018/10/29</a:t>
             </a:fld>
             <a:endParaRPr kumimoji="1" lang="ja-JP" altLang="en-US"/>
           </a:p>
@@ -2512,7 +2512,7 @@
           <a:p>
             <a:fld id="{F5D18D72-EB63-4A43-A2E4-6CB2530AB54A}" type="datetime1">
               <a:rPr kumimoji="1" lang="ja-JP" altLang="en-US" smtClean="0"/>
-              <a:t>2018/10/26</a:t>
+              <a:t>2018/10/29</a:t>
             </a:fld>
             <a:endParaRPr kumimoji="1" lang="ja-JP" altLang="en-US"/>
           </a:p>
@@ -2607,7 +2607,7 @@
           <a:p>
             <a:fld id="{60ED58BB-BC86-4F4F-8DA7-96DD292FA369}" type="datetime1">
               <a:rPr kumimoji="1" lang="ja-JP" altLang="en-US" smtClean="0"/>
-              <a:t>2018/10/26</a:t>
+              <a:t>2018/10/29</a:t>
             </a:fld>
             <a:endParaRPr kumimoji="1" lang="ja-JP" altLang="en-US"/>
           </a:p>
@@ -2916,7 +2916,7 @@
           <a:p>
             <a:fld id="{1B1937B1-B946-43A7-9943-4D25E43E16E0}" type="datetime1">
               <a:rPr kumimoji="1" lang="ja-JP" altLang="en-US" smtClean="0"/>
-              <a:t>2018/10/26</a:t>
+              <a:t>2018/10/29</a:t>
             </a:fld>
             <a:endParaRPr kumimoji="1" lang="ja-JP" altLang="en-US"/>
           </a:p>
@@ -3169,7 +3169,7 @@
           <a:p>
             <a:fld id="{9D43DE7E-24B1-4370-AC8A-5C281695CEE7}" type="datetime1">
               <a:rPr kumimoji="1" lang="ja-JP" altLang="en-US" smtClean="0"/>
-              <a:t>2018/10/26</a:t>
+              <a:t>2018/10/29</a:t>
             </a:fld>
             <a:endParaRPr kumimoji="1" lang="ja-JP" altLang="en-US"/>
           </a:p>
@@ -3414,7 +3414,7 @@
           <a:p>
             <a:fld id="{B2C6AC98-F4B7-48AC-9720-0E2DD4CDCD46}" type="datetime1">
               <a:rPr kumimoji="1" lang="ja-JP" altLang="en-US" smtClean="0"/>
-              <a:t>2018/10/26</a:t>
+              <a:t>2018/10/29</a:t>
             </a:fld>
             <a:endParaRPr kumimoji="1" lang="ja-JP" altLang="en-US"/>
           </a:p>
@@ -3859,10 +3859,15 @@
           <a:p>
             <a:r>
               <a:rPr kumimoji="1" lang="en-US" altLang="ja-JP" dirty="0" smtClean="0"/>
-              <a:t>2018/10/26</a:t>
-            </a:r>
-          </a:p>
-          <a:p>
+              <a:t>2018/10/29</a:t>
+            </a:r>
+            <a:endParaRPr kumimoji="1" lang="en-US" altLang="ja-JP" dirty="0" smtClean="0"/>
+          </a:p>
+          <a:p>
+            <a:r>
+              <a:rPr kumimoji="1" lang="en-US" altLang="ja-JP" dirty="0" err="1" smtClean="0"/>
+              <a:t>Rev.C</a:t>
+            </a:r>
             <a:endParaRPr kumimoji="1" lang="ja-JP" altLang="en-US" dirty="0"/>
           </a:p>
         </p:txBody>
@@ -4377,8 +4382,8 @@
         </p:nvSpPr>
         <p:spPr>
           <a:xfrm>
-            <a:off x="457200" y="1052736"/>
-            <a:ext cx="8229600" cy="5073427"/>
+            <a:off x="323528" y="1052736"/>
+            <a:ext cx="8496944" cy="5073427"/>
           </a:xfrm>
         </p:spPr>
         <p:txBody>
@@ -4388,8 +4393,19 @@
           <a:lstStyle/>
           <a:p>
             <a:r>
-              <a:rPr lang="ja-JP" altLang="en-US" sz="2000" dirty="0" smtClean="0"/>
-              <a:t>学習中の</a:t>
+              <a:rPr lang="en-US" altLang="ja-JP" sz="2400" dirty="0" smtClean="0"/>
+              <a:t>Commentary:</a:t>
+            </a:r>
+          </a:p>
+          <a:p>
+            <a:pPr lvl="1"/>
+            <a:r>
+              <a:rPr lang="ja-JP" altLang="en-US" sz="2000" dirty="0" smtClean="0"/>
+              <a:t>学習中</a:t>
+            </a:r>
+            <a:r>
+              <a:rPr lang="ja-JP" altLang="en-US" sz="2000" dirty="0" smtClean="0"/>
+              <a:t>の</a:t>
             </a:r>
             <a:r>
               <a:rPr lang="en-US" altLang="ja-JP" sz="2000" dirty="0" smtClean="0"/>
@@ -4402,9 +4418,14 @@
             <a:endParaRPr lang="en-US" altLang="ja-JP" sz="2000" dirty="0" smtClean="0"/>
           </a:p>
           <a:p>
-            <a:r>
-              <a:rPr lang="ja-JP" altLang="en-US" sz="2000" dirty="0" smtClean="0"/>
-              <a:t>下記コマンドで、ログをファイルに落とすと画面がスクロールしなくなるので、ターミナルをもう一つ開いて、</a:t>
+            <a:pPr lvl="1"/>
+            <a:r>
+              <a:rPr lang="ja-JP" altLang="en-US" sz="2000" dirty="0" smtClean="0"/>
+              <a:t>学習中の画面をリダイレクトすると画面</a:t>
+            </a:r>
+            <a:r>
+              <a:rPr lang="ja-JP" altLang="en-US" sz="2000" dirty="0" smtClean="0"/>
+              <a:t>がスクロールしなくなるので、ターミナルをもう一つ開いて、</a:t>
             </a:r>
             <a:r>
               <a:rPr lang="en-US" altLang="ja-JP" sz="2000" dirty="0" smtClean="0"/>
@@ -4417,7 +4438,7 @@
             <a:endParaRPr lang="en-US" altLang="ja-JP" sz="2000" dirty="0" smtClean="0"/>
           </a:p>
           <a:p>
-            <a:pPr lvl="1"/>
+            <a:pPr lvl="2"/>
             <a:r>
               <a:rPr lang="en-US" altLang="ja-JP" sz="1800" dirty="0" smtClean="0"/>
               <a:t>$ </a:t>
@@ -4428,7 +4449,7 @@
             </a:r>
           </a:p>
           <a:p>
-            <a:pPr lvl="1"/>
+            <a:pPr lvl="2"/>
             <a:r>
               <a:rPr lang="en-US" altLang="ja-JP" sz="1800" dirty="0" smtClean="0"/>
               <a:t>$ </a:t>
@@ -4439,19 +4460,19 @@
             </a:r>
           </a:p>
           <a:p>
+            <a:pPr lvl="3"/>
+            <a:endParaRPr lang="en-US" altLang="ja-JP" sz="500" dirty="0"/>
+          </a:p>
+          <a:p>
             <a:pPr lvl="2"/>
-            <a:endParaRPr lang="en-US" altLang="ja-JP" sz="700" dirty="0"/>
-          </a:p>
-          <a:p>
-            <a:pPr lvl="1"/>
             <a:endParaRPr lang="en-US" altLang="ja-JP" sz="1800" dirty="0" smtClean="0"/>
           </a:p>
           <a:p>
-            <a:pPr lvl="2"/>
-            <a:endParaRPr lang="en-US" altLang="ja-JP" sz="700" dirty="0"/>
-          </a:p>
-          <a:p>
-            <a:endParaRPr kumimoji="1" lang="ja-JP" altLang="en-US" sz="1100" dirty="0"/>
+            <a:pPr lvl="3"/>
+            <a:endParaRPr lang="en-US" altLang="ja-JP" sz="500" dirty="0"/>
+          </a:p>
+          <a:p>
+            <a:endParaRPr kumimoji="1" lang="ja-JP" altLang="en-US" sz="1200" dirty="0"/>
           </a:p>
         </p:txBody>
       </p:sp>
@@ -4515,8 +4536,8 @@
           <a:p>
             <a:pPr algn="ctr"/>
             <a:r>
-              <a:rPr kumimoji="1" lang="ja-JP" altLang="en-US" dirty="0" smtClean="0"/>
-              <a:t>モデル検証</a:t>
+              <a:rPr lang="ja-JP" altLang="en-US" dirty="0" smtClean="0"/>
+              <a:t>学習</a:t>
             </a:r>
             <a:endParaRPr kumimoji="1" lang="ja-JP" altLang="en-US" dirty="0"/>
           </a:p>
@@ -4544,7 +4565,7 @@
         </p:blipFill>
         <p:spPr>
           <a:xfrm>
-            <a:off x="755651" y="3068960"/>
+            <a:off x="755651" y="3275692"/>
             <a:ext cx="3312368" cy="2709779"/>
           </a:xfrm>
           <a:prstGeom prst="rect">
@@ -4574,7 +4595,7 @@
         </p:blipFill>
         <p:spPr>
           <a:xfrm>
-            <a:off x="4573931" y="3068960"/>
+            <a:off x="4573931" y="3275692"/>
             <a:ext cx="4069857" cy="2594421"/>
           </a:xfrm>
           <a:prstGeom prst="rect">
@@ -4590,8 +4611,8 @@
         </p:nvSpPr>
         <p:spPr>
           <a:xfrm>
-            <a:off x="992215" y="5805264"/>
-            <a:ext cx="2940228" cy="369332"/>
+            <a:off x="1134081" y="6003410"/>
+            <a:ext cx="2555508" cy="369332"/>
           </a:xfrm>
           <a:prstGeom prst="rect">
             <a:avLst/>
@@ -4606,7 +4627,11 @@
           <a:p>
             <a:r>
               <a:rPr kumimoji="1" lang="ja-JP" altLang="en-US" dirty="0" smtClean="0"/>
-              <a:t>図　学習コマンド実行中画面</a:t>
+              <a:t>学習</a:t>
+            </a:r>
+            <a:r>
+              <a:rPr kumimoji="1" lang="ja-JP" altLang="en-US" dirty="0" smtClean="0"/>
+              <a:t>コマンド実行中画面</a:t>
             </a:r>
             <a:endParaRPr kumimoji="1" lang="ja-JP" altLang="en-US" dirty="0"/>
           </a:p>
@@ -4620,8 +4645,8 @@
         </p:nvSpPr>
         <p:spPr>
           <a:xfrm>
-            <a:off x="5589188" y="5805264"/>
-            <a:ext cx="2140330" cy="369332"/>
+            <a:off x="5731054" y="6003410"/>
+            <a:ext cx="1755609" cy="369332"/>
           </a:xfrm>
           <a:prstGeom prst="rect">
             <a:avLst/>
@@ -4636,7 +4661,11 @@
           <a:p>
             <a:r>
               <a:rPr kumimoji="1" lang="ja-JP" altLang="en-US" dirty="0" smtClean="0"/>
-              <a:t>図　ログ収集中画面</a:t>
+              <a:t>ログ</a:t>
+            </a:r>
+            <a:r>
+              <a:rPr kumimoji="1" lang="ja-JP" altLang="en-US" dirty="0" smtClean="0"/>
+              <a:t>収集中画面</a:t>
             </a:r>
             <a:endParaRPr kumimoji="1" lang="ja-JP" altLang="en-US" dirty="0"/>
           </a:p>
@@ -11472,16 +11501,42 @@
             <p:ph type="title"/>
           </p:nvPr>
         </p:nvSpPr>
-        <p:spPr/>
-        <p:txBody>
-          <a:bodyPr/>
-          <a:lstStyle/>
-          <a:p>
-            <a:r>
-              <a:rPr lang="en-US" altLang="ja-JP" dirty="0"/>
+        <p:spPr>
+          <a:xfrm>
+            <a:off x="1403648" y="197768"/>
+            <a:ext cx="7283152" cy="1143000"/>
+          </a:xfrm>
+        </p:spPr>
+        <p:txBody>
+          <a:bodyPr>
+            <a:noAutofit/>
+          </a:bodyPr>
+          <a:lstStyle/>
+          <a:p>
+            <a:r>
+              <a:rPr lang="ja-JP" altLang="en-US" sz="3200" dirty="0" smtClean="0"/>
+              <a:t>画像とアノテーションファイルの水増し</a:t>
+            </a:r>
+            <a:r>
+              <a:rPr lang="en-US" altLang="ja-JP" sz="3200" dirty="0" smtClean="0"/>
+              <a:t/>
+            </a:r>
+            <a:br>
+              <a:rPr lang="en-US" altLang="ja-JP" sz="3200" dirty="0" smtClean="0"/>
+            </a:br>
+            <a:r>
+              <a:rPr lang="en-US" altLang="ja-JP" sz="3200" dirty="0" smtClean="0">
+                <a:solidFill>
+                  <a:srgbClr val="C00000"/>
+                </a:solidFill>
+              </a:rPr>
               <a:t>Yolo-img-x28_windows.py</a:t>
             </a:r>
-            <a:endParaRPr kumimoji="1" lang="ja-JP" altLang="en-US" dirty="0"/>
+            <a:endParaRPr kumimoji="1" lang="ja-JP" altLang="en-US" sz="3200" dirty="0">
+              <a:solidFill>
+                <a:srgbClr val="C00000"/>
+              </a:solidFill>
+            </a:endParaRPr>
           </a:p>
         </p:txBody>
       </p:sp>
@@ -11495,55 +11550,190 @@
             <p:ph idx="1"/>
           </p:nvPr>
         </p:nvSpPr>
-        <p:spPr/>
-        <p:txBody>
-          <a:bodyPr/>
-          <a:lstStyle/>
-          <a:p>
-            <a:r>
-              <a:rPr kumimoji="1" lang="en-US" altLang="ja-JP" dirty="0" smtClean="0"/>
-              <a:t>$ python yolo-img-x28_windows.py &lt;image folder&gt;</a:t>
-            </a:r>
-          </a:p>
-          <a:p>
-            <a:r>
-              <a:rPr kumimoji="1" lang="en-US" altLang="ja-JP" dirty="0" smtClean="0"/>
-              <a:t>※classes.txt</a:t>
-            </a:r>
-            <a:r>
-              <a:rPr kumimoji="1" lang="ja-JP" altLang="en-US" dirty="0" smtClean="0"/>
-              <a:t> があるとエラー</a:t>
-            </a:r>
-            <a:r>
-              <a:rPr kumimoji="1" lang="ja-JP" altLang="en-US" smtClean="0"/>
-              <a:t>が出</a:t>
-            </a:r>
-            <a:r>
-              <a:rPr lang="ja-JP" altLang="en-US" smtClean="0"/>
-              <a:t>て途中でやめる</a:t>
-            </a:r>
-            <a:endParaRPr kumimoji="1" lang="en-US" altLang="ja-JP" dirty="0" smtClean="0"/>
-          </a:p>
-          <a:p>
-            <a:r>
-              <a:rPr lang="ja-JP" altLang="en-US" dirty="0"/>
+        <p:spPr>
+          <a:xfrm>
+            <a:off x="457200" y="1412776"/>
+            <a:ext cx="8229600" cy="4713387"/>
+          </a:xfrm>
+        </p:spPr>
+        <p:txBody>
+          <a:bodyPr>
+            <a:noAutofit/>
+          </a:bodyPr>
+          <a:lstStyle/>
+          <a:p>
+            <a:r>
+              <a:rPr kumimoji="1" lang="en-US" altLang="ja-JP" sz="2400" dirty="0" smtClean="0"/>
+              <a:t>Process:</a:t>
+            </a:r>
+          </a:p>
+          <a:p>
+            <a:pPr lvl="1"/>
+            <a:r>
+              <a:rPr kumimoji="1" lang="ja-JP" altLang="en-US" sz="2000" dirty="0" smtClean="0"/>
+              <a:t>画像の撮影を終えたあとは、手作業でアノテーションを実施する</a:t>
+            </a:r>
+            <a:endParaRPr kumimoji="1" lang="en-US" altLang="ja-JP" sz="2000" dirty="0" smtClean="0"/>
+          </a:p>
+          <a:p>
+            <a:pPr lvl="1"/>
+            <a:r>
+              <a:rPr lang="ja-JP" altLang="en-US" sz="2000" dirty="0" smtClean="0"/>
+              <a:t>水増し</a:t>
+            </a:r>
+            <a:r>
+              <a:rPr kumimoji="1" lang="ja-JP" altLang="en-US" sz="2000" dirty="0" smtClean="0"/>
+              <a:t>の前に、画像の</a:t>
+            </a:r>
+            <a:r>
+              <a:rPr kumimoji="1" lang="en-US" altLang="ja-JP" sz="2000" dirty="0" err="1" smtClean="0"/>
+              <a:t>Exif</a:t>
+            </a:r>
+            <a:r>
+              <a:rPr kumimoji="1" lang="ja-JP" altLang="en-US" sz="2000" dirty="0" smtClean="0"/>
+              <a:t>情報を読み取り、</a:t>
+            </a:r>
+            <a:r>
+              <a:rPr lang="ja-JP" altLang="en-US" sz="2000" dirty="0" smtClean="0"/>
+              <a:t>「向き」の方向に回転してから、</a:t>
+            </a:r>
+            <a:r>
+              <a:rPr lang="en-US" altLang="ja-JP" sz="2000" dirty="0" err="1" smtClean="0"/>
+              <a:t>Exif</a:t>
+            </a:r>
+            <a:r>
+              <a:rPr lang="ja-JP" altLang="en-US" sz="2000" dirty="0" smtClean="0"/>
+              <a:t>情報を削除する（回転後の画像を基本画像とする）</a:t>
+            </a:r>
+            <a:endParaRPr kumimoji="1" lang="en-US" altLang="ja-JP" sz="2000" dirty="0" smtClean="0"/>
+          </a:p>
+          <a:p>
+            <a:pPr lvl="1"/>
+            <a:r>
+              <a:rPr kumimoji="1" lang="ja-JP" altLang="en-US" sz="2000" dirty="0" smtClean="0"/>
+              <a:t>基本画像を、</a:t>
+            </a:r>
+            <a:r>
+              <a:rPr kumimoji="1" lang="en-US" altLang="ja-JP" sz="2000" dirty="0" smtClean="0"/>
+              <a:t>4</a:t>
+            </a:r>
+            <a:r>
+              <a:rPr kumimoji="1" lang="ja-JP" altLang="en-US" sz="2000" dirty="0" smtClean="0"/>
+              <a:t>方向に回転（</a:t>
+            </a:r>
+            <a:r>
+              <a:rPr kumimoji="1" lang="en-US" altLang="ja-JP" sz="2000" dirty="0" smtClean="0"/>
+              <a:t>×4</a:t>
+            </a:r>
+            <a:r>
+              <a:rPr kumimoji="1" lang="ja-JP" altLang="en-US" sz="2000" dirty="0" smtClean="0"/>
+              <a:t>倍）した後、各種画像変換（</a:t>
+            </a:r>
+            <a:r>
+              <a:rPr kumimoji="1" lang="en-US" altLang="ja-JP" sz="2000" dirty="0" smtClean="0"/>
+              <a:t>×</a:t>
+            </a:r>
+            <a:r>
+              <a:rPr kumimoji="1" lang="ja-JP" altLang="en-US" sz="2000" dirty="0" smtClean="0"/>
+              <a:t>６種）を行い、基本画像を</a:t>
+            </a:r>
+            <a:r>
+              <a:rPr kumimoji="1" lang="en-US" altLang="ja-JP" sz="2000" dirty="0" smtClean="0"/>
+              <a:t>24</a:t>
+            </a:r>
+            <a:r>
+              <a:rPr kumimoji="1" lang="ja-JP" altLang="en-US" sz="2000" dirty="0" smtClean="0"/>
+              <a:t>倍に水増しする</a:t>
+            </a:r>
+            <a:endParaRPr kumimoji="1" lang="en-US" altLang="ja-JP" sz="2000" dirty="0" smtClean="0"/>
+          </a:p>
+          <a:p>
+            <a:pPr lvl="1"/>
+            <a:r>
+              <a:rPr lang="ja-JP" altLang="en-US" sz="2000" dirty="0"/>
+              <a:t>同時</a:t>
+            </a:r>
+            <a:r>
+              <a:rPr lang="ja-JP" altLang="en-US" sz="2000" dirty="0" smtClean="0"/>
+              <a:t>に基本画像のアノテーションファイルも</a:t>
+            </a:r>
+            <a:r>
+              <a:rPr lang="en-US" altLang="ja-JP" sz="2000" dirty="0" smtClean="0"/>
+              <a:t>24</a:t>
+            </a:r>
+            <a:r>
+              <a:rPr lang="ja-JP" altLang="en-US" sz="2000" dirty="0" smtClean="0"/>
+              <a:t>倍に水増しする</a:t>
+            </a:r>
+            <a:endParaRPr lang="en-US" altLang="ja-JP" sz="2000" dirty="0" smtClean="0"/>
+          </a:p>
+          <a:p>
+            <a:r>
+              <a:rPr lang="en-US" altLang="ja-JP" sz="2400" dirty="0" smtClean="0"/>
+              <a:t>Usage:</a:t>
+            </a:r>
+          </a:p>
+          <a:p>
+            <a:pPr lvl="1"/>
+            <a:r>
+              <a:rPr kumimoji="1" lang="en-US" altLang="ja-JP" sz="2000" dirty="0" smtClean="0"/>
+              <a:t>$ </a:t>
+            </a:r>
+            <a:r>
+              <a:rPr kumimoji="1" lang="en-US" altLang="ja-JP" sz="2000" dirty="0" smtClean="0"/>
+              <a:t>python yolo-img-x28_windows.py &lt;image folder&gt;</a:t>
+            </a:r>
+          </a:p>
+          <a:p>
+            <a:pPr lvl="2"/>
+            <a:r>
+              <a:rPr kumimoji="1" lang="en-US" altLang="ja-JP" sz="1600" dirty="0" smtClean="0"/>
+              <a:t>classes.txt</a:t>
+            </a:r>
+            <a:r>
+              <a:rPr kumimoji="1" lang="ja-JP" altLang="en-US" sz="1600" dirty="0" smtClean="0"/>
+              <a:t> </a:t>
+            </a:r>
+            <a:r>
+              <a:rPr kumimoji="1" lang="ja-JP" altLang="en-US" sz="1600" dirty="0" smtClean="0"/>
+              <a:t>があるとエラーが出</a:t>
+            </a:r>
+            <a:r>
+              <a:rPr lang="ja-JP" altLang="en-US" sz="1600" dirty="0" smtClean="0"/>
+              <a:t>て途中で</a:t>
+            </a:r>
+            <a:r>
+              <a:rPr lang="ja-JP" altLang="en-US" sz="1600" dirty="0" smtClean="0"/>
+              <a:t>やめるので</a:t>
+            </a:r>
+            <a:r>
+              <a:rPr lang="ja-JP" altLang="en-US" sz="1600" dirty="0"/>
+              <a:t>移動しておくこと</a:t>
+            </a:r>
+            <a:endParaRPr kumimoji="1" lang="en-US" altLang="ja-JP" sz="1600" dirty="0" smtClean="0"/>
+          </a:p>
+          <a:p>
+            <a:pPr lvl="1"/>
+            <a:r>
+              <a:rPr lang="ja-JP" altLang="en-US" sz="2000" dirty="0"/>
               <a:t>例</a:t>
             </a:r>
-            <a:endParaRPr kumimoji="1" lang="en-US" altLang="ja-JP" dirty="0" smtClean="0"/>
-          </a:p>
-          <a:p>
-            <a:r>
-              <a:rPr lang="en-US" altLang="ja-JP" dirty="0"/>
+            <a:endParaRPr kumimoji="1" lang="en-US" altLang="ja-JP" sz="2000" dirty="0" smtClean="0"/>
+          </a:p>
+          <a:p>
+            <a:pPr lvl="1"/>
+            <a:r>
+              <a:rPr lang="en-US" altLang="ja-JP" sz="2000" dirty="0"/>
               <a:t>$ python yolo-img-x28_windows.py </a:t>
             </a:r>
             <a:r>
-              <a:rPr lang="en-US" altLang="ja-JP" dirty="0" smtClean="0"/>
+              <a:rPr lang="en-US" altLang="ja-JP" sz="2000" dirty="0" smtClean="0"/>
               <a:t>data/2nd</a:t>
             </a:r>
-            <a:endParaRPr lang="en-US" altLang="ja-JP" dirty="0"/>
-          </a:p>
-          <a:p>
-            <a:endParaRPr kumimoji="1" lang="ja-JP" altLang="en-US" dirty="0"/>
+            <a:endParaRPr lang="en-US" altLang="ja-JP" sz="2000" dirty="0"/>
+          </a:p>
+          <a:p>
+            <a:endParaRPr kumimoji="1" lang="ja-JP" altLang="en-US" sz="2400" dirty="0"/>
           </a:p>
         </p:txBody>
       </p:sp>
@@ -11567,6 +11757,50 @@
               <a:t>6</a:t>
             </a:fld>
             <a:endParaRPr kumimoji="1" lang="ja-JP" altLang="en-US"/>
+          </a:p>
+        </p:txBody>
+      </p:sp>
+      <p:sp>
+        <p:nvSpPr>
+          <p:cNvPr id="5" name="フローチャート: 処理 4"/>
+          <p:cNvSpPr/>
+          <p:nvPr/>
+        </p:nvSpPr>
+        <p:spPr>
+          <a:xfrm>
+            <a:off x="251520" y="260648"/>
+            <a:ext cx="1368152" cy="468000"/>
+          </a:xfrm>
+          <a:prstGeom prst="flowChartProcess">
+            <a:avLst/>
+          </a:prstGeom>
+        </p:spPr>
+        <p:style>
+          <a:lnRef idx="2">
+            <a:schemeClr val="accent1">
+              <a:shade val="50000"/>
+            </a:schemeClr>
+          </a:lnRef>
+          <a:fillRef idx="1">
+            <a:schemeClr val="accent1"/>
+          </a:fillRef>
+          <a:effectRef idx="0">
+            <a:schemeClr val="accent1"/>
+          </a:effectRef>
+          <a:fontRef idx="minor">
+            <a:schemeClr val="lt1"/>
+          </a:fontRef>
+        </p:style>
+        <p:txBody>
+          <a:bodyPr rtlCol="0" anchor="ctr"/>
+          <a:lstStyle/>
+          <a:p>
+            <a:pPr algn="ctr"/>
+            <a:r>
+              <a:rPr kumimoji="1" lang="ja-JP" altLang="en-US" dirty="0" smtClean="0"/>
+              <a:t>前処理</a:t>
+            </a:r>
+            <a:endParaRPr kumimoji="1" lang="ja-JP" altLang="en-US" dirty="0"/>
           </a:p>
         </p:txBody>
       </p:sp>
@@ -11580,6 +11814,13 @@
   <p:clrMapOvr>
     <a:masterClrMapping/>
   </p:clrMapOvr>
+  <p:timing>
+    <p:tnLst>
+      <p:par>
+        <p:cTn id="1" dur="indefinite" restart="never" nodeType="tmRoot"/>
+      </p:par>
+    </p:tnLst>
+  </p:timing>
 </p:sld>
 </file>
 
@@ -11837,7 +12078,15 @@
             </a:r>
             <a:r>
               <a:rPr lang="ja-JP" altLang="en-US" sz="1400" dirty="0" smtClean="0"/>
-              <a:t>マシンにコピーから実行するか、</a:t>
+              <a:t>マシンに</a:t>
+            </a:r>
+            <a:r>
+              <a:rPr lang="ja-JP" altLang="en-US" sz="1400" dirty="0" smtClean="0"/>
+              <a:t>コピーしてから</a:t>
+            </a:r>
+            <a:r>
+              <a:rPr lang="ja-JP" altLang="en-US" sz="1400" dirty="0" smtClean="0"/>
+              <a:t>実行するか、</a:t>
             </a:r>
             <a:r>
               <a:rPr lang="en-US" altLang="ja-JP" sz="1400" dirty="0" smtClean="0"/>

--- a/docs/[PPTX] ごみ分別人工知能スマホアプリ作成手順.pptx
+++ b/docs/[PPTX] ごみ分別人工知能スマホアプリ作成手順.pptx
@@ -213,7 +213,7 @@
           <a:p>
             <a:fld id="{A560109E-9573-4964-BD4D-35F4A70CE03B}" type="datetimeFigureOut">
               <a:rPr kumimoji="1" lang="ja-JP" altLang="en-US" smtClean="0"/>
-              <a:t>2018/10/29</a:t>
+              <a:t>2018/11/6</a:t>
             </a:fld>
             <a:endParaRPr kumimoji="1" lang="ja-JP" altLang="en-US"/>
           </a:p>
@@ -694,7 +694,7 @@
           <a:p>
             <a:fld id="{C8A6823F-7AC1-42EE-9E14-A8AC16C3F588}" type="datetime1">
               <a:rPr kumimoji="1" lang="ja-JP" altLang="en-US" smtClean="0"/>
-              <a:t>2018/10/29</a:t>
+              <a:t>2018/11/6</a:t>
             </a:fld>
             <a:endParaRPr kumimoji="1" lang="ja-JP" altLang="en-US"/>
           </a:p>
@@ -896,7 +896,7 @@
           <a:p>
             <a:fld id="{09384C4B-92C4-4496-AE1E-FAB18A8BE9D0}" type="datetime1">
               <a:rPr kumimoji="1" lang="ja-JP" altLang="en-US" smtClean="0"/>
-              <a:t>2018/10/29</a:t>
+              <a:t>2018/11/6</a:t>
             </a:fld>
             <a:endParaRPr kumimoji="1" lang="ja-JP" altLang="en-US"/>
           </a:p>
@@ -1108,7 +1108,7 @@
           <a:p>
             <a:fld id="{7AE3A790-0AB6-4433-8B48-8CB71B78DE6C}" type="datetime1">
               <a:rPr kumimoji="1" lang="ja-JP" altLang="en-US" smtClean="0"/>
-              <a:t>2018/10/29</a:t>
+              <a:t>2018/11/6</a:t>
             </a:fld>
             <a:endParaRPr kumimoji="1" lang="ja-JP" altLang="en-US"/>
           </a:p>
@@ -1310,7 +1310,7 @@
           <a:p>
             <a:fld id="{8042D8B2-25EC-4778-B934-53222664F608}" type="datetime1">
               <a:rPr kumimoji="1" lang="ja-JP" altLang="en-US" smtClean="0"/>
-              <a:t>2018/10/29</a:t>
+              <a:t>2018/11/6</a:t>
             </a:fld>
             <a:endParaRPr kumimoji="1" lang="ja-JP" altLang="en-US"/>
           </a:p>
@@ -1556,7 +1556,7 @@
           <a:p>
             <a:fld id="{A3584613-286D-4556-9046-CD792279FAC6}" type="datetime1">
               <a:rPr kumimoji="1" lang="ja-JP" altLang="en-US" smtClean="0"/>
-              <a:t>2018/10/29</a:t>
+              <a:t>2018/11/6</a:t>
             </a:fld>
             <a:endParaRPr kumimoji="1" lang="ja-JP" altLang="en-US"/>
           </a:p>
@@ -1908,7 +1908,7 @@
           <a:p>
             <a:fld id="{363FBF66-C15F-4F3C-AB46-431F821B35DA}" type="datetime1">
               <a:rPr kumimoji="1" lang="ja-JP" altLang="en-US" smtClean="0"/>
-              <a:t>2018/10/29</a:t>
+              <a:t>2018/11/6</a:t>
             </a:fld>
             <a:endParaRPr kumimoji="1" lang="ja-JP" altLang="en-US"/>
           </a:p>
@@ -2394,7 +2394,7 @@
           <a:p>
             <a:fld id="{AE94FF66-1221-4426-ADD8-B72085966CA8}" type="datetime1">
               <a:rPr kumimoji="1" lang="ja-JP" altLang="en-US" smtClean="0"/>
-              <a:t>2018/10/29</a:t>
+              <a:t>2018/11/6</a:t>
             </a:fld>
             <a:endParaRPr kumimoji="1" lang="ja-JP" altLang="en-US"/>
           </a:p>
@@ -2512,7 +2512,7 @@
           <a:p>
             <a:fld id="{F5D18D72-EB63-4A43-A2E4-6CB2530AB54A}" type="datetime1">
               <a:rPr kumimoji="1" lang="ja-JP" altLang="en-US" smtClean="0"/>
-              <a:t>2018/10/29</a:t>
+              <a:t>2018/11/6</a:t>
             </a:fld>
             <a:endParaRPr kumimoji="1" lang="ja-JP" altLang="en-US"/>
           </a:p>
@@ -2607,7 +2607,7 @@
           <a:p>
             <a:fld id="{60ED58BB-BC86-4F4F-8DA7-96DD292FA369}" type="datetime1">
               <a:rPr kumimoji="1" lang="ja-JP" altLang="en-US" smtClean="0"/>
-              <a:t>2018/10/29</a:t>
+              <a:t>2018/11/6</a:t>
             </a:fld>
             <a:endParaRPr kumimoji="1" lang="ja-JP" altLang="en-US"/>
           </a:p>
@@ -2916,7 +2916,7 @@
           <a:p>
             <a:fld id="{1B1937B1-B946-43A7-9943-4D25E43E16E0}" type="datetime1">
               <a:rPr kumimoji="1" lang="ja-JP" altLang="en-US" smtClean="0"/>
-              <a:t>2018/10/29</a:t>
+              <a:t>2018/11/6</a:t>
             </a:fld>
             <a:endParaRPr kumimoji="1" lang="ja-JP" altLang="en-US"/>
           </a:p>
@@ -3169,7 +3169,7 @@
           <a:p>
             <a:fld id="{9D43DE7E-24B1-4370-AC8A-5C281695CEE7}" type="datetime1">
               <a:rPr kumimoji="1" lang="ja-JP" altLang="en-US" smtClean="0"/>
-              <a:t>2018/10/29</a:t>
+              <a:t>2018/11/6</a:t>
             </a:fld>
             <a:endParaRPr kumimoji="1" lang="ja-JP" altLang="en-US"/>
           </a:p>
@@ -3414,7 +3414,7 @@
           <a:p>
             <a:fld id="{B2C6AC98-F4B7-48AC-9720-0E2DD4CDCD46}" type="datetime1">
               <a:rPr kumimoji="1" lang="ja-JP" altLang="en-US" smtClean="0"/>
-              <a:t>2018/10/29</a:t>
+              <a:t>2018/11/6</a:t>
             </a:fld>
             <a:endParaRPr kumimoji="1" lang="ja-JP" altLang="en-US"/>
           </a:p>
@@ -3859,14 +3859,25 @@
           <a:p>
             <a:r>
               <a:rPr kumimoji="1" lang="en-US" altLang="ja-JP" dirty="0" smtClean="0"/>
-              <a:t>2018/10/29</a:t>
-            </a:r>
-            <a:endParaRPr kumimoji="1" lang="en-US" altLang="ja-JP" dirty="0" smtClean="0"/>
-          </a:p>
-          <a:p>
-            <a:r>
-              <a:rPr kumimoji="1" lang="en-US" altLang="ja-JP" dirty="0" err="1" smtClean="0"/>
-              <a:t>Rev.C</a:t>
+              <a:t>2018/11/06</a:t>
+            </a:r>
+          </a:p>
+          <a:p>
+            <a:r>
+              <a:rPr kumimoji="1" lang="en-US" altLang="ja-JP" dirty="0" smtClean="0"/>
+              <a:t>Rev</a:t>
+            </a:r>
+            <a:r>
+              <a:rPr kumimoji="1" lang="en-US" altLang="ja-JP" dirty="0" smtClean="0"/>
+              <a:t>.</a:t>
+            </a:r>
+            <a:r>
+              <a:rPr kumimoji="1" lang="ja-JP" altLang="en-US" dirty="0" smtClean="0"/>
+              <a:t> </a:t>
+            </a:r>
+            <a:r>
+              <a:rPr kumimoji="1" lang="en-US" altLang="ja-JP" dirty="0" smtClean="0"/>
+              <a:t>D</a:t>
             </a:r>
             <a:endParaRPr kumimoji="1" lang="ja-JP" altLang="en-US" dirty="0"/>
           </a:p>
@@ -4153,7 +4164,7 @@
             </a:r>
             <a:r>
               <a:rPr lang="en-US" altLang="ja-JP" sz="2000" dirty="0" smtClean="0"/>
-              <a:t>&gt; all2.log</a:t>
+              <a:t>&gt; all2-train.log</a:t>
             </a:r>
           </a:p>
           <a:p>
@@ -4401,11 +4412,7 @@
             <a:pPr lvl="1"/>
             <a:r>
               <a:rPr lang="ja-JP" altLang="en-US" sz="2000" dirty="0" smtClean="0"/>
-              <a:t>学習中</a:t>
-            </a:r>
-            <a:r>
-              <a:rPr lang="ja-JP" altLang="en-US" sz="2000" dirty="0" smtClean="0"/>
-              <a:t>の</a:t>
+              <a:t>学習中の</a:t>
             </a:r>
             <a:r>
               <a:rPr lang="en-US" altLang="ja-JP" sz="2000" dirty="0" smtClean="0"/>
@@ -4421,11 +4428,7 @@
             <a:pPr lvl="1"/>
             <a:r>
               <a:rPr lang="ja-JP" altLang="en-US" sz="2000" dirty="0" smtClean="0"/>
-              <a:t>学習中の画面をリダイレクトすると画面</a:t>
-            </a:r>
-            <a:r>
-              <a:rPr lang="ja-JP" altLang="en-US" sz="2000" dirty="0" smtClean="0"/>
-              <a:t>がスクロールしなくなるので、ターミナルをもう一つ開いて、</a:t>
+              <a:t>学習中の画面をリダイレクトすると画面がスクロールしなくなるので、ターミナルをもう一つ開いて、</a:t>
             </a:r>
             <a:r>
               <a:rPr lang="en-US" altLang="ja-JP" sz="2000" dirty="0" smtClean="0"/>
@@ -4456,8 +4459,13 @@
             </a:r>
             <a:r>
               <a:rPr lang="en-US" altLang="ja-JP" sz="1800" dirty="0"/>
-              <a:t>tail –f all2-train.log</a:t>
-            </a:r>
+              <a:t>tail –f </a:t>
+            </a:r>
+            <a:r>
+              <a:rPr lang="en-US" altLang="ja-JP" sz="1800" dirty="0" smtClean="0"/>
+              <a:t>backup/all2-train.log</a:t>
+            </a:r>
+            <a:endParaRPr lang="en-US" altLang="ja-JP" sz="1800" dirty="0"/>
           </a:p>
           <a:p>
             <a:pPr lvl="3"/>
@@ -4627,11 +4635,7 @@
           <a:p>
             <a:r>
               <a:rPr kumimoji="1" lang="ja-JP" altLang="en-US" dirty="0" smtClean="0"/>
-              <a:t>学習</a:t>
-            </a:r>
-            <a:r>
-              <a:rPr kumimoji="1" lang="ja-JP" altLang="en-US" dirty="0" smtClean="0"/>
-              <a:t>コマンド実行中画面</a:t>
+              <a:t>学習コマンド実行中画面</a:t>
             </a:r>
             <a:endParaRPr kumimoji="1" lang="ja-JP" altLang="en-US" dirty="0"/>
           </a:p>
@@ -4661,11 +4665,7 @@
           <a:p>
             <a:r>
               <a:rPr kumimoji="1" lang="ja-JP" altLang="en-US" dirty="0" smtClean="0"/>
-              <a:t>ログ</a:t>
-            </a:r>
-            <a:r>
-              <a:rPr kumimoji="1" lang="ja-JP" altLang="en-US" dirty="0" smtClean="0"/>
-              <a:t>収集中画面</a:t>
+              <a:t>ログ収集中画面</a:t>
             </a:r>
             <a:endParaRPr kumimoji="1" lang="ja-JP" altLang="en-US" dirty="0"/>
           </a:p>
@@ -4871,7 +4871,7 @@
             </a:r>
             <a:r>
               <a:rPr lang="en-US" altLang="ja-JP" sz="2000" dirty="0" smtClean="0"/>
-              <a:t>all2</a:t>
+              <a:t>all2/all2</a:t>
             </a:r>
           </a:p>
           <a:p>
@@ -4901,6 +4901,78 @@
             <a:r>
               <a:rPr lang="ja-JP" altLang="en-US" sz="2000" dirty="0" smtClean="0"/>
               <a:t> を出力する</a:t>
+            </a:r>
+            <a:endParaRPr lang="en-US" altLang="ja-JP" sz="2000" dirty="0" smtClean="0"/>
+          </a:p>
+          <a:p>
+            <a:pPr lvl="1"/>
+            <a:r>
+              <a:rPr lang="en-US" altLang="ja-JP" sz="2000" dirty="0" smtClean="0"/>
+              <a:t>darknet-train.sh</a:t>
+            </a:r>
+            <a:r>
+              <a:rPr lang="ja-JP" altLang="en-US" sz="2000" dirty="0" smtClean="0"/>
+              <a:t> は、学習終了後に</a:t>
+            </a:r>
+            <a:r>
+              <a:rPr lang="en-US" altLang="ja-JP" sz="2000" dirty="0" smtClean="0"/>
+              <a:t>weights</a:t>
+            </a:r>
+            <a:r>
+              <a:rPr lang="ja-JP" altLang="en-US" sz="2000" dirty="0" smtClean="0"/>
+              <a:t>ファイルと</a:t>
+            </a:r>
+            <a:r>
+              <a:rPr lang="en-US" altLang="ja-JP" sz="2000" dirty="0" smtClean="0"/>
+              <a:t>log</a:t>
+            </a:r>
+            <a:r>
+              <a:rPr lang="ja-JP" altLang="en-US" sz="2000" dirty="0" smtClean="0"/>
+              <a:t>ファイルを</a:t>
+            </a:r>
+            <a:r>
+              <a:rPr lang="en-US" altLang="ja-JP" sz="2000" dirty="0"/>
+              <a:t>backup/$</a:t>
+            </a:r>
+            <a:r>
+              <a:rPr lang="en-US" altLang="ja-JP" sz="2000" dirty="0" smtClean="0"/>
+              <a:t>TRIAL</a:t>
+            </a:r>
+            <a:r>
+              <a:rPr lang="ja-JP" altLang="en-US" sz="2000" dirty="0" smtClean="0"/>
+              <a:t> に移動しているので、</a:t>
+            </a:r>
+            <a:r>
+              <a:rPr lang="en-US" altLang="ja-JP" sz="2000" dirty="0"/>
+              <a:t> &lt;</a:t>
+            </a:r>
+            <a:r>
+              <a:rPr lang="ja-JP" altLang="en-US" sz="2000" dirty="0"/>
+              <a:t>生成された </a:t>
+            </a:r>
+            <a:r>
+              <a:rPr lang="en-US" altLang="ja-JP" sz="2000" dirty="0"/>
+              <a:t>.weighs </a:t>
+            </a:r>
+            <a:r>
+              <a:rPr lang="ja-JP" altLang="en-US" sz="2000" dirty="0"/>
+              <a:t>保存フォルダ名</a:t>
+            </a:r>
+            <a:r>
+              <a:rPr lang="en-US" altLang="ja-JP" sz="2000" dirty="0" smtClean="0"/>
+              <a:t>&gt;</a:t>
+            </a:r>
+            <a:r>
+              <a:rPr lang="ja-JP" altLang="en-US" sz="2000" dirty="0" smtClean="0"/>
+              <a:t> は、</a:t>
+            </a:r>
+            <a:r>
+              <a:rPr lang="en-US" altLang="ja-JP" sz="2000" dirty="0" smtClean="0"/>
+              <a:t>backup</a:t>
+            </a:r>
+            <a:r>
+              <a:rPr lang="ja-JP" altLang="en-US" sz="2000" dirty="0" smtClean="0"/>
+              <a:t>以下のプロジェクト名になる</a:t>
             </a:r>
             <a:endParaRPr lang="en-US" altLang="ja-JP" sz="2000" dirty="0"/>
           </a:p>
@@ -5104,7 +5176,7 @@
           <a:p>
             <a:r>
               <a:rPr lang="en-US" altLang="ja-JP" sz="2400" dirty="0" smtClean="0"/>
-              <a:t>Process:</a:t>
+              <a:t>Procedure:</a:t>
             </a:r>
           </a:p>
           <a:p>
@@ -5999,7 +6071,7 @@
           <a:p>
             <a:r>
               <a:rPr lang="en-US" altLang="ja-JP" sz="2400" dirty="0" smtClean="0"/>
-              <a:t>Process:</a:t>
+              <a:t>Procedure:</a:t>
             </a:r>
           </a:p>
           <a:p>
@@ -6858,14 +6930,14 @@
           <a:p>
             <a:r>
               <a:rPr lang="en-US" altLang="ja-JP" sz="2400" dirty="0" smtClean="0"/>
-              <a:t>Post process:</a:t>
+              <a:t>Post procedure:</a:t>
             </a:r>
             <a:endParaRPr lang="en-US" altLang="ja-JP" sz="2400" dirty="0"/>
           </a:p>
           <a:p>
             <a:pPr lvl="1"/>
             <a:r>
-              <a:rPr lang="en-US" altLang="ja-JP" sz="2000" smtClean="0"/>
+              <a:rPr lang="en-US" altLang="ja-JP" sz="2000" dirty="0" err="1" smtClean="0"/>
               <a:t>WinSCP</a:t>
             </a:r>
             <a:r>
@@ -11564,7 +11636,7 @@
           <a:p>
             <a:r>
               <a:rPr kumimoji="1" lang="en-US" altLang="ja-JP" sz="2400" dirty="0" smtClean="0"/>
-              <a:t>Process:</a:t>
+              <a:t>Procedure:</a:t>
             </a:r>
           </a:p>
           <a:p>
@@ -11677,11 +11749,7 @@
             <a:pPr lvl="1"/>
             <a:r>
               <a:rPr kumimoji="1" lang="en-US" altLang="ja-JP" sz="2000" dirty="0" smtClean="0"/>
-              <a:t>$ </a:t>
-            </a:r>
-            <a:r>
-              <a:rPr kumimoji="1" lang="en-US" altLang="ja-JP" sz="2000" dirty="0" smtClean="0"/>
-              <a:t>python yolo-img-x28_windows.py &lt;image folder&gt;</a:t>
+              <a:t>$ python yolo-img-x28_windows.py &lt;image folder&gt;</a:t>
             </a:r>
           </a:p>
           <a:p>
@@ -11692,19 +11760,11 @@
             </a:r>
             <a:r>
               <a:rPr kumimoji="1" lang="ja-JP" altLang="en-US" sz="1600" dirty="0" smtClean="0"/>
-              <a:t> </a:t>
-            </a:r>
-            <a:r>
-              <a:rPr kumimoji="1" lang="ja-JP" altLang="en-US" sz="1600" dirty="0" smtClean="0"/>
-              <a:t>があるとエラーが出</a:t>
+              <a:t> があるとエラーが出</a:t>
             </a:r>
             <a:r>
               <a:rPr lang="ja-JP" altLang="en-US" sz="1600" dirty="0" smtClean="0"/>
-              <a:t>て途中で</a:t>
-            </a:r>
-            <a:r>
-              <a:rPr lang="ja-JP" altLang="en-US" sz="1600" dirty="0" smtClean="0"/>
-              <a:t>やめるので</a:t>
+              <a:t>て途中でやめるので</a:t>
             </a:r>
             <a:r>
               <a:rPr lang="ja-JP" altLang="en-US" sz="1600" dirty="0"/>
@@ -12078,15 +12138,7 @@
             </a:r>
             <a:r>
               <a:rPr lang="ja-JP" altLang="en-US" sz="1400" dirty="0" smtClean="0"/>
-              <a:t>マシンに</a:t>
-            </a:r>
-            <a:r>
-              <a:rPr lang="ja-JP" altLang="en-US" sz="1400" dirty="0" smtClean="0"/>
-              <a:t>コピーしてから</a:t>
-            </a:r>
-            <a:r>
-              <a:rPr lang="ja-JP" altLang="en-US" sz="1400" dirty="0" smtClean="0"/>
-              <a:t>実行するか、</a:t>
+              <a:t>マシンにコピーしてから実行するか、</a:t>
             </a:r>
             <a:r>
               <a:rPr lang="en-US" altLang="ja-JP" sz="1400" dirty="0" smtClean="0"/>
